--- a/Presentation/Stage_2/stage_2_presentation.pptx
+++ b/Presentation/Stage_2/stage_2_presentation.pptx
@@ -5,25 +5,31 @@
     <p:sldMasterId id="2147483648" r:id="rId4"/>
   </p:sldMasterIdLst>
   <p:notesMasterIdLst>
-    <p:notesMasterId r:id="rId18"/>
+    <p:notesMasterId r:id="rId24"/>
   </p:notesMasterIdLst>
   <p:handoutMasterIdLst>
-    <p:handoutMasterId r:id="rId19"/>
+    <p:handoutMasterId r:id="rId25"/>
   </p:handoutMasterIdLst>
   <p:sldIdLst>
     <p:sldId id="270" r:id="rId5"/>
     <p:sldId id="269" r:id="rId6"/>
     <p:sldId id="257" r:id="rId7"/>
-    <p:sldId id="275" r:id="rId8"/>
-    <p:sldId id="276" r:id="rId9"/>
-    <p:sldId id="292" r:id="rId10"/>
-    <p:sldId id="293" r:id="rId11"/>
-    <p:sldId id="294" r:id="rId12"/>
-    <p:sldId id="296" r:id="rId13"/>
-    <p:sldId id="300" r:id="rId14"/>
-    <p:sldId id="297" r:id="rId15"/>
-    <p:sldId id="298" r:id="rId16"/>
-    <p:sldId id="268" r:id="rId17"/>
+    <p:sldId id="304" r:id="rId8"/>
+    <p:sldId id="275" r:id="rId9"/>
+    <p:sldId id="276" r:id="rId10"/>
+    <p:sldId id="292" r:id="rId11"/>
+    <p:sldId id="293" r:id="rId12"/>
+    <p:sldId id="294" r:id="rId13"/>
+    <p:sldId id="302" r:id="rId14"/>
+    <p:sldId id="296" r:id="rId15"/>
+    <p:sldId id="300" r:id="rId16"/>
+    <p:sldId id="303" r:id="rId17"/>
+    <p:sldId id="305" r:id="rId18"/>
+    <p:sldId id="306" r:id="rId19"/>
+    <p:sldId id="308" r:id="rId20"/>
+    <p:sldId id="309" r:id="rId21"/>
+    <p:sldId id="297" r:id="rId22"/>
+    <p:sldId id="268" r:id="rId23"/>
   </p:sldIdLst>
   <p:sldSz cx="12192000" cy="6858000"/>
   <p:notesSz cx="6858000" cy="9144000"/>
@@ -227,7 +233,7 @@
             <a:fld id="{23CEAAF3-9831-450B-8D59-2C09DB96C8FC}" type="datetimeFigureOut">
               <a:rPr lang="en-US"/>
               <a:pPr/>
-              <a:t>6/4/2021</a:t>
+              <a:t>6/21/2021</a:t>
             </a:fld>
             <a:endParaRPr/>
           </a:p>
@@ -394,7 +400,7 @@
             <a:fld id="{2D50CD79-FC16-4410-AB61-17F26E6D3BC8}" type="datetimeFigureOut">
               <a:rPr lang="en-US"/>
               <a:pPr/>
-              <a:t>6/4/2021</a:t>
+              <a:t>6/21/2021</a:t>
             </a:fld>
             <a:endParaRPr/>
           </a:p>
@@ -1038,7 +1044,7 @@
             <a:fld id="{183E4277-52B1-4833-AC6F-BB4B6A81D6CC}" type="datetime1">
               <a:rPr lang="en-US" smtClean="0"/>
               <a:pPr/>
-              <a:t>6/4/2021</a:t>
+              <a:t>6/21/2021</a:t>
             </a:fld>
             <a:endParaRPr lang="en-US" dirty="0"/>
           </a:p>
@@ -1336,7 +1342,7 @@
             <a:fld id="{5C890C03-C70A-476F-BE79-585F03F505CD}" type="datetime1">
               <a:rPr lang="en-US" smtClean="0"/>
               <a:pPr/>
-              <a:t>6/4/2021</a:t>
+              <a:t>6/21/2021</a:t>
             </a:fld>
             <a:endParaRPr/>
           </a:p>
@@ -1524,7 +1530,7 @@
             <a:fld id="{47D0A024-B9D2-407A-A933-5D6963607B69}" type="datetime1">
               <a:rPr lang="en-US" smtClean="0"/>
               <a:pPr/>
-              <a:t>6/4/2021</a:t>
+              <a:t>6/21/2021</a:t>
             </a:fld>
             <a:endParaRPr/>
           </a:p>
@@ -1722,7 +1728,7 @@
             <a:fld id="{26313726-BB44-4512-808B-B68E8613AC52}" type="datetime1">
               <a:rPr lang="en-US" smtClean="0"/>
               <a:pPr/>
-              <a:t>6/4/2021</a:t>
+              <a:t>6/21/2021</a:t>
             </a:fld>
             <a:endParaRPr/>
           </a:p>
@@ -1997,7 +2003,7 @@
             <a:fld id="{78F08668-515E-49FB-922C-5F234CBCB7AB}" type="datetime1">
               <a:rPr lang="en-US" smtClean="0"/>
               <a:pPr/>
-              <a:t>6/4/2021</a:t>
+              <a:t>6/21/2021</a:t>
             </a:fld>
             <a:endParaRPr/>
           </a:p>
@@ -3032,7 +3038,7 @@
             <a:fld id="{BC09471B-790C-4B66-821E-4A767AEDEC76}" type="datetime1">
               <a:rPr lang="en-US" smtClean="0"/>
               <a:pPr/>
-              <a:t>6/4/2021</a:t>
+              <a:t>6/21/2021</a:t>
             </a:fld>
             <a:endParaRPr/>
           </a:p>
@@ -3311,7 +3317,7 @@
             <a:fld id="{38CB8318-D5D0-44B7-B1EA-676E0E2BD6CC}" type="datetime1">
               <a:rPr lang="en-US" smtClean="0"/>
               <a:pPr/>
-              <a:t>6/4/2021</a:t>
+              <a:t>6/21/2021</a:t>
             </a:fld>
             <a:endParaRPr/>
           </a:p>
@@ -3697,7 +3703,7 @@
             <a:fld id="{4C09CE64-E006-40B0-A252-8B956A8588A1}" type="datetime1">
               <a:rPr lang="en-US" smtClean="0"/>
               <a:pPr/>
-              <a:t>6/4/2021</a:t>
+              <a:t>6/21/2021</a:t>
             </a:fld>
             <a:endParaRPr/>
           </a:p>
@@ -3833,7 +3839,7 @@
             <a:fld id="{D801D14B-6E16-4983-8AE7-1E9FD4ED446E}" type="datetime1">
               <a:rPr lang="en-US" smtClean="0"/>
               <a:pPr/>
-              <a:t>6/4/2021</a:t>
+              <a:t>6/21/2021</a:t>
             </a:fld>
             <a:endParaRPr/>
           </a:p>
@@ -3946,7 +3952,7 @@
             <a:fld id="{39D0E21E-CD8B-48CA-B5C0-8B76D73C89AB}" type="datetime1">
               <a:rPr lang="en-US" smtClean="0"/>
               <a:pPr/>
-              <a:t>6/4/2021</a:t>
+              <a:t>6/21/2021</a:t>
             </a:fld>
             <a:endParaRPr/>
           </a:p>
@@ -4243,7 +4249,7 @@
             <a:fld id="{9BDB5B88-5499-4082-B3EB-38DEDE282E1E}" type="datetime1">
               <a:rPr lang="en-US" smtClean="0"/>
               <a:pPr/>
-              <a:t>6/4/2021</a:t>
+              <a:t>6/21/2021</a:t>
             </a:fld>
             <a:endParaRPr/>
           </a:p>
@@ -4474,7 +4480,7 @@
             <a:fld id="{20CEE9E0-1356-49C3-9AF4-E01992A7F1A8}" type="datetime1">
               <a:rPr lang="en-US" smtClean="0"/>
               <a:pPr/>
-              <a:t>6/4/2021</a:t>
+              <a:t>6/21/2021</a:t>
             </a:fld>
             <a:endParaRPr lang="en-US"/>
           </a:p>
@@ -5336,21 +5342,19 @@
           <a:bodyPr/>
           <a:lstStyle/>
           <a:p>
-            <a:pPr marL="285750" indent="-285750">
+            <a:pPr>
               <a:lnSpc>
                 <a:spcPct val="115000"/>
               </a:lnSpc>
               <a:spcAft>
                 <a:spcPts val="1000"/>
               </a:spcAft>
-              <a:buFont typeface="Arial" panose="020B0604020202020204" pitchFamily="34" charset="0"/>
-              <a:buChar char="•"/>
             </a:pPr>
             <a:r>
               <a:rPr lang="en-US" sz="2800" dirty="0">
                 <a:effectLst/>
               </a:rPr>
-              <a:t>Results</a:t>
+              <a:t>Implementation Status</a:t>
             </a:r>
             <a:endParaRPr lang="en-IN" sz="2800" dirty="0">
               <a:effectLst/>
@@ -5360,41 +5364,54 @@
           </a:p>
         </p:txBody>
       </p:sp>
-      <p:pic>
-        <p:nvPicPr>
-          <p:cNvPr id="3" name="Content Placeholder 2">
-            <a:extLst>
-              <a:ext uri="{FF2B5EF4-FFF2-40B4-BE49-F238E27FC236}">
-                <a16:creationId xmlns:a16="http://schemas.microsoft.com/office/drawing/2014/main" id="{0DD96438-24A5-4574-9B45-C085A7A74614}"/>
-              </a:ext>
-            </a:extLst>
-          </p:cNvPr>
-          <p:cNvPicPr>
-            <a:picLocks noGrp="1" noChangeAspect="1"/>
-          </p:cNvPicPr>
+      <p:sp>
+        <p:nvSpPr>
+          <p:cNvPr id="14" name="Content Placeholder 13"/>
+          <p:cNvSpPr>
+            <a:spLocks noGrp="1"/>
+          </p:cNvSpPr>
           <p:nvPr>
             <p:ph idx="1"/>
           </p:nvPr>
-        </p:nvPicPr>
-        <p:blipFill>
-          <a:blip r:embed="rId2">
-            <a:extLst>
-              <a:ext uri="{28A0092B-C50C-407E-A947-70E740481C1C}">
-                <a14:useLocalDpi xmlns:a14="http://schemas.microsoft.com/office/drawing/2010/main" val="0"/>
-              </a:ext>
-            </a:extLst>
-          </a:blip>
-          <a:stretch>
-            <a:fillRect/>
-          </a:stretch>
-        </p:blipFill>
+        </p:nvSpPr>
         <p:spPr>
           <a:xfrm>
-            <a:off x="1882317" y="3657947"/>
-            <a:ext cx="4060560" cy="1450200"/>
+            <a:off x="1103382" y="2288220"/>
+            <a:ext cx="9982200" cy="4572000"/>
           </a:xfrm>
         </p:spPr>
-      </p:pic>
+        <p:txBody>
+          <a:bodyPr>
+            <a:normAutofit/>
+          </a:bodyPr>
+          <a:lstStyle/>
+          <a:p>
+            <a:pPr marL="0" indent="0">
+              <a:lnSpc>
+                <a:spcPct val="90000"/>
+              </a:lnSpc>
+              <a:spcBef>
+                <a:spcPts val="1800"/>
+              </a:spcBef>
+              <a:buNone/>
+            </a:pPr>
+            <a:endParaRPr lang="en-US" dirty="0"/>
+          </a:p>
+          <a:p>
+            <a:pPr marL="228600" indent="-228600">
+              <a:lnSpc>
+                <a:spcPct val="90000"/>
+              </a:lnSpc>
+              <a:spcBef>
+                <a:spcPts val="1800"/>
+              </a:spcBef>
+              <a:buFont typeface="Wingdings" panose="05000000000000000000" pitchFamily="2" charset="2"/>
+              <a:buChar char="§"/>
+            </a:pPr>
+            <a:endParaRPr lang="en-US" dirty="0"/>
+          </a:p>
+        </p:txBody>
+      </p:sp>
       <p:sp>
         <p:nvSpPr>
           <p:cNvPr id="5" name="Footer Placeholder 4"/>
@@ -5429,7 +5446,7 @@
           <p:nvPr/>
         </p:nvPicPr>
         <p:blipFill>
-          <a:blip r:embed="rId3" cstate="print">
+          <a:blip r:embed="rId2" cstate="print">
             <a:extLst>
               <a:ext uri="{28A0092B-C50C-407E-A947-70E740481C1C}">
                 <a14:useLocalDpi xmlns:a14="http://schemas.microsoft.com/office/drawing/2010/main" val="0"/>
@@ -5457,22 +5474,544 @@
           </a:ln>
         </p:spPr>
       </p:pic>
-      <p:pic>
-        <p:nvPicPr>
-          <p:cNvPr id="7" name="Picture 6">
+      <p:sp>
+        <p:nvSpPr>
+          <p:cNvPr id="2" name="TextBox 1">
             <a:extLst>
               <a:ext uri="{FF2B5EF4-FFF2-40B4-BE49-F238E27FC236}">
-                <a16:creationId xmlns:a16="http://schemas.microsoft.com/office/drawing/2014/main" id="{C4BCA134-176E-4C1B-83F1-1C3F62FCB0F2}"/>
+                <a16:creationId xmlns:a16="http://schemas.microsoft.com/office/drawing/2014/main" id="{DE96EF12-1ABD-4FF4-9C9B-FDBC0CD4E1FD}"/>
               </a:ext>
             </a:extLst>
           </p:cNvPr>
+          <p:cNvSpPr txBox="1"/>
+          <p:nvPr/>
+        </p:nvSpPr>
+        <p:spPr>
+          <a:xfrm>
+            <a:off x="1225118" y="6187736"/>
+            <a:ext cx="184731" cy="369332"/>
+          </a:xfrm>
+          <a:prstGeom prst="rect">
+            <a:avLst/>
+          </a:prstGeom>
+          <a:noFill/>
+        </p:spPr>
+        <p:txBody>
+          <a:bodyPr wrap="none" rtlCol="0">
+            <a:spAutoFit/>
+          </a:bodyPr>
+          <a:lstStyle/>
+          <a:p>
+            <a:endParaRPr lang="en-IN" dirty="0"/>
+          </a:p>
+        </p:txBody>
+      </p:sp>
+      <p:sp>
+        <p:nvSpPr>
+          <p:cNvPr id="3" name="TextBox 2">
+            <a:extLst>
+              <a:ext uri="{FF2B5EF4-FFF2-40B4-BE49-F238E27FC236}">
+                <a16:creationId xmlns:a16="http://schemas.microsoft.com/office/drawing/2014/main" id="{EC30AA51-2C4D-4BAB-8AF1-6A247A6FCD41}"/>
+              </a:ext>
+            </a:extLst>
+          </p:cNvPr>
+          <p:cNvSpPr txBox="1"/>
+          <p:nvPr/>
+        </p:nvSpPr>
+        <p:spPr>
+          <a:xfrm>
+            <a:off x="4663328" y="1546025"/>
+            <a:ext cx="4070782" cy="369332"/>
+          </a:xfrm>
+          <a:prstGeom prst="rect">
+            <a:avLst/>
+          </a:prstGeom>
+          <a:noFill/>
+        </p:spPr>
+        <p:txBody>
+          <a:bodyPr wrap="square" rtlCol="0">
+            <a:spAutoFit/>
+          </a:bodyPr>
+          <a:lstStyle/>
+          <a:p>
+            <a:r>
+              <a:rPr lang="en-US" b="1" dirty="0"/>
+              <a:t>Image Upscaling</a:t>
+            </a:r>
+            <a:endParaRPr lang="en-IN" b="1" dirty="0"/>
+          </a:p>
+        </p:txBody>
+      </p:sp>
+      <p:sp>
+        <p:nvSpPr>
+          <p:cNvPr id="7" name="TextBox 6">
+            <a:extLst>
+              <a:ext uri="{FF2B5EF4-FFF2-40B4-BE49-F238E27FC236}">
+                <a16:creationId xmlns:a16="http://schemas.microsoft.com/office/drawing/2014/main" id="{3525822C-39B5-440F-8E64-35B9CF563785}"/>
+              </a:ext>
+            </a:extLst>
+          </p:cNvPr>
+          <p:cNvSpPr txBox="1"/>
+          <p:nvPr/>
+        </p:nvSpPr>
+        <p:spPr>
+          <a:xfrm>
+            <a:off x="1225118" y="2441359"/>
+            <a:ext cx="9250532" cy="369332"/>
+          </a:xfrm>
+          <a:prstGeom prst="rect">
+            <a:avLst/>
+          </a:prstGeom>
+          <a:noFill/>
+        </p:spPr>
+        <p:txBody>
+          <a:bodyPr wrap="square" rtlCol="0">
+            <a:spAutoFit/>
+          </a:bodyPr>
+          <a:lstStyle/>
+          <a:p>
+            <a:pPr marL="285750" indent="-285750">
+              <a:buFont typeface="Wingdings" panose="05000000000000000000" pitchFamily="2" charset="2"/>
+              <a:buChar char="§"/>
+            </a:pPr>
+            <a:endParaRPr lang="en-US" dirty="0"/>
+          </a:p>
+        </p:txBody>
+      </p:sp>
+      <p:sp>
+        <p:nvSpPr>
+          <p:cNvPr id="16" name="Content Placeholder 13">
+            <a:extLst>
+              <a:ext uri="{FF2B5EF4-FFF2-40B4-BE49-F238E27FC236}">
+                <a16:creationId xmlns:a16="http://schemas.microsoft.com/office/drawing/2014/main" id="{F4667A6D-AF66-45C3-B4BA-5768208D6BEB}"/>
+              </a:ext>
+            </a:extLst>
+          </p:cNvPr>
+          <p:cNvSpPr txBox="1">
+            <a:spLocks/>
+          </p:cNvSpPr>
+          <p:nvPr/>
+        </p:nvSpPr>
+        <p:spPr>
+          <a:xfrm>
+            <a:off x="1255782" y="2440620"/>
+            <a:ext cx="9982200" cy="4572000"/>
+          </a:xfrm>
+          <a:prstGeom prst="rect">
+            <a:avLst/>
+          </a:prstGeom>
+        </p:spPr>
+        <p:txBody>
+          <a:bodyPr vert="horz" lIns="0" tIns="45720" rIns="0" bIns="45720" rtlCol="0">
+            <a:normAutofit/>
+          </a:bodyPr>
+          <a:lstStyle>
+            <a:lvl1pPr marL="228600" indent="-228600" algn="l" defTabSz="914400" rtl="0" eaLnBrk="1" latinLnBrk="0" hangingPunct="1">
+              <a:lnSpc>
+                <a:spcPct val="90000"/>
+              </a:lnSpc>
+              <a:spcBef>
+                <a:spcPts val="1800"/>
+              </a:spcBef>
+              <a:buFont typeface="Wingdings" panose="05000000000000000000" pitchFamily="2" charset="2"/>
+              <a:buChar char="§"/>
+              <a:defRPr sz="2000" kern="1200">
+                <a:solidFill>
+                  <a:schemeClr val="tx1"/>
+                </a:solidFill>
+                <a:latin typeface="+mn-lt"/>
+                <a:ea typeface="+mn-ea"/>
+                <a:cs typeface="+mn-cs"/>
+              </a:defRPr>
+            </a:lvl1pPr>
+            <a:lvl2pPr marL="685800" indent="-228600" algn="l" defTabSz="914400" rtl="0" eaLnBrk="1" latinLnBrk="0" hangingPunct="1">
+              <a:lnSpc>
+                <a:spcPct val="90000"/>
+              </a:lnSpc>
+              <a:spcBef>
+                <a:spcPts val="600"/>
+              </a:spcBef>
+              <a:buFont typeface="Wingdings" panose="05000000000000000000" pitchFamily="2" charset="2"/>
+              <a:buChar char="§"/>
+              <a:defRPr sz="1600" kern="1200">
+                <a:solidFill>
+                  <a:schemeClr val="tx1"/>
+                </a:solidFill>
+                <a:latin typeface="+mn-lt"/>
+                <a:ea typeface="+mn-ea"/>
+                <a:cs typeface="+mn-cs"/>
+              </a:defRPr>
+            </a:lvl2pPr>
+            <a:lvl3pPr marL="1143000" indent="-228600" algn="l" defTabSz="914400" rtl="0" eaLnBrk="1" latinLnBrk="0" hangingPunct="1">
+              <a:lnSpc>
+                <a:spcPct val="90000"/>
+              </a:lnSpc>
+              <a:spcBef>
+                <a:spcPts val="600"/>
+              </a:spcBef>
+              <a:buFont typeface="Wingdings" panose="05000000000000000000" pitchFamily="2" charset="2"/>
+              <a:buChar char="§"/>
+              <a:defRPr sz="1400" kern="1200">
+                <a:solidFill>
+                  <a:schemeClr val="tx1"/>
+                </a:solidFill>
+                <a:latin typeface="+mn-lt"/>
+                <a:ea typeface="+mn-ea"/>
+                <a:cs typeface="+mn-cs"/>
+              </a:defRPr>
+            </a:lvl3pPr>
+            <a:lvl4pPr marL="1600200" indent="-228600" algn="l" defTabSz="914400" rtl="0" eaLnBrk="1" latinLnBrk="0" hangingPunct="1">
+              <a:lnSpc>
+                <a:spcPct val="90000"/>
+              </a:lnSpc>
+              <a:spcBef>
+                <a:spcPts val="600"/>
+              </a:spcBef>
+              <a:buFont typeface="Wingdings" panose="05000000000000000000" pitchFamily="2" charset="2"/>
+              <a:buChar char="§"/>
+              <a:defRPr sz="1400" kern="1200">
+                <a:solidFill>
+                  <a:schemeClr val="tx1"/>
+                </a:solidFill>
+                <a:latin typeface="+mn-lt"/>
+                <a:ea typeface="+mn-ea"/>
+                <a:cs typeface="+mn-cs"/>
+              </a:defRPr>
+            </a:lvl4pPr>
+            <a:lvl5pPr marL="2057400" indent="-228600" algn="l" defTabSz="914400" rtl="0" eaLnBrk="1" latinLnBrk="0" hangingPunct="1">
+              <a:lnSpc>
+                <a:spcPct val="90000"/>
+              </a:lnSpc>
+              <a:spcBef>
+                <a:spcPts val="600"/>
+              </a:spcBef>
+              <a:buFont typeface="Wingdings" panose="05000000000000000000" pitchFamily="2" charset="2"/>
+              <a:buChar char="§"/>
+              <a:defRPr sz="1400" kern="1200">
+                <a:solidFill>
+                  <a:schemeClr val="tx1"/>
+                </a:solidFill>
+                <a:latin typeface="+mn-lt"/>
+                <a:ea typeface="+mn-ea"/>
+                <a:cs typeface="+mn-cs"/>
+              </a:defRPr>
+            </a:lvl5pPr>
+            <a:lvl6pPr marL="2514600" indent="-228600" algn="l" defTabSz="914400" rtl="0" eaLnBrk="1" latinLnBrk="0" hangingPunct="1">
+              <a:lnSpc>
+                <a:spcPct val="90000"/>
+              </a:lnSpc>
+              <a:spcBef>
+                <a:spcPts val="500"/>
+              </a:spcBef>
+              <a:buFont typeface="Wingdings" panose="05000000000000000000" pitchFamily="2" charset="2"/>
+              <a:buChar char="§"/>
+              <a:defRPr sz="1400" kern="1200">
+                <a:solidFill>
+                  <a:schemeClr val="tx1"/>
+                </a:solidFill>
+                <a:latin typeface="+mn-lt"/>
+                <a:ea typeface="+mn-ea"/>
+                <a:cs typeface="+mn-cs"/>
+              </a:defRPr>
+            </a:lvl6pPr>
+            <a:lvl7pPr marL="2971800" indent="-228600" algn="l" defTabSz="914400" rtl="0" eaLnBrk="1" latinLnBrk="0" hangingPunct="1">
+              <a:lnSpc>
+                <a:spcPct val="90000"/>
+              </a:lnSpc>
+              <a:spcBef>
+                <a:spcPts val="500"/>
+              </a:spcBef>
+              <a:buFont typeface="Wingdings" panose="05000000000000000000" pitchFamily="2" charset="2"/>
+              <a:buChar char="§"/>
+              <a:defRPr sz="1400" kern="1200">
+                <a:solidFill>
+                  <a:schemeClr val="tx1"/>
+                </a:solidFill>
+                <a:latin typeface="+mn-lt"/>
+                <a:ea typeface="+mn-ea"/>
+                <a:cs typeface="+mn-cs"/>
+              </a:defRPr>
+            </a:lvl7pPr>
+            <a:lvl8pPr marL="3429000" indent="-228600" algn="l" defTabSz="914400" rtl="0" eaLnBrk="1" latinLnBrk="0" hangingPunct="1">
+              <a:lnSpc>
+                <a:spcPct val="90000"/>
+              </a:lnSpc>
+              <a:spcBef>
+                <a:spcPts val="500"/>
+              </a:spcBef>
+              <a:buFont typeface="Wingdings" panose="05000000000000000000" pitchFamily="2" charset="2"/>
+              <a:buChar char="§"/>
+              <a:defRPr sz="1400" kern="1200">
+                <a:solidFill>
+                  <a:schemeClr val="tx1"/>
+                </a:solidFill>
+                <a:latin typeface="+mn-lt"/>
+                <a:ea typeface="+mn-ea"/>
+                <a:cs typeface="+mn-cs"/>
+              </a:defRPr>
+            </a:lvl8pPr>
+            <a:lvl9pPr marL="3886200" indent="-228600" algn="l" defTabSz="914400" rtl="0" eaLnBrk="1" latinLnBrk="0" hangingPunct="1">
+              <a:lnSpc>
+                <a:spcPct val="90000"/>
+              </a:lnSpc>
+              <a:spcBef>
+                <a:spcPts val="500"/>
+              </a:spcBef>
+              <a:buFont typeface="Wingdings" panose="05000000000000000000" pitchFamily="2" charset="2"/>
+              <a:buChar char="§"/>
+              <a:defRPr sz="1400" kern="1200">
+                <a:solidFill>
+                  <a:schemeClr val="tx1"/>
+                </a:solidFill>
+                <a:latin typeface="+mn-lt"/>
+                <a:ea typeface="+mn-ea"/>
+                <a:cs typeface="+mn-cs"/>
+              </a:defRPr>
+            </a:lvl9pPr>
+          </a:lstStyle>
+          <a:p>
+            <a:r>
+              <a:rPr lang="en-US" dirty="0"/>
+              <a:t>Image Upscaling has been successfully demonstrated using transferred learning and has shown promising results. </a:t>
+            </a:r>
+          </a:p>
+          <a:p>
+            <a:r>
+              <a:rPr lang="en-US" dirty="0"/>
+              <a:t>We used </a:t>
+            </a:r>
+            <a:r>
+              <a:rPr lang="en-US" dirty="0" err="1"/>
+              <a:t>Ledig’s</a:t>
+            </a:r>
+            <a:r>
+              <a:rPr lang="en-US" dirty="0"/>
+              <a:t> VGG-based SRGAN architecture to implement the same.</a:t>
+            </a:r>
+          </a:p>
+          <a:p>
+            <a:r>
+              <a:rPr lang="en-US" dirty="0"/>
+              <a:t>We fine tuned </a:t>
+            </a:r>
+            <a:r>
+              <a:rPr lang="en-US" dirty="0" err="1"/>
+              <a:t>Ledig’s</a:t>
+            </a:r>
+            <a:r>
+              <a:rPr lang="en-US" dirty="0"/>
+              <a:t> SRGAN’s weights on our cherry picked image dataset.</a:t>
+            </a:r>
+          </a:p>
+          <a:p>
+            <a:r>
+              <a:rPr lang="en-US" dirty="0"/>
+              <a:t>We compared the pre-trained and post-trained output with Wide Activation SRGAN (WDSR GAN) and Enhanced Deep Learning SR GAN (EDSR GAN)</a:t>
+            </a:r>
+          </a:p>
+          <a:p>
+            <a:endParaRPr lang="en-US" dirty="0"/>
+          </a:p>
+          <a:p>
+            <a:endParaRPr lang="en-US" dirty="0"/>
+          </a:p>
+          <a:p>
+            <a:endParaRPr lang="en-US" dirty="0"/>
+          </a:p>
+          <a:p>
+            <a:pPr marL="0" indent="0">
+              <a:buFont typeface="Wingdings" panose="05000000000000000000" pitchFamily="2" charset="2"/>
+              <a:buNone/>
+            </a:pPr>
+            <a:endParaRPr lang="en-US" dirty="0"/>
+          </a:p>
+          <a:p>
+            <a:endParaRPr lang="en-US" dirty="0"/>
+          </a:p>
+        </p:txBody>
+      </p:sp>
+    </p:spTree>
+    <p:extLst>
+      <p:ext uri="{BB962C8B-B14F-4D97-AF65-F5344CB8AC3E}">
+        <p14:creationId xmlns:p14="http://schemas.microsoft.com/office/powerpoint/2010/main" val="2234837261"/>
+      </p:ext>
+    </p:extLst>
+  </p:cSld>
+  <p:clrMapOvr>
+    <a:masterClrMapping/>
+  </p:clrMapOvr>
+  <mc:AlternateContent xmlns:mc="http://schemas.openxmlformats.org/markup-compatibility/2006" xmlns:p14="http://schemas.microsoft.com/office/powerpoint/2010/main">
+    <mc:Choice Requires="p14">
+      <p:transition spd="med" p14:dur="700">
+        <p:fade/>
+      </p:transition>
+    </mc:Choice>
+    <mc:Fallback xmlns="">
+      <p:transition spd="med">
+        <p:fade/>
+      </p:transition>
+    </mc:Fallback>
+  </mc:AlternateContent>
+</p:sld>
+</file>
+
+<file path=ppt/slides/slide11.xml><?xml version="1.0" encoding="utf-8"?>
+<p:sld xmlns:a="http://schemas.openxmlformats.org/drawingml/2006/main" xmlns:r="http://schemas.openxmlformats.org/officeDocument/2006/relationships" xmlns:p="http://schemas.openxmlformats.org/presentationml/2006/main">
+  <p:cSld>
+    <p:spTree>
+      <p:nvGrpSpPr>
+        <p:cNvPr id="1" name=""/>
+        <p:cNvGrpSpPr/>
+        <p:nvPr/>
+      </p:nvGrpSpPr>
+      <p:grpSpPr>
+        <a:xfrm>
+          <a:off x="0" y="0"/>
+          <a:ext cx="0" cy="0"/>
+          <a:chOff x="0" y="0"/>
+          <a:chExt cx="0" cy="0"/>
+        </a:xfrm>
+      </p:grpSpPr>
+      <p:sp>
+        <p:nvSpPr>
+          <p:cNvPr id="13" name="Title 12"/>
+          <p:cNvSpPr>
+            <a:spLocks noGrp="1"/>
+          </p:cNvSpPr>
+          <p:nvPr>
+            <p:ph type="title"/>
+          </p:nvPr>
+        </p:nvSpPr>
+        <p:spPr/>
+        <p:txBody>
+          <a:bodyPr/>
+          <a:lstStyle/>
+          <a:p>
+            <a:pPr marL="285750" indent="-285750">
+              <a:lnSpc>
+                <a:spcPct val="115000"/>
+              </a:lnSpc>
+              <a:spcAft>
+                <a:spcPts val="1000"/>
+              </a:spcAft>
+              <a:buFont typeface="Arial" panose="020B0604020202020204" pitchFamily="34" charset="0"/>
+              <a:buChar char="•"/>
+            </a:pPr>
+            <a:r>
+              <a:rPr lang="en-US" sz="2800" dirty="0">
+                <a:effectLst/>
+              </a:rPr>
+              <a:t>Results</a:t>
+            </a:r>
+            <a:endParaRPr lang="en-IN" sz="2800" dirty="0">
+              <a:effectLst/>
+              <a:latin typeface="Calibri" panose="020F0502020204030204" pitchFamily="34" charset="0"/>
+              <a:ea typeface="Calibri" panose="020F0502020204030204" pitchFamily="34" charset="0"/>
+            </a:endParaRPr>
+          </a:p>
+        </p:txBody>
+      </p:sp>
+      <p:sp>
+        <p:nvSpPr>
+          <p:cNvPr id="14" name="Content Placeholder 13"/>
+          <p:cNvSpPr>
+            <a:spLocks noGrp="1"/>
+          </p:cNvSpPr>
+          <p:nvPr>
+            <p:ph idx="1"/>
+          </p:nvPr>
+        </p:nvSpPr>
+        <p:spPr/>
+        <p:txBody>
+          <a:bodyPr>
+            <a:normAutofit/>
+          </a:bodyPr>
+          <a:lstStyle/>
+          <a:p>
+            <a:pPr marL="228600" indent="-228600">
+              <a:lnSpc>
+                <a:spcPct val="90000"/>
+              </a:lnSpc>
+              <a:spcBef>
+                <a:spcPts val="1800"/>
+              </a:spcBef>
+              <a:buFont typeface="Wingdings" panose="05000000000000000000" pitchFamily="2" charset="2"/>
+              <a:buChar char="§"/>
+            </a:pPr>
+            <a:r>
+              <a:rPr lang="en-US" dirty="0"/>
+              <a:t> A proper testing pipeline has yet to be set up that will compare the output images with the ground truth</a:t>
+            </a:r>
+          </a:p>
+          <a:p>
+            <a:pPr marL="228600" indent="-228600">
+              <a:lnSpc>
+                <a:spcPct val="90000"/>
+              </a:lnSpc>
+              <a:spcBef>
+                <a:spcPts val="1800"/>
+              </a:spcBef>
+              <a:buFont typeface="Wingdings" panose="05000000000000000000" pitchFamily="2" charset="2"/>
+              <a:buChar char="§"/>
+            </a:pPr>
+            <a:r>
+              <a:rPr lang="en-US" dirty="0"/>
+              <a:t>The images will be evaluated over L2 loss</a:t>
+            </a:r>
+          </a:p>
+          <a:p>
+            <a:pPr marL="228600" indent="-228600">
+              <a:lnSpc>
+                <a:spcPct val="90000"/>
+              </a:lnSpc>
+              <a:spcBef>
+                <a:spcPts val="1800"/>
+              </a:spcBef>
+              <a:buFont typeface="Wingdings" panose="05000000000000000000" pitchFamily="2" charset="2"/>
+              <a:buChar char="§"/>
+            </a:pPr>
+            <a:r>
+              <a:rPr lang="en-US" dirty="0"/>
+              <a:t>GANs are particularly hard to evaluate quantitatively. Having said that, we have achieved visually appealing results which, evaluated qualitatively, are quite convincing </a:t>
+            </a:r>
+          </a:p>
+        </p:txBody>
+      </p:sp>
+      <p:sp>
+        <p:nvSpPr>
+          <p:cNvPr id="5" name="Footer Placeholder 4"/>
+          <p:cNvSpPr>
+            <a:spLocks noGrp="1"/>
+          </p:cNvSpPr>
+          <p:nvPr>
+            <p:ph type="ftr" sz="quarter" idx="11"/>
+          </p:nvPr>
+        </p:nvSpPr>
+        <p:spPr/>
+        <p:txBody>
+          <a:bodyPr/>
+          <a:lstStyle/>
+          <a:p>
+            <a:r>
+              <a:rPr lang="en-IN" sz="1200" dirty="0">
+                <a:cs typeface="Times New Roman" panose="02020603050405020304" pitchFamily="18" charset="0"/>
+              </a:rPr>
+              <a:t>Astronomical image colourisation and super-resolution using GANS</a:t>
+            </a:r>
+            <a:endParaRPr lang="en-IN" dirty="0"/>
+          </a:p>
+        </p:txBody>
+      </p:sp>
+      <p:pic>
+        <p:nvPicPr>
+          <p:cNvPr id="4" name="Picture 1"/>
           <p:cNvPicPr>
-            <a:picLocks noChangeAspect="1"/>
+            <a:picLocks noChangeAspect="1" noChangeArrowheads="1"/>
           </p:cNvPicPr>
           <p:nvPr/>
         </p:nvPicPr>
         <p:blipFill>
-          <a:blip r:embed="rId4">
+          <a:blip r:embed="rId2" cstate="print">
             <a:extLst>
               <a:ext uri="{28A0092B-C50C-407E-A947-70E740481C1C}">
                 <a14:useLocalDpi xmlns:a14="http://schemas.microsoft.com/office/drawing/2010/main" val="0"/>
@@ -5483,32 +6022,139 @@
             <a:fillRect/>
           </a:stretch>
         </p:blipFill>
-        <p:spPr>
+        <p:spPr bwMode="auto">
           <a:xfrm>
-            <a:off x="6858980" y="3657947"/>
-            <a:ext cx="4060560" cy="1450200"/>
+            <a:off x="10919540" y="150750"/>
+            <a:ext cx="1233271" cy="1029803"/>
           </a:xfrm>
           <a:prstGeom prst="rect">
             <a:avLst/>
           </a:prstGeom>
+          <a:noFill/>
+          <a:ln w="9525">
+            <a:noFill/>
+            <a:miter lim="800000"/>
+            <a:headEnd/>
+            <a:tailEnd/>
+          </a:ln>
         </p:spPr>
       </p:pic>
+    </p:spTree>
+    <p:extLst>
+      <p:ext uri="{BB962C8B-B14F-4D97-AF65-F5344CB8AC3E}">
+        <p14:creationId xmlns:p14="http://schemas.microsoft.com/office/powerpoint/2010/main" val="3140287691"/>
+      </p:ext>
+    </p:extLst>
+  </p:cSld>
+  <p:clrMapOvr>
+    <a:masterClrMapping/>
+  </p:clrMapOvr>
+  <mc:AlternateContent xmlns:mc="http://schemas.openxmlformats.org/markup-compatibility/2006" xmlns:p14="http://schemas.microsoft.com/office/powerpoint/2010/main">
+    <mc:Choice Requires="p14">
+      <p:transition spd="med" p14:dur="700">
+        <p:fade/>
+      </p:transition>
+    </mc:Choice>
+    <mc:Fallback xmlns="">
+      <p:transition spd="med">
+        <p:fade/>
+      </p:transition>
+    </mc:Fallback>
+  </mc:AlternateContent>
+</p:sld>
+</file>
+
+<file path=ppt/slides/slide12.xml><?xml version="1.0" encoding="utf-8"?>
+<p:sld xmlns:a="http://schemas.openxmlformats.org/drawingml/2006/main" xmlns:r="http://schemas.openxmlformats.org/officeDocument/2006/relationships" xmlns:p="http://schemas.openxmlformats.org/presentationml/2006/main">
+  <p:cSld>
+    <p:spTree>
+      <p:nvGrpSpPr>
+        <p:cNvPr id="1" name=""/>
+        <p:cNvGrpSpPr/>
+        <p:nvPr/>
+      </p:nvGrpSpPr>
+      <p:grpSpPr>
+        <a:xfrm>
+          <a:off x="0" y="0"/>
+          <a:ext cx="0" cy="0"/>
+          <a:chOff x="0" y="0"/>
+          <a:chExt cx="0" cy="0"/>
+        </a:xfrm>
+      </p:grpSpPr>
+      <p:sp>
+        <p:nvSpPr>
+          <p:cNvPr id="13" name="Title 12"/>
+          <p:cNvSpPr>
+            <a:spLocks noGrp="1"/>
+          </p:cNvSpPr>
+          <p:nvPr>
+            <p:ph type="title"/>
+          </p:nvPr>
+        </p:nvSpPr>
+        <p:spPr/>
+        <p:txBody>
+          <a:bodyPr/>
+          <a:lstStyle/>
+          <a:p>
+            <a:pPr marL="285750" indent="-285750">
+              <a:lnSpc>
+                <a:spcPct val="115000"/>
+              </a:lnSpc>
+              <a:spcAft>
+                <a:spcPts val="1000"/>
+              </a:spcAft>
+              <a:buFont typeface="Arial" panose="020B0604020202020204" pitchFamily="34" charset="0"/>
+              <a:buChar char="•"/>
+            </a:pPr>
+            <a:r>
+              <a:rPr lang="en-US" sz="2800" dirty="0">
+                <a:effectLst/>
+              </a:rPr>
+              <a:t>Results</a:t>
+            </a:r>
+            <a:endParaRPr lang="en-IN" sz="2800" dirty="0">
+              <a:effectLst/>
+              <a:latin typeface="Calibri" panose="020F0502020204030204" pitchFamily="34" charset="0"/>
+              <a:ea typeface="Calibri" panose="020F0502020204030204" pitchFamily="34" charset="0"/>
+            </a:endParaRPr>
+          </a:p>
+        </p:txBody>
+      </p:sp>
+      <p:sp>
+        <p:nvSpPr>
+          <p:cNvPr id="5" name="Footer Placeholder 4"/>
+          <p:cNvSpPr>
+            <a:spLocks noGrp="1"/>
+          </p:cNvSpPr>
+          <p:nvPr>
+            <p:ph type="ftr" sz="quarter" idx="11"/>
+          </p:nvPr>
+        </p:nvSpPr>
+        <p:spPr/>
+        <p:txBody>
+          <a:bodyPr/>
+          <a:lstStyle/>
+          <a:p>
+            <a:r>
+              <a:rPr lang="en-IN" sz="1200" dirty="0">
+                <a:cs typeface="Times New Roman" panose="02020603050405020304" pitchFamily="18" charset="0"/>
+              </a:rPr>
+              <a:t>Astronomical image colourisation and super-resolution using GANS</a:t>
+            </a:r>
+            <a:endParaRPr lang="en-IN" dirty="0"/>
+          </a:p>
+        </p:txBody>
+      </p:sp>
       <p:pic>
         <p:nvPicPr>
-          <p:cNvPr id="9" name="Picture 8">
-            <a:extLst>
-              <a:ext uri="{FF2B5EF4-FFF2-40B4-BE49-F238E27FC236}">
-                <a16:creationId xmlns:a16="http://schemas.microsoft.com/office/drawing/2014/main" id="{F1EFF6C7-351D-4CCE-BA60-7E9AD48B87A9}"/>
-              </a:ext>
-            </a:extLst>
-          </p:cNvPr>
+          <p:cNvPr id="4" name="Picture 1"/>
           <p:cNvPicPr>
-            <a:picLocks noChangeAspect="1"/>
+            <a:picLocks noChangeAspect="1" noChangeArrowheads="1"/>
           </p:cNvPicPr>
           <p:nvPr/>
         </p:nvPicPr>
         <p:blipFill>
-          <a:blip r:embed="rId5">
+          <a:blip r:embed="rId2" cstate="print">
             <a:extLst>
               <a:ext uri="{28A0092B-C50C-407E-A947-70E740481C1C}">
                 <a14:useLocalDpi xmlns:a14="http://schemas.microsoft.com/office/drawing/2010/main" val="0"/>
@@ -5519,22 +6165,173 @@
             <a:fillRect/>
           </a:stretch>
         </p:blipFill>
-        <p:spPr>
+        <p:spPr bwMode="auto">
           <a:xfrm>
-            <a:off x="1882317" y="2207747"/>
-            <a:ext cx="4060561" cy="1450200"/>
+            <a:off x="10919540" y="150750"/>
+            <a:ext cx="1233271" cy="1029803"/>
           </a:xfrm>
           <a:prstGeom prst="rect">
             <a:avLst/>
           </a:prstGeom>
+          <a:noFill/>
+          <a:ln w="9525">
+            <a:noFill/>
+            <a:miter lim="800000"/>
+            <a:headEnd/>
+            <a:tailEnd/>
+          </a:ln>
         </p:spPr>
       </p:pic>
+      <p:sp>
+        <p:nvSpPr>
+          <p:cNvPr id="19" name="TextBox 18">
+            <a:extLst>
+              <a:ext uri="{FF2B5EF4-FFF2-40B4-BE49-F238E27FC236}">
+                <a16:creationId xmlns:a16="http://schemas.microsoft.com/office/drawing/2014/main" id="{02CEAC8C-FDC1-4B0A-9E60-C5E860CFC9BD}"/>
+              </a:ext>
+            </a:extLst>
+          </p:cNvPr>
+          <p:cNvSpPr txBox="1"/>
+          <p:nvPr/>
+        </p:nvSpPr>
+        <p:spPr>
+          <a:xfrm>
+            <a:off x="3912597" y="4603096"/>
+            <a:ext cx="2113365" cy="646331"/>
+          </a:xfrm>
+          <a:prstGeom prst="rect">
+            <a:avLst/>
+          </a:prstGeom>
+          <a:noFill/>
+        </p:spPr>
+        <p:txBody>
+          <a:bodyPr wrap="square" rtlCol="0">
+            <a:spAutoFit/>
+          </a:bodyPr>
+          <a:lstStyle/>
+          <a:p>
+            <a:r>
+              <a:rPr lang="en-US" dirty="0"/>
+              <a:t>Pre trained Resnet-18</a:t>
+            </a:r>
+            <a:endParaRPr lang="en-IN" dirty="0"/>
+          </a:p>
+        </p:txBody>
+      </p:sp>
+      <p:sp>
+        <p:nvSpPr>
+          <p:cNvPr id="20" name="TextBox 19">
+            <a:extLst>
+              <a:ext uri="{FF2B5EF4-FFF2-40B4-BE49-F238E27FC236}">
+                <a16:creationId xmlns:a16="http://schemas.microsoft.com/office/drawing/2014/main" id="{9EC76786-C9EF-4352-BD9E-38DC95BEDB47}"/>
+              </a:ext>
+            </a:extLst>
+          </p:cNvPr>
+          <p:cNvSpPr txBox="1"/>
+          <p:nvPr/>
+        </p:nvSpPr>
+        <p:spPr>
+          <a:xfrm>
+            <a:off x="8664306" y="4550717"/>
+            <a:ext cx="2438400" cy="646331"/>
+          </a:xfrm>
+          <a:prstGeom prst="rect">
+            <a:avLst/>
+          </a:prstGeom>
+          <a:noFill/>
+        </p:spPr>
+        <p:txBody>
+          <a:bodyPr wrap="square" rtlCol="0">
+            <a:spAutoFit/>
+          </a:bodyPr>
+          <a:lstStyle/>
+          <a:p>
+            <a:r>
+              <a:rPr lang="en-US" dirty="0"/>
+              <a:t>Full trained Resnet 18</a:t>
+            </a:r>
+            <a:endParaRPr lang="en-IN" dirty="0"/>
+          </a:p>
+        </p:txBody>
+      </p:sp>
+      <p:sp>
+        <p:nvSpPr>
+          <p:cNvPr id="29" name="TextBox 28">
+            <a:extLst>
+              <a:ext uri="{FF2B5EF4-FFF2-40B4-BE49-F238E27FC236}">
+                <a16:creationId xmlns:a16="http://schemas.microsoft.com/office/drawing/2014/main" id="{9B74823B-9D4B-4086-87F0-41D207FA0A7C}"/>
+              </a:ext>
+            </a:extLst>
+          </p:cNvPr>
+          <p:cNvSpPr txBox="1"/>
+          <p:nvPr/>
+        </p:nvSpPr>
+        <p:spPr>
+          <a:xfrm>
+            <a:off x="6234791" y="4579325"/>
+            <a:ext cx="2220686" cy="646331"/>
+          </a:xfrm>
+          <a:prstGeom prst="rect">
+            <a:avLst/>
+          </a:prstGeom>
+          <a:noFill/>
+        </p:spPr>
+        <p:txBody>
+          <a:bodyPr wrap="square" rtlCol="0">
+            <a:spAutoFit/>
+          </a:bodyPr>
+          <a:lstStyle/>
+          <a:p>
+            <a:r>
+              <a:rPr lang="en-US" dirty="0"/>
+              <a:t>Trained on COCO Dataset</a:t>
+            </a:r>
+            <a:endParaRPr lang="en-IN" dirty="0"/>
+          </a:p>
+        </p:txBody>
+      </p:sp>
+      <p:sp>
+        <p:nvSpPr>
+          <p:cNvPr id="32" name="TextBox 31">
+            <a:extLst>
+              <a:ext uri="{FF2B5EF4-FFF2-40B4-BE49-F238E27FC236}">
+                <a16:creationId xmlns:a16="http://schemas.microsoft.com/office/drawing/2014/main" id="{12C04FF5-239E-4C38-B617-14E3D30A0D32}"/>
+              </a:ext>
+            </a:extLst>
+          </p:cNvPr>
+          <p:cNvSpPr txBox="1"/>
+          <p:nvPr/>
+        </p:nvSpPr>
+        <p:spPr>
+          <a:xfrm>
+            <a:off x="1017037" y="4603096"/>
+            <a:ext cx="2006081" cy="369332"/>
+          </a:xfrm>
+          <a:prstGeom prst="rect">
+            <a:avLst/>
+          </a:prstGeom>
+          <a:noFill/>
+        </p:spPr>
+        <p:txBody>
+          <a:bodyPr wrap="square" rtlCol="0">
+            <a:spAutoFit/>
+          </a:bodyPr>
+          <a:lstStyle/>
+          <a:p>
+            <a:r>
+              <a:rPr lang="en-US" dirty="0"/>
+              <a:t>Ground Truth</a:t>
+            </a:r>
+            <a:endParaRPr lang="en-IN" dirty="0"/>
+          </a:p>
+        </p:txBody>
+      </p:sp>
       <p:pic>
         <p:nvPicPr>
-          <p:cNvPr id="11" name="Picture 10">
+          <p:cNvPr id="34" name="Picture 33">
             <a:extLst>
               <a:ext uri="{FF2B5EF4-FFF2-40B4-BE49-F238E27FC236}">
-                <a16:creationId xmlns:a16="http://schemas.microsoft.com/office/drawing/2014/main" id="{5152E7B3-8287-45DB-8BBF-5DF5B82345B9}"/>
+                <a16:creationId xmlns:a16="http://schemas.microsoft.com/office/drawing/2014/main" id="{7A17B7CB-B1E9-4311-892D-93208967C3A7}"/>
               </a:ext>
             </a:extLst>
           </p:cNvPr>
@@ -5544,123 +6341,111 @@
           <p:nvPr/>
         </p:nvPicPr>
         <p:blipFill>
-          <a:blip r:embed="rId6">
-            <a:extLst>
-              <a:ext uri="{28A0092B-C50C-407E-A947-70E740481C1C}">
-                <a14:useLocalDpi xmlns:a14="http://schemas.microsoft.com/office/drawing/2010/main" val="0"/>
-              </a:ext>
-            </a:extLst>
-          </a:blip>
+          <a:blip r:embed="rId3"/>
           <a:stretch>
             <a:fillRect/>
           </a:stretch>
         </p:blipFill>
         <p:spPr>
           <a:xfrm>
-            <a:off x="6858980" y="2207747"/>
-            <a:ext cx="4060560" cy="1450200"/>
+            <a:off x="959768" y="1892559"/>
+            <a:ext cx="2354001" cy="2332137"/>
           </a:xfrm>
           <a:prstGeom prst="rect">
             <a:avLst/>
           </a:prstGeom>
         </p:spPr>
       </p:pic>
-      <p:sp>
-        <p:nvSpPr>
-          <p:cNvPr id="15" name="TextBox 14">
+      <p:pic>
+        <p:nvPicPr>
+          <p:cNvPr id="36" name="Picture 35">
             <a:extLst>
               <a:ext uri="{FF2B5EF4-FFF2-40B4-BE49-F238E27FC236}">
-                <a16:creationId xmlns:a16="http://schemas.microsoft.com/office/drawing/2014/main" id="{50656C13-AFAF-437C-9D25-E6678B5E403B}"/>
+                <a16:creationId xmlns:a16="http://schemas.microsoft.com/office/drawing/2014/main" id="{7EEFD314-0A6B-416E-87A1-DBED0B2633D8}"/>
               </a:ext>
             </a:extLst>
           </p:cNvPr>
-          <p:cNvSpPr txBox="1"/>
+          <p:cNvPicPr>
+            <a:picLocks noChangeAspect="1"/>
+          </p:cNvPicPr>
           <p:nvPr/>
-        </p:nvSpPr>
+        </p:nvPicPr>
+        <p:blipFill>
+          <a:blip r:embed="rId4"/>
+          <a:stretch>
+            <a:fillRect/>
+          </a:stretch>
+        </p:blipFill>
         <p:spPr>
           <a:xfrm>
-            <a:off x="1032029" y="1482204"/>
-            <a:ext cx="6094520" cy="341632"/>
+            <a:off x="3550753" y="1892559"/>
+            <a:ext cx="2371143" cy="2378553"/>
           </a:xfrm>
           <a:prstGeom prst="rect">
             <a:avLst/>
           </a:prstGeom>
-          <a:noFill/>
         </p:spPr>
-        <p:txBody>
-          <a:bodyPr wrap="square">
-            <a:spAutoFit/>
-          </a:bodyPr>
-          <a:lstStyle/>
-          <a:p>
-            <a:pPr marL="228600" indent="-228600">
-              <a:lnSpc>
-                <a:spcPct val="90000"/>
-              </a:lnSpc>
-              <a:spcBef>
-                <a:spcPts val="1800"/>
-              </a:spcBef>
-              <a:buFont typeface="Wingdings" panose="05000000000000000000" pitchFamily="2" charset="2"/>
-              <a:buChar char="§"/>
-            </a:pPr>
-            <a:r>
-              <a:rPr lang="en-US" dirty="0"/>
-              <a:t>Results of Pix2Pix U-net (Colorizing):</a:t>
-            </a:r>
-          </a:p>
-        </p:txBody>
-      </p:sp>
-      <p:sp>
-        <p:nvSpPr>
-          <p:cNvPr id="2" name="TextBox 1">
+      </p:pic>
+      <p:pic>
+        <p:nvPicPr>
+          <p:cNvPr id="38" name="Picture 37">
             <a:extLst>
               <a:ext uri="{FF2B5EF4-FFF2-40B4-BE49-F238E27FC236}">
-                <a16:creationId xmlns:a16="http://schemas.microsoft.com/office/drawing/2014/main" id="{5D25AAC7-8258-46CD-A021-F58A3F80FDF6}"/>
+                <a16:creationId xmlns:a16="http://schemas.microsoft.com/office/drawing/2014/main" id="{EC526141-A454-487A-A770-77904864AD03}"/>
               </a:ext>
             </a:extLst>
           </p:cNvPr>
-          <p:cNvSpPr txBox="1"/>
+          <p:cNvPicPr>
+            <a:picLocks noChangeAspect="1"/>
+          </p:cNvPicPr>
           <p:nvPr/>
-        </p:nvSpPr>
+        </p:nvPicPr>
+        <p:blipFill>
+          <a:blip r:embed="rId5"/>
+          <a:stretch>
+            <a:fillRect/>
+          </a:stretch>
+        </p:blipFill>
         <p:spPr>
           <a:xfrm>
-            <a:off x="3912597" y="5489873"/>
-            <a:ext cx="4687410" cy="461665"/>
+            <a:off x="6234791" y="1878419"/>
+            <a:ext cx="2375168" cy="2360415"/>
           </a:xfrm>
           <a:prstGeom prst="rect">
             <a:avLst/>
           </a:prstGeom>
-          <a:noFill/>
         </p:spPr>
-        <p:txBody>
-          <a:bodyPr wrap="square" rtlCol="0">
-            <a:spAutoFit/>
-          </a:bodyPr>
-          <a:lstStyle/>
-          <a:p>
-            <a:pPr algn="ctr"/>
-            <a:r>
-              <a:rPr lang="en-US" sz="1200" dirty="0">
-                <a:latin typeface="Times New Roman" panose="02020603050405020304" pitchFamily="18" charset="0"/>
-                <a:cs typeface="Times New Roman" panose="02020603050405020304" pitchFamily="18" charset="0"/>
-              </a:rPr>
-              <a:t>Samples</a:t>
-            </a:r>
-            <a:r>
-              <a:rPr lang="en-US" sz="1200" dirty="0">
-                <a:latin typeface="Times New Roman" panose="02020603050405020304" pitchFamily="18" charset="0"/>
-                <a:cs typeface="Times New Roman" panose="02020603050405020304" pitchFamily="18" charset="0"/>
-                <a:sym typeface="Wingdings" panose="05000000000000000000" pitchFamily="2" charset="2"/>
-              </a:rPr>
-              <a:t>: (from left) 1. Input grayscale image, 2. Generated output, 3. Ground Truth image</a:t>
-            </a:r>
-            <a:endParaRPr lang="en-US" sz="1200" dirty="0">
-              <a:latin typeface="Times New Roman" panose="02020603050405020304" pitchFamily="18" charset="0"/>
-              <a:cs typeface="Times New Roman" panose="02020603050405020304" pitchFamily="18" charset="0"/>
-            </a:endParaRPr>
-          </a:p>
-        </p:txBody>
-      </p:sp>
+      </p:pic>
+      <p:pic>
+        <p:nvPicPr>
+          <p:cNvPr id="40" name="Picture 39">
+            <a:extLst>
+              <a:ext uri="{FF2B5EF4-FFF2-40B4-BE49-F238E27FC236}">
+                <a16:creationId xmlns:a16="http://schemas.microsoft.com/office/drawing/2014/main" id="{4C5401CE-D6E7-4DA3-B6C8-0E0AFFB75911}"/>
+              </a:ext>
+            </a:extLst>
+          </p:cNvPr>
+          <p:cNvPicPr>
+            <a:picLocks noChangeAspect="1"/>
+          </p:cNvPicPr>
+          <p:nvPr/>
+        </p:nvPicPr>
+        <p:blipFill>
+          <a:blip r:embed="rId6"/>
+          <a:stretch>
+            <a:fillRect/>
+          </a:stretch>
+        </p:blipFill>
+        <p:spPr>
+          <a:xfrm>
+            <a:off x="8922854" y="1869524"/>
+            <a:ext cx="2384891" cy="2355172"/>
+          </a:xfrm>
+          <a:prstGeom prst="rect">
+            <a:avLst/>
+          </a:prstGeom>
+        </p:spPr>
+      </p:pic>
     </p:spTree>
     <p:extLst>
       <p:ext uri="{BB962C8B-B14F-4D97-AF65-F5344CB8AC3E}">
@@ -5686,7 +6471,1672 @@
 </p:sld>
 </file>
 
-<file path=ppt/slides/slide11.xml><?xml version="1.0" encoding="utf-8"?>
+<file path=ppt/slides/slide13.xml><?xml version="1.0" encoding="utf-8"?>
+<p:sld xmlns:a="http://schemas.openxmlformats.org/drawingml/2006/main" xmlns:r="http://schemas.openxmlformats.org/officeDocument/2006/relationships" xmlns:p="http://schemas.openxmlformats.org/presentationml/2006/main">
+  <p:cSld>
+    <p:spTree>
+      <p:nvGrpSpPr>
+        <p:cNvPr id="1" name=""/>
+        <p:cNvGrpSpPr/>
+        <p:nvPr/>
+      </p:nvGrpSpPr>
+      <p:grpSpPr>
+        <a:xfrm>
+          <a:off x="0" y="0"/>
+          <a:ext cx="0" cy="0"/>
+          <a:chOff x="0" y="0"/>
+          <a:chExt cx="0" cy="0"/>
+        </a:xfrm>
+      </p:grpSpPr>
+      <p:sp>
+        <p:nvSpPr>
+          <p:cNvPr id="13" name="Title 12"/>
+          <p:cNvSpPr>
+            <a:spLocks noGrp="1"/>
+          </p:cNvSpPr>
+          <p:nvPr>
+            <p:ph type="title"/>
+          </p:nvPr>
+        </p:nvSpPr>
+        <p:spPr/>
+        <p:txBody>
+          <a:bodyPr/>
+          <a:lstStyle/>
+          <a:p>
+            <a:pPr marL="285750" indent="-285750">
+              <a:lnSpc>
+                <a:spcPct val="115000"/>
+              </a:lnSpc>
+              <a:spcAft>
+                <a:spcPts val="1000"/>
+              </a:spcAft>
+              <a:buFont typeface="Arial" panose="020B0604020202020204" pitchFamily="34" charset="0"/>
+              <a:buChar char="•"/>
+            </a:pPr>
+            <a:r>
+              <a:rPr lang="en-US" sz="2800" dirty="0">
+                <a:effectLst/>
+              </a:rPr>
+              <a:t>Results</a:t>
+            </a:r>
+            <a:endParaRPr lang="en-IN" sz="2800" dirty="0">
+              <a:effectLst/>
+              <a:latin typeface="Calibri" panose="020F0502020204030204" pitchFamily="34" charset="0"/>
+              <a:ea typeface="Calibri" panose="020F0502020204030204" pitchFamily="34" charset="0"/>
+            </a:endParaRPr>
+          </a:p>
+        </p:txBody>
+      </p:sp>
+      <p:sp>
+        <p:nvSpPr>
+          <p:cNvPr id="5" name="Footer Placeholder 4"/>
+          <p:cNvSpPr>
+            <a:spLocks noGrp="1"/>
+          </p:cNvSpPr>
+          <p:nvPr>
+            <p:ph type="ftr" sz="quarter" idx="11"/>
+          </p:nvPr>
+        </p:nvSpPr>
+        <p:spPr/>
+        <p:txBody>
+          <a:bodyPr/>
+          <a:lstStyle/>
+          <a:p>
+            <a:r>
+              <a:rPr lang="en-IN" sz="1200" dirty="0">
+                <a:cs typeface="Times New Roman" panose="02020603050405020304" pitchFamily="18" charset="0"/>
+              </a:rPr>
+              <a:t>Astronomical image colourisation and super-resolution using GANS</a:t>
+            </a:r>
+            <a:endParaRPr lang="en-IN" dirty="0"/>
+          </a:p>
+        </p:txBody>
+      </p:sp>
+      <p:pic>
+        <p:nvPicPr>
+          <p:cNvPr id="4" name="Picture 1"/>
+          <p:cNvPicPr>
+            <a:picLocks noChangeAspect="1" noChangeArrowheads="1"/>
+          </p:cNvPicPr>
+          <p:nvPr/>
+        </p:nvPicPr>
+        <p:blipFill>
+          <a:blip r:embed="rId2" cstate="print">
+            <a:extLst>
+              <a:ext uri="{28A0092B-C50C-407E-A947-70E740481C1C}">
+                <a14:useLocalDpi xmlns:a14="http://schemas.microsoft.com/office/drawing/2010/main" val="0"/>
+              </a:ext>
+            </a:extLst>
+          </a:blip>
+          <a:stretch>
+            <a:fillRect/>
+          </a:stretch>
+        </p:blipFill>
+        <p:spPr bwMode="auto">
+          <a:xfrm>
+            <a:off x="10919540" y="150750"/>
+            <a:ext cx="1233271" cy="1029803"/>
+          </a:xfrm>
+          <a:prstGeom prst="rect">
+            <a:avLst/>
+          </a:prstGeom>
+          <a:noFill/>
+          <a:ln w="9525">
+            <a:noFill/>
+            <a:miter lim="800000"/>
+            <a:headEnd/>
+            <a:tailEnd/>
+          </a:ln>
+        </p:spPr>
+      </p:pic>
+      <p:sp>
+        <p:nvSpPr>
+          <p:cNvPr id="15" name="TextBox 14">
+            <a:extLst>
+              <a:ext uri="{FF2B5EF4-FFF2-40B4-BE49-F238E27FC236}">
+                <a16:creationId xmlns:a16="http://schemas.microsoft.com/office/drawing/2014/main" id="{50656C13-AFAF-437C-9D25-E6678B5E403B}"/>
+              </a:ext>
+            </a:extLst>
+          </p:cNvPr>
+          <p:cNvSpPr txBox="1"/>
+          <p:nvPr/>
+        </p:nvSpPr>
+        <p:spPr>
+          <a:xfrm>
+            <a:off x="1032029" y="1482204"/>
+            <a:ext cx="6094520" cy="341632"/>
+          </a:xfrm>
+          <a:prstGeom prst="rect">
+            <a:avLst/>
+          </a:prstGeom>
+          <a:noFill/>
+        </p:spPr>
+        <p:txBody>
+          <a:bodyPr wrap="square">
+            <a:spAutoFit/>
+          </a:bodyPr>
+          <a:lstStyle/>
+          <a:p>
+            <a:pPr marL="228600" indent="-228600">
+              <a:lnSpc>
+                <a:spcPct val="90000"/>
+              </a:lnSpc>
+              <a:spcBef>
+                <a:spcPts val="1800"/>
+              </a:spcBef>
+              <a:buFont typeface="Wingdings" panose="05000000000000000000" pitchFamily="2" charset="2"/>
+              <a:buChar char="§"/>
+            </a:pPr>
+            <a:r>
+              <a:rPr lang="en-US" dirty="0"/>
+              <a:t>Results of SRGAN (Upscaling):</a:t>
+            </a:r>
+          </a:p>
+        </p:txBody>
+      </p:sp>
+      <p:pic>
+        <p:nvPicPr>
+          <p:cNvPr id="6" name="Picture 5">
+            <a:extLst>
+              <a:ext uri="{FF2B5EF4-FFF2-40B4-BE49-F238E27FC236}">
+                <a16:creationId xmlns:a16="http://schemas.microsoft.com/office/drawing/2014/main" id="{A1328E0D-6F4F-4747-8708-1A5F3D5412F6}"/>
+              </a:ext>
+            </a:extLst>
+          </p:cNvPr>
+          <p:cNvPicPr>
+            <a:picLocks noChangeAspect="1"/>
+          </p:cNvPicPr>
+          <p:nvPr/>
+        </p:nvPicPr>
+        <p:blipFill>
+          <a:blip r:embed="rId3">
+            <a:extLst>
+              <a:ext uri="{28A0092B-C50C-407E-A947-70E740481C1C}">
+                <a14:useLocalDpi xmlns:a14="http://schemas.microsoft.com/office/drawing/2010/main" val="0"/>
+              </a:ext>
+            </a:extLst>
+          </a:blip>
+          <a:stretch>
+            <a:fillRect/>
+          </a:stretch>
+        </p:blipFill>
+        <p:spPr>
+          <a:xfrm>
+            <a:off x="1185936" y="2091461"/>
+            <a:ext cx="2893353" cy="2893353"/>
+          </a:xfrm>
+          <a:prstGeom prst="rect">
+            <a:avLst/>
+          </a:prstGeom>
+        </p:spPr>
+      </p:pic>
+      <p:sp>
+        <p:nvSpPr>
+          <p:cNvPr id="7" name="TextBox 6">
+            <a:extLst>
+              <a:ext uri="{FF2B5EF4-FFF2-40B4-BE49-F238E27FC236}">
+                <a16:creationId xmlns:a16="http://schemas.microsoft.com/office/drawing/2014/main" id="{FCAA46CF-8824-4502-9AD5-DAC5CCB0C2D6}"/>
+              </a:ext>
+            </a:extLst>
+          </p:cNvPr>
+          <p:cNvSpPr txBox="1"/>
+          <p:nvPr/>
+        </p:nvSpPr>
+        <p:spPr>
+          <a:xfrm>
+            <a:off x="1842019" y="5062192"/>
+            <a:ext cx="1829559" cy="369332"/>
+          </a:xfrm>
+          <a:prstGeom prst="rect">
+            <a:avLst/>
+          </a:prstGeom>
+          <a:noFill/>
+        </p:spPr>
+        <p:txBody>
+          <a:bodyPr wrap="square" rtlCol="0">
+            <a:spAutoFit/>
+          </a:bodyPr>
+          <a:lstStyle/>
+          <a:p>
+            <a:r>
+              <a:rPr lang="en-US" dirty="0"/>
+              <a:t>Ground Truth</a:t>
+            </a:r>
+            <a:endParaRPr lang="en-IN" dirty="0"/>
+          </a:p>
+        </p:txBody>
+      </p:sp>
+      <p:pic>
+        <p:nvPicPr>
+          <p:cNvPr id="9" name="Picture 8">
+            <a:extLst>
+              <a:ext uri="{FF2B5EF4-FFF2-40B4-BE49-F238E27FC236}">
+                <a16:creationId xmlns:a16="http://schemas.microsoft.com/office/drawing/2014/main" id="{664E75E1-4391-4908-BEB5-01FD31063CF7}"/>
+              </a:ext>
+            </a:extLst>
+          </p:cNvPr>
+          <p:cNvPicPr>
+            <a:picLocks noChangeAspect="1"/>
+          </p:cNvPicPr>
+          <p:nvPr/>
+        </p:nvPicPr>
+        <p:blipFill>
+          <a:blip r:embed="rId4">
+            <a:extLst>
+              <a:ext uri="{28A0092B-C50C-407E-A947-70E740481C1C}">
+                <a14:useLocalDpi xmlns:a14="http://schemas.microsoft.com/office/drawing/2010/main" val="0"/>
+              </a:ext>
+            </a:extLst>
+          </a:blip>
+          <a:stretch>
+            <a:fillRect/>
+          </a:stretch>
+        </p:blipFill>
+        <p:spPr>
+          <a:xfrm>
+            <a:off x="4956323" y="2097271"/>
+            <a:ext cx="2893353" cy="2893353"/>
+          </a:xfrm>
+          <a:prstGeom prst="rect">
+            <a:avLst/>
+          </a:prstGeom>
+        </p:spPr>
+      </p:pic>
+      <p:sp>
+        <p:nvSpPr>
+          <p:cNvPr id="10" name="TextBox 9">
+            <a:extLst>
+              <a:ext uri="{FF2B5EF4-FFF2-40B4-BE49-F238E27FC236}">
+                <a16:creationId xmlns:a16="http://schemas.microsoft.com/office/drawing/2014/main" id="{486D2B7F-C3B7-432E-9FC0-1B06640AFB51}"/>
+              </a:ext>
+            </a:extLst>
+          </p:cNvPr>
+          <p:cNvSpPr txBox="1"/>
+          <p:nvPr/>
+        </p:nvSpPr>
+        <p:spPr>
+          <a:xfrm>
+            <a:off x="5488219" y="5036467"/>
+            <a:ext cx="1829559" cy="646331"/>
+          </a:xfrm>
+          <a:prstGeom prst="rect">
+            <a:avLst/>
+          </a:prstGeom>
+          <a:noFill/>
+        </p:spPr>
+        <p:txBody>
+          <a:bodyPr wrap="square" rtlCol="0">
+            <a:spAutoFit/>
+          </a:bodyPr>
+          <a:lstStyle/>
+          <a:p>
+            <a:r>
+              <a:rPr lang="en-US" dirty="0"/>
+              <a:t>Pre trained SRGAN</a:t>
+            </a:r>
+            <a:endParaRPr lang="en-IN" dirty="0"/>
+          </a:p>
+        </p:txBody>
+      </p:sp>
+      <p:pic>
+        <p:nvPicPr>
+          <p:cNvPr id="12" name="Picture 11">
+            <a:extLst>
+              <a:ext uri="{FF2B5EF4-FFF2-40B4-BE49-F238E27FC236}">
+                <a16:creationId xmlns:a16="http://schemas.microsoft.com/office/drawing/2014/main" id="{528DA731-ACD5-48EC-AF09-96F788540015}"/>
+              </a:ext>
+            </a:extLst>
+          </p:cNvPr>
+          <p:cNvPicPr>
+            <a:picLocks noChangeAspect="1"/>
+          </p:cNvPicPr>
+          <p:nvPr/>
+        </p:nvPicPr>
+        <p:blipFill>
+          <a:blip r:embed="rId5">
+            <a:extLst>
+              <a:ext uri="{28A0092B-C50C-407E-A947-70E740481C1C}">
+                <a14:useLocalDpi xmlns:a14="http://schemas.microsoft.com/office/drawing/2010/main" val="0"/>
+              </a:ext>
+            </a:extLst>
+          </a:blip>
+          <a:stretch>
+            <a:fillRect/>
+          </a:stretch>
+        </p:blipFill>
+        <p:spPr>
+          <a:xfrm>
+            <a:off x="8386770" y="2094410"/>
+            <a:ext cx="2890404" cy="2890404"/>
+          </a:xfrm>
+          <a:prstGeom prst="rect">
+            <a:avLst/>
+          </a:prstGeom>
+        </p:spPr>
+      </p:pic>
+      <p:sp>
+        <p:nvSpPr>
+          <p:cNvPr id="14" name="TextBox 13">
+            <a:extLst>
+              <a:ext uri="{FF2B5EF4-FFF2-40B4-BE49-F238E27FC236}">
+                <a16:creationId xmlns:a16="http://schemas.microsoft.com/office/drawing/2014/main" id="{3B4CD452-10AD-4411-AA06-C08DD5E80095}"/>
+              </a:ext>
+            </a:extLst>
+          </p:cNvPr>
+          <p:cNvSpPr txBox="1"/>
+          <p:nvPr/>
+        </p:nvSpPr>
+        <p:spPr>
+          <a:xfrm>
+            <a:off x="8865950" y="5162750"/>
+            <a:ext cx="2411224" cy="369332"/>
+          </a:xfrm>
+          <a:prstGeom prst="rect">
+            <a:avLst/>
+          </a:prstGeom>
+          <a:noFill/>
+        </p:spPr>
+        <p:txBody>
+          <a:bodyPr wrap="square" rtlCol="0">
+            <a:spAutoFit/>
+          </a:bodyPr>
+          <a:lstStyle/>
+          <a:p>
+            <a:r>
+              <a:rPr lang="en-US" dirty="0"/>
+              <a:t>SRGAN Fine tuned</a:t>
+            </a:r>
+            <a:endParaRPr lang="en-IN" dirty="0"/>
+          </a:p>
+        </p:txBody>
+      </p:sp>
+    </p:spTree>
+    <p:extLst>
+      <p:ext uri="{BB962C8B-B14F-4D97-AF65-F5344CB8AC3E}">
+        <p14:creationId xmlns:p14="http://schemas.microsoft.com/office/powerpoint/2010/main" val="1149258623"/>
+      </p:ext>
+    </p:extLst>
+  </p:cSld>
+  <p:clrMapOvr>
+    <a:masterClrMapping/>
+  </p:clrMapOvr>
+  <mc:AlternateContent xmlns:mc="http://schemas.openxmlformats.org/markup-compatibility/2006" xmlns:p14="http://schemas.microsoft.com/office/powerpoint/2010/main">
+    <mc:Choice Requires="p14">
+      <p:transition spd="med" p14:dur="700">
+        <p:fade/>
+      </p:transition>
+    </mc:Choice>
+    <mc:Fallback xmlns="">
+      <p:transition spd="med">
+        <p:fade/>
+      </p:transition>
+    </mc:Fallback>
+  </mc:AlternateContent>
+</p:sld>
+</file>
+
+<file path=ppt/slides/slide14.xml><?xml version="1.0" encoding="utf-8"?>
+<p:sld xmlns:a="http://schemas.openxmlformats.org/drawingml/2006/main" xmlns:r="http://schemas.openxmlformats.org/officeDocument/2006/relationships" xmlns:p="http://schemas.openxmlformats.org/presentationml/2006/main">
+  <p:cSld>
+    <p:spTree>
+      <p:nvGrpSpPr>
+        <p:cNvPr id="1" name=""/>
+        <p:cNvGrpSpPr/>
+        <p:nvPr/>
+      </p:nvGrpSpPr>
+      <p:grpSpPr>
+        <a:xfrm>
+          <a:off x="0" y="0"/>
+          <a:ext cx="0" cy="0"/>
+          <a:chOff x="0" y="0"/>
+          <a:chExt cx="0" cy="0"/>
+        </a:xfrm>
+      </p:grpSpPr>
+      <p:sp>
+        <p:nvSpPr>
+          <p:cNvPr id="13" name="Title 12"/>
+          <p:cNvSpPr>
+            <a:spLocks noGrp="1"/>
+          </p:cNvSpPr>
+          <p:nvPr>
+            <p:ph type="title"/>
+          </p:nvPr>
+        </p:nvSpPr>
+        <p:spPr/>
+        <p:txBody>
+          <a:bodyPr/>
+          <a:lstStyle/>
+          <a:p>
+            <a:pPr marL="285750" indent="-285750">
+              <a:lnSpc>
+                <a:spcPct val="115000"/>
+              </a:lnSpc>
+              <a:spcAft>
+                <a:spcPts val="1000"/>
+              </a:spcAft>
+              <a:buFont typeface="Arial" panose="020B0604020202020204" pitchFamily="34" charset="0"/>
+              <a:buChar char="•"/>
+            </a:pPr>
+            <a:r>
+              <a:rPr lang="en-US" sz="2800" dirty="0">
+                <a:effectLst/>
+              </a:rPr>
+              <a:t>Results</a:t>
+            </a:r>
+            <a:endParaRPr lang="en-IN" sz="2800" dirty="0">
+              <a:effectLst/>
+              <a:latin typeface="Calibri" panose="020F0502020204030204" pitchFamily="34" charset="0"/>
+              <a:ea typeface="Calibri" panose="020F0502020204030204" pitchFamily="34" charset="0"/>
+            </a:endParaRPr>
+          </a:p>
+        </p:txBody>
+      </p:sp>
+      <p:sp>
+        <p:nvSpPr>
+          <p:cNvPr id="5" name="Footer Placeholder 4"/>
+          <p:cNvSpPr>
+            <a:spLocks noGrp="1"/>
+          </p:cNvSpPr>
+          <p:nvPr>
+            <p:ph type="ftr" sz="quarter" idx="11"/>
+          </p:nvPr>
+        </p:nvSpPr>
+        <p:spPr/>
+        <p:txBody>
+          <a:bodyPr/>
+          <a:lstStyle/>
+          <a:p>
+            <a:r>
+              <a:rPr lang="en-IN" sz="1200" dirty="0">
+                <a:cs typeface="Times New Roman" panose="02020603050405020304" pitchFamily="18" charset="0"/>
+              </a:rPr>
+              <a:t>Astronomical image colourisation and super-resolution using GANS</a:t>
+            </a:r>
+            <a:endParaRPr lang="en-IN" dirty="0"/>
+          </a:p>
+        </p:txBody>
+      </p:sp>
+      <p:pic>
+        <p:nvPicPr>
+          <p:cNvPr id="4" name="Picture 1"/>
+          <p:cNvPicPr>
+            <a:picLocks noChangeAspect="1" noChangeArrowheads="1"/>
+          </p:cNvPicPr>
+          <p:nvPr/>
+        </p:nvPicPr>
+        <p:blipFill>
+          <a:blip r:embed="rId2" cstate="print">
+            <a:extLst>
+              <a:ext uri="{28A0092B-C50C-407E-A947-70E740481C1C}">
+                <a14:useLocalDpi xmlns:a14="http://schemas.microsoft.com/office/drawing/2010/main" val="0"/>
+              </a:ext>
+            </a:extLst>
+          </a:blip>
+          <a:stretch>
+            <a:fillRect/>
+          </a:stretch>
+        </p:blipFill>
+        <p:spPr bwMode="auto">
+          <a:xfrm>
+            <a:off x="10919540" y="150750"/>
+            <a:ext cx="1233271" cy="1029803"/>
+          </a:xfrm>
+          <a:prstGeom prst="rect">
+            <a:avLst/>
+          </a:prstGeom>
+          <a:noFill/>
+          <a:ln w="9525">
+            <a:noFill/>
+            <a:miter lim="800000"/>
+            <a:headEnd/>
+            <a:tailEnd/>
+          </a:ln>
+        </p:spPr>
+      </p:pic>
+      <p:sp>
+        <p:nvSpPr>
+          <p:cNvPr id="15" name="TextBox 14">
+            <a:extLst>
+              <a:ext uri="{FF2B5EF4-FFF2-40B4-BE49-F238E27FC236}">
+                <a16:creationId xmlns:a16="http://schemas.microsoft.com/office/drawing/2014/main" id="{50656C13-AFAF-437C-9D25-E6678B5E403B}"/>
+              </a:ext>
+            </a:extLst>
+          </p:cNvPr>
+          <p:cNvSpPr txBox="1"/>
+          <p:nvPr/>
+        </p:nvSpPr>
+        <p:spPr>
+          <a:xfrm>
+            <a:off x="1032029" y="1482204"/>
+            <a:ext cx="6094520" cy="341632"/>
+          </a:xfrm>
+          <a:prstGeom prst="rect">
+            <a:avLst/>
+          </a:prstGeom>
+          <a:noFill/>
+        </p:spPr>
+        <p:txBody>
+          <a:bodyPr wrap="square">
+            <a:spAutoFit/>
+          </a:bodyPr>
+          <a:lstStyle/>
+          <a:p>
+            <a:pPr marL="228600" indent="-228600">
+              <a:lnSpc>
+                <a:spcPct val="90000"/>
+              </a:lnSpc>
+              <a:spcBef>
+                <a:spcPts val="1800"/>
+              </a:spcBef>
+              <a:buFont typeface="Wingdings" panose="05000000000000000000" pitchFamily="2" charset="2"/>
+              <a:buChar char="§"/>
+            </a:pPr>
+            <a:r>
+              <a:rPr lang="en-US" dirty="0"/>
+              <a:t>Results of SRGAN (Upscaling):</a:t>
+            </a:r>
+          </a:p>
+        </p:txBody>
+      </p:sp>
+      <p:sp>
+        <p:nvSpPr>
+          <p:cNvPr id="14" name="TextBox 13">
+            <a:extLst>
+              <a:ext uri="{FF2B5EF4-FFF2-40B4-BE49-F238E27FC236}">
+                <a16:creationId xmlns:a16="http://schemas.microsoft.com/office/drawing/2014/main" id="{3B4CD452-10AD-4411-AA06-C08DD5E80095}"/>
+              </a:ext>
+            </a:extLst>
+          </p:cNvPr>
+          <p:cNvSpPr txBox="1"/>
+          <p:nvPr/>
+        </p:nvSpPr>
+        <p:spPr>
+          <a:xfrm>
+            <a:off x="1526295" y="4906722"/>
+            <a:ext cx="2411224" cy="369332"/>
+          </a:xfrm>
+          <a:prstGeom prst="rect">
+            <a:avLst/>
+          </a:prstGeom>
+          <a:noFill/>
+        </p:spPr>
+        <p:txBody>
+          <a:bodyPr wrap="square" rtlCol="0">
+            <a:spAutoFit/>
+          </a:bodyPr>
+          <a:lstStyle/>
+          <a:p>
+            <a:r>
+              <a:rPr lang="en-US" dirty="0"/>
+              <a:t>SRGAN Fine tuned</a:t>
+            </a:r>
+            <a:endParaRPr lang="en-IN" dirty="0"/>
+          </a:p>
+        </p:txBody>
+      </p:sp>
+      <p:pic>
+        <p:nvPicPr>
+          <p:cNvPr id="8" name="Picture 7">
+            <a:extLst>
+              <a:ext uri="{FF2B5EF4-FFF2-40B4-BE49-F238E27FC236}">
+                <a16:creationId xmlns:a16="http://schemas.microsoft.com/office/drawing/2014/main" id="{6148132F-660F-49F4-A1FE-D82B04A6F110}"/>
+              </a:ext>
+            </a:extLst>
+          </p:cNvPr>
+          <p:cNvPicPr>
+            <a:picLocks noChangeAspect="1"/>
+          </p:cNvPicPr>
+          <p:nvPr/>
+        </p:nvPicPr>
+        <p:blipFill>
+          <a:blip r:embed="rId3">
+            <a:extLst>
+              <a:ext uri="{28A0092B-C50C-407E-A947-70E740481C1C}">
+                <a14:useLocalDpi xmlns:a14="http://schemas.microsoft.com/office/drawing/2010/main" val="0"/>
+              </a:ext>
+            </a:extLst>
+          </a:blip>
+          <a:stretch>
+            <a:fillRect/>
+          </a:stretch>
+        </p:blipFill>
+        <p:spPr>
+          <a:xfrm>
+            <a:off x="4875504" y="2071898"/>
+            <a:ext cx="2890404" cy="2890404"/>
+          </a:xfrm>
+          <a:prstGeom prst="rect">
+            <a:avLst/>
+          </a:prstGeom>
+        </p:spPr>
+      </p:pic>
+      <p:sp>
+        <p:nvSpPr>
+          <p:cNvPr id="11" name="TextBox 10">
+            <a:extLst>
+              <a:ext uri="{FF2B5EF4-FFF2-40B4-BE49-F238E27FC236}">
+                <a16:creationId xmlns:a16="http://schemas.microsoft.com/office/drawing/2014/main" id="{41D36227-3B3B-4E65-A30F-61D3A0B01065}"/>
+              </a:ext>
+            </a:extLst>
+          </p:cNvPr>
+          <p:cNvSpPr txBox="1"/>
+          <p:nvPr/>
+        </p:nvSpPr>
+        <p:spPr>
+          <a:xfrm>
+            <a:off x="5284492" y="4906722"/>
+            <a:ext cx="2411224" cy="369332"/>
+          </a:xfrm>
+          <a:prstGeom prst="rect">
+            <a:avLst/>
+          </a:prstGeom>
+          <a:noFill/>
+        </p:spPr>
+        <p:txBody>
+          <a:bodyPr wrap="square" rtlCol="0">
+            <a:spAutoFit/>
+          </a:bodyPr>
+          <a:lstStyle/>
+          <a:p>
+            <a:r>
+              <a:rPr lang="en-US" dirty="0"/>
+              <a:t>WD SRGAN</a:t>
+            </a:r>
+            <a:endParaRPr lang="en-IN" dirty="0"/>
+          </a:p>
+        </p:txBody>
+      </p:sp>
+      <p:pic>
+        <p:nvPicPr>
+          <p:cNvPr id="17" name="Picture 16">
+            <a:extLst>
+              <a:ext uri="{FF2B5EF4-FFF2-40B4-BE49-F238E27FC236}">
+                <a16:creationId xmlns:a16="http://schemas.microsoft.com/office/drawing/2014/main" id="{71BEF874-EEA8-4241-9D69-E0AF7B3EF35E}"/>
+              </a:ext>
+            </a:extLst>
+          </p:cNvPr>
+          <p:cNvPicPr>
+            <a:picLocks noChangeAspect="1"/>
+          </p:cNvPicPr>
+          <p:nvPr/>
+        </p:nvPicPr>
+        <p:blipFill>
+          <a:blip r:embed="rId4">
+            <a:extLst>
+              <a:ext uri="{28A0092B-C50C-407E-A947-70E740481C1C}">
+                <a14:useLocalDpi xmlns:a14="http://schemas.microsoft.com/office/drawing/2010/main" val="0"/>
+              </a:ext>
+            </a:extLst>
+          </a:blip>
+          <a:stretch>
+            <a:fillRect/>
+          </a:stretch>
+        </p:blipFill>
+        <p:spPr>
+          <a:xfrm>
+            <a:off x="8315278" y="2071898"/>
+            <a:ext cx="2890403" cy="2890403"/>
+          </a:xfrm>
+          <a:prstGeom prst="rect">
+            <a:avLst/>
+          </a:prstGeom>
+        </p:spPr>
+      </p:pic>
+      <p:sp>
+        <p:nvSpPr>
+          <p:cNvPr id="18" name="TextBox 17">
+            <a:extLst>
+              <a:ext uri="{FF2B5EF4-FFF2-40B4-BE49-F238E27FC236}">
+                <a16:creationId xmlns:a16="http://schemas.microsoft.com/office/drawing/2014/main" id="{A6018BB6-9323-411B-9E7F-14CC7EBE4807}"/>
+              </a:ext>
+            </a:extLst>
+          </p:cNvPr>
+          <p:cNvSpPr txBox="1"/>
+          <p:nvPr/>
+        </p:nvSpPr>
+        <p:spPr>
+          <a:xfrm>
+            <a:off x="8794457" y="4911770"/>
+            <a:ext cx="2411224" cy="369332"/>
+          </a:xfrm>
+          <a:prstGeom prst="rect">
+            <a:avLst/>
+          </a:prstGeom>
+          <a:noFill/>
+        </p:spPr>
+        <p:txBody>
+          <a:bodyPr wrap="square" rtlCol="0">
+            <a:spAutoFit/>
+          </a:bodyPr>
+          <a:lstStyle/>
+          <a:p>
+            <a:r>
+              <a:rPr lang="en-US" dirty="0"/>
+              <a:t>ED SRGAN</a:t>
+            </a:r>
+            <a:endParaRPr lang="en-IN" dirty="0"/>
+          </a:p>
+        </p:txBody>
+      </p:sp>
+      <p:pic>
+        <p:nvPicPr>
+          <p:cNvPr id="20" name="Picture 19">
+            <a:extLst>
+              <a:ext uri="{FF2B5EF4-FFF2-40B4-BE49-F238E27FC236}">
+                <a16:creationId xmlns:a16="http://schemas.microsoft.com/office/drawing/2014/main" id="{67B71201-E9B7-4184-91B9-89C34507B14A}"/>
+              </a:ext>
+            </a:extLst>
+          </p:cNvPr>
+          <p:cNvPicPr>
+            <a:picLocks noChangeAspect="1"/>
+          </p:cNvPicPr>
+          <p:nvPr/>
+        </p:nvPicPr>
+        <p:blipFill>
+          <a:blip r:embed="rId5">
+            <a:extLst>
+              <a:ext uri="{28A0092B-C50C-407E-A947-70E740481C1C}">
+                <a14:useLocalDpi xmlns:a14="http://schemas.microsoft.com/office/drawing/2010/main" val="0"/>
+              </a:ext>
+            </a:extLst>
+          </a:blip>
+          <a:stretch>
+            <a:fillRect/>
+          </a:stretch>
+        </p:blipFill>
+        <p:spPr>
+          <a:xfrm>
+            <a:off x="1211065" y="2071898"/>
+            <a:ext cx="2890404" cy="2890404"/>
+          </a:xfrm>
+          <a:prstGeom prst="rect">
+            <a:avLst/>
+          </a:prstGeom>
+        </p:spPr>
+      </p:pic>
+    </p:spTree>
+    <p:extLst>
+      <p:ext uri="{BB962C8B-B14F-4D97-AF65-F5344CB8AC3E}">
+        <p14:creationId xmlns:p14="http://schemas.microsoft.com/office/powerpoint/2010/main" val="3653168016"/>
+      </p:ext>
+    </p:extLst>
+  </p:cSld>
+  <p:clrMapOvr>
+    <a:masterClrMapping/>
+  </p:clrMapOvr>
+  <mc:AlternateContent xmlns:mc="http://schemas.openxmlformats.org/markup-compatibility/2006" xmlns:p14="http://schemas.microsoft.com/office/powerpoint/2010/main">
+    <mc:Choice Requires="p14">
+      <p:transition spd="med" p14:dur="700">
+        <p:fade/>
+      </p:transition>
+    </mc:Choice>
+    <mc:Fallback xmlns="">
+      <p:transition spd="med">
+        <p:fade/>
+      </p:transition>
+    </mc:Fallback>
+  </mc:AlternateContent>
+</p:sld>
+</file>
+
+<file path=ppt/slides/slide15.xml><?xml version="1.0" encoding="utf-8"?>
+<p:sld xmlns:a="http://schemas.openxmlformats.org/drawingml/2006/main" xmlns:r="http://schemas.openxmlformats.org/officeDocument/2006/relationships" xmlns:p="http://schemas.openxmlformats.org/presentationml/2006/main">
+  <p:cSld>
+    <p:spTree>
+      <p:nvGrpSpPr>
+        <p:cNvPr id="1" name=""/>
+        <p:cNvGrpSpPr/>
+        <p:nvPr/>
+      </p:nvGrpSpPr>
+      <p:grpSpPr>
+        <a:xfrm>
+          <a:off x="0" y="0"/>
+          <a:ext cx="0" cy="0"/>
+          <a:chOff x="0" y="0"/>
+          <a:chExt cx="0" cy="0"/>
+        </a:xfrm>
+      </p:grpSpPr>
+      <p:sp>
+        <p:nvSpPr>
+          <p:cNvPr id="2" name="Title 1">
+            <a:extLst>
+              <a:ext uri="{FF2B5EF4-FFF2-40B4-BE49-F238E27FC236}">
+                <a16:creationId xmlns:a16="http://schemas.microsoft.com/office/drawing/2014/main" id="{8CA6834D-D8D1-4802-B776-1FBC4FFFEFA5}"/>
+              </a:ext>
+            </a:extLst>
+          </p:cNvPr>
+          <p:cNvSpPr>
+            <a:spLocks noGrp="1"/>
+          </p:cNvSpPr>
+          <p:nvPr>
+            <p:ph type="title"/>
+          </p:nvPr>
+        </p:nvSpPr>
+        <p:spPr/>
+        <p:txBody>
+          <a:bodyPr/>
+          <a:lstStyle/>
+          <a:p>
+            <a:r>
+              <a:rPr lang="en-US" dirty="0"/>
+              <a:t>Cost Estimation </a:t>
+            </a:r>
+            <a:endParaRPr lang="en-IN" dirty="0"/>
+          </a:p>
+        </p:txBody>
+      </p:sp>
+      <p:sp>
+        <p:nvSpPr>
+          <p:cNvPr id="3" name="Content Placeholder 2">
+            <a:extLst>
+              <a:ext uri="{FF2B5EF4-FFF2-40B4-BE49-F238E27FC236}">
+                <a16:creationId xmlns:a16="http://schemas.microsoft.com/office/drawing/2014/main" id="{A6A55976-D643-4083-B206-87AD67322B54}"/>
+              </a:ext>
+            </a:extLst>
+          </p:cNvPr>
+          <p:cNvSpPr>
+            <a:spLocks noGrp="1"/>
+          </p:cNvSpPr>
+          <p:nvPr>
+            <p:ph idx="1"/>
+          </p:nvPr>
+        </p:nvSpPr>
+        <p:spPr/>
+        <p:txBody>
+          <a:bodyPr>
+            <a:normAutofit fontScale="92500" lnSpcReduction="10000"/>
+          </a:bodyPr>
+          <a:lstStyle/>
+          <a:p>
+            <a:r>
+              <a:rPr lang="en-US" dirty="0"/>
+              <a:t>Cost Estimate:</a:t>
+            </a:r>
+            <a:r>
+              <a:rPr lang="en-IN" dirty="0"/>
+              <a:t> The model following is the semi detached Constructive Cost Model (COCOMO) for estimating the efforts required in the completion of the project.</a:t>
+            </a:r>
+          </a:p>
+          <a:p>
+            <a:pPr marL="457200" indent="-457200">
+              <a:buAutoNum type="arabicParenR"/>
+            </a:pPr>
+            <a:r>
+              <a:rPr lang="en-IN" dirty="0"/>
+              <a:t>Object Point</a:t>
+            </a:r>
+          </a:p>
+          <a:p>
+            <a:pPr marL="457200" indent="-457200">
+              <a:buAutoNum type="arabicParenR"/>
+            </a:pPr>
+            <a:r>
+              <a:rPr lang="en-IN" dirty="0"/>
+              <a:t>Function Point</a:t>
+            </a:r>
+          </a:p>
+          <a:p>
+            <a:pPr marL="457200" indent="-457200">
+              <a:buAutoNum type="arabicParenR"/>
+            </a:pPr>
+            <a:r>
+              <a:rPr lang="en-IN" dirty="0"/>
+              <a:t>Lines of Source Code (KLOC)</a:t>
+            </a:r>
+          </a:p>
+          <a:p>
+            <a:pPr marL="0" indent="0">
+              <a:buNone/>
+            </a:pPr>
+            <a:r>
+              <a:rPr lang="en-US" dirty="0"/>
+              <a:t>For our project, sizing information in the form of Lines of Source Code is used. </a:t>
+            </a:r>
+          </a:p>
+          <a:p>
+            <a:pPr marL="0" indent="0">
+              <a:buNone/>
+            </a:pPr>
+            <a:r>
+              <a:rPr lang="en-US" dirty="0"/>
+              <a:t>The total lines of code, </a:t>
+            </a:r>
+          </a:p>
+          <a:p>
+            <a:pPr marL="0" indent="0">
+              <a:buNone/>
+            </a:pPr>
+            <a:r>
+              <a:rPr lang="en-US" dirty="0"/>
+              <a:t>KLOC = 750 </a:t>
+            </a:r>
+          </a:p>
+          <a:p>
+            <a:pPr marL="0" indent="0">
+              <a:buNone/>
+            </a:pPr>
+            <a:r>
+              <a:rPr lang="en-US" dirty="0"/>
+              <a:t>Note: KLOC is arbitrary, change if necessary </a:t>
+            </a:r>
+          </a:p>
+          <a:p>
+            <a:pPr marL="0" indent="0">
+              <a:buNone/>
+            </a:pPr>
+            <a:r>
+              <a:rPr lang="en-US" dirty="0"/>
+              <a:t>Equations: The initial effort(</a:t>
+            </a:r>
+            <a:r>
+              <a:rPr lang="en-US" dirty="0" err="1"/>
+              <a:t>Ei</a:t>
+            </a:r>
+            <a:r>
+              <a:rPr lang="en-US" dirty="0"/>
+              <a:t>) in man-months is calculated using equations: E = ax(KLOC) b where, </a:t>
+            </a:r>
+          </a:p>
+        </p:txBody>
+      </p:sp>
+      <p:sp>
+        <p:nvSpPr>
+          <p:cNvPr id="7" name="Footer Placeholder 4">
+            <a:extLst>
+              <a:ext uri="{FF2B5EF4-FFF2-40B4-BE49-F238E27FC236}">
+                <a16:creationId xmlns:a16="http://schemas.microsoft.com/office/drawing/2014/main" id="{9619F632-2DBC-48FC-B2DF-34BCE95AE6B0}"/>
+              </a:ext>
+            </a:extLst>
+          </p:cNvPr>
+          <p:cNvSpPr txBox="1">
+            <a:spLocks/>
+          </p:cNvSpPr>
+          <p:nvPr/>
+        </p:nvSpPr>
+        <p:spPr>
+          <a:xfrm>
+            <a:off x="3030876" y="6303476"/>
+            <a:ext cx="6323082" cy="365126"/>
+          </a:xfrm>
+          <a:prstGeom prst="rect">
+            <a:avLst/>
+          </a:prstGeom>
+        </p:spPr>
+        <p:txBody>
+          <a:bodyPr vert="horz" lIns="0" tIns="45720" rIns="0" bIns="45720" rtlCol="0" anchor="ctr"/>
+          <a:lstStyle>
+            <a:defPPr>
+              <a:defRPr lang="en-US"/>
+            </a:defPPr>
+            <a:lvl1pPr marL="0" algn="ctr" defTabSz="914400" rtl="0" eaLnBrk="1" latinLnBrk="0" hangingPunct="1">
+              <a:defRPr sz="1200" kern="1200" baseline="0">
+                <a:solidFill>
+                  <a:schemeClr val="tx1">
+                    <a:lumMod val="75000"/>
+                  </a:schemeClr>
+                </a:solidFill>
+                <a:latin typeface="+mn-lt"/>
+                <a:ea typeface="+mn-ea"/>
+                <a:cs typeface="+mn-cs"/>
+              </a:defRPr>
+            </a:lvl1pPr>
+            <a:lvl2pPr marL="457200" algn="l" defTabSz="914400" rtl="0" eaLnBrk="1" latinLnBrk="0" hangingPunct="1">
+              <a:defRPr sz="1800" kern="1200">
+                <a:solidFill>
+                  <a:schemeClr val="tx1"/>
+                </a:solidFill>
+                <a:latin typeface="+mn-lt"/>
+                <a:ea typeface="+mn-ea"/>
+                <a:cs typeface="+mn-cs"/>
+              </a:defRPr>
+            </a:lvl2pPr>
+            <a:lvl3pPr marL="914400" algn="l" defTabSz="914400" rtl="0" eaLnBrk="1" latinLnBrk="0" hangingPunct="1">
+              <a:defRPr sz="1800" kern="1200">
+                <a:solidFill>
+                  <a:schemeClr val="tx1"/>
+                </a:solidFill>
+                <a:latin typeface="+mn-lt"/>
+                <a:ea typeface="+mn-ea"/>
+                <a:cs typeface="+mn-cs"/>
+              </a:defRPr>
+            </a:lvl3pPr>
+            <a:lvl4pPr marL="1371600" algn="l" defTabSz="914400" rtl="0" eaLnBrk="1" latinLnBrk="0" hangingPunct="1">
+              <a:defRPr sz="1800" kern="1200">
+                <a:solidFill>
+                  <a:schemeClr val="tx1"/>
+                </a:solidFill>
+                <a:latin typeface="+mn-lt"/>
+                <a:ea typeface="+mn-ea"/>
+                <a:cs typeface="+mn-cs"/>
+              </a:defRPr>
+            </a:lvl4pPr>
+            <a:lvl5pPr marL="1828800" algn="l" defTabSz="914400" rtl="0" eaLnBrk="1" latinLnBrk="0" hangingPunct="1">
+              <a:defRPr sz="1800" kern="1200">
+                <a:solidFill>
+                  <a:schemeClr val="tx1"/>
+                </a:solidFill>
+                <a:latin typeface="+mn-lt"/>
+                <a:ea typeface="+mn-ea"/>
+                <a:cs typeface="+mn-cs"/>
+              </a:defRPr>
+            </a:lvl5pPr>
+            <a:lvl6pPr marL="2286000" algn="l" defTabSz="914400" rtl="0" eaLnBrk="1" latinLnBrk="0" hangingPunct="1">
+              <a:defRPr sz="1800" kern="1200">
+                <a:solidFill>
+                  <a:schemeClr val="tx1"/>
+                </a:solidFill>
+                <a:latin typeface="+mn-lt"/>
+                <a:ea typeface="+mn-ea"/>
+                <a:cs typeface="+mn-cs"/>
+              </a:defRPr>
+            </a:lvl6pPr>
+            <a:lvl7pPr marL="2743200" algn="l" defTabSz="914400" rtl="0" eaLnBrk="1" latinLnBrk="0" hangingPunct="1">
+              <a:defRPr sz="1800" kern="1200">
+                <a:solidFill>
+                  <a:schemeClr val="tx1"/>
+                </a:solidFill>
+                <a:latin typeface="+mn-lt"/>
+                <a:ea typeface="+mn-ea"/>
+                <a:cs typeface="+mn-cs"/>
+              </a:defRPr>
+            </a:lvl7pPr>
+            <a:lvl8pPr marL="3200400" algn="l" defTabSz="914400" rtl="0" eaLnBrk="1" latinLnBrk="0" hangingPunct="1">
+              <a:defRPr sz="1800" kern="1200">
+                <a:solidFill>
+                  <a:schemeClr val="tx1"/>
+                </a:solidFill>
+                <a:latin typeface="+mn-lt"/>
+                <a:ea typeface="+mn-ea"/>
+                <a:cs typeface="+mn-cs"/>
+              </a:defRPr>
+            </a:lvl8pPr>
+            <a:lvl9pPr marL="3657600" algn="l" defTabSz="914400" rtl="0" eaLnBrk="1" latinLnBrk="0" hangingPunct="1">
+              <a:defRPr sz="1800" kern="1200">
+                <a:solidFill>
+                  <a:schemeClr val="tx1"/>
+                </a:solidFill>
+                <a:latin typeface="+mn-lt"/>
+                <a:ea typeface="+mn-ea"/>
+                <a:cs typeface="+mn-cs"/>
+              </a:defRPr>
+            </a:lvl9pPr>
+          </a:lstStyle>
+          <a:p>
+            <a:r>
+              <a:rPr lang="en-IN" dirty="0">
+                <a:cs typeface="Times New Roman" panose="02020603050405020304" pitchFamily="18" charset="0"/>
+              </a:rPr>
+              <a:t>Astronomical image colourisation and super-resolution using GANS</a:t>
+            </a:r>
+            <a:endParaRPr lang="en-IN" dirty="0"/>
+          </a:p>
+        </p:txBody>
+      </p:sp>
+    </p:spTree>
+    <p:extLst>
+      <p:ext uri="{BB962C8B-B14F-4D97-AF65-F5344CB8AC3E}">
+        <p14:creationId xmlns:p14="http://schemas.microsoft.com/office/powerpoint/2010/main" val="105529415"/>
+      </p:ext>
+    </p:extLst>
+  </p:cSld>
+  <p:clrMapOvr>
+    <a:masterClrMapping/>
+  </p:clrMapOvr>
+  <mc:AlternateContent xmlns:mc="http://schemas.openxmlformats.org/markup-compatibility/2006" xmlns:p14="http://schemas.microsoft.com/office/powerpoint/2010/main">
+    <mc:Choice Requires="p14">
+      <p:transition spd="med" p14:dur="700">
+        <p:fade/>
+      </p:transition>
+    </mc:Choice>
+    <mc:Fallback xmlns="">
+      <p:transition spd="med">
+        <p:fade/>
+      </p:transition>
+    </mc:Fallback>
+  </mc:AlternateContent>
+</p:sld>
+</file>
+
+<file path=ppt/slides/slide16.xml><?xml version="1.0" encoding="utf-8"?>
+<p:sld xmlns:a="http://schemas.openxmlformats.org/drawingml/2006/main" xmlns:r="http://schemas.openxmlformats.org/officeDocument/2006/relationships" xmlns:p="http://schemas.openxmlformats.org/presentationml/2006/main">
+  <p:cSld>
+    <p:spTree>
+      <p:nvGrpSpPr>
+        <p:cNvPr id="1" name=""/>
+        <p:cNvGrpSpPr/>
+        <p:nvPr/>
+      </p:nvGrpSpPr>
+      <p:grpSpPr>
+        <a:xfrm>
+          <a:off x="0" y="0"/>
+          <a:ext cx="0" cy="0"/>
+          <a:chOff x="0" y="0"/>
+          <a:chExt cx="0" cy="0"/>
+        </a:xfrm>
+      </p:grpSpPr>
+      <p:sp>
+        <p:nvSpPr>
+          <p:cNvPr id="3" name="Content Placeholder 2">
+            <a:extLst>
+              <a:ext uri="{FF2B5EF4-FFF2-40B4-BE49-F238E27FC236}">
+                <a16:creationId xmlns:a16="http://schemas.microsoft.com/office/drawing/2014/main" id="{B7A5B910-2B01-47F0-9F13-AFABE1642A3B}"/>
+              </a:ext>
+            </a:extLst>
+          </p:cNvPr>
+          <p:cNvSpPr>
+            <a:spLocks noGrp="1"/>
+          </p:cNvSpPr>
+          <p:nvPr>
+            <p:ph idx="1"/>
+          </p:nvPr>
+        </p:nvSpPr>
+        <p:spPr/>
+        <p:txBody>
+          <a:bodyPr/>
+          <a:lstStyle/>
+          <a:p>
+            <a:r>
+              <a:rPr lang="en-US" dirty="0"/>
+              <a:t>a = 3.0, b = 1.12, for a semi-detached project</a:t>
+            </a:r>
+          </a:p>
+          <a:p>
+            <a:r>
+              <a:rPr lang="en-US" dirty="0"/>
+              <a:t> E = Efforts in person-hours E = 4.5 PM </a:t>
+            </a:r>
+          </a:p>
+          <a:p>
+            <a:r>
+              <a:rPr lang="en-US" dirty="0"/>
+              <a:t> D = ax(E) b Where, a = 2.5, b = 0.35, for a semi-detached project</a:t>
+            </a:r>
+          </a:p>
+          <a:p>
+            <a:r>
+              <a:rPr lang="en-US" dirty="0"/>
+              <a:t> D = Duration of Project in months </a:t>
+            </a:r>
+            <a:r>
+              <a:rPr lang="en-IN" dirty="0"/>
+              <a:t>D = 4 Months</a:t>
+            </a:r>
+            <a:endParaRPr lang="en-US" dirty="0"/>
+          </a:p>
+          <a:p>
+            <a:endParaRPr lang="en-IN" dirty="0"/>
+          </a:p>
+        </p:txBody>
+      </p:sp>
+      <p:sp>
+        <p:nvSpPr>
+          <p:cNvPr id="5" name="Title 1">
+            <a:extLst>
+              <a:ext uri="{FF2B5EF4-FFF2-40B4-BE49-F238E27FC236}">
+                <a16:creationId xmlns:a16="http://schemas.microsoft.com/office/drawing/2014/main" id="{594438B5-6750-41D7-8D47-8A45A3F161EF}"/>
+              </a:ext>
+            </a:extLst>
+          </p:cNvPr>
+          <p:cNvSpPr>
+            <a:spLocks noGrp="1"/>
+          </p:cNvSpPr>
+          <p:nvPr>
+            <p:ph type="title"/>
+          </p:nvPr>
+        </p:nvSpPr>
+        <p:spPr>
+          <a:xfrm>
+            <a:off x="1104900" y="76200"/>
+            <a:ext cx="9980682" cy="1096962"/>
+          </a:xfrm>
+        </p:spPr>
+        <p:txBody>
+          <a:bodyPr/>
+          <a:lstStyle/>
+          <a:p>
+            <a:r>
+              <a:rPr lang="en-US" dirty="0"/>
+              <a:t>Cost Estimation</a:t>
+            </a:r>
+            <a:endParaRPr lang="en-IN" dirty="0"/>
+          </a:p>
+        </p:txBody>
+      </p:sp>
+      <p:sp>
+        <p:nvSpPr>
+          <p:cNvPr id="6" name="Footer Placeholder 4">
+            <a:extLst>
+              <a:ext uri="{FF2B5EF4-FFF2-40B4-BE49-F238E27FC236}">
+                <a16:creationId xmlns:a16="http://schemas.microsoft.com/office/drawing/2014/main" id="{FA40F147-E9F3-4454-A383-3EC817D0DB57}"/>
+              </a:ext>
+            </a:extLst>
+          </p:cNvPr>
+          <p:cNvSpPr txBox="1">
+            <a:spLocks/>
+          </p:cNvSpPr>
+          <p:nvPr/>
+        </p:nvSpPr>
+        <p:spPr>
+          <a:xfrm>
+            <a:off x="3012214" y="6331469"/>
+            <a:ext cx="6323082" cy="365126"/>
+          </a:xfrm>
+          <a:prstGeom prst="rect">
+            <a:avLst/>
+          </a:prstGeom>
+        </p:spPr>
+        <p:txBody>
+          <a:bodyPr vert="horz" lIns="0" tIns="45720" rIns="0" bIns="45720" rtlCol="0" anchor="ctr"/>
+          <a:lstStyle>
+            <a:defPPr>
+              <a:defRPr lang="en-US"/>
+            </a:defPPr>
+            <a:lvl1pPr marL="0" algn="ctr" defTabSz="914400" rtl="0" eaLnBrk="1" latinLnBrk="0" hangingPunct="1">
+              <a:defRPr sz="1200" kern="1200" baseline="0">
+                <a:solidFill>
+                  <a:schemeClr val="tx1">
+                    <a:lumMod val="75000"/>
+                  </a:schemeClr>
+                </a:solidFill>
+                <a:latin typeface="+mn-lt"/>
+                <a:ea typeface="+mn-ea"/>
+                <a:cs typeface="+mn-cs"/>
+              </a:defRPr>
+            </a:lvl1pPr>
+            <a:lvl2pPr marL="457200" algn="l" defTabSz="914400" rtl="0" eaLnBrk="1" latinLnBrk="0" hangingPunct="1">
+              <a:defRPr sz="1800" kern="1200">
+                <a:solidFill>
+                  <a:schemeClr val="tx1"/>
+                </a:solidFill>
+                <a:latin typeface="+mn-lt"/>
+                <a:ea typeface="+mn-ea"/>
+                <a:cs typeface="+mn-cs"/>
+              </a:defRPr>
+            </a:lvl2pPr>
+            <a:lvl3pPr marL="914400" algn="l" defTabSz="914400" rtl="0" eaLnBrk="1" latinLnBrk="0" hangingPunct="1">
+              <a:defRPr sz="1800" kern="1200">
+                <a:solidFill>
+                  <a:schemeClr val="tx1"/>
+                </a:solidFill>
+                <a:latin typeface="+mn-lt"/>
+                <a:ea typeface="+mn-ea"/>
+                <a:cs typeface="+mn-cs"/>
+              </a:defRPr>
+            </a:lvl3pPr>
+            <a:lvl4pPr marL="1371600" algn="l" defTabSz="914400" rtl="0" eaLnBrk="1" latinLnBrk="0" hangingPunct="1">
+              <a:defRPr sz="1800" kern="1200">
+                <a:solidFill>
+                  <a:schemeClr val="tx1"/>
+                </a:solidFill>
+                <a:latin typeface="+mn-lt"/>
+                <a:ea typeface="+mn-ea"/>
+                <a:cs typeface="+mn-cs"/>
+              </a:defRPr>
+            </a:lvl4pPr>
+            <a:lvl5pPr marL="1828800" algn="l" defTabSz="914400" rtl="0" eaLnBrk="1" latinLnBrk="0" hangingPunct="1">
+              <a:defRPr sz="1800" kern="1200">
+                <a:solidFill>
+                  <a:schemeClr val="tx1"/>
+                </a:solidFill>
+                <a:latin typeface="+mn-lt"/>
+                <a:ea typeface="+mn-ea"/>
+                <a:cs typeface="+mn-cs"/>
+              </a:defRPr>
+            </a:lvl5pPr>
+            <a:lvl6pPr marL="2286000" algn="l" defTabSz="914400" rtl="0" eaLnBrk="1" latinLnBrk="0" hangingPunct="1">
+              <a:defRPr sz="1800" kern="1200">
+                <a:solidFill>
+                  <a:schemeClr val="tx1"/>
+                </a:solidFill>
+                <a:latin typeface="+mn-lt"/>
+                <a:ea typeface="+mn-ea"/>
+                <a:cs typeface="+mn-cs"/>
+              </a:defRPr>
+            </a:lvl6pPr>
+            <a:lvl7pPr marL="2743200" algn="l" defTabSz="914400" rtl="0" eaLnBrk="1" latinLnBrk="0" hangingPunct="1">
+              <a:defRPr sz="1800" kern="1200">
+                <a:solidFill>
+                  <a:schemeClr val="tx1"/>
+                </a:solidFill>
+                <a:latin typeface="+mn-lt"/>
+                <a:ea typeface="+mn-ea"/>
+                <a:cs typeface="+mn-cs"/>
+              </a:defRPr>
+            </a:lvl7pPr>
+            <a:lvl8pPr marL="3200400" algn="l" defTabSz="914400" rtl="0" eaLnBrk="1" latinLnBrk="0" hangingPunct="1">
+              <a:defRPr sz="1800" kern="1200">
+                <a:solidFill>
+                  <a:schemeClr val="tx1"/>
+                </a:solidFill>
+                <a:latin typeface="+mn-lt"/>
+                <a:ea typeface="+mn-ea"/>
+                <a:cs typeface="+mn-cs"/>
+              </a:defRPr>
+            </a:lvl8pPr>
+            <a:lvl9pPr marL="3657600" algn="l" defTabSz="914400" rtl="0" eaLnBrk="1" latinLnBrk="0" hangingPunct="1">
+              <a:defRPr sz="1800" kern="1200">
+                <a:solidFill>
+                  <a:schemeClr val="tx1"/>
+                </a:solidFill>
+                <a:latin typeface="+mn-lt"/>
+                <a:ea typeface="+mn-ea"/>
+                <a:cs typeface="+mn-cs"/>
+              </a:defRPr>
+            </a:lvl9pPr>
+          </a:lstStyle>
+          <a:p>
+            <a:r>
+              <a:rPr lang="en-IN" dirty="0">
+                <a:cs typeface="Times New Roman" panose="02020603050405020304" pitchFamily="18" charset="0"/>
+              </a:rPr>
+              <a:t>Astronomical image colourisation and super-resolution using GANS</a:t>
+            </a:r>
+            <a:endParaRPr lang="en-IN" dirty="0"/>
+          </a:p>
+        </p:txBody>
+      </p:sp>
+    </p:spTree>
+    <p:extLst>
+      <p:ext uri="{BB962C8B-B14F-4D97-AF65-F5344CB8AC3E}">
+        <p14:creationId xmlns:p14="http://schemas.microsoft.com/office/powerpoint/2010/main" val="2321870647"/>
+      </p:ext>
+    </p:extLst>
+  </p:cSld>
+  <p:clrMapOvr>
+    <a:masterClrMapping/>
+  </p:clrMapOvr>
+  <mc:AlternateContent xmlns:mc="http://schemas.openxmlformats.org/markup-compatibility/2006" xmlns:p14="http://schemas.microsoft.com/office/powerpoint/2010/main">
+    <mc:Choice Requires="p14">
+      <p:transition spd="med" p14:dur="700">
+        <p:fade/>
+      </p:transition>
+    </mc:Choice>
+    <mc:Fallback xmlns="">
+      <p:transition spd="med">
+        <p:fade/>
+      </p:transition>
+    </mc:Fallback>
+  </mc:AlternateContent>
+</p:sld>
+</file>
+
+<file path=ppt/slides/slide17.xml><?xml version="1.0" encoding="utf-8"?>
+<p:sld xmlns:a="http://schemas.openxmlformats.org/drawingml/2006/main" xmlns:r="http://schemas.openxmlformats.org/officeDocument/2006/relationships" xmlns:p="http://schemas.openxmlformats.org/presentationml/2006/main">
+  <p:cSld>
+    <p:spTree>
+      <p:nvGrpSpPr>
+        <p:cNvPr id="1" name=""/>
+        <p:cNvGrpSpPr/>
+        <p:nvPr/>
+      </p:nvGrpSpPr>
+      <p:grpSpPr>
+        <a:xfrm>
+          <a:off x="0" y="0"/>
+          <a:ext cx="0" cy="0"/>
+          <a:chOff x="0" y="0"/>
+          <a:chExt cx="0" cy="0"/>
+        </a:xfrm>
+      </p:grpSpPr>
+      <p:sp>
+        <p:nvSpPr>
+          <p:cNvPr id="2" name="Title 1">
+            <a:extLst>
+              <a:ext uri="{FF2B5EF4-FFF2-40B4-BE49-F238E27FC236}">
+                <a16:creationId xmlns:a16="http://schemas.microsoft.com/office/drawing/2014/main" id="{32B8C7BC-0752-4C35-A4AC-871026F36E8F}"/>
+              </a:ext>
+            </a:extLst>
+          </p:cNvPr>
+          <p:cNvSpPr>
+            <a:spLocks noGrp="1"/>
+          </p:cNvSpPr>
+          <p:nvPr>
+            <p:ph type="title"/>
+          </p:nvPr>
+        </p:nvSpPr>
+        <p:spPr/>
+        <p:txBody>
+          <a:bodyPr/>
+          <a:lstStyle/>
+          <a:p>
+            <a:r>
+              <a:rPr lang="en-US" dirty="0"/>
+              <a:t>Cost Estimation</a:t>
+            </a:r>
+            <a:endParaRPr lang="en-IN" dirty="0"/>
+          </a:p>
+        </p:txBody>
+      </p:sp>
+      <p:sp>
+        <p:nvSpPr>
+          <p:cNvPr id="3" name="Content Placeholder 2">
+            <a:extLst>
+              <a:ext uri="{FF2B5EF4-FFF2-40B4-BE49-F238E27FC236}">
+                <a16:creationId xmlns:a16="http://schemas.microsoft.com/office/drawing/2014/main" id="{F7F61833-2912-4E21-BFE4-E0F367F1CAC7}"/>
+              </a:ext>
+            </a:extLst>
+          </p:cNvPr>
+          <p:cNvSpPr>
+            <a:spLocks noGrp="1"/>
+          </p:cNvSpPr>
+          <p:nvPr>
+            <p:ph idx="1"/>
+          </p:nvPr>
+        </p:nvSpPr>
+        <p:spPr/>
+        <p:txBody>
+          <a:bodyPr/>
+          <a:lstStyle/>
+          <a:p>
+            <a:r>
+              <a:rPr lang="en-US" dirty="0"/>
+              <a:t>C = </a:t>
+            </a:r>
+            <a:r>
+              <a:rPr lang="en-US" dirty="0" err="1"/>
+              <a:t>D∗Cp</a:t>
+            </a:r>
+            <a:r>
+              <a:rPr lang="en-US" dirty="0"/>
+              <a:t> ∗ </a:t>
+            </a:r>
+            <a:r>
+              <a:rPr lang="en-US" dirty="0" err="1"/>
+              <a:t>hrs</a:t>
+            </a:r>
+            <a:r>
+              <a:rPr lang="en-US" dirty="0"/>
+              <a:t> = 4 * 40 * 160 = Rs 25,600 </a:t>
+            </a:r>
+          </a:p>
+          <a:p>
+            <a:r>
+              <a:rPr lang="en-US" dirty="0"/>
+              <a:t>Where, C = Cost of project </a:t>
+            </a:r>
+          </a:p>
+          <a:p>
+            <a:r>
+              <a:rPr lang="en-US" dirty="0"/>
+              <a:t>D = Duration in Hours </a:t>
+            </a:r>
+          </a:p>
+          <a:p>
+            <a:r>
+              <a:rPr lang="en-US" dirty="0"/>
+              <a:t>Cp = Cost incurred per person-hour </a:t>
+            </a:r>
+          </a:p>
+          <a:p>
+            <a:r>
+              <a:rPr lang="en-US" dirty="0" err="1"/>
+              <a:t>hrs</a:t>
+            </a:r>
+            <a:r>
+              <a:rPr lang="en-US" dirty="0"/>
+              <a:t> = hours </a:t>
+            </a:r>
+          </a:p>
+        </p:txBody>
+      </p:sp>
+      <p:sp>
+        <p:nvSpPr>
+          <p:cNvPr id="5" name="Footer Placeholder 4">
+            <a:extLst>
+              <a:ext uri="{FF2B5EF4-FFF2-40B4-BE49-F238E27FC236}">
+                <a16:creationId xmlns:a16="http://schemas.microsoft.com/office/drawing/2014/main" id="{A8E5BAFB-C5F9-49FA-9F5C-63E267F825D8}"/>
+              </a:ext>
+            </a:extLst>
+          </p:cNvPr>
+          <p:cNvSpPr txBox="1">
+            <a:spLocks/>
+          </p:cNvSpPr>
+          <p:nvPr/>
+        </p:nvSpPr>
+        <p:spPr>
+          <a:xfrm>
+            <a:off x="2933700" y="6234112"/>
+            <a:ext cx="6323082" cy="365126"/>
+          </a:xfrm>
+          <a:prstGeom prst="rect">
+            <a:avLst/>
+          </a:prstGeom>
+        </p:spPr>
+        <p:txBody>
+          <a:bodyPr vert="horz" lIns="0" tIns="45720" rIns="0" bIns="45720" rtlCol="0" anchor="ctr"/>
+          <a:lstStyle>
+            <a:defPPr>
+              <a:defRPr lang="en-US"/>
+            </a:defPPr>
+            <a:lvl1pPr marL="0" algn="ctr" defTabSz="914400" rtl="0" eaLnBrk="1" latinLnBrk="0" hangingPunct="1">
+              <a:defRPr sz="1200" kern="1200" baseline="0">
+                <a:solidFill>
+                  <a:schemeClr val="tx1">
+                    <a:lumMod val="75000"/>
+                  </a:schemeClr>
+                </a:solidFill>
+                <a:latin typeface="+mn-lt"/>
+                <a:ea typeface="+mn-ea"/>
+                <a:cs typeface="+mn-cs"/>
+              </a:defRPr>
+            </a:lvl1pPr>
+            <a:lvl2pPr marL="457200" algn="l" defTabSz="914400" rtl="0" eaLnBrk="1" latinLnBrk="0" hangingPunct="1">
+              <a:defRPr sz="1800" kern="1200">
+                <a:solidFill>
+                  <a:schemeClr val="tx1"/>
+                </a:solidFill>
+                <a:latin typeface="+mn-lt"/>
+                <a:ea typeface="+mn-ea"/>
+                <a:cs typeface="+mn-cs"/>
+              </a:defRPr>
+            </a:lvl2pPr>
+            <a:lvl3pPr marL="914400" algn="l" defTabSz="914400" rtl="0" eaLnBrk="1" latinLnBrk="0" hangingPunct="1">
+              <a:defRPr sz="1800" kern="1200">
+                <a:solidFill>
+                  <a:schemeClr val="tx1"/>
+                </a:solidFill>
+                <a:latin typeface="+mn-lt"/>
+                <a:ea typeface="+mn-ea"/>
+                <a:cs typeface="+mn-cs"/>
+              </a:defRPr>
+            </a:lvl3pPr>
+            <a:lvl4pPr marL="1371600" algn="l" defTabSz="914400" rtl="0" eaLnBrk="1" latinLnBrk="0" hangingPunct="1">
+              <a:defRPr sz="1800" kern="1200">
+                <a:solidFill>
+                  <a:schemeClr val="tx1"/>
+                </a:solidFill>
+                <a:latin typeface="+mn-lt"/>
+                <a:ea typeface="+mn-ea"/>
+                <a:cs typeface="+mn-cs"/>
+              </a:defRPr>
+            </a:lvl4pPr>
+            <a:lvl5pPr marL="1828800" algn="l" defTabSz="914400" rtl="0" eaLnBrk="1" latinLnBrk="0" hangingPunct="1">
+              <a:defRPr sz="1800" kern="1200">
+                <a:solidFill>
+                  <a:schemeClr val="tx1"/>
+                </a:solidFill>
+                <a:latin typeface="+mn-lt"/>
+                <a:ea typeface="+mn-ea"/>
+                <a:cs typeface="+mn-cs"/>
+              </a:defRPr>
+            </a:lvl5pPr>
+            <a:lvl6pPr marL="2286000" algn="l" defTabSz="914400" rtl="0" eaLnBrk="1" latinLnBrk="0" hangingPunct="1">
+              <a:defRPr sz="1800" kern="1200">
+                <a:solidFill>
+                  <a:schemeClr val="tx1"/>
+                </a:solidFill>
+                <a:latin typeface="+mn-lt"/>
+                <a:ea typeface="+mn-ea"/>
+                <a:cs typeface="+mn-cs"/>
+              </a:defRPr>
+            </a:lvl6pPr>
+            <a:lvl7pPr marL="2743200" algn="l" defTabSz="914400" rtl="0" eaLnBrk="1" latinLnBrk="0" hangingPunct="1">
+              <a:defRPr sz="1800" kern="1200">
+                <a:solidFill>
+                  <a:schemeClr val="tx1"/>
+                </a:solidFill>
+                <a:latin typeface="+mn-lt"/>
+                <a:ea typeface="+mn-ea"/>
+                <a:cs typeface="+mn-cs"/>
+              </a:defRPr>
+            </a:lvl7pPr>
+            <a:lvl8pPr marL="3200400" algn="l" defTabSz="914400" rtl="0" eaLnBrk="1" latinLnBrk="0" hangingPunct="1">
+              <a:defRPr sz="1800" kern="1200">
+                <a:solidFill>
+                  <a:schemeClr val="tx1"/>
+                </a:solidFill>
+                <a:latin typeface="+mn-lt"/>
+                <a:ea typeface="+mn-ea"/>
+                <a:cs typeface="+mn-cs"/>
+              </a:defRPr>
+            </a:lvl8pPr>
+            <a:lvl9pPr marL="3657600" algn="l" defTabSz="914400" rtl="0" eaLnBrk="1" latinLnBrk="0" hangingPunct="1">
+              <a:defRPr sz="1800" kern="1200">
+                <a:solidFill>
+                  <a:schemeClr val="tx1"/>
+                </a:solidFill>
+                <a:latin typeface="+mn-lt"/>
+                <a:ea typeface="+mn-ea"/>
+                <a:cs typeface="+mn-cs"/>
+              </a:defRPr>
+            </a:lvl9pPr>
+          </a:lstStyle>
+          <a:p>
+            <a:r>
+              <a:rPr lang="en-IN" dirty="0">
+                <a:cs typeface="Times New Roman" panose="02020603050405020304" pitchFamily="18" charset="0"/>
+              </a:rPr>
+              <a:t>Astronomical image colourisation and super-resolution using GANS</a:t>
+            </a:r>
+            <a:endParaRPr lang="en-IN" dirty="0"/>
+          </a:p>
+        </p:txBody>
+      </p:sp>
+    </p:spTree>
+    <p:extLst>
+      <p:ext uri="{BB962C8B-B14F-4D97-AF65-F5344CB8AC3E}">
+        <p14:creationId xmlns:p14="http://schemas.microsoft.com/office/powerpoint/2010/main" val="1378609590"/>
+      </p:ext>
+    </p:extLst>
+  </p:cSld>
+  <p:clrMapOvr>
+    <a:masterClrMapping/>
+  </p:clrMapOvr>
+  <mc:AlternateContent xmlns:mc="http://schemas.openxmlformats.org/markup-compatibility/2006" xmlns:p14="http://schemas.microsoft.com/office/powerpoint/2010/main">
+    <mc:Choice Requires="p14">
+      <p:transition spd="med" p14:dur="700">
+        <p:fade/>
+      </p:transition>
+    </mc:Choice>
+    <mc:Fallback xmlns="">
+      <p:transition spd="med">
+        <p:fade/>
+      </p:transition>
+    </mc:Fallback>
+  </mc:AlternateContent>
+</p:sld>
+</file>
+
+<file path=ppt/slides/slide18.xml><?xml version="1.0" encoding="utf-8"?>
 <p:sld xmlns:a="http://schemas.openxmlformats.org/drawingml/2006/main" xmlns:r="http://schemas.openxmlformats.org/officeDocument/2006/relationships" xmlns:p="http://schemas.openxmlformats.org/presentationml/2006/main">
   <p:cSld>
     <p:spTree>
@@ -5895,192 +8345,7 @@
 </p:sld>
 </file>
 
-<file path=ppt/slides/slide12.xml><?xml version="1.0" encoding="utf-8"?>
-<p:sld xmlns:a="http://schemas.openxmlformats.org/drawingml/2006/main" xmlns:r="http://schemas.openxmlformats.org/officeDocument/2006/relationships" xmlns:p="http://schemas.openxmlformats.org/presentationml/2006/main">
-  <p:cSld>
-    <p:spTree>
-      <p:nvGrpSpPr>
-        <p:cNvPr id="1" name=""/>
-        <p:cNvGrpSpPr/>
-        <p:nvPr/>
-      </p:nvGrpSpPr>
-      <p:grpSpPr>
-        <a:xfrm>
-          <a:off x="0" y="0"/>
-          <a:ext cx="0" cy="0"/>
-          <a:chOff x="0" y="0"/>
-          <a:chExt cx="0" cy="0"/>
-        </a:xfrm>
-      </p:grpSpPr>
-      <p:sp>
-        <p:nvSpPr>
-          <p:cNvPr id="13" name="Title 12"/>
-          <p:cNvSpPr>
-            <a:spLocks noGrp="1"/>
-          </p:cNvSpPr>
-          <p:nvPr>
-            <p:ph type="title"/>
-          </p:nvPr>
-        </p:nvSpPr>
-        <p:spPr/>
-        <p:txBody>
-          <a:bodyPr/>
-          <a:lstStyle/>
-          <a:p>
-            <a:pPr marL="285750" indent="-285750">
-              <a:lnSpc>
-                <a:spcPct val="115000"/>
-              </a:lnSpc>
-              <a:spcAft>
-                <a:spcPts val="1000"/>
-              </a:spcAft>
-              <a:buFont typeface="Arial" panose="020B0604020202020204" pitchFamily="34" charset="0"/>
-              <a:buChar char="•"/>
-            </a:pPr>
-            <a:r>
-              <a:rPr lang="en-US" sz="2800" dirty="0">
-                <a:effectLst/>
-              </a:rPr>
-              <a:t>Cost Analysis</a:t>
-            </a:r>
-            <a:endParaRPr lang="en-IN" sz="2800" dirty="0">
-              <a:effectLst/>
-              <a:latin typeface="Calibri" panose="020F0502020204030204" pitchFamily="34" charset="0"/>
-              <a:ea typeface="Calibri" panose="020F0502020204030204" pitchFamily="34" charset="0"/>
-            </a:endParaRPr>
-          </a:p>
-        </p:txBody>
-      </p:sp>
-      <p:sp>
-        <p:nvSpPr>
-          <p:cNvPr id="14" name="Content Placeholder 13"/>
-          <p:cNvSpPr>
-            <a:spLocks noGrp="1"/>
-          </p:cNvSpPr>
-          <p:nvPr>
-            <p:ph idx="1"/>
-          </p:nvPr>
-        </p:nvSpPr>
-        <p:spPr/>
-        <p:txBody>
-          <a:bodyPr>
-            <a:normAutofit/>
-          </a:bodyPr>
-          <a:lstStyle/>
-          <a:p>
-            <a:pPr marL="228600" indent="-228600">
-              <a:lnSpc>
-                <a:spcPct val="90000"/>
-              </a:lnSpc>
-              <a:spcBef>
-                <a:spcPts val="1800"/>
-              </a:spcBef>
-              <a:buFont typeface="Wingdings" panose="05000000000000000000" pitchFamily="2" charset="2"/>
-              <a:buChar char="§"/>
-            </a:pPr>
-            <a:r>
-              <a:rPr lang="en-US" dirty="0"/>
-              <a:t>Most of the code is executed on google </a:t>
-            </a:r>
-            <a:r>
-              <a:rPr lang="en-US" dirty="0" err="1"/>
-              <a:t>colab</a:t>
-            </a:r>
-            <a:r>
-              <a:rPr lang="en-US" dirty="0"/>
-              <a:t> so there were no expenses to implement the GANS</a:t>
-            </a:r>
-          </a:p>
-        </p:txBody>
-      </p:sp>
-      <p:sp>
-        <p:nvSpPr>
-          <p:cNvPr id="5" name="Footer Placeholder 4"/>
-          <p:cNvSpPr>
-            <a:spLocks noGrp="1"/>
-          </p:cNvSpPr>
-          <p:nvPr>
-            <p:ph type="ftr" sz="quarter" idx="11"/>
-          </p:nvPr>
-        </p:nvSpPr>
-        <p:spPr/>
-        <p:txBody>
-          <a:bodyPr/>
-          <a:lstStyle/>
-          <a:p>
-            <a:r>
-              <a:rPr lang="en-IN" sz="1200" dirty="0">
-                <a:cs typeface="Times New Roman" panose="02020603050405020304" pitchFamily="18" charset="0"/>
-              </a:rPr>
-              <a:t>Astronomical image colourisation and super-resolution using GANS</a:t>
-            </a:r>
-            <a:endParaRPr lang="en-IN" dirty="0"/>
-          </a:p>
-        </p:txBody>
-      </p:sp>
-      <p:pic>
-        <p:nvPicPr>
-          <p:cNvPr id="4" name="Picture 1"/>
-          <p:cNvPicPr>
-            <a:picLocks noChangeAspect="1" noChangeArrowheads="1"/>
-          </p:cNvPicPr>
-          <p:nvPr/>
-        </p:nvPicPr>
-        <p:blipFill>
-          <a:blip r:embed="rId2" cstate="print">
-            <a:extLst>
-              <a:ext uri="{28A0092B-C50C-407E-A947-70E740481C1C}">
-                <a14:useLocalDpi xmlns:a14="http://schemas.microsoft.com/office/drawing/2010/main" val="0"/>
-              </a:ext>
-            </a:extLst>
-          </a:blip>
-          <a:stretch>
-            <a:fillRect/>
-          </a:stretch>
-        </p:blipFill>
-        <p:spPr bwMode="auto">
-          <a:xfrm>
-            <a:off x="10919540" y="150750"/>
-            <a:ext cx="1233271" cy="1029803"/>
-          </a:xfrm>
-          <a:prstGeom prst="rect">
-            <a:avLst/>
-          </a:prstGeom>
-          <a:noFill/>
-          <a:ln w="9525">
-            <a:noFill/>
-            <a:miter lim="800000"/>
-            <a:headEnd/>
-            <a:tailEnd/>
-          </a:ln>
-        </p:spPr>
-      </p:pic>
-    </p:spTree>
-    <p:extLst>
-      <p:ext uri="{BB962C8B-B14F-4D97-AF65-F5344CB8AC3E}">
-        <p14:creationId xmlns:p14="http://schemas.microsoft.com/office/powerpoint/2010/main" val="3298214804"/>
-      </p:ext>
-    </p:extLst>
-  </p:cSld>
-  <p:clrMapOvr>
-    <a:masterClrMapping/>
-  </p:clrMapOvr>
-  <mc:AlternateContent xmlns:mc="http://schemas.openxmlformats.org/markup-compatibility/2006" xmlns:p14="http://schemas.microsoft.com/office/powerpoint/2010/main">
-    <mc:Choice Requires="p14">
-      <p:transition spd="med" p14:dur="700">
-        <p:fade/>
-      </p:transition>
-    </mc:Choice>
-    <mc:Fallback xmlns="">
-      <p:transition spd="med">
-        <p:fade/>
-      </p:transition>
-    </mc:Fallback>
-  </mc:AlternateContent>
-</p:sld>
-</file>
-
-<file path=ppt/slides/slide13.xml><?xml version="1.0" encoding="utf-8"?>
+<file path=ppt/slides/slide19.xml><?xml version="1.0" encoding="utf-8"?>
 <p:sld xmlns:a="http://schemas.openxmlformats.org/drawingml/2006/main" xmlns:r="http://schemas.openxmlformats.org/officeDocument/2006/relationships" xmlns:p="http://schemas.openxmlformats.org/presentationml/2006/main">
   <p:cSld>
     <p:spTree>
@@ -7552,6 +9817,201 @@
           <a:bodyPr/>
           <a:lstStyle/>
           <a:p>
+            <a:r>
+              <a:rPr lang="en-US" dirty="0"/>
+              <a:t>Problem Definition</a:t>
+            </a:r>
+          </a:p>
+        </p:txBody>
+      </p:sp>
+      <p:sp>
+        <p:nvSpPr>
+          <p:cNvPr id="14" name="Content Placeholder 13"/>
+          <p:cNvSpPr>
+            <a:spLocks noGrp="1"/>
+          </p:cNvSpPr>
+          <p:nvPr>
+            <p:ph idx="1"/>
+          </p:nvPr>
+        </p:nvSpPr>
+        <p:spPr/>
+        <p:txBody>
+          <a:bodyPr>
+            <a:normAutofit/>
+          </a:bodyPr>
+          <a:lstStyle/>
+          <a:p>
+            <a:r>
+              <a:rPr lang="en-US" dirty="0"/>
+              <a:t>The problem can be divided into two sub-problems:</a:t>
+            </a:r>
+          </a:p>
+          <a:p>
+            <a:pPr lvl="1"/>
+            <a:r>
+              <a:rPr lang="en-US" dirty="0"/>
+              <a:t>Create an efﬁcient model to colorize grayscale images</a:t>
+            </a:r>
+          </a:p>
+          <a:p>
+            <a:pPr lvl="1"/>
+            <a:r>
+              <a:rPr lang="en-US" dirty="0"/>
+              <a:t>Take a colorized image and upscale it n times the original size</a:t>
+            </a:r>
+          </a:p>
+          <a:p>
+            <a:endParaRPr lang="en-US" dirty="0"/>
+          </a:p>
+          <a:p>
+            <a:pPr marL="0" indent="0">
+              <a:buNone/>
+            </a:pPr>
+            <a:r>
+              <a:rPr lang="en-US" sz="1400" dirty="0"/>
+              <a:t>Keywords: GAN, Neural Network, NodeJS, puppeteer, Convolutional Neural Network, Upscaling, Colorization.</a:t>
+            </a:r>
+          </a:p>
+          <a:p>
+            <a:endParaRPr lang="en-US" dirty="0"/>
+          </a:p>
+          <a:p>
+            <a:endParaRPr lang="en-IN" dirty="0"/>
+          </a:p>
+          <a:p>
+            <a:pPr marL="228600" indent="-228600">
+              <a:lnSpc>
+                <a:spcPct val="90000"/>
+              </a:lnSpc>
+              <a:spcBef>
+                <a:spcPts val="1800"/>
+              </a:spcBef>
+              <a:buFont typeface="Wingdings" panose="05000000000000000000" pitchFamily="2" charset="2"/>
+              <a:buChar char="§"/>
+            </a:pPr>
+            <a:endParaRPr lang="en-US" sz="2000" dirty="0"/>
+          </a:p>
+        </p:txBody>
+      </p:sp>
+      <p:sp>
+        <p:nvSpPr>
+          <p:cNvPr id="5" name="Footer Placeholder 4"/>
+          <p:cNvSpPr>
+            <a:spLocks noGrp="1"/>
+          </p:cNvSpPr>
+          <p:nvPr>
+            <p:ph type="ftr" sz="quarter" idx="11"/>
+          </p:nvPr>
+        </p:nvSpPr>
+        <p:spPr/>
+        <p:txBody>
+          <a:bodyPr/>
+          <a:lstStyle/>
+          <a:p>
+            <a:r>
+              <a:rPr lang="en-IN" sz="1200" dirty="0">
+                <a:cs typeface="Times New Roman" panose="02020603050405020304" pitchFamily="18" charset="0"/>
+              </a:rPr>
+              <a:t>Astronomical image colourisation and super-resolution using GANS</a:t>
+            </a:r>
+            <a:endParaRPr lang="en-IN" dirty="0"/>
+          </a:p>
+        </p:txBody>
+      </p:sp>
+      <p:pic>
+        <p:nvPicPr>
+          <p:cNvPr id="4" name="Picture 1"/>
+          <p:cNvPicPr>
+            <a:picLocks noChangeAspect="1" noChangeArrowheads="1"/>
+          </p:cNvPicPr>
+          <p:nvPr/>
+        </p:nvPicPr>
+        <p:blipFill>
+          <a:blip r:embed="rId2" cstate="print">
+            <a:extLst>
+              <a:ext uri="{28A0092B-C50C-407E-A947-70E740481C1C}">
+                <a14:useLocalDpi xmlns:a14="http://schemas.microsoft.com/office/drawing/2010/main" val="0"/>
+              </a:ext>
+            </a:extLst>
+          </a:blip>
+          <a:stretch>
+            <a:fillRect/>
+          </a:stretch>
+        </p:blipFill>
+        <p:spPr bwMode="auto">
+          <a:xfrm>
+            <a:off x="10919540" y="150750"/>
+            <a:ext cx="1233271" cy="1029803"/>
+          </a:xfrm>
+          <a:prstGeom prst="rect">
+            <a:avLst/>
+          </a:prstGeom>
+          <a:noFill/>
+          <a:ln w="9525">
+            <a:noFill/>
+            <a:miter lim="800000"/>
+            <a:headEnd/>
+            <a:tailEnd/>
+          </a:ln>
+        </p:spPr>
+      </p:pic>
+    </p:spTree>
+    <p:extLst>
+      <p:ext uri="{BB962C8B-B14F-4D97-AF65-F5344CB8AC3E}">
+        <p14:creationId xmlns:p14="http://schemas.microsoft.com/office/powerpoint/2010/main" val="2942683675"/>
+      </p:ext>
+    </p:extLst>
+  </p:cSld>
+  <p:clrMapOvr>
+    <a:masterClrMapping/>
+  </p:clrMapOvr>
+  <mc:AlternateContent xmlns:mc="http://schemas.openxmlformats.org/markup-compatibility/2006" xmlns:p14="http://schemas.microsoft.com/office/powerpoint/2010/main">
+    <mc:Choice Requires="p14">
+      <p:transition spd="med" p14:dur="700">
+        <p:fade/>
+      </p:transition>
+    </mc:Choice>
+    <mc:Fallback xmlns="">
+      <p:transition spd="med">
+        <p:fade/>
+      </p:transition>
+    </mc:Fallback>
+  </mc:AlternateContent>
+</p:sld>
+</file>
+
+<file path=ppt/slides/slide5.xml><?xml version="1.0" encoding="utf-8"?>
+<p:sld xmlns:a="http://schemas.openxmlformats.org/drawingml/2006/main" xmlns:r="http://schemas.openxmlformats.org/officeDocument/2006/relationships" xmlns:p="http://schemas.openxmlformats.org/presentationml/2006/main">
+  <p:cSld>
+    <p:spTree>
+      <p:nvGrpSpPr>
+        <p:cNvPr id="1" name=""/>
+        <p:cNvGrpSpPr/>
+        <p:nvPr/>
+      </p:nvGrpSpPr>
+      <p:grpSpPr>
+        <a:xfrm>
+          <a:off x="0" y="0"/>
+          <a:ext cx="0" cy="0"/>
+          <a:chOff x="0" y="0"/>
+          <a:chExt cx="0" cy="0"/>
+        </a:xfrm>
+      </p:grpSpPr>
+      <p:sp>
+        <p:nvSpPr>
+          <p:cNvPr id="13" name="Title 12"/>
+          <p:cNvSpPr>
+            <a:spLocks noGrp="1"/>
+          </p:cNvSpPr>
+          <p:nvPr>
+            <p:ph type="title"/>
+          </p:nvPr>
+        </p:nvSpPr>
+        <p:spPr/>
+        <p:txBody>
+          <a:bodyPr/>
+          <a:lstStyle/>
+          <a:p>
             <a:pPr>
               <a:lnSpc>
                 <a:spcPct val="115000"/>
@@ -7764,7 +10224,7 @@
 </p:sld>
 </file>
 
-<file path=ppt/slides/slide5.xml><?xml version="1.0" encoding="utf-8"?>
+<file path=ppt/slides/slide6.xml><?xml version="1.0" encoding="utf-8"?>
 <p:sld xmlns:a="http://schemas.openxmlformats.org/drawingml/2006/main" xmlns:r="http://schemas.openxmlformats.org/officeDocument/2006/relationships" xmlns:p="http://schemas.openxmlformats.org/presentationml/2006/main">
   <p:cSld>
     <p:spTree>
@@ -8008,7 +10468,7 @@
 </p:sld>
 </file>
 
-<file path=ppt/slides/slide6.xml><?xml version="1.0" encoding="utf-8"?>
+<file path=ppt/slides/slide7.xml><?xml version="1.0" encoding="utf-8"?>
 <p:sld xmlns:a="http://schemas.openxmlformats.org/drawingml/2006/main" xmlns:r="http://schemas.openxmlformats.org/officeDocument/2006/relationships" xmlns:p="http://schemas.openxmlformats.org/presentationml/2006/main">
   <p:cSld>
     <p:spTree>
@@ -8341,7 +10801,7 @@
 </p:sld>
 </file>
 
-<file path=ppt/slides/slide7.xml><?xml version="1.0" encoding="utf-8"?>
+<file path=ppt/slides/slide8.xml><?xml version="1.0" encoding="utf-8"?>
 <p:sld xmlns:a="http://schemas.openxmlformats.org/drawingml/2006/main" xmlns:r="http://schemas.openxmlformats.org/officeDocument/2006/relationships" xmlns:p="http://schemas.openxmlformats.org/presentationml/2006/main">
   <p:cSld>
     <p:spTree>
@@ -8408,6 +10868,24 @@
               <a:rPr lang="en-US" dirty="0"/>
               <a:t>SR-GAN works well with for single image super-resolution as it also uses an intelligent content loss function that uses pre-trained VGG-net layers.</a:t>
             </a:r>
+          </a:p>
+          <a:p>
+            <a:r>
+              <a:rPr lang="en-US" dirty="0"/>
+              <a:t>We use a perceptual loss function which consists of an adversarial loss and a content loss. </a:t>
+            </a:r>
+          </a:p>
+          <a:p>
+            <a:r>
+              <a:rPr lang="en-US" dirty="0"/>
+              <a:t>It contains eight convolutional layers with an increasing number of 3 × 3 filter kernels, increasing by a factor of 2 from 64 to 512 kernels as in the VGG network</a:t>
+            </a:r>
+          </a:p>
+          <a:p>
+            <a:endParaRPr lang="en-US" dirty="0"/>
+          </a:p>
+          <a:p>
+            <a:endParaRPr lang="en-US" dirty="0"/>
           </a:p>
           <a:p>
             <a:endParaRPr lang="en-IN" dirty="0"/>
@@ -8504,7 +10982,7 @@
         </p:blipFill>
         <p:spPr>
           <a:xfrm>
-            <a:off x="2663301" y="3097752"/>
+            <a:off x="2663300" y="4177776"/>
             <a:ext cx="2160048" cy="2160048"/>
           </a:xfrm>
           <a:prstGeom prst="rect">
@@ -8576,7 +11054,7 @@
         </p:blipFill>
         <p:spPr>
           <a:xfrm>
-            <a:off x="6573288" y="3097752"/>
+            <a:off x="6673993" y="4187039"/>
             <a:ext cx="2160048" cy="2160048"/>
           </a:xfrm>
           <a:prstGeom prst="rect">
@@ -8624,244 +11102,6 @@
     <p:extLst>
       <p:ext uri="{BB962C8B-B14F-4D97-AF65-F5344CB8AC3E}">
         <p14:creationId xmlns:p14="http://schemas.microsoft.com/office/powerpoint/2010/main" val="3374271328"/>
-      </p:ext>
-    </p:extLst>
-  </p:cSld>
-  <p:clrMapOvr>
-    <a:masterClrMapping/>
-  </p:clrMapOvr>
-  <mc:AlternateContent xmlns:mc="http://schemas.openxmlformats.org/markup-compatibility/2006" xmlns:p14="http://schemas.microsoft.com/office/powerpoint/2010/main">
-    <mc:Choice Requires="p14">
-      <p:transition spd="med" p14:dur="700">
-        <p:fade/>
-      </p:transition>
-    </mc:Choice>
-    <mc:Fallback xmlns="">
-      <p:transition spd="med">
-        <p:fade/>
-      </p:transition>
-    </mc:Fallback>
-  </mc:AlternateContent>
-</p:sld>
-</file>
-
-<file path=ppt/slides/slide8.xml><?xml version="1.0" encoding="utf-8"?>
-<p:sld xmlns:a="http://schemas.openxmlformats.org/drawingml/2006/main" xmlns:r="http://schemas.openxmlformats.org/officeDocument/2006/relationships" xmlns:p="http://schemas.openxmlformats.org/presentationml/2006/main">
-  <p:cSld>
-    <p:spTree>
-      <p:nvGrpSpPr>
-        <p:cNvPr id="1" name=""/>
-        <p:cNvGrpSpPr/>
-        <p:nvPr/>
-      </p:nvGrpSpPr>
-      <p:grpSpPr>
-        <a:xfrm>
-          <a:off x="0" y="0"/>
-          <a:ext cx="0" cy="0"/>
-          <a:chOff x="0" y="0"/>
-          <a:chExt cx="0" cy="0"/>
-        </a:xfrm>
-      </p:grpSpPr>
-      <p:sp>
-        <p:nvSpPr>
-          <p:cNvPr id="13" name="Title 12"/>
-          <p:cNvSpPr>
-            <a:spLocks noGrp="1"/>
-          </p:cNvSpPr>
-          <p:nvPr>
-            <p:ph type="title"/>
-          </p:nvPr>
-        </p:nvSpPr>
-        <p:spPr/>
-        <p:txBody>
-          <a:bodyPr/>
-          <a:lstStyle/>
-          <a:p>
-            <a:pPr>
-              <a:lnSpc>
-                <a:spcPct val="115000"/>
-              </a:lnSpc>
-              <a:spcAft>
-                <a:spcPts val="1000"/>
-              </a:spcAft>
-            </a:pPr>
-            <a:r>
-              <a:rPr lang="en-US" sz="2800" dirty="0">
-                <a:effectLst/>
-              </a:rPr>
-              <a:t>Implementation Status</a:t>
-            </a:r>
-            <a:endParaRPr lang="en-IN" sz="2800" dirty="0">
-              <a:effectLst/>
-              <a:latin typeface="Calibri" panose="020F0502020204030204" pitchFamily="34" charset="0"/>
-              <a:ea typeface="Calibri" panose="020F0502020204030204" pitchFamily="34" charset="0"/>
-            </a:endParaRPr>
-          </a:p>
-        </p:txBody>
-      </p:sp>
-      <p:sp>
-        <p:nvSpPr>
-          <p:cNvPr id="14" name="Content Placeholder 13"/>
-          <p:cNvSpPr>
-            <a:spLocks noGrp="1"/>
-          </p:cNvSpPr>
-          <p:nvPr>
-            <p:ph idx="1"/>
-          </p:nvPr>
-        </p:nvSpPr>
-        <p:spPr/>
-        <p:txBody>
-          <a:bodyPr>
-            <a:normAutofit/>
-          </a:bodyPr>
-          <a:lstStyle/>
-          <a:p>
-            <a:pPr marL="228600" indent="-228600">
-              <a:lnSpc>
-                <a:spcPct val="90000"/>
-              </a:lnSpc>
-              <a:spcBef>
-                <a:spcPts val="1800"/>
-              </a:spcBef>
-              <a:buFont typeface="Wingdings" panose="05000000000000000000" pitchFamily="2" charset="2"/>
-              <a:buChar char="§"/>
-            </a:pPr>
-            <a:r>
-              <a:rPr lang="en-US" dirty="0"/>
-              <a:t>Image Colorization is still in process, we are trying different models trying to find the most efficient methodology to colorize the images</a:t>
-            </a:r>
-          </a:p>
-          <a:p>
-            <a:pPr marL="228600" indent="-228600">
-              <a:lnSpc>
-                <a:spcPct val="90000"/>
-              </a:lnSpc>
-              <a:spcBef>
-                <a:spcPts val="1800"/>
-              </a:spcBef>
-              <a:buFont typeface="Wingdings" panose="05000000000000000000" pitchFamily="2" charset="2"/>
-              <a:buChar char="§"/>
-            </a:pPr>
-            <a:r>
-              <a:rPr lang="en-US" dirty="0"/>
-              <a:t>Different U-net architectures have been trained over the COCO dataset so as to generalize the model to a greater extent</a:t>
-            </a:r>
-          </a:p>
-          <a:p>
-            <a:pPr marL="228600" indent="-228600">
-              <a:lnSpc>
-                <a:spcPct val="90000"/>
-              </a:lnSpc>
-              <a:spcBef>
-                <a:spcPts val="1800"/>
-              </a:spcBef>
-              <a:buFont typeface="Wingdings" panose="05000000000000000000" pitchFamily="2" charset="2"/>
-              <a:buChar char="§"/>
-            </a:pPr>
-            <a:r>
-              <a:rPr lang="en-US" dirty="0"/>
-              <a:t>Image Upscaling i</a:t>
-            </a:r>
-            <a:r>
-              <a:rPr lang="en-US" sz="2000" dirty="0">
-                <a:effectLst/>
-              </a:rPr>
-              <a:t>mplementation is successful and has shown promising results. We are still trying to fine tune the model to get better results</a:t>
-            </a:r>
-          </a:p>
-          <a:p>
-            <a:pPr marL="0" indent="0">
-              <a:lnSpc>
-                <a:spcPct val="90000"/>
-              </a:lnSpc>
-              <a:spcBef>
-                <a:spcPts val="1800"/>
-              </a:spcBef>
-              <a:buNone/>
-            </a:pPr>
-            <a:endParaRPr lang="en-US" dirty="0"/>
-          </a:p>
-          <a:p>
-            <a:pPr marL="228600" indent="-228600">
-              <a:lnSpc>
-                <a:spcPct val="90000"/>
-              </a:lnSpc>
-              <a:spcBef>
-                <a:spcPts val="1800"/>
-              </a:spcBef>
-              <a:buFont typeface="Wingdings" panose="05000000000000000000" pitchFamily="2" charset="2"/>
-              <a:buChar char="§"/>
-            </a:pPr>
-            <a:endParaRPr lang="en-US" dirty="0"/>
-          </a:p>
-        </p:txBody>
-      </p:sp>
-      <p:sp>
-        <p:nvSpPr>
-          <p:cNvPr id="5" name="Footer Placeholder 4"/>
-          <p:cNvSpPr>
-            <a:spLocks noGrp="1"/>
-          </p:cNvSpPr>
-          <p:nvPr>
-            <p:ph type="ftr" sz="quarter" idx="11"/>
-          </p:nvPr>
-        </p:nvSpPr>
-        <p:spPr/>
-        <p:txBody>
-          <a:bodyPr/>
-          <a:lstStyle/>
-          <a:p>
-            <a:r>
-              <a:rPr lang="en-IN" sz="1200" dirty="0">
-                <a:cs typeface="Times New Roman" panose="02020603050405020304" pitchFamily="18" charset="0"/>
-              </a:rPr>
-              <a:t>Astronomical image colourisation and super-resolution using GANS</a:t>
-            </a:r>
-            <a:endParaRPr lang="en-IN" dirty="0"/>
-          </a:p>
-        </p:txBody>
-      </p:sp>
-      <p:pic>
-        <p:nvPicPr>
-          <p:cNvPr id="4" name="Picture 1"/>
-          <p:cNvPicPr>
-            <a:picLocks noChangeAspect="1" noChangeArrowheads="1"/>
-          </p:cNvPicPr>
-          <p:nvPr/>
-        </p:nvPicPr>
-        <p:blipFill>
-          <a:blip r:embed="rId2" cstate="print">
-            <a:extLst>
-              <a:ext uri="{28A0092B-C50C-407E-A947-70E740481C1C}">
-                <a14:useLocalDpi xmlns:a14="http://schemas.microsoft.com/office/drawing/2010/main" val="0"/>
-              </a:ext>
-            </a:extLst>
-          </a:blip>
-          <a:stretch>
-            <a:fillRect/>
-          </a:stretch>
-        </p:blipFill>
-        <p:spPr bwMode="auto">
-          <a:xfrm>
-            <a:off x="10919540" y="150750"/>
-            <a:ext cx="1233271" cy="1029803"/>
-          </a:xfrm>
-          <a:prstGeom prst="rect">
-            <a:avLst/>
-          </a:prstGeom>
-          <a:noFill/>
-          <a:ln w="9525">
-            <a:noFill/>
-            <a:miter lim="800000"/>
-            <a:headEnd/>
-            <a:tailEnd/>
-          </a:ln>
-        </p:spPr>
-      </p:pic>
-    </p:spTree>
-    <p:extLst>
-      <p:ext uri="{BB962C8B-B14F-4D97-AF65-F5344CB8AC3E}">
-        <p14:creationId xmlns:p14="http://schemas.microsoft.com/office/powerpoint/2010/main" val="1069410040"/>
       </p:ext>
     </p:extLst>
   </p:cSld>
@@ -8915,21 +11155,19 @@
           <a:bodyPr/>
           <a:lstStyle/>
           <a:p>
-            <a:pPr marL="285750" indent="-285750">
+            <a:pPr>
               <a:lnSpc>
                 <a:spcPct val="115000"/>
               </a:lnSpc>
               <a:spcAft>
                 <a:spcPts val="1000"/>
               </a:spcAft>
-              <a:buFont typeface="Arial" panose="020B0604020202020204" pitchFamily="34" charset="0"/>
-              <a:buChar char="•"/>
             </a:pPr>
             <a:r>
               <a:rPr lang="en-US" sz="2800" dirty="0">
                 <a:effectLst/>
               </a:rPr>
-              <a:t>Results</a:t>
+              <a:t>Implementation Status</a:t>
             </a:r>
             <a:endParaRPr lang="en-IN" sz="2800" dirty="0">
               <a:effectLst/>
@@ -8949,7 +11187,12 @@
             <p:ph idx="1"/>
           </p:nvPr>
         </p:nvSpPr>
-        <p:spPr/>
+        <p:spPr>
+          <a:xfrm>
+            <a:off x="1103382" y="2288220"/>
+            <a:ext cx="9982200" cy="4572000"/>
+          </a:xfrm>
+        </p:spPr>
         <p:txBody>
           <a:bodyPr>
             <a:normAutofit/>
@@ -8968,7 +11211,7 @@
             </a:pPr>
             <a:r>
               <a:rPr lang="en-US" dirty="0"/>
-              <a:t> A proper testing pipeline has yet to be set up that will compare the output images with the ground truth</a:t>
+              <a:t>We are trying different models trying to find the most efficient methodology to colorize the images</a:t>
             </a:r>
           </a:p>
           <a:p>
@@ -8984,7 +11227,7 @@
             </a:pPr>
             <a:r>
               <a:rPr lang="en-US" dirty="0"/>
-              <a:t>The images will be evaluated over L2 loss</a:t>
+              <a:t>Different U-net architectures have been trained over the COCO dataset so as to generalize the model to a greater extent</a:t>
             </a:r>
           </a:p>
           <a:p>
@@ -9000,8 +11243,39 @@
             </a:pPr>
             <a:r>
               <a:rPr lang="en-US" dirty="0"/>
-              <a:t>GANs are particularly hard to evaluate quantitatively. Having said that, we have achieved visually appealing results which, evaluated qualitatively, are quite convincing </a:t>
-            </a:r>
+              <a:t>Image Upscaling i</a:t>
+            </a:r>
+            <a:r>
+              <a:rPr lang="en-US" sz="2000" dirty="0">
+                <a:effectLst/>
+              </a:rPr>
+              <a:t>mplementation is successful and has shown promising results. We are still trying to fine tune the model to get better results</a:t>
+            </a:r>
+          </a:p>
+          <a:p>
+            <a:pPr marL="0" indent="0">
+              <a:lnSpc>
+                <a:spcPct val="90000"/>
+              </a:lnSpc>
+              <a:spcBef>
+                <a:spcPts val="1800"/>
+              </a:spcBef>
+              <a:buNone/>
+            </a:pPr>
+            <a:endParaRPr lang="en-US" dirty="0"/>
+          </a:p>
+          <a:p>
+            <a:pPr marL="228600" indent="-228600">
+              <a:lnSpc>
+                <a:spcPct val="90000"/>
+              </a:lnSpc>
+              <a:spcBef>
+                <a:spcPts val="1800"/>
+              </a:spcBef>
+              <a:buFont typeface="Wingdings" panose="05000000000000000000" pitchFamily="2" charset="2"/>
+              <a:buChar char="§"/>
+            </a:pPr>
+            <a:endParaRPr lang="en-US" dirty="0"/>
           </a:p>
         </p:txBody>
       </p:sp>
@@ -9067,10 +11341,78 @@
           </a:ln>
         </p:spPr>
       </p:pic>
+      <p:sp>
+        <p:nvSpPr>
+          <p:cNvPr id="2" name="TextBox 1">
+            <a:extLst>
+              <a:ext uri="{FF2B5EF4-FFF2-40B4-BE49-F238E27FC236}">
+                <a16:creationId xmlns:a16="http://schemas.microsoft.com/office/drawing/2014/main" id="{DE96EF12-1ABD-4FF4-9C9B-FDBC0CD4E1FD}"/>
+              </a:ext>
+            </a:extLst>
+          </p:cNvPr>
+          <p:cNvSpPr txBox="1"/>
+          <p:nvPr/>
+        </p:nvSpPr>
+        <p:spPr>
+          <a:xfrm>
+            <a:off x="1225118" y="6187736"/>
+            <a:ext cx="184731" cy="369332"/>
+          </a:xfrm>
+          <a:prstGeom prst="rect">
+            <a:avLst/>
+          </a:prstGeom>
+          <a:noFill/>
+        </p:spPr>
+        <p:txBody>
+          <a:bodyPr wrap="none" rtlCol="0">
+            <a:spAutoFit/>
+          </a:bodyPr>
+          <a:lstStyle/>
+          <a:p>
+            <a:endParaRPr lang="en-IN" dirty="0"/>
+          </a:p>
+        </p:txBody>
+      </p:sp>
+      <p:sp>
+        <p:nvSpPr>
+          <p:cNvPr id="3" name="TextBox 2">
+            <a:extLst>
+              <a:ext uri="{FF2B5EF4-FFF2-40B4-BE49-F238E27FC236}">
+                <a16:creationId xmlns:a16="http://schemas.microsoft.com/office/drawing/2014/main" id="{EC30AA51-2C4D-4BAB-8AF1-6A247A6FCD41}"/>
+              </a:ext>
+            </a:extLst>
+          </p:cNvPr>
+          <p:cNvSpPr txBox="1"/>
+          <p:nvPr/>
+        </p:nvSpPr>
+        <p:spPr>
+          <a:xfrm>
+            <a:off x="4663328" y="1546025"/>
+            <a:ext cx="4070782" cy="369332"/>
+          </a:xfrm>
+          <a:prstGeom prst="rect">
+            <a:avLst/>
+          </a:prstGeom>
+          <a:noFill/>
+        </p:spPr>
+        <p:txBody>
+          <a:bodyPr wrap="square" rtlCol="0">
+            <a:spAutoFit/>
+          </a:bodyPr>
+          <a:lstStyle/>
+          <a:p>
+            <a:r>
+              <a:rPr lang="en-US" b="1" dirty="0"/>
+              <a:t>Image Colorization</a:t>
+            </a:r>
+            <a:endParaRPr lang="en-IN" b="1" dirty="0"/>
+          </a:p>
+        </p:txBody>
+      </p:sp>
     </p:spTree>
     <p:extLst>
       <p:ext uri="{BB962C8B-B14F-4D97-AF65-F5344CB8AC3E}">
-        <p14:creationId xmlns:p14="http://schemas.microsoft.com/office/powerpoint/2010/main" val="3140287691"/>
+        <p14:creationId xmlns:p14="http://schemas.microsoft.com/office/powerpoint/2010/main" val="1069410040"/>
       </p:ext>
     </p:extLst>
   </p:cSld>
@@ -9840,141 +12182,6 @@
 </file>
 
 <file path=customXml/item1.xml><?xml version="1.0" encoding="utf-8"?>
-<p:properties xmlns:p="http://schemas.microsoft.com/office/2006/metadata/properties" xmlns:xsi="http://www.w3.org/2001/XMLSchema-instance" xmlns:pc="http://schemas.microsoft.com/office/infopath/2007/PartnerControls">
-  <documentManagement>
-    <APDescription xmlns="4873beb7-5857-4685-be1f-d57550cc96cc" xsi:nil="true"/>
-    <AssetExpire xmlns="4873beb7-5857-4685-be1f-d57550cc96cc">2029-01-01T08:00:00+00:00</AssetExpire>
-    <CampaignTagsTaxHTField0 xmlns="4873beb7-5857-4685-be1f-d57550cc96cc">
-      <Terms xmlns="http://schemas.microsoft.com/office/infopath/2007/PartnerControls"/>
-    </CampaignTagsTaxHTField0>
-    <IntlLangReviewDate xmlns="4873beb7-5857-4685-be1f-d57550cc96cc" xsi:nil="true"/>
-    <TPFriendlyName xmlns="4873beb7-5857-4685-be1f-d57550cc96cc" xsi:nil="true"/>
-    <IntlLangReview xmlns="4873beb7-5857-4685-be1f-d57550cc96cc">false</IntlLangReview>
-    <LocLastLocAttemptVersionLookup xmlns="4873beb7-5857-4685-be1f-d57550cc96cc">855024</LocLastLocAttemptVersionLookup>
-    <PolicheckWords xmlns="4873beb7-5857-4685-be1f-d57550cc96cc" xsi:nil="true"/>
-    <SubmitterId xmlns="4873beb7-5857-4685-be1f-d57550cc96cc" xsi:nil="true"/>
-    <AcquiredFrom xmlns="4873beb7-5857-4685-be1f-d57550cc96cc">Internal MS</AcquiredFrom>
-    <EditorialStatus xmlns="4873beb7-5857-4685-be1f-d57550cc96cc">Complete</EditorialStatus>
-    <Markets xmlns="4873beb7-5857-4685-be1f-d57550cc96cc"/>
-    <OriginAsset xmlns="4873beb7-5857-4685-be1f-d57550cc96cc" xsi:nil="true"/>
-    <AssetStart xmlns="4873beb7-5857-4685-be1f-d57550cc96cc">2012-08-31T08:50:00+00:00</AssetStart>
-    <FriendlyTitle xmlns="4873beb7-5857-4685-be1f-d57550cc96cc" xsi:nil="true"/>
-    <MarketSpecific xmlns="4873beb7-5857-4685-be1f-d57550cc96cc">false</MarketSpecific>
-    <TPNamespace xmlns="4873beb7-5857-4685-be1f-d57550cc96cc" xsi:nil="true"/>
-    <PublishStatusLookup xmlns="4873beb7-5857-4685-be1f-d57550cc96cc">
-      <Value>1616423</Value>
-    </PublishStatusLookup>
-    <APAuthor xmlns="4873beb7-5857-4685-be1f-d57550cc96cc">
-      <UserInfo>
-        <DisplayName>REDMOND\kristaa</DisplayName>
-        <AccountId>136</AccountId>
-        <AccountType/>
-      </UserInfo>
-    </APAuthor>
-    <TPCommandLine xmlns="4873beb7-5857-4685-be1f-d57550cc96cc" xsi:nil="true"/>
-    <IntlLangReviewer xmlns="4873beb7-5857-4685-be1f-d57550cc96cc" xsi:nil="true"/>
-    <OpenTemplate xmlns="4873beb7-5857-4685-be1f-d57550cc96cc">true</OpenTemplate>
-    <CSXSubmissionDate xmlns="4873beb7-5857-4685-be1f-d57550cc96cc" xsi:nil="true"/>
-    <TaxCatchAll xmlns="4873beb7-5857-4685-be1f-d57550cc96cc"/>
-    <Manager xmlns="4873beb7-5857-4685-be1f-d57550cc96cc" xsi:nil="true"/>
-    <NumericId xmlns="4873beb7-5857-4685-be1f-d57550cc96cc" xsi:nil="true"/>
-    <ParentAssetId xmlns="4873beb7-5857-4685-be1f-d57550cc96cc" xsi:nil="true"/>
-    <OriginalSourceMarket xmlns="4873beb7-5857-4685-be1f-d57550cc96cc" xsi:nil="true"/>
-    <ApprovalStatus xmlns="4873beb7-5857-4685-be1f-d57550cc96cc">InProgress</ApprovalStatus>
-    <TPComponent xmlns="4873beb7-5857-4685-be1f-d57550cc96cc" xsi:nil="true"/>
-    <EditorialTags xmlns="4873beb7-5857-4685-be1f-d57550cc96cc" xsi:nil="true"/>
-    <TPExecutable xmlns="4873beb7-5857-4685-be1f-d57550cc96cc" xsi:nil="true"/>
-    <TPLaunchHelpLink xmlns="4873beb7-5857-4685-be1f-d57550cc96cc" xsi:nil="true"/>
-    <LocComments xmlns="4873beb7-5857-4685-be1f-d57550cc96cc" xsi:nil="true"/>
-    <LocRecommendedHandoff xmlns="4873beb7-5857-4685-be1f-d57550cc96cc" xsi:nil="true"/>
-    <SourceTitle xmlns="4873beb7-5857-4685-be1f-d57550cc96cc" xsi:nil="true"/>
-    <CSXUpdate xmlns="4873beb7-5857-4685-be1f-d57550cc96cc">false</CSXUpdate>
-    <IntlLocPriority xmlns="4873beb7-5857-4685-be1f-d57550cc96cc" xsi:nil="true"/>
-    <UAProjectedTotalWords xmlns="4873beb7-5857-4685-be1f-d57550cc96cc" xsi:nil="true"/>
-    <AssetType xmlns="4873beb7-5857-4685-be1f-d57550cc96cc">TP</AssetType>
-    <MachineTranslated xmlns="4873beb7-5857-4685-be1f-d57550cc96cc">false</MachineTranslated>
-    <OutputCachingOn xmlns="4873beb7-5857-4685-be1f-d57550cc96cc">false</OutputCachingOn>
-    <TemplateStatus xmlns="4873beb7-5857-4685-be1f-d57550cc96cc">Complete</TemplateStatus>
-    <IsSearchable xmlns="4873beb7-5857-4685-be1f-d57550cc96cc">true</IsSearchable>
-    <ContentItem xmlns="4873beb7-5857-4685-be1f-d57550cc96cc" xsi:nil="true"/>
-    <HandoffToMSDN xmlns="4873beb7-5857-4685-be1f-d57550cc96cc" xsi:nil="true"/>
-    <ShowIn xmlns="4873beb7-5857-4685-be1f-d57550cc96cc">Show everywhere</ShowIn>
-    <ThumbnailAssetId xmlns="4873beb7-5857-4685-be1f-d57550cc96cc" xsi:nil="true"/>
-    <UALocComments xmlns="4873beb7-5857-4685-be1f-d57550cc96cc" xsi:nil="true"/>
-    <UALocRecommendation xmlns="4873beb7-5857-4685-be1f-d57550cc96cc">Localize</UALocRecommendation>
-    <LastModifiedDateTime xmlns="4873beb7-5857-4685-be1f-d57550cc96cc" xsi:nil="true"/>
-    <LegacyData xmlns="4873beb7-5857-4685-be1f-d57550cc96cc" xsi:nil="true"/>
-    <LocManualTestRequired xmlns="4873beb7-5857-4685-be1f-d57550cc96cc">false</LocManualTestRequired>
-    <LocMarketGroupTiers2 xmlns="4873beb7-5857-4685-be1f-d57550cc96cc" xsi:nil="true"/>
-    <ClipArtFilename xmlns="4873beb7-5857-4685-be1f-d57550cc96cc" xsi:nil="true"/>
-    <TPApplication xmlns="4873beb7-5857-4685-be1f-d57550cc96cc" xsi:nil="true"/>
-    <CSXHash xmlns="4873beb7-5857-4685-be1f-d57550cc96cc" xsi:nil="true"/>
-    <DirectSourceMarket xmlns="4873beb7-5857-4685-be1f-d57550cc96cc" xsi:nil="true"/>
-    <PrimaryImageGen xmlns="4873beb7-5857-4685-be1f-d57550cc96cc">true</PrimaryImageGen>
-    <PlannedPubDate xmlns="4873beb7-5857-4685-be1f-d57550cc96cc" xsi:nil="true"/>
-    <CSXSubmissionMarket xmlns="4873beb7-5857-4685-be1f-d57550cc96cc" xsi:nil="true"/>
-    <Downloads xmlns="4873beb7-5857-4685-be1f-d57550cc96cc">0</Downloads>
-    <ArtSampleDocs xmlns="4873beb7-5857-4685-be1f-d57550cc96cc" xsi:nil="true"/>
-    <TrustLevel xmlns="4873beb7-5857-4685-be1f-d57550cc96cc">1 Microsoft Managed Content</TrustLevel>
-    <BlockPublish xmlns="4873beb7-5857-4685-be1f-d57550cc96cc">false</BlockPublish>
-    <TPLaunchHelpLinkType xmlns="4873beb7-5857-4685-be1f-d57550cc96cc">Template</TPLaunchHelpLinkType>
-    <LocalizationTagsTaxHTField0 xmlns="4873beb7-5857-4685-be1f-d57550cc96cc">
-      <Terms xmlns="http://schemas.microsoft.com/office/infopath/2007/PartnerControls"/>
-    </LocalizationTagsTaxHTField0>
-    <BusinessGroup xmlns="4873beb7-5857-4685-be1f-d57550cc96cc" xsi:nil="true"/>
-    <Providers xmlns="4873beb7-5857-4685-be1f-d57550cc96cc" xsi:nil="true"/>
-    <TemplateTemplateType xmlns="4873beb7-5857-4685-be1f-d57550cc96cc">PowerPoint Presentation Template</TemplateTemplateType>
-    <TimesCloned xmlns="4873beb7-5857-4685-be1f-d57550cc96cc" xsi:nil="true"/>
-    <TPAppVersion xmlns="4873beb7-5857-4685-be1f-d57550cc96cc" xsi:nil="true"/>
-    <VoteCount xmlns="4873beb7-5857-4685-be1f-d57550cc96cc" xsi:nil="true"/>
-    <AverageRating xmlns="4873beb7-5857-4685-be1f-d57550cc96cc" xsi:nil="true"/>
-    <FeatureTagsTaxHTField0 xmlns="4873beb7-5857-4685-be1f-d57550cc96cc">
-      <Terms xmlns="http://schemas.microsoft.com/office/infopath/2007/PartnerControls"/>
-    </FeatureTagsTaxHTField0>
-    <Provider xmlns="4873beb7-5857-4685-be1f-d57550cc96cc" xsi:nil="true"/>
-    <UACurrentWords xmlns="4873beb7-5857-4685-be1f-d57550cc96cc" xsi:nil="true"/>
-    <AssetId xmlns="4873beb7-5857-4685-be1f-d57550cc96cc">TP103431361</AssetId>
-    <TPClientViewer xmlns="4873beb7-5857-4685-be1f-d57550cc96cc" xsi:nil="true"/>
-    <DSATActionTaken xmlns="4873beb7-5857-4685-be1f-d57550cc96cc" xsi:nil="true"/>
-    <APEditor xmlns="4873beb7-5857-4685-be1f-d57550cc96cc">
-      <UserInfo>
-        <DisplayName/>
-        <AccountId xsi:nil="true"/>
-        <AccountType/>
-      </UserInfo>
-    </APEditor>
-    <TPInstallLocation xmlns="4873beb7-5857-4685-be1f-d57550cc96cc" xsi:nil="true"/>
-    <OOCacheId xmlns="4873beb7-5857-4685-be1f-d57550cc96cc" xsi:nil="true"/>
-    <IsDeleted xmlns="4873beb7-5857-4685-be1f-d57550cc96cc">false</IsDeleted>
-    <PublishTargets xmlns="4873beb7-5857-4685-be1f-d57550cc96cc">OfficeOnlineVNext</PublishTargets>
-    <ApprovalLog xmlns="4873beb7-5857-4685-be1f-d57550cc96cc" xsi:nil="true"/>
-    <BugNumber xmlns="4873beb7-5857-4685-be1f-d57550cc96cc" xsi:nil="true"/>
-    <CrawlForDependencies xmlns="4873beb7-5857-4685-be1f-d57550cc96cc">false</CrawlForDependencies>
-    <InternalTagsTaxHTField0 xmlns="4873beb7-5857-4685-be1f-d57550cc96cc">
-      <Terms xmlns="http://schemas.microsoft.com/office/infopath/2007/PartnerControls"/>
-    </InternalTagsTaxHTField0>
-    <LastHandOff xmlns="4873beb7-5857-4685-be1f-d57550cc96cc" xsi:nil="true"/>
-    <Milestone xmlns="4873beb7-5857-4685-be1f-d57550cc96cc" xsi:nil="true"/>
-    <OriginalRelease xmlns="4873beb7-5857-4685-be1f-d57550cc96cc">15</OriginalRelease>
-    <RecommendationsModifier xmlns="4873beb7-5857-4685-be1f-d57550cc96cc" xsi:nil="true"/>
-    <ScenarioTagsTaxHTField0 xmlns="4873beb7-5857-4685-be1f-d57550cc96cc">
-      <Terms xmlns="http://schemas.microsoft.com/office/infopath/2007/PartnerControls"/>
-    </ScenarioTagsTaxHTField0>
-    <UANotes xmlns="4873beb7-5857-4685-be1f-d57550cc96cc" xsi:nil="true"/>
-  </documentManagement>
-</p:properties>
-</file>
-
-<file path=customXml/item2.xml><?xml version="1.0" encoding="utf-8"?>
-<?mso-contentType ?>
-<FormTemplates xmlns="http://schemas.microsoft.com/sharepoint/v3/contenttype/forms">
-  <Display>DocumentLibraryForm</Display>
-  <Edit>AssetEditForm</Edit>
-  <New>DocumentLibraryForm</New>
-</FormTemplates>
-</file>
-
-<file path=customXml/item3.xml><?xml version="1.0" encoding="utf-8"?>
 <ct:contentTypeSchema xmlns:ct="http://schemas.microsoft.com/office/2006/metadata/contentType" xmlns:ma="http://schemas.microsoft.com/office/2006/metadata/properties/metaAttributes" ct:_="" ma:_="" ma:contentTypeName="TemplateFile" ma:contentTypeID="0x0101006EDDDB5EE6D98C44930B742096920B300400F5B6D36B3EF94B4E9A635CDF2A18F5B8" ma:contentTypeVersion="72" ma:contentTypeDescription="Create a new document." ma:contentTypeScope="" ma:versionID="a23e56308344d904b51738559c3d67c9">
   <xsd:schema xmlns:xsd="http://www.w3.org/2001/XMLSchema" xmlns:xs="http://www.w3.org/2001/XMLSchema" xmlns:p="http://schemas.microsoft.com/office/2006/metadata/properties" xmlns:ns2="4873beb7-5857-4685-be1f-d57550cc96cc" targetNamespace="http://schemas.microsoft.com/office/2006/metadata/properties" ma:root="true" ma:fieldsID="cd0908cc4600e77bf5da051303e00c8d" ns2:_="">
     <xsd:import namespace="4873beb7-5857-4685-be1f-d57550cc96cc"/>
@@ -11014,31 +13221,142 @@
 </ct:contentTypeSchema>
 </file>
 
-<file path=customXml/itemProps1.xml><?xml version="1.0" encoding="utf-8"?>
-<ds:datastoreItem xmlns:ds="http://schemas.openxmlformats.org/officeDocument/2006/customXml" ds:itemID="{8CDDBB83-77C1-4099-A0AA-289882E745E2}">
-  <ds:schemaRefs>
-    <ds:schemaRef ds:uri="http://purl.org/dc/elements/1.1/"/>
-    <ds:schemaRef ds:uri="http://schemas.microsoft.com/office/2006/metadata/properties"/>
-    <ds:schemaRef ds:uri="4873beb7-5857-4685-be1f-d57550cc96cc"/>
-    <ds:schemaRef ds:uri="http://schemas.openxmlformats.org/package/2006/metadata/core-properties"/>
-    <ds:schemaRef ds:uri="http://purl.org/dc/terms/"/>
-    <ds:schemaRef ds:uri="http://schemas.microsoft.com/office/2006/documentManagement/types"/>
-    <ds:schemaRef ds:uri="http://schemas.microsoft.com/office/infopath/2007/PartnerControls"/>
-    <ds:schemaRef ds:uri="http://www.w3.org/XML/1998/namespace"/>
-    <ds:schemaRef ds:uri="http://purl.org/dc/dcmitype/"/>
-  </ds:schemaRefs>
-</ds:datastoreItem>
+<file path=customXml/item2.xml><?xml version="1.0" encoding="utf-8"?>
+<?mso-contentType ?>
+<FormTemplates xmlns="http://schemas.microsoft.com/sharepoint/v3/contenttype/forms">
+  <Display>DocumentLibraryForm</Display>
+  <Edit>AssetEditForm</Edit>
+  <New>DocumentLibraryForm</New>
+</FormTemplates>
 </file>
 
-<file path=customXml/itemProps2.xml><?xml version="1.0" encoding="utf-8"?>
-<ds:datastoreItem xmlns:ds="http://schemas.openxmlformats.org/officeDocument/2006/customXml" ds:itemID="{561E720F-F05D-4536-9C34-0CFCED65D3B7}">
-  <ds:schemaRefs>
-    <ds:schemaRef ds:uri="http://schemas.microsoft.com/sharepoint/v3/contenttype/forms"/>
-  </ds:schemaRefs>
-</ds:datastoreItem>
+<file path=customXml/item3.xml><?xml version="1.0" encoding="utf-8"?>
+<p:properties xmlns:p="http://schemas.microsoft.com/office/2006/metadata/properties" xmlns:xsi="http://www.w3.org/2001/XMLSchema-instance" xmlns:pc="http://schemas.microsoft.com/office/infopath/2007/PartnerControls">
+  <documentManagement>
+    <APDescription xmlns="4873beb7-5857-4685-be1f-d57550cc96cc" xsi:nil="true"/>
+    <AssetExpire xmlns="4873beb7-5857-4685-be1f-d57550cc96cc">2029-01-01T08:00:00+00:00</AssetExpire>
+    <CampaignTagsTaxHTField0 xmlns="4873beb7-5857-4685-be1f-d57550cc96cc">
+      <Terms xmlns="http://schemas.microsoft.com/office/infopath/2007/PartnerControls"/>
+    </CampaignTagsTaxHTField0>
+    <IntlLangReviewDate xmlns="4873beb7-5857-4685-be1f-d57550cc96cc" xsi:nil="true"/>
+    <TPFriendlyName xmlns="4873beb7-5857-4685-be1f-d57550cc96cc" xsi:nil="true"/>
+    <IntlLangReview xmlns="4873beb7-5857-4685-be1f-d57550cc96cc">false</IntlLangReview>
+    <LocLastLocAttemptVersionLookup xmlns="4873beb7-5857-4685-be1f-d57550cc96cc">855024</LocLastLocAttemptVersionLookup>
+    <PolicheckWords xmlns="4873beb7-5857-4685-be1f-d57550cc96cc" xsi:nil="true"/>
+    <SubmitterId xmlns="4873beb7-5857-4685-be1f-d57550cc96cc" xsi:nil="true"/>
+    <AcquiredFrom xmlns="4873beb7-5857-4685-be1f-d57550cc96cc">Internal MS</AcquiredFrom>
+    <EditorialStatus xmlns="4873beb7-5857-4685-be1f-d57550cc96cc">Complete</EditorialStatus>
+    <Markets xmlns="4873beb7-5857-4685-be1f-d57550cc96cc"/>
+    <OriginAsset xmlns="4873beb7-5857-4685-be1f-d57550cc96cc" xsi:nil="true"/>
+    <AssetStart xmlns="4873beb7-5857-4685-be1f-d57550cc96cc">2012-08-31T08:50:00+00:00</AssetStart>
+    <FriendlyTitle xmlns="4873beb7-5857-4685-be1f-d57550cc96cc" xsi:nil="true"/>
+    <MarketSpecific xmlns="4873beb7-5857-4685-be1f-d57550cc96cc">false</MarketSpecific>
+    <TPNamespace xmlns="4873beb7-5857-4685-be1f-d57550cc96cc" xsi:nil="true"/>
+    <PublishStatusLookup xmlns="4873beb7-5857-4685-be1f-d57550cc96cc">
+      <Value>1616423</Value>
+    </PublishStatusLookup>
+    <APAuthor xmlns="4873beb7-5857-4685-be1f-d57550cc96cc">
+      <UserInfo>
+        <DisplayName>REDMOND\kristaa</DisplayName>
+        <AccountId>136</AccountId>
+        <AccountType/>
+      </UserInfo>
+    </APAuthor>
+    <TPCommandLine xmlns="4873beb7-5857-4685-be1f-d57550cc96cc" xsi:nil="true"/>
+    <IntlLangReviewer xmlns="4873beb7-5857-4685-be1f-d57550cc96cc" xsi:nil="true"/>
+    <OpenTemplate xmlns="4873beb7-5857-4685-be1f-d57550cc96cc">true</OpenTemplate>
+    <CSXSubmissionDate xmlns="4873beb7-5857-4685-be1f-d57550cc96cc" xsi:nil="true"/>
+    <TaxCatchAll xmlns="4873beb7-5857-4685-be1f-d57550cc96cc"/>
+    <Manager xmlns="4873beb7-5857-4685-be1f-d57550cc96cc" xsi:nil="true"/>
+    <NumericId xmlns="4873beb7-5857-4685-be1f-d57550cc96cc" xsi:nil="true"/>
+    <ParentAssetId xmlns="4873beb7-5857-4685-be1f-d57550cc96cc" xsi:nil="true"/>
+    <OriginalSourceMarket xmlns="4873beb7-5857-4685-be1f-d57550cc96cc" xsi:nil="true"/>
+    <ApprovalStatus xmlns="4873beb7-5857-4685-be1f-d57550cc96cc">InProgress</ApprovalStatus>
+    <TPComponent xmlns="4873beb7-5857-4685-be1f-d57550cc96cc" xsi:nil="true"/>
+    <EditorialTags xmlns="4873beb7-5857-4685-be1f-d57550cc96cc" xsi:nil="true"/>
+    <TPExecutable xmlns="4873beb7-5857-4685-be1f-d57550cc96cc" xsi:nil="true"/>
+    <TPLaunchHelpLink xmlns="4873beb7-5857-4685-be1f-d57550cc96cc" xsi:nil="true"/>
+    <LocComments xmlns="4873beb7-5857-4685-be1f-d57550cc96cc" xsi:nil="true"/>
+    <LocRecommendedHandoff xmlns="4873beb7-5857-4685-be1f-d57550cc96cc" xsi:nil="true"/>
+    <SourceTitle xmlns="4873beb7-5857-4685-be1f-d57550cc96cc" xsi:nil="true"/>
+    <CSXUpdate xmlns="4873beb7-5857-4685-be1f-d57550cc96cc">false</CSXUpdate>
+    <IntlLocPriority xmlns="4873beb7-5857-4685-be1f-d57550cc96cc" xsi:nil="true"/>
+    <UAProjectedTotalWords xmlns="4873beb7-5857-4685-be1f-d57550cc96cc" xsi:nil="true"/>
+    <AssetType xmlns="4873beb7-5857-4685-be1f-d57550cc96cc">TP</AssetType>
+    <MachineTranslated xmlns="4873beb7-5857-4685-be1f-d57550cc96cc">false</MachineTranslated>
+    <OutputCachingOn xmlns="4873beb7-5857-4685-be1f-d57550cc96cc">false</OutputCachingOn>
+    <TemplateStatus xmlns="4873beb7-5857-4685-be1f-d57550cc96cc">Complete</TemplateStatus>
+    <IsSearchable xmlns="4873beb7-5857-4685-be1f-d57550cc96cc">true</IsSearchable>
+    <ContentItem xmlns="4873beb7-5857-4685-be1f-d57550cc96cc" xsi:nil="true"/>
+    <HandoffToMSDN xmlns="4873beb7-5857-4685-be1f-d57550cc96cc" xsi:nil="true"/>
+    <ShowIn xmlns="4873beb7-5857-4685-be1f-d57550cc96cc">Show everywhere</ShowIn>
+    <ThumbnailAssetId xmlns="4873beb7-5857-4685-be1f-d57550cc96cc" xsi:nil="true"/>
+    <UALocComments xmlns="4873beb7-5857-4685-be1f-d57550cc96cc" xsi:nil="true"/>
+    <UALocRecommendation xmlns="4873beb7-5857-4685-be1f-d57550cc96cc">Localize</UALocRecommendation>
+    <LastModifiedDateTime xmlns="4873beb7-5857-4685-be1f-d57550cc96cc" xsi:nil="true"/>
+    <LegacyData xmlns="4873beb7-5857-4685-be1f-d57550cc96cc" xsi:nil="true"/>
+    <LocManualTestRequired xmlns="4873beb7-5857-4685-be1f-d57550cc96cc">false</LocManualTestRequired>
+    <LocMarketGroupTiers2 xmlns="4873beb7-5857-4685-be1f-d57550cc96cc" xsi:nil="true"/>
+    <ClipArtFilename xmlns="4873beb7-5857-4685-be1f-d57550cc96cc" xsi:nil="true"/>
+    <TPApplication xmlns="4873beb7-5857-4685-be1f-d57550cc96cc" xsi:nil="true"/>
+    <CSXHash xmlns="4873beb7-5857-4685-be1f-d57550cc96cc" xsi:nil="true"/>
+    <DirectSourceMarket xmlns="4873beb7-5857-4685-be1f-d57550cc96cc" xsi:nil="true"/>
+    <PrimaryImageGen xmlns="4873beb7-5857-4685-be1f-d57550cc96cc">true</PrimaryImageGen>
+    <PlannedPubDate xmlns="4873beb7-5857-4685-be1f-d57550cc96cc" xsi:nil="true"/>
+    <CSXSubmissionMarket xmlns="4873beb7-5857-4685-be1f-d57550cc96cc" xsi:nil="true"/>
+    <Downloads xmlns="4873beb7-5857-4685-be1f-d57550cc96cc">0</Downloads>
+    <ArtSampleDocs xmlns="4873beb7-5857-4685-be1f-d57550cc96cc" xsi:nil="true"/>
+    <TrustLevel xmlns="4873beb7-5857-4685-be1f-d57550cc96cc">1 Microsoft Managed Content</TrustLevel>
+    <BlockPublish xmlns="4873beb7-5857-4685-be1f-d57550cc96cc">false</BlockPublish>
+    <TPLaunchHelpLinkType xmlns="4873beb7-5857-4685-be1f-d57550cc96cc">Template</TPLaunchHelpLinkType>
+    <LocalizationTagsTaxHTField0 xmlns="4873beb7-5857-4685-be1f-d57550cc96cc">
+      <Terms xmlns="http://schemas.microsoft.com/office/infopath/2007/PartnerControls"/>
+    </LocalizationTagsTaxHTField0>
+    <BusinessGroup xmlns="4873beb7-5857-4685-be1f-d57550cc96cc" xsi:nil="true"/>
+    <Providers xmlns="4873beb7-5857-4685-be1f-d57550cc96cc" xsi:nil="true"/>
+    <TemplateTemplateType xmlns="4873beb7-5857-4685-be1f-d57550cc96cc">PowerPoint Presentation Template</TemplateTemplateType>
+    <TimesCloned xmlns="4873beb7-5857-4685-be1f-d57550cc96cc" xsi:nil="true"/>
+    <TPAppVersion xmlns="4873beb7-5857-4685-be1f-d57550cc96cc" xsi:nil="true"/>
+    <VoteCount xmlns="4873beb7-5857-4685-be1f-d57550cc96cc" xsi:nil="true"/>
+    <AverageRating xmlns="4873beb7-5857-4685-be1f-d57550cc96cc" xsi:nil="true"/>
+    <FeatureTagsTaxHTField0 xmlns="4873beb7-5857-4685-be1f-d57550cc96cc">
+      <Terms xmlns="http://schemas.microsoft.com/office/infopath/2007/PartnerControls"/>
+    </FeatureTagsTaxHTField0>
+    <Provider xmlns="4873beb7-5857-4685-be1f-d57550cc96cc" xsi:nil="true"/>
+    <UACurrentWords xmlns="4873beb7-5857-4685-be1f-d57550cc96cc" xsi:nil="true"/>
+    <AssetId xmlns="4873beb7-5857-4685-be1f-d57550cc96cc">TP103431361</AssetId>
+    <TPClientViewer xmlns="4873beb7-5857-4685-be1f-d57550cc96cc" xsi:nil="true"/>
+    <DSATActionTaken xmlns="4873beb7-5857-4685-be1f-d57550cc96cc" xsi:nil="true"/>
+    <APEditor xmlns="4873beb7-5857-4685-be1f-d57550cc96cc">
+      <UserInfo>
+        <DisplayName/>
+        <AccountId xsi:nil="true"/>
+        <AccountType/>
+      </UserInfo>
+    </APEditor>
+    <TPInstallLocation xmlns="4873beb7-5857-4685-be1f-d57550cc96cc" xsi:nil="true"/>
+    <OOCacheId xmlns="4873beb7-5857-4685-be1f-d57550cc96cc" xsi:nil="true"/>
+    <IsDeleted xmlns="4873beb7-5857-4685-be1f-d57550cc96cc">false</IsDeleted>
+    <PublishTargets xmlns="4873beb7-5857-4685-be1f-d57550cc96cc">OfficeOnlineVNext</PublishTargets>
+    <ApprovalLog xmlns="4873beb7-5857-4685-be1f-d57550cc96cc" xsi:nil="true"/>
+    <BugNumber xmlns="4873beb7-5857-4685-be1f-d57550cc96cc" xsi:nil="true"/>
+    <CrawlForDependencies xmlns="4873beb7-5857-4685-be1f-d57550cc96cc">false</CrawlForDependencies>
+    <InternalTagsTaxHTField0 xmlns="4873beb7-5857-4685-be1f-d57550cc96cc">
+      <Terms xmlns="http://schemas.microsoft.com/office/infopath/2007/PartnerControls"/>
+    </InternalTagsTaxHTField0>
+    <LastHandOff xmlns="4873beb7-5857-4685-be1f-d57550cc96cc" xsi:nil="true"/>
+    <Milestone xmlns="4873beb7-5857-4685-be1f-d57550cc96cc" xsi:nil="true"/>
+    <OriginalRelease xmlns="4873beb7-5857-4685-be1f-d57550cc96cc">15</OriginalRelease>
+    <RecommendationsModifier xmlns="4873beb7-5857-4685-be1f-d57550cc96cc" xsi:nil="true"/>
+    <ScenarioTagsTaxHTField0 xmlns="4873beb7-5857-4685-be1f-d57550cc96cc">
+      <Terms xmlns="http://schemas.microsoft.com/office/infopath/2007/PartnerControls"/>
+    </ScenarioTagsTaxHTField0>
+    <UANotes xmlns="4873beb7-5857-4685-be1f-d57550cc96cc" xsi:nil="true"/>
+  </documentManagement>
+</p:properties>
 </file>
 
-<file path=customXml/itemProps3.xml><?xml version="1.0" encoding="utf-8"?>
+<file path=customXml/itemProps1.xml><?xml version="1.0" encoding="utf-8"?>
 <ds:datastoreItem xmlns:ds="http://schemas.openxmlformats.org/officeDocument/2006/customXml" ds:itemID="{28C8B9CA-0273-4370-889A-FC05DA5C2FA5}">
   <ds:schemaRefs>
     <ds:schemaRef ds:uri="http://schemas.microsoft.com/office/2006/metadata/contentType"/>
@@ -11054,4 +13372,28 @@
     <ds:schemaRef ds:uri="http://schemas.microsoft.com/internal/obd"/>
   </ds:schemaRefs>
 </ds:datastoreItem>
+</file>
+
+<file path=customXml/itemProps2.xml><?xml version="1.0" encoding="utf-8"?>
+<ds:datastoreItem xmlns:ds="http://schemas.openxmlformats.org/officeDocument/2006/customXml" ds:itemID="{561E720F-F05D-4536-9C34-0CFCED65D3B7}">
+  <ds:schemaRefs>
+    <ds:schemaRef ds:uri="http://schemas.microsoft.com/sharepoint/v3/contenttype/forms"/>
+  </ds:schemaRefs>
+</ds:datastoreItem>
+</file>
+
+<file path=customXml/itemProps3.xml><?xml version="1.0" encoding="utf-8"?>
+<ds:datastoreItem xmlns:ds="http://schemas.openxmlformats.org/officeDocument/2006/customXml" ds:itemID="{8CDDBB83-77C1-4099-A0AA-289882E745E2}">
+  <ds:schemaRefs>
+    <ds:schemaRef ds:uri="http://purl.org/dc/elements/1.1/"/>
+    <ds:schemaRef ds:uri="http://schemas.microsoft.com/office/2006/metadata/properties"/>
+    <ds:schemaRef ds:uri="4873beb7-5857-4685-be1f-d57550cc96cc"/>
+    <ds:schemaRef ds:uri="http://schemas.openxmlformats.org/package/2006/metadata/core-properties"/>
+    <ds:schemaRef ds:uri="http://purl.org/dc/terms/"/>
+    <ds:schemaRef ds:uri="http://schemas.microsoft.com/office/2006/documentManagement/types"/>
+    <ds:schemaRef ds:uri="http://schemas.microsoft.com/office/infopath/2007/PartnerControls"/>
+    <ds:schemaRef ds:uri="http://www.w3.org/XML/1998/namespace"/>
+    <ds:schemaRef ds:uri="http://purl.org/dc/dcmitype/"/>
+  </ds:schemaRefs>
+</ds:datastoreItem>
 </file>
--- a/Presentation/Stage_2/stage_2_presentation.pptx
+++ b/Presentation/Stage_2/stage_2_presentation.pptx
@@ -5,10 +5,10 @@
     <p:sldMasterId id="2147483648" r:id="rId4"/>
   </p:sldMasterIdLst>
   <p:notesMasterIdLst>
-    <p:notesMasterId r:id="rId24"/>
+    <p:notesMasterId r:id="rId32"/>
   </p:notesMasterIdLst>
   <p:handoutMasterIdLst>
-    <p:handoutMasterId r:id="rId25"/>
+    <p:handoutMasterId r:id="rId33"/>
   </p:handoutMasterIdLst>
   <p:sldIdLst>
     <p:sldId id="270" r:id="rId5"/>
@@ -25,11 +25,19 @@
     <p:sldId id="300" r:id="rId16"/>
     <p:sldId id="303" r:id="rId17"/>
     <p:sldId id="305" r:id="rId18"/>
-    <p:sldId id="306" r:id="rId19"/>
-    <p:sldId id="308" r:id="rId20"/>
-    <p:sldId id="309" r:id="rId21"/>
-    <p:sldId id="297" r:id="rId22"/>
-    <p:sldId id="268" r:id="rId23"/>
+    <p:sldId id="313" r:id="rId19"/>
+    <p:sldId id="314" r:id="rId20"/>
+    <p:sldId id="310" r:id="rId21"/>
+    <p:sldId id="311" r:id="rId22"/>
+    <p:sldId id="312" r:id="rId23"/>
+    <p:sldId id="306" r:id="rId24"/>
+    <p:sldId id="308" r:id="rId25"/>
+    <p:sldId id="309" r:id="rId26"/>
+    <p:sldId id="297" r:id="rId27"/>
+    <p:sldId id="316" r:id="rId28"/>
+    <p:sldId id="317" r:id="rId29"/>
+    <p:sldId id="318" r:id="rId30"/>
+    <p:sldId id="268" r:id="rId31"/>
   </p:sldIdLst>
   <p:sldSz cx="12192000" cy="6858000"/>
   <p:notesSz cx="6858000" cy="9144000"/>
@@ -5940,7 +5948,7 @@
             </a:pPr>
             <a:r>
               <a:rPr lang="en-US" dirty="0"/>
-              <a:t> A proper testing pipeline has yet to be set up that will compare the output images with the ground truth</a:t>
+              <a:t>The testing pipeline has been set up to evaluate the model performance by calculating distance metrics, i.e. L1 and L2 loss of the predictions and target</a:t>
             </a:r>
           </a:p>
           <a:p>
@@ -5956,7 +5964,7 @@
             </a:pPr>
             <a:r>
               <a:rPr lang="en-US" dirty="0"/>
-              <a:t>The images will be evaluated over L2 loss</a:t>
+              <a:t>We evaluate the outputs in RGB and L*a*b color spaces</a:t>
             </a:r>
           </a:p>
           <a:p>
@@ -5972,7 +5980,7 @@
             </a:pPr>
             <a:r>
               <a:rPr lang="en-US" dirty="0"/>
-              <a:t>GANs are particularly hard to evaluate quantitatively. Having said that, we have achieved visually appealing results which, evaluated qualitatively, are quite convincing </a:t>
+              <a:t>GANs are particularly hard to evaluate quantitatively. Having said that, we have achieved visually appealing results which, when evaluated qualitatively, are quite convincing </a:t>
             </a:r>
           </a:p>
         </p:txBody>
@@ -7301,7 +7309,7 @@
           <p:cNvPr id="2" name="Title 1">
             <a:extLst>
               <a:ext uri="{FF2B5EF4-FFF2-40B4-BE49-F238E27FC236}">
-                <a16:creationId xmlns:a16="http://schemas.microsoft.com/office/drawing/2014/main" id="{8CA6834D-D8D1-4802-B776-1FBC4FFFEFA5}"/>
+                <a16:creationId xmlns:a16="http://schemas.microsoft.com/office/drawing/2014/main" id="{B0D37066-5BB4-4970-A014-6213F4C5E9F8}"/>
               </a:ext>
             </a:extLst>
           </p:cNvPr>
@@ -7319,18 +7327,52 @@
           <a:p>
             <a:r>
               <a:rPr lang="en-US" dirty="0"/>
-              <a:t>Cost Estimation </a:t>
-            </a:r>
-            <a:endParaRPr lang="en-IN" dirty="0"/>
-          </a:p>
-        </p:txBody>
-      </p:sp>
-      <p:sp>
-        <p:nvSpPr>
-          <p:cNvPr id="3" name="Content Placeholder 2">
+              <a:t>Results</a:t>
+            </a:r>
+          </a:p>
+        </p:txBody>
+      </p:sp>
+      <p:pic>
+        <p:nvPicPr>
+          <p:cNvPr id="6" name="Content Placeholder 5">
             <a:extLst>
               <a:ext uri="{FF2B5EF4-FFF2-40B4-BE49-F238E27FC236}">
-                <a16:creationId xmlns:a16="http://schemas.microsoft.com/office/drawing/2014/main" id="{A6A55976-D643-4083-B206-87AD67322B54}"/>
+                <a16:creationId xmlns:a16="http://schemas.microsoft.com/office/drawing/2014/main" id="{6A6F0DD6-632E-418E-ACD5-29095C36E3C7}"/>
+              </a:ext>
+            </a:extLst>
+          </p:cNvPr>
+          <p:cNvPicPr>
+            <a:picLocks noGrp="1" noChangeAspect="1"/>
+          </p:cNvPicPr>
+          <p:nvPr>
+            <p:ph idx="1"/>
+          </p:nvPr>
+        </p:nvPicPr>
+        <p:blipFill>
+          <a:blip r:embed="rId2">
+            <a:extLst>
+              <a:ext uri="{28A0092B-C50C-407E-A947-70E740481C1C}">
+                <a14:useLocalDpi xmlns:a14="http://schemas.microsoft.com/office/drawing/2010/main" val="0"/>
+              </a:ext>
+            </a:extLst>
+          </a:blip>
+          <a:stretch>
+            <a:fillRect/>
+          </a:stretch>
+        </p:blipFill>
+        <p:spPr>
+          <a:xfrm>
+            <a:off x="1106418" y="1655684"/>
+            <a:ext cx="4461030" cy="4461030"/>
+          </a:xfrm>
+        </p:spPr>
+      </p:pic>
+      <p:sp>
+        <p:nvSpPr>
+          <p:cNvPr id="4" name="Footer Placeholder 3">
+            <a:extLst>
+              <a:ext uri="{FF2B5EF4-FFF2-40B4-BE49-F238E27FC236}">
+                <a16:creationId xmlns:a16="http://schemas.microsoft.com/office/drawing/2014/main" id="{800E437C-612D-435F-B56F-29DB311289E1}"/>
               </a:ext>
             </a:extLst>
           </p:cNvPr>
@@ -7338,244 +7380,61 @@
             <a:spLocks noGrp="1"/>
           </p:cNvSpPr>
           <p:nvPr>
-            <p:ph idx="1"/>
+            <p:ph type="ftr" sz="quarter" idx="11"/>
           </p:nvPr>
         </p:nvSpPr>
         <p:spPr/>
         <p:txBody>
-          <a:bodyPr>
-            <a:normAutofit fontScale="92500" lnSpcReduction="10000"/>
-          </a:bodyPr>
+          <a:bodyPr/>
           <a:lstStyle/>
           <a:p>
             <a:r>
-              <a:rPr lang="en-US" dirty="0"/>
-              <a:t>Cost Estimate:</a:t>
-            </a:r>
-            <a:r>
-              <a:rPr lang="en-IN" dirty="0"/>
-              <a:t> The model following is the semi detached Constructive Cost Model (COCOMO) for estimating the efforts required in the completion of the project.</a:t>
-            </a:r>
-          </a:p>
-          <a:p>
-            <a:pPr marL="457200" indent="-457200">
-              <a:buAutoNum type="arabicParenR"/>
-            </a:pPr>
-            <a:r>
-              <a:rPr lang="en-IN" dirty="0"/>
-              <a:t>Object Point</a:t>
-            </a:r>
-          </a:p>
-          <a:p>
-            <a:pPr marL="457200" indent="-457200">
-              <a:buAutoNum type="arabicParenR"/>
-            </a:pPr>
-            <a:r>
-              <a:rPr lang="en-IN" dirty="0"/>
-              <a:t>Function Point</a:t>
-            </a:r>
-          </a:p>
-          <a:p>
-            <a:pPr marL="457200" indent="-457200">
-              <a:buAutoNum type="arabicParenR"/>
-            </a:pPr>
-            <a:r>
-              <a:rPr lang="en-IN" dirty="0"/>
-              <a:t>Lines of Source Code (KLOC)</a:t>
-            </a:r>
-          </a:p>
-          <a:p>
-            <a:pPr marL="0" indent="0">
-              <a:buNone/>
-            </a:pPr>
-            <a:r>
-              <a:rPr lang="en-US" dirty="0"/>
-              <a:t>For our project, sizing information in the form of Lines of Source Code is used. </a:t>
-            </a:r>
-          </a:p>
-          <a:p>
-            <a:pPr marL="0" indent="0">
-              <a:buNone/>
-            </a:pPr>
-            <a:r>
-              <a:rPr lang="en-US" dirty="0"/>
-              <a:t>The total lines of code, </a:t>
-            </a:r>
-          </a:p>
-          <a:p>
-            <a:pPr marL="0" indent="0">
-              <a:buNone/>
-            </a:pPr>
-            <a:r>
-              <a:rPr lang="en-US" dirty="0"/>
-              <a:t>KLOC = 750 </a:t>
-            </a:r>
-          </a:p>
-          <a:p>
-            <a:pPr marL="0" indent="0">
-              <a:buNone/>
-            </a:pPr>
-            <a:r>
-              <a:rPr lang="en-US" dirty="0"/>
-              <a:t>Note: KLOC is arbitrary, change if necessary </a:t>
-            </a:r>
-          </a:p>
-          <a:p>
-            <a:pPr marL="0" indent="0">
-              <a:buNone/>
-            </a:pPr>
-            <a:r>
-              <a:rPr lang="en-US" dirty="0"/>
-              <a:t>Equations: The initial effort(</a:t>
-            </a:r>
-            <a:r>
-              <a:rPr lang="en-US" dirty="0" err="1"/>
-              <a:t>Ei</a:t>
-            </a:r>
-            <a:r>
-              <a:rPr lang="en-US" dirty="0"/>
-              <a:t>) in man-months is calculated using equations: E = ax(KLOC) b where, </a:t>
-            </a:r>
-          </a:p>
-        </p:txBody>
-      </p:sp>
-      <p:sp>
-        <p:nvSpPr>
-          <p:cNvPr id="7" name="Footer Placeholder 4">
+              <a:rPr lang="en-IN"/>
+              <a:t>Title of the Course</a:t>
+            </a:r>
+          </a:p>
+        </p:txBody>
+      </p:sp>
+      <p:pic>
+        <p:nvPicPr>
+          <p:cNvPr id="12" name="Picture 11">
             <a:extLst>
               <a:ext uri="{FF2B5EF4-FFF2-40B4-BE49-F238E27FC236}">
-                <a16:creationId xmlns:a16="http://schemas.microsoft.com/office/drawing/2014/main" id="{9619F632-2DBC-48FC-B2DF-34BCE95AE6B0}"/>
+                <a16:creationId xmlns:a16="http://schemas.microsoft.com/office/drawing/2014/main" id="{919DCB73-00BF-463F-B368-1BEBD8C78582}"/>
               </a:ext>
             </a:extLst>
           </p:cNvPr>
-          <p:cNvSpPr txBox="1">
-            <a:spLocks/>
-          </p:cNvSpPr>
+          <p:cNvPicPr>
+            <a:picLocks noChangeAspect="1"/>
+          </p:cNvPicPr>
           <p:nvPr/>
-        </p:nvSpPr>
+        </p:nvPicPr>
+        <p:blipFill>
+          <a:blip r:embed="rId3">
+            <a:extLst>
+              <a:ext uri="{28A0092B-C50C-407E-A947-70E740481C1C}">
+                <a14:useLocalDpi xmlns:a14="http://schemas.microsoft.com/office/drawing/2010/main" val="0"/>
+              </a:ext>
+            </a:extLst>
+          </a:blip>
+          <a:stretch>
+            <a:fillRect/>
+          </a:stretch>
+        </p:blipFill>
         <p:spPr>
           <a:xfrm>
-            <a:off x="3030876" y="6303476"/>
-            <a:ext cx="6323082" cy="365126"/>
+            <a:off x="6624553" y="1655685"/>
+            <a:ext cx="4461029" cy="4461029"/>
           </a:xfrm>
           <a:prstGeom prst="rect">
             <a:avLst/>
           </a:prstGeom>
         </p:spPr>
-        <p:txBody>
-          <a:bodyPr vert="horz" lIns="0" tIns="45720" rIns="0" bIns="45720" rtlCol="0" anchor="ctr"/>
-          <a:lstStyle>
-            <a:defPPr>
-              <a:defRPr lang="en-US"/>
-            </a:defPPr>
-            <a:lvl1pPr marL="0" algn="ctr" defTabSz="914400" rtl="0" eaLnBrk="1" latinLnBrk="0" hangingPunct="1">
-              <a:defRPr sz="1200" kern="1200" baseline="0">
-                <a:solidFill>
-                  <a:schemeClr val="tx1">
-                    <a:lumMod val="75000"/>
-                  </a:schemeClr>
-                </a:solidFill>
-                <a:latin typeface="+mn-lt"/>
-                <a:ea typeface="+mn-ea"/>
-                <a:cs typeface="+mn-cs"/>
-              </a:defRPr>
-            </a:lvl1pPr>
-            <a:lvl2pPr marL="457200" algn="l" defTabSz="914400" rtl="0" eaLnBrk="1" latinLnBrk="0" hangingPunct="1">
-              <a:defRPr sz="1800" kern="1200">
-                <a:solidFill>
-                  <a:schemeClr val="tx1"/>
-                </a:solidFill>
-                <a:latin typeface="+mn-lt"/>
-                <a:ea typeface="+mn-ea"/>
-                <a:cs typeface="+mn-cs"/>
-              </a:defRPr>
-            </a:lvl2pPr>
-            <a:lvl3pPr marL="914400" algn="l" defTabSz="914400" rtl="0" eaLnBrk="1" latinLnBrk="0" hangingPunct="1">
-              <a:defRPr sz="1800" kern="1200">
-                <a:solidFill>
-                  <a:schemeClr val="tx1"/>
-                </a:solidFill>
-                <a:latin typeface="+mn-lt"/>
-                <a:ea typeface="+mn-ea"/>
-                <a:cs typeface="+mn-cs"/>
-              </a:defRPr>
-            </a:lvl3pPr>
-            <a:lvl4pPr marL="1371600" algn="l" defTabSz="914400" rtl="0" eaLnBrk="1" latinLnBrk="0" hangingPunct="1">
-              <a:defRPr sz="1800" kern="1200">
-                <a:solidFill>
-                  <a:schemeClr val="tx1"/>
-                </a:solidFill>
-                <a:latin typeface="+mn-lt"/>
-                <a:ea typeface="+mn-ea"/>
-                <a:cs typeface="+mn-cs"/>
-              </a:defRPr>
-            </a:lvl4pPr>
-            <a:lvl5pPr marL="1828800" algn="l" defTabSz="914400" rtl="0" eaLnBrk="1" latinLnBrk="0" hangingPunct="1">
-              <a:defRPr sz="1800" kern="1200">
-                <a:solidFill>
-                  <a:schemeClr val="tx1"/>
-                </a:solidFill>
-                <a:latin typeface="+mn-lt"/>
-                <a:ea typeface="+mn-ea"/>
-                <a:cs typeface="+mn-cs"/>
-              </a:defRPr>
-            </a:lvl5pPr>
-            <a:lvl6pPr marL="2286000" algn="l" defTabSz="914400" rtl="0" eaLnBrk="1" latinLnBrk="0" hangingPunct="1">
-              <a:defRPr sz="1800" kern="1200">
-                <a:solidFill>
-                  <a:schemeClr val="tx1"/>
-                </a:solidFill>
-                <a:latin typeface="+mn-lt"/>
-                <a:ea typeface="+mn-ea"/>
-                <a:cs typeface="+mn-cs"/>
-              </a:defRPr>
-            </a:lvl6pPr>
-            <a:lvl7pPr marL="2743200" algn="l" defTabSz="914400" rtl="0" eaLnBrk="1" latinLnBrk="0" hangingPunct="1">
-              <a:defRPr sz="1800" kern="1200">
-                <a:solidFill>
-                  <a:schemeClr val="tx1"/>
-                </a:solidFill>
-                <a:latin typeface="+mn-lt"/>
-                <a:ea typeface="+mn-ea"/>
-                <a:cs typeface="+mn-cs"/>
-              </a:defRPr>
-            </a:lvl7pPr>
-            <a:lvl8pPr marL="3200400" algn="l" defTabSz="914400" rtl="0" eaLnBrk="1" latinLnBrk="0" hangingPunct="1">
-              <a:defRPr sz="1800" kern="1200">
-                <a:solidFill>
-                  <a:schemeClr val="tx1"/>
-                </a:solidFill>
-                <a:latin typeface="+mn-lt"/>
-                <a:ea typeface="+mn-ea"/>
-                <a:cs typeface="+mn-cs"/>
-              </a:defRPr>
-            </a:lvl8pPr>
-            <a:lvl9pPr marL="3657600" algn="l" defTabSz="914400" rtl="0" eaLnBrk="1" latinLnBrk="0" hangingPunct="1">
-              <a:defRPr sz="1800" kern="1200">
-                <a:solidFill>
-                  <a:schemeClr val="tx1"/>
-                </a:solidFill>
-                <a:latin typeface="+mn-lt"/>
-                <a:ea typeface="+mn-ea"/>
-                <a:cs typeface="+mn-cs"/>
-              </a:defRPr>
-            </a:lvl9pPr>
-          </a:lstStyle>
-          <a:p>
-            <a:r>
-              <a:rPr lang="en-IN" dirty="0">
-                <a:cs typeface="Times New Roman" panose="02020603050405020304" pitchFamily="18" charset="0"/>
-              </a:rPr>
-              <a:t>Astronomical image colourisation and super-resolution using GANS</a:t>
-            </a:r>
-            <a:endParaRPr lang="en-IN" dirty="0"/>
-          </a:p>
-        </p:txBody>
-      </p:sp>
+      </p:pic>
     </p:spTree>
     <p:extLst>
       <p:ext uri="{BB962C8B-B14F-4D97-AF65-F5344CB8AC3E}">
-        <p14:creationId xmlns:p14="http://schemas.microsoft.com/office/powerpoint/2010/main" val="105529415"/>
+        <p14:creationId xmlns:p14="http://schemas.microsoft.com/office/powerpoint/2010/main" val="66128808"/>
       </p:ext>
     </p:extLst>
   </p:cSld>
@@ -7616,64 +7475,10 @@
       </p:grpSpPr>
       <p:sp>
         <p:nvSpPr>
-          <p:cNvPr id="3" name="Content Placeholder 2">
+          <p:cNvPr id="2" name="Title 1">
             <a:extLst>
               <a:ext uri="{FF2B5EF4-FFF2-40B4-BE49-F238E27FC236}">
-                <a16:creationId xmlns:a16="http://schemas.microsoft.com/office/drawing/2014/main" id="{B7A5B910-2B01-47F0-9F13-AFABE1642A3B}"/>
-              </a:ext>
-            </a:extLst>
-          </p:cNvPr>
-          <p:cNvSpPr>
-            <a:spLocks noGrp="1"/>
-          </p:cNvSpPr>
-          <p:nvPr>
-            <p:ph idx="1"/>
-          </p:nvPr>
-        </p:nvSpPr>
-        <p:spPr/>
-        <p:txBody>
-          <a:bodyPr/>
-          <a:lstStyle/>
-          <a:p>
-            <a:r>
-              <a:rPr lang="en-US" dirty="0"/>
-              <a:t>a = 3.0, b = 1.12, for a semi-detached project</a:t>
-            </a:r>
-          </a:p>
-          <a:p>
-            <a:r>
-              <a:rPr lang="en-US" dirty="0"/>
-              <a:t> E = Efforts in person-hours E = 4.5 PM </a:t>
-            </a:r>
-          </a:p>
-          <a:p>
-            <a:r>
-              <a:rPr lang="en-US" dirty="0"/>
-              <a:t> D = ax(E) b Where, a = 2.5, b = 0.35, for a semi-detached project</a:t>
-            </a:r>
-          </a:p>
-          <a:p>
-            <a:r>
-              <a:rPr lang="en-US" dirty="0"/>
-              <a:t> D = Duration of Project in months </a:t>
-            </a:r>
-            <a:r>
-              <a:rPr lang="en-IN" dirty="0"/>
-              <a:t>D = 4 Months</a:t>
-            </a:r>
-            <a:endParaRPr lang="en-US" dirty="0"/>
-          </a:p>
-          <a:p>
-            <a:endParaRPr lang="en-IN" dirty="0"/>
-          </a:p>
-        </p:txBody>
-      </p:sp>
-      <p:sp>
-        <p:nvSpPr>
-          <p:cNvPr id="5" name="Title 1">
-            <a:extLst>
-              <a:ext uri="{FF2B5EF4-FFF2-40B4-BE49-F238E27FC236}">
-                <a16:creationId xmlns:a16="http://schemas.microsoft.com/office/drawing/2014/main" id="{594438B5-6750-41D7-8D47-8A45A3F161EF}"/>
+                <a16:creationId xmlns:a16="http://schemas.microsoft.com/office/drawing/2014/main" id="{F8F3D829-2D78-48ED-A712-D4BF5E1E86D3}"/>
               </a:ext>
             </a:extLst>
           </p:cNvPr>
@@ -7684,161 +7489,122 @@
             <p:ph type="title"/>
           </p:nvPr>
         </p:nvSpPr>
-        <p:spPr>
-          <a:xfrm>
-            <a:off x="1104900" y="76200"/>
-            <a:ext cx="9980682" cy="1096962"/>
-          </a:xfrm>
-        </p:spPr>
+        <p:spPr/>
         <p:txBody>
           <a:bodyPr/>
           <a:lstStyle/>
           <a:p>
             <a:r>
               <a:rPr lang="en-US" dirty="0"/>
-              <a:t>Cost Estimation</a:t>
-            </a:r>
-            <a:endParaRPr lang="en-IN" dirty="0"/>
-          </a:p>
-        </p:txBody>
-      </p:sp>
-      <p:sp>
-        <p:nvSpPr>
-          <p:cNvPr id="6" name="Footer Placeholder 4">
+              <a:t>Results</a:t>
+            </a:r>
+          </a:p>
+        </p:txBody>
+      </p:sp>
+      <p:sp>
+        <p:nvSpPr>
+          <p:cNvPr id="4" name="Footer Placeholder 3">
             <a:extLst>
               <a:ext uri="{FF2B5EF4-FFF2-40B4-BE49-F238E27FC236}">
-                <a16:creationId xmlns:a16="http://schemas.microsoft.com/office/drawing/2014/main" id="{FA40F147-E9F3-4454-A383-3EC817D0DB57}"/>
+                <a16:creationId xmlns:a16="http://schemas.microsoft.com/office/drawing/2014/main" id="{DEF90F64-3B5A-428D-9915-19382E8B1AB0}"/>
               </a:ext>
             </a:extLst>
           </p:cNvPr>
-          <p:cNvSpPr txBox="1">
-            <a:spLocks/>
+          <p:cNvSpPr>
+            <a:spLocks noGrp="1"/>
           </p:cNvSpPr>
+          <p:nvPr>
+            <p:ph type="ftr" sz="quarter" idx="11"/>
+          </p:nvPr>
+        </p:nvSpPr>
+        <p:spPr/>
+        <p:txBody>
+          <a:bodyPr/>
+          <a:lstStyle/>
+          <a:p>
+            <a:r>
+              <a:rPr lang="en-IN"/>
+              <a:t>Title of the Course</a:t>
+            </a:r>
+          </a:p>
+        </p:txBody>
+      </p:sp>
+      <p:pic>
+        <p:nvPicPr>
+          <p:cNvPr id="5" name="Picture 4">
+            <a:extLst>
+              <a:ext uri="{FF2B5EF4-FFF2-40B4-BE49-F238E27FC236}">
+                <a16:creationId xmlns:a16="http://schemas.microsoft.com/office/drawing/2014/main" id="{44DB752E-1CD8-4A30-93C2-A2EF51263537}"/>
+              </a:ext>
+            </a:extLst>
+          </p:cNvPr>
+          <p:cNvPicPr>
+            <a:picLocks noChangeAspect="1"/>
+          </p:cNvPicPr>
           <p:nvPr/>
-        </p:nvSpPr>
+        </p:nvPicPr>
+        <p:blipFill>
+          <a:blip r:embed="rId2">
+            <a:extLst>
+              <a:ext uri="{28A0092B-C50C-407E-A947-70E740481C1C}">
+                <a14:useLocalDpi xmlns:a14="http://schemas.microsoft.com/office/drawing/2010/main" val="0"/>
+              </a:ext>
+            </a:extLst>
+          </a:blip>
+          <a:stretch>
+            <a:fillRect/>
+          </a:stretch>
+        </p:blipFill>
         <p:spPr>
           <a:xfrm>
-            <a:off x="3012214" y="6331469"/>
-            <a:ext cx="6323082" cy="365126"/>
+            <a:off x="6313041" y="1785521"/>
+            <a:ext cx="4201357" cy="4201357"/>
           </a:xfrm>
           <a:prstGeom prst="rect">
             <a:avLst/>
           </a:prstGeom>
         </p:spPr>
-        <p:txBody>
-          <a:bodyPr vert="horz" lIns="0" tIns="45720" rIns="0" bIns="45720" rtlCol="0" anchor="ctr"/>
-          <a:lstStyle>
-            <a:defPPr>
-              <a:defRPr lang="en-US"/>
-            </a:defPPr>
-            <a:lvl1pPr marL="0" algn="ctr" defTabSz="914400" rtl="0" eaLnBrk="1" latinLnBrk="0" hangingPunct="1">
-              <a:defRPr sz="1200" kern="1200" baseline="0">
-                <a:solidFill>
-                  <a:schemeClr val="tx1">
-                    <a:lumMod val="75000"/>
-                  </a:schemeClr>
-                </a:solidFill>
-                <a:latin typeface="+mn-lt"/>
-                <a:ea typeface="+mn-ea"/>
-                <a:cs typeface="+mn-cs"/>
-              </a:defRPr>
-            </a:lvl1pPr>
-            <a:lvl2pPr marL="457200" algn="l" defTabSz="914400" rtl="0" eaLnBrk="1" latinLnBrk="0" hangingPunct="1">
-              <a:defRPr sz="1800" kern="1200">
-                <a:solidFill>
-                  <a:schemeClr val="tx1"/>
-                </a:solidFill>
-                <a:latin typeface="+mn-lt"/>
-                <a:ea typeface="+mn-ea"/>
-                <a:cs typeface="+mn-cs"/>
-              </a:defRPr>
-            </a:lvl2pPr>
-            <a:lvl3pPr marL="914400" algn="l" defTabSz="914400" rtl="0" eaLnBrk="1" latinLnBrk="0" hangingPunct="1">
-              <a:defRPr sz="1800" kern="1200">
-                <a:solidFill>
-                  <a:schemeClr val="tx1"/>
-                </a:solidFill>
-                <a:latin typeface="+mn-lt"/>
-                <a:ea typeface="+mn-ea"/>
-                <a:cs typeface="+mn-cs"/>
-              </a:defRPr>
-            </a:lvl3pPr>
-            <a:lvl4pPr marL="1371600" algn="l" defTabSz="914400" rtl="0" eaLnBrk="1" latinLnBrk="0" hangingPunct="1">
-              <a:defRPr sz="1800" kern="1200">
-                <a:solidFill>
-                  <a:schemeClr val="tx1"/>
-                </a:solidFill>
-                <a:latin typeface="+mn-lt"/>
-                <a:ea typeface="+mn-ea"/>
-                <a:cs typeface="+mn-cs"/>
-              </a:defRPr>
-            </a:lvl4pPr>
-            <a:lvl5pPr marL="1828800" algn="l" defTabSz="914400" rtl="0" eaLnBrk="1" latinLnBrk="0" hangingPunct="1">
-              <a:defRPr sz="1800" kern="1200">
-                <a:solidFill>
-                  <a:schemeClr val="tx1"/>
-                </a:solidFill>
-                <a:latin typeface="+mn-lt"/>
-                <a:ea typeface="+mn-ea"/>
-                <a:cs typeface="+mn-cs"/>
-              </a:defRPr>
-            </a:lvl5pPr>
-            <a:lvl6pPr marL="2286000" algn="l" defTabSz="914400" rtl="0" eaLnBrk="1" latinLnBrk="0" hangingPunct="1">
-              <a:defRPr sz="1800" kern="1200">
-                <a:solidFill>
-                  <a:schemeClr val="tx1"/>
-                </a:solidFill>
-                <a:latin typeface="+mn-lt"/>
-                <a:ea typeface="+mn-ea"/>
-                <a:cs typeface="+mn-cs"/>
-              </a:defRPr>
-            </a:lvl6pPr>
-            <a:lvl7pPr marL="2743200" algn="l" defTabSz="914400" rtl="0" eaLnBrk="1" latinLnBrk="0" hangingPunct="1">
-              <a:defRPr sz="1800" kern="1200">
-                <a:solidFill>
-                  <a:schemeClr val="tx1"/>
-                </a:solidFill>
-                <a:latin typeface="+mn-lt"/>
-                <a:ea typeface="+mn-ea"/>
-                <a:cs typeface="+mn-cs"/>
-              </a:defRPr>
-            </a:lvl7pPr>
-            <a:lvl8pPr marL="3200400" algn="l" defTabSz="914400" rtl="0" eaLnBrk="1" latinLnBrk="0" hangingPunct="1">
-              <a:defRPr sz="1800" kern="1200">
-                <a:solidFill>
-                  <a:schemeClr val="tx1"/>
-                </a:solidFill>
-                <a:latin typeface="+mn-lt"/>
-                <a:ea typeface="+mn-ea"/>
-                <a:cs typeface="+mn-cs"/>
-              </a:defRPr>
-            </a:lvl8pPr>
-            <a:lvl9pPr marL="3657600" algn="l" defTabSz="914400" rtl="0" eaLnBrk="1" latinLnBrk="0" hangingPunct="1">
-              <a:defRPr sz="1800" kern="1200">
-                <a:solidFill>
-                  <a:schemeClr val="tx1"/>
-                </a:solidFill>
-                <a:latin typeface="+mn-lt"/>
-                <a:ea typeface="+mn-ea"/>
-                <a:cs typeface="+mn-cs"/>
-              </a:defRPr>
-            </a:lvl9pPr>
-          </a:lstStyle>
-          <a:p>
-            <a:r>
-              <a:rPr lang="en-IN" dirty="0">
-                <a:cs typeface="Times New Roman" panose="02020603050405020304" pitchFamily="18" charset="0"/>
-              </a:rPr>
-              <a:t>Astronomical image colourisation and super-resolution using GANS</a:t>
-            </a:r>
-            <a:endParaRPr lang="en-IN" dirty="0"/>
-          </a:p>
-        </p:txBody>
-      </p:sp>
+      </p:pic>
+      <p:pic>
+        <p:nvPicPr>
+          <p:cNvPr id="6" name="Picture 5">
+            <a:extLst>
+              <a:ext uri="{FF2B5EF4-FFF2-40B4-BE49-F238E27FC236}">
+                <a16:creationId xmlns:a16="http://schemas.microsoft.com/office/drawing/2014/main" id="{71456A7D-3C6B-41B8-8CF5-FA8C9AD9927F}"/>
+              </a:ext>
+            </a:extLst>
+          </p:cNvPr>
+          <p:cNvPicPr>
+            <a:picLocks noChangeAspect="1"/>
+          </p:cNvPicPr>
+          <p:nvPr/>
+        </p:nvPicPr>
+        <p:blipFill>
+          <a:blip r:embed="rId3">
+            <a:extLst>
+              <a:ext uri="{28A0092B-C50C-407E-A947-70E740481C1C}">
+                <a14:useLocalDpi xmlns:a14="http://schemas.microsoft.com/office/drawing/2010/main" val="0"/>
+              </a:ext>
+            </a:extLst>
+          </a:blip>
+          <a:stretch>
+            <a:fillRect/>
+          </a:stretch>
+        </p:blipFill>
+        <p:spPr>
+          <a:xfrm>
+            <a:off x="1307771" y="1785520"/>
+            <a:ext cx="4201357" cy="4201357"/>
+          </a:xfrm>
+          <a:prstGeom prst="rect">
+            <a:avLst/>
+          </a:prstGeom>
+        </p:spPr>
+      </p:pic>
     </p:spTree>
     <p:extLst>
       <p:ext uri="{BB962C8B-B14F-4D97-AF65-F5344CB8AC3E}">
-        <p14:creationId xmlns:p14="http://schemas.microsoft.com/office/powerpoint/2010/main" val="2321870647"/>
+        <p14:creationId xmlns:p14="http://schemas.microsoft.com/office/powerpoint/2010/main" val="2117555116"/>
       </p:ext>
     </p:extLst>
   </p:cSld>
@@ -7882,7 +7648,7 @@
           <p:cNvPr id="2" name="Title 1">
             <a:extLst>
               <a:ext uri="{FF2B5EF4-FFF2-40B4-BE49-F238E27FC236}">
-                <a16:creationId xmlns:a16="http://schemas.microsoft.com/office/drawing/2014/main" id="{32B8C7BC-0752-4C35-A4AC-871026F36E8F}"/>
+                <a16:creationId xmlns:a16="http://schemas.microsoft.com/office/drawing/2014/main" id="{458ABB23-821F-4EC9-9CB7-991184A272C8}"/>
               </a:ext>
             </a:extLst>
           </p:cNvPr>
@@ -7900,9 +7666,8 @@
           <a:p>
             <a:r>
               <a:rPr lang="en-US" dirty="0"/>
-              <a:t>Cost Estimation</a:t>
-            </a:r>
-            <a:endParaRPr lang="en-IN" dirty="0"/>
+              <a:t>Results</a:t>
+            </a:r>
           </a:p>
         </p:txBody>
       </p:sp>
@@ -7911,7 +7676,7 @@
           <p:cNvPr id="3" name="Content Placeholder 2">
             <a:extLst>
               <a:ext uri="{FF2B5EF4-FFF2-40B4-BE49-F238E27FC236}">
-                <a16:creationId xmlns:a16="http://schemas.microsoft.com/office/drawing/2014/main" id="{F7F61833-2912-4E21-BFE4-E0F367F1CAC7}"/>
+                <a16:creationId xmlns:a16="http://schemas.microsoft.com/office/drawing/2014/main" id="{44B590CF-DBD3-4221-91C5-4A328A8E6DE3}"/>
               </a:ext>
             </a:extLst>
           </p:cNvPr>
@@ -7929,192 +7694,73 @@
           <a:p>
             <a:r>
               <a:rPr lang="en-US" dirty="0"/>
-              <a:t>C = </a:t>
-            </a:r>
-            <a:r>
-              <a:rPr lang="en-US" dirty="0" err="1"/>
-              <a:t>D∗Cp</a:t>
-            </a:r>
-            <a:r>
-              <a:rPr lang="en-US" dirty="0"/>
-              <a:t> ∗ </a:t>
-            </a:r>
-            <a:r>
-              <a:rPr lang="en-US" dirty="0" err="1"/>
-              <a:t>hrs</a:t>
-            </a:r>
-            <a:r>
-              <a:rPr lang="en-US" dirty="0"/>
-              <a:t> = 4 * 40 * 160 = Rs 25,600 </a:t>
-            </a:r>
-          </a:p>
-          <a:p>
-            <a:r>
-              <a:rPr lang="en-US" dirty="0"/>
-              <a:t>Where, C = Cost of project </a:t>
-            </a:r>
-          </a:p>
-          <a:p>
-            <a:r>
-              <a:rPr lang="en-US" dirty="0"/>
-              <a:t>D = Duration in Hours </a:t>
-            </a:r>
-          </a:p>
-          <a:p>
-            <a:r>
-              <a:rPr lang="en-US" dirty="0"/>
-              <a:t>Cp = Cost incurred per person-hour </a:t>
-            </a:r>
-          </a:p>
-          <a:p>
-            <a:r>
-              <a:rPr lang="en-US" dirty="0" err="1"/>
-              <a:t>hrs</a:t>
-            </a:r>
-            <a:r>
-              <a:rPr lang="en-US" dirty="0"/>
-              <a:t> = hours </a:t>
-            </a:r>
-          </a:p>
-        </p:txBody>
-      </p:sp>
-      <p:sp>
-        <p:nvSpPr>
-          <p:cNvPr id="5" name="Footer Placeholder 4">
+              <a:t>Pixel wise mean:</a:t>
+            </a:r>
+          </a:p>
+        </p:txBody>
+      </p:sp>
+      <p:sp>
+        <p:nvSpPr>
+          <p:cNvPr id="4" name="Footer Placeholder 3">
             <a:extLst>
               <a:ext uri="{FF2B5EF4-FFF2-40B4-BE49-F238E27FC236}">
-                <a16:creationId xmlns:a16="http://schemas.microsoft.com/office/drawing/2014/main" id="{A8E5BAFB-C5F9-49FA-9F5C-63E267F825D8}"/>
+                <a16:creationId xmlns:a16="http://schemas.microsoft.com/office/drawing/2014/main" id="{0E8D712D-5257-41F4-A8AE-160B9B868F6B}"/>
               </a:ext>
             </a:extLst>
           </p:cNvPr>
-          <p:cNvSpPr txBox="1">
-            <a:spLocks/>
+          <p:cNvSpPr>
+            <a:spLocks noGrp="1"/>
           </p:cNvSpPr>
+          <p:nvPr>
+            <p:ph type="ftr" sz="quarter" idx="11"/>
+          </p:nvPr>
+        </p:nvSpPr>
+        <p:spPr/>
+        <p:txBody>
+          <a:bodyPr/>
+          <a:lstStyle/>
+          <a:p>
+            <a:r>
+              <a:rPr lang="en-IN"/>
+              <a:t>Title of the Course</a:t>
+            </a:r>
+          </a:p>
+        </p:txBody>
+      </p:sp>
+      <p:pic>
+        <p:nvPicPr>
+          <p:cNvPr id="6" name="Picture 5">
+            <a:extLst>
+              <a:ext uri="{FF2B5EF4-FFF2-40B4-BE49-F238E27FC236}">
+                <a16:creationId xmlns:a16="http://schemas.microsoft.com/office/drawing/2014/main" id="{BCE1A493-25EA-469D-8F5D-83EA1D3CB1BD}"/>
+              </a:ext>
+            </a:extLst>
+          </p:cNvPr>
+          <p:cNvPicPr>
+            <a:picLocks noChangeAspect="1"/>
+          </p:cNvPicPr>
           <p:nvPr/>
-        </p:nvSpPr>
+        </p:nvPicPr>
+        <p:blipFill>
+          <a:blip r:embed="rId2"/>
+          <a:stretch>
+            <a:fillRect/>
+          </a:stretch>
+        </p:blipFill>
         <p:spPr>
           <a:xfrm>
-            <a:off x="2933700" y="6234112"/>
-            <a:ext cx="6323082" cy="365126"/>
+            <a:off x="1527366" y="2566702"/>
+            <a:ext cx="9135750" cy="2772162"/>
           </a:xfrm>
           <a:prstGeom prst="rect">
             <a:avLst/>
           </a:prstGeom>
         </p:spPr>
-        <p:txBody>
-          <a:bodyPr vert="horz" lIns="0" tIns="45720" rIns="0" bIns="45720" rtlCol="0" anchor="ctr"/>
-          <a:lstStyle>
-            <a:defPPr>
-              <a:defRPr lang="en-US"/>
-            </a:defPPr>
-            <a:lvl1pPr marL="0" algn="ctr" defTabSz="914400" rtl="0" eaLnBrk="1" latinLnBrk="0" hangingPunct="1">
-              <a:defRPr sz="1200" kern="1200" baseline="0">
-                <a:solidFill>
-                  <a:schemeClr val="tx1">
-                    <a:lumMod val="75000"/>
-                  </a:schemeClr>
-                </a:solidFill>
-                <a:latin typeface="+mn-lt"/>
-                <a:ea typeface="+mn-ea"/>
-                <a:cs typeface="+mn-cs"/>
-              </a:defRPr>
-            </a:lvl1pPr>
-            <a:lvl2pPr marL="457200" algn="l" defTabSz="914400" rtl="0" eaLnBrk="1" latinLnBrk="0" hangingPunct="1">
-              <a:defRPr sz="1800" kern="1200">
-                <a:solidFill>
-                  <a:schemeClr val="tx1"/>
-                </a:solidFill>
-                <a:latin typeface="+mn-lt"/>
-                <a:ea typeface="+mn-ea"/>
-                <a:cs typeface="+mn-cs"/>
-              </a:defRPr>
-            </a:lvl2pPr>
-            <a:lvl3pPr marL="914400" algn="l" defTabSz="914400" rtl="0" eaLnBrk="1" latinLnBrk="0" hangingPunct="1">
-              <a:defRPr sz="1800" kern="1200">
-                <a:solidFill>
-                  <a:schemeClr val="tx1"/>
-                </a:solidFill>
-                <a:latin typeface="+mn-lt"/>
-                <a:ea typeface="+mn-ea"/>
-                <a:cs typeface="+mn-cs"/>
-              </a:defRPr>
-            </a:lvl3pPr>
-            <a:lvl4pPr marL="1371600" algn="l" defTabSz="914400" rtl="0" eaLnBrk="1" latinLnBrk="0" hangingPunct="1">
-              <a:defRPr sz="1800" kern="1200">
-                <a:solidFill>
-                  <a:schemeClr val="tx1"/>
-                </a:solidFill>
-                <a:latin typeface="+mn-lt"/>
-                <a:ea typeface="+mn-ea"/>
-                <a:cs typeface="+mn-cs"/>
-              </a:defRPr>
-            </a:lvl4pPr>
-            <a:lvl5pPr marL="1828800" algn="l" defTabSz="914400" rtl="0" eaLnBrk="1" latinLnBrk="0" hangingPunct="1">
-              <a:defRPr sz="1800" kern="1200">
-                <a:solidFill>
-                  <a:schemeClr val="tx1"/>
-                </a:solidFill>
-                <a:latin typeface="+mn-lt"/>
-                <a:ea typeface="+mn-ea"/>
-                <a:cs typeface="+mn-cs"/>
-              </a:defRPr>
-            </a:lvl5pPr>
-            <a:lvl6pPr marL="2286000" algn="l" defTabSz="914400" rtl="0" eaLnBrk="1" latinLnBrk="0" hangingPunct="1">
-              <a:defRPr sz="1800" kern="1200">
-                <a:solidFill>
-                  <a:schemeClr val="tx1"/>
-                </a:solidFill>
-                <a:latin typeface="+mn-lt"/>
-                <a:ea typeface="+mn-ea"/>
-                <a:cs typeface="+mn-cs"/>
-              </a:defRPr>
-            </a:lvl6pPr>
-            <a:lvl7pPr marL="2743200" algn="l" defTabSz="914400" rtl="0" eaLnBrk="1" latinLnBrk="0" hangingPunct="1">
-              <a:defRPr sz="1800" kern="1200">
-                <a:solidFill>
-                  <a:schemeClr val="tx1"/>
-                </a:solidFill>
-                <a:latin typeface="+mn-lt"/>
-                <a:ea typeface="+mn-ea"/>
-                <a:cs typeface="+mn-cs"/>
-              </a:defRPr>
-            </a:lvl7pPr>
-            <a:lvl8pPr marL="3200400" algn="l" defTabSz="914400" rtl="0" eaLnBrk="1" latinLnBrk="0" hangingPunct="1">
-              <a:defRPr sz="1800" kern="1200">
-                <a:solidFill>
-                  <a:schemeClr val="tx1"/>
-                </a:solidFill>
-                <a:latin typeface="+mn-lt"/>
-                <a:ea typeface="+mn-ea"/>
-                <a:cs typeface="+mn-cs"/>
-              </a:defRPr>
-            </a:lvl8pPr>
-            <a:lvl9pPr marL="3657600" algn="l" defTabSz="914400" rtl="0" eaLnBrk="1" latinLnBrk="0" hangingPunct="1">
-              <a:defRPr sz="1800" kern="1200">
-                <a:solidFill>
-                  <a:schemeClr val="tx1"/>
-                </a:solidFill>
-                <a:latin typeface="+mn-lt"/>
-                <a:ea typeface="+mn-ea"/>
-                <a:cs typeface="+mn-cs"/>
-              </a:defRPr>
-            </a:lvl9pPr>
-          </a:lstStyle>
-          <a:p>
-            <a:r>
-              <a:rPr lang="en-IN" dirty="0">
-                <a:cs typeface="Times New Roman" panose="02020603050405020304" pitchFamily="18" charset="0"/>
-              </a:rPr>
-              <a:t>Astronomical image colourisation and super-resolution using GANS</a:t>
-            </a:r>
-            <a:endParaRPr lang="en-IN" dirty="0"/>
-          </a:p>
-        </p:txBody>
-      </p:sp>
+      </p:pic>
     </p:spTree>
     <p:extLst>
       <p:ext uri="{BB962C8B-B14F-4D97-AF65-F5344CB8AC3E}">
-        <p14:creationId xmlns:p14="http://schemas.microsoft.com/office/powerpoint/2010/main" val="1378609590"/>
+        <p14:creationId xmlns:p14="http://schemas.microsoft.com/office/powerpoint/2010/main" val="1629733948"/>
       </p:ext>
     </p:extLst>
   </p:cSld>
@@ -8155,7 +7801,13 @@
       </p:grpSpPr>
       <p:sp>
         <p:nvSpPr>
-          <p:cNvPr id="13" name="Title 12"/>
+          <p:cNvPr id="2" name="Title 1">
+            <a:extLst>
+              <a:ext uri="{FF2B5EF4-FFF2-40B4-BE49-F238E27FC236}">
+                <a16:creationId xmlns:a16="http://schemas.microsoft.com/office/drawing/2014/main" id="{6E98310F-7D26-4CF1-B23F-D240BF96D27A}"/>
+              </a:ext>
+            </a:extLst>
+          </p:cNvPr>
           <p:cNvSpPr>
             <a:spLocks noGrp="1"/>
           </p:cNvSpPr>
@@ -8168,48 +7820,99 @@
           <a:bodyPr/>
           <a:lstStyle/>
           <a:p>
-            <a:pPr marL="285750" indent="-285750">
-              <a:lnSpc>
-                <a:spcPct val="115000"/>
-              </a:lnSpc>
-              <a:spcAft>
-                <a:spcPts val="1000"/>
-              </a:spcAft>
-              <a:buFont typeface="Arial" panose="020B0604020202020204" pitchFamily="34" charset="0"/>
-              <a:buChar char="•"/>
-            </a:pPr>
-            <a:r>
-              <a:rPr lang="en-US" sz="2800" dirty="0">
-                <a:effectLst/>
-              </a:rPr>
-              <a:t>Conclusion and Future Scope</a:t>
-            </a:r>
-            <a:endParaRPr lang="en-IN" sz="2800" dirty="0">
-              <a:effectLst/>
-              <a:latin typeface="Calibri" panose="020F0502020204030204" pitchFamily="34" charset="0"/>
-              <a:ea typeface="Calibri" panose="020F0502020204030204" pitchFamily="34" charset="0"/>
-            </a:endParaRPr>
-          </a:p>
-        </p:txBody>
-      </p:sp>
-      <p:sp>
-        <p:nvSpPr>
-          <p:cNvPr id="14" name="Content Placeholder 13"/>
+            <a:r>
+              <a:rPr lang="en-US" dirty="0"/>
+              <a:t>Results</a:t>
+            </a:r>
+          </a:p>
+        </p:txBody>
+      </p:sp>
+      <p:pic>
+        <p:nvPicPr>
+          <p:cNvPr id="6" name="Content Placeholder 5">
+            <a:extLst>
+              <a:ext uri="{FF2B5EF4-FFF2-40B4-BE49-F238E27FC236}">
+                <a16:creationId xmlns:a16="http://schemas.microsoft.com/office/drawing/2014/main" id="{366B06B2-2C02-4E99-BFB8-6B583B9080C7}"/>
+              </a:ext>
+            </a:extLst>
+          </p:cNvPr>
+          <p:cNvPicPr>
+            <a:picLocks noGrp="1" noChangeAspect="1"/>
+          </p:cNvPicPr>
+          <p:nvPr>
+            <p:ph idx="1"/>
+          </p:nvPr>
+        </p:nvPicPr>
+        <p:blipFill>
+          <a:blip r:embed="rId2"/>
+          <a:stretch>
+            <a:fillRect/>
+          </a:stretch>
+        </p:blipFill>
+        <p:spPr>
+          <a:xfrm>
+            <a:off x="1950188" y="2894121"/>
+            <a:ext cx="8290106" cy="2383406"/>
+          </a:xfrm>
+        </p:spPr>
+      </p:pic>
+      <p:sp>
+        <p:nvSpPr>
+          <p:cNvPr id="4" name="Footer Placeholder 3">
+            <a:extLst>
+              <a:ext uri="{FF2B5EF4-FFF2-40B4-BE49-F238E27FC236}">
+                <a16:creationId xmlns:a16="http://schemas.microsoft.com/office/drawing/2014/main" id="{323D68E4-60A9-4E6E-AFD3-E0EF7267DEB0}"/>
+              </a:ext>
+            </a:extLst>
+          </p:cNvPr>
           <p:cNvSpPr>
             <a:spLocks noGrp="1"/>
           </p:cNvSpPr>
           <p:nvPr>
-            <p:ph idx="1"/>
+            <p:ph type="ftr" sz="quarter" idx="11"/>
           </p:nvPr>
         </p:nvSpPr>
         <p:spPr/>
         <p:txBody>
-          <a:bodyPr>
+          <a:bodyPr/>
+          <a:lstStyle/>
+          <a:p>
+            <a:r>
+              <a:rPr lang="en-IN"/>
+              <a:t>Title of the Course</a:t>
+            </a:r>
+          </a:p>
+        </p:txBody>
+      </p:sp>
+      <p:sp>
+        <p:nvSpPr>
+          <p:cNvPr id="7" name="Content Placeholder 2">
+            <a:extLst>
+              <a:ext uri="{FF2B5EF4-FFF2-40B4-BE49-F238E27FC236}">
+                <a16:creationId xmlns:a16="http://schemas.microsoft.com/office/drawing/2014/main" id="{3819D23F-8FF0-4DEA-92FE-3079F9A46B72}"/>
+              </a:ext>
+            </a:extLst>
+          </p:cNvPr>
+          <p:cNvSpPr txBox="1">
+            <a:spLocks/>
+          </p:cNvSpPr>
+          <p:nvPr/>
+        </p:nvSpPr>
+        <p:spPr>
+          <a:xfrm>
+            <a:off x="1104900" y="1600200"/>
+            <a:ext cx="9982200" cy="4572000"/>
+          </a:xfrm>
+          <a:prstGeom prst="rect">
+            <a:avLst/>
+          </a:prstGeom>
+        </p:spPr>
+        <p:txBody>
+          <a:bodyPr vert="horz" lIns="0" tIns="45720" rIns="0" bIns="45720" rtlCol="0">
             <a:normAutofit/>
           </a:bodyPr>
-          <a:lstStyle/>
-          <a:p>
-            <a:pPr marL="228600" indent="-228600">
+          <a:lstStyle>
+            <a:lvl1pPr marL="228600" indent="-228600" algn="l" defTabSz="914400" rtl="0" eaLnBrk="1" latinLnBrk="0" hangingPunct="1">
               <a:lnSpc>
                 <a:spcPct val="90000"/>
               </a:lnSpc>
@@ -8218,112 +7921,172 @@
               </a:spcBef>
               <a:buFont typeface="Wingdings" panose="05000000000000000000" pitchFamily="2" charset="2"/>
               <a:buChar char="§"/>
-            </a:pPr>
-            <a:r>
-              <a:rPr lang="en-US" dirty="0"/>
-              <a:t>U-net architectures are still a widely unexplored domain for ensemble learning and could be implemented with numerous methodologies</a:t>
-            </a:r>
-          </a:p>
-          <a:p>
-            <a:pPr marL="228600" indent="-228600">
+              <a:defRPr sz="2000" kern="1200">
+                <a:solidFill>
+                  <a:schemeClr val="tx1"/>
+                </a:solidFill>
+                <a:latin typeface="+mn-lt"/>
+                <a:ea typeface="+mn-ea"/>
+                <a:cs typeface="+mn-cs"/>
+              </a:defRPr>
+            </a:lvl1pPr>
+            <a:lvl2pPr marL="685800" indent="-228600" algn="l" defTabSz="914400" rtl="0" eaLnBrk="1" latinLnBrk="0" hangingPunct="1">
               <a:lnSpc>
                 <a:spcPct val="90000"/>
               </a:lnSpc>
               <a:spcBef>
-                <a:spcPts val="1800"/>
+                <a:spcPts val="600"/>
               </a:spcBef>
               <a:buFont typeface="Wingdings" panose="05000000000000000000" pitchFamily="2" charset="2"/>
               <a:buChar char="§"/>
-            </a:pPr>
-            <a:r>
-              <a:rPr lang="en-US" dirty="0"/>
-              <a:t>The performance of GAN can be improved by implementing it in a cyclic fashion, i.e. Cycle GAN, with the Pix2Pix colorization approach</a:t>
-            </a:r>
-          </a:p>
-          <a:p>
-            <a:pPr marL="228600" indent="-228600">
+              <a:defRPr sz="1600" kern="1200">
+                <a:solidFill>
+                  <a:schemeClr val="tx1"/>
+                </a:solidFill>
+                <a:latin typeface="+mn-lt"/>
+                <a:ea typeface="+mn-ea"/>
+                <a:cs typeface="+mn-cs"/>
+              </a:defRPr>
+            </a:lvl2pPr>
+            <a:lvl3pPr marL="1143000" indent="-228600" algn="l" defTabSz="914400" rtl="0" eaLnBrk="1" latinLnBrk="0" hangingPunct="1">
               <a:lnSpc>
                 <a:spcPct val="90000"/>
               </a:lnSpc>
               <a:spcBef>
-                <a:spcPts val="1800"/>
+                <a:spcPts val="600"/>
               </a:spcBef>
               <a:buFont typeface="Wingdings" panose="05000000000000000000" pitchFamily="2" charset="2"/>
               <a:buChar char="§"/>
-            </a:pPr>
+              <a:defRPr sz="1400" kern="1200">
+                <a:solidFill>
+                  <a:schemeClr val="tx1"/>
+                </a:solidFill>
+                <a:latin typeface="+mn-lt"/>
+                <a:ea typeface="+mn-ea"/>
+                <a:cs typeface="+mn-cs"/>
+              </a:defRPr>
+            </a:lvl3pPr>
+            <a:lvl4pPr marL="1600200" indent="-228600" algn="l" defTabSz="914400" rtl="0" eaLnBrk="1" latinLnBrk="0" hangingPunct="1">
+              <a:lnSpc>
+                <a:spcPct val="90000"/>
+              </a:lnSpc>
+              <a:spcBef>
+                <a:spcPts val="600"/>
+              </a:spcBef>
+              <a:buFont typeface="Wingdings" panose="05000000000000000000" pitchFamily="2" charset="2"/>
+              <a:buChar char="§"/>
+              <a:defRPr sz="1400" kern="1200">
+                <a:solidFill>
+                  <a:schemeClr val="tx1"/>
+                </a:solidFill>
+                <a:latin typeface="+mn-lt"/>
+                <a:ea typeface="+mn-ea"/>
+                <a:cs typeface="+mn-cs"/>
+              </a:defRPr>
+            </a:lvl4pPr>
+            <a:lvl5pPr marL="2057400" indent="-228600" algn="l" defTabSz="914400" rtl="0" eaLnBrk="1" latinLnBrk="0" hangingPunct="1">
+              <a:lnSpc>
+                <a:spcPct val="90000"/>
+              </a:lnSpc>
+              <a:spcBef>
+                <a:spcPts val="600"/>
+              </a:spcBef>
+              <a:buFont typeface="Wingdings" panose="05000000000000000000" pitchFamily="2" charset="2"/>
+              <a:buChar char="§"/>
+              <a:defRPr sz="1400" kern="1200">
+                <a:solidFill>
+                  <a:schemeClr val="tx1"/>
+                </a:solidFill>
+                <a:latin typeface="+mn-lt"/>
+                <a:ea typeface="+mn-ea"/>
+                <a:cs typeface="+mn-cs"/>
+              </a:defRPr>
+            </a:lvl5pPr>
+            <a:lvl6pPr marL="2514600" indent="-228600" algn="l" defTabSz="914400" rtl="0" eaLnBrk="1" latinLnBrk="0" hangingPunct="1">
+              <a:lnSpc>
+                <a:spcPct val="90000"/>
+              </a:lnSpc>
+              <a:spcBef>
+                <a:spcPts val="500"/>
+              </a:spcBef>
+              <a:buFont typeface="Wingdings" panose="05000000000000000000" pitchFamily="2" charset="2"/>
+              <a:buChar char="§"/>
+              <a:defRPr sz="1400" kern="1200">
+                <a:solidFill>
+                  <a:schemeClr val="tx1"/>
+                </a:solidFill>
+                <a:latin typeface="+mn-lt"/>
+                <a:ea typeface="+mn-ea"/>
+                <a:cs typeface="+mn-cs"/>
+              </a:defRPr>
+            </a:lvl6pPr>
+            <a:lvl7pPr marL="2971800" indent="-228600" algn="l" defTabSz="914400" rtl="0" eaLnBrk="1" latinLnBrk="0" hangingPunct="1">
+              <a:lnSpc>
+                <a:spcPct val="90000"/>
+              </a:lnSpc>
+              <a:spcBef>
+                <a:spcPts val="500"/>
+              </a:spcBef>
+              <a:buFont typeface="Wingdings" panose="05000000000000000000" pitchFamily="2" charset="2"/>
+              <a:buChar char="§"/>
+              <a:defRPr sz="1400" kern="1200">
+                <a:solidFill>
+                  <a:schemeClr val="tx1"/>
+                </a:solidFill>
+                <a:latin typeface="+mn-lt"/>
+                <a:ea typeface="+mn-ea"/>
+                <a:cs typeface="+mn-cs"/>
+              </a:defRPr>
+            </a:lvl7pPr>
+            <a:lvl8pPr marL="3429000" indent="-228600" algn="l" defTabSz="914400" rtl="0" eaLnBrk="1" latinLnBrk="0" hangingPunct="1">
+              <a:lnSpc>
+                <a:spcPct val="90000"/>
+              </a:lnSpc>
+              <a:spcBef>
+                <a:spcPts val="500"/>
+              </a:spcBef>
+              <a:buFont typeface="Wingdings" panose="05000000000000000000" pitchFamily="2" charset="2"/>
+              <a:buChar char="§"/>
+              <a:defRPr sz="1400" kern="1200">
+                <a:solidFill>
+                  <a:schemeClr val="tx1"/>
+                </a:solidFill>
+                <a:latin typeface="+mn-lt"/>
+                <a:ea typeface="+mn-ea"/>
+                <a:cs typeface="+mn-cs"/>
+              </a:defRPr>
+            </a:lvl8pPr>
+            <a:lvl9pPr marL="3886200" indent="-228600" algn="l" defTabSz="914400" rtl="0" eaLnBrk="1" latinLnBrk="0" hangingPunct="1">
+              <a:lnSpc>
+                <a:spcPct val="90000"/>
+              </a:lnSpc>
+              <a:spcBef>
+                <a:spcPts val="500"/>
+              </a:spcBef>
+              <a:buFont typeface="Wingdings" panose="05000000000000000000" pitchFamily="2" charset="2"/>
+              <a:buChar char="§"/>
+              <a:defRPr sz="1400" kern="1200">
+                <a:solidFill>
+                  <a:schemeClr val="tx1"/>
+                </a:solidFill>
+                <a:latin typeface="+mn-lt"/>
+                <a:ea typeface="+mn-ea"/>
+                <a:cs typeface="+mn-cs"/>
+              </a:defRPr>
+            </a:lvl9pPr>
+          </a:lstStyle>
+          <a:p>
             <a:r>
               <a:rPr lang="en-US" dirty="0"/>
-              <a:t>Generative Models are getting better day by day and these architectures could essentially be used to generalize image colorization and super-resolution over any dataset with negligible fine-tuning</a:t>
-            </a:r>
-          </a:p>
-        </p:txBody>
-      </p:sp>
-      <p:sp>
-        <p:nvSpPr>
-          <p:cNvPr id="5" name="Footer Placeholder 4"/>
-          <p:cNvSpPr>
-            <a:spLocks noGrp="1"/>
-          </p:cNvSpPr>
-          <p:nvPr>
-            <p:ph type="ftr" sz="quarter" idx="11"/>
-          </p:nvPr>
-        </p:nvSpPr>
-        <p:spPr/>
-        <p:txBody>
-          <a:bodyPr/>
-          <a:lstStyle/>
-          <a:p>
-            <a:r>
-              <a:rPr lang="en-IN" sz="1200" dirty="0">
-                <a:cs typeface="Times New Roman" panose="02020603050405020304" pitchFamily="18" charset="0"/>
-              </a:rPr>
-              <a:t>Astronomical image colourisation and super-resolution using GANS</a:t>
-            </a:r>
-            <a:endParaRPr lang="en-IN" dirty="0"/>
-          </a:p>
-        </p:txBody>
-      </p:sp>
-      <p:pic>
-        <p:nvPicPr>
-          <p:cNvPr id="4" name="Picture 1"/>
-          <p:cNvPicPr>
-            <a:picLocks noChangeAspect="1" noChangeArrowheads="1"/>
-          </p:cNvPicPr>
-          <p:nvPr/>
-        </p:nvPicPr>
-        <p:blipFill>
-          <a:blip r:embed="rId2" cstate="print">
-            <a:extLst>
-              <a:ext uri="{28A0092B-C50C-407E-A947-70E740481C1C}">
-                <a14:useLocalDpi xmlns:a14="http://schemas.microsoft.com/office/drawing/2010/main" val="0"/>
-              </a:ext>
-            </a:extLst>
-          </a:blip>
-          <a:stretch>
-            <a:fillRect/>
-          </a:stretch>
-        </p:blipFill>
-        <p:spPr bwMode="auto">
-          <a:xfrm>
-            <a:off x="10919540" y="150750"/>
-            <a:ext cx="1233271" cy="1029803"/>
-          </a:xfrm>
-          <a:prstGeom prst="rect">
-            <a:avLst/>
-          </a:prstGeom>
-          <a:noFill/>
-          <a:ln w="9525">
-            <a:noFill/>
-            <a:miter lim="800000"/>
-            <a:headEnd/>
-            <a:tailEnd/>
-          </a:ln>
-        </p:spPr>
-      </p:pic>
+              <a:t>Channel wise mean of fine-tuned ResNet18 U-net:</a:t>
+            </a:r>
+          </a:p>
+        </p:txBody>
+      </p:sp>
     </p:spTree>
     <p:extLst>
       <p:ext uri="{BB962C8B-B14F-4D97-AF65-F5344CB8AC3E}">
-        <p14:creationId xmlns:p14="http://schemas.microsoft.com/office/powerpoint/2010/main" val="3517580825"/>
+        <p14:creationId xmlns:p14="http://schemas.microsoft.com/office/powerpoint/2010/main" val="1595273889"/>
       </p:ext>
     </p:extLst>
   </p:cSld>
@@ -8364,12 +8127,18 @@
       </p:grpSpPr>
       <p:sp>
         <p:nvSpPr>
-          <p:cNvPr id="2" name="Title 1"/>
+          <p:cNvPr id="2" name="Title 1">
+            <a:extLst>
+              <a:ext uri="{FF2B5EF4-FFF2-40B4-BE49-F238E27FC236}">
+                <a16:creationId xmlns:a16="http://schemas.microsoft.com/office/drawing/2014/main" id="{6E98310F-7D26-4CF1-B23F-D240BF96D27A}"/>
+              </a:ext>
+            </a:extLst>
+          </p:cNvPr>
           <p:cNvSpPr>
             <a:spLocks noGrp="1"/>
           </p:cNvSpPr>
           <p:nvPr>
-            <p:ph type="ctrTitle"/>
+            <p:ph type="title"/>
           </p:nvPr>
         </p:nvSpPr>
         <p:spPr/>
@@ -8378,50 +8147,275 @@
           <a:lstStyle/>
           <a:p>
             <a:r>
-              <a:rPr lang="en-IN" dirty="0"/>
-              <a:t>Thank You !!</a:t>
+              <a:rPr lang="en-US" dirty="0"/>
+              <a:t>Results</a:t>
+            </a:r>
+          </a:p>
+        </p:txBody>
+      </p:sp>
+      <p:sp>
+        <p:nvSpPr>
+          <p:cNvPr id="4" name="Footer Placeholder 3">
+            <a:extLst>
+              <a:ext uri="{FF2B5EF4-FFF2-40B4-BE49-F238E27FC236}">
+                <a16:creationId xmlns:a16="http://schemas.microsoft.com/office/drawing/2014/main" id="{323D68E4-60A9-4E6E-AFD3-E0EF7267DEB0}"/>
+              </a:ext>
+            </a:extLst>
+          </p:cNvPr>
+          <p:cNvSpPr>
+            <a:spLocks noGrp="1"/>
+          </p:cNvSpPr>
+          <p:nvPr>
+            <p:ph type="ftr" sz="quarter" idx="11"/>
+          </p:nvPr>
+        </p:nvSpPr>
+        <p:spPr/>
+        <p:txBody>
+          <a:bodyPr/>
+          <a:lstStyle/>
+          <a:p>
+            <a:r>
+              <a:rPr lang="en-IN"/>
+              <a:t>Title of the Course</a:t>
+            </a:r>
+          </a:p>
+        </p:txBody>
+      </p:sp>
+      <p:sp>
+        <p:nvSpPr>
+          <p:cNvPr id="7" name="Content Placeholder 2">
+            <a:extLst>
+              <a:ext uri="{FF2B5EF4-FFF2-40B4-BE49-F238E27FC236}">
+                <a16:creationId xmlns:a16="http://schemas.microsoft.com/office/drawing/2014/main" id="{3819D23F-8FF0-4DEA-92FE-3079F9A46B72}"/>
+              </a:ext>
+            </a:extLst>
+          </p:cNvPr>
+          <p:cNvSpPr txBox="1">
+            <a:spLocks/>
+          </p:cNvSpPr>
+          <p:nvPr/>
+        </p:nvSpPr>
+        <p:spPr>
+          <a:xfrm>
+            <a:off x="1104900" y="1600200"/>
+            <a:ext cx="9982200" cy="4572000"/>
+          </a:xfrm>
+          <a:prstGeom prst="rect">
+            <a:avLst/>
+          </a:prstGeom>
+        </p:spPr>
+        <p:txBody>
+          <a:bodyPr vert="horz" lIns="0" tIns="45720" rIns="0" bIns="45720" rtlCol="0">
+            <a:normAutofit/>
+          </a:bodyPr>
+          <a:lstStyle>
+            <a:lvl1pPr marL="228600" indent="-228600" algn="l" defTabSz="914400" rtl="0" eaLnBrk="1" latinLnBrk="0" hangingPunct="1">
+              <a:lnSpc>
+                <a:spcPct val="90000"/>
+              </a:lnSpc>
+              <a:spcBef>
+                <a:spcPts val="1800"/>
+              </a:spcBef>
+              <a:buFont typeface="Wingdings" panose="05000000000000000000" pitchFamily="2" charset="2"/>
+              <a:buChar char="§"/>
+              <a:defRPr sz="2000" kern="1200">
+                <a:solidFill>
+                  <a:schemeClr val="tx1"/>
+                </a:solidFill>
+                <a:latin typeface="+mn-lt"/>
+                <a:ea typeface="+mn-ea"/>
+                <a:cs typeface="+mn-cs"/>
+              </a:defRPr>
+            </a:lvl1pPr>
+            <a:lvl2pPr marL="685800" indent="-228600" algn="l" defTabSz="914400" rtl="0" eaLnBrk="1" latinLnBrk="0" hangingPunct="1">
+              <a:lnSpc>
+                <a:spcPct val="90000"/>
+              </a:lnSpc>
+              <a:spcBef>
+                <a:spcPts val="600"/>
+              </a:spcBef>
+              <a:buFont typeface="Wingdings" panose="05000000000000000000" pitchFamily="2" charset="2"/>
+              <a:buChar char="§"/>
+              <a:defRPr sz="1600" kern="1200">
+                <a:solidFill>
+                  <a:schemeClr val="tx1"/>
+                </a:solidFill>
+                <a:latin typeface="+mn-lt"/>
+                <a:ea typeface="+mn-ea"/>
+                <a:cs typeface="+mn-cs"/>
+              </a:defRPr>
+            </a:lvl2pPr>
+            <a:lvl3pPr marL="1143000" indent="-228600" algn="l" defTabSz="914400" rtl="0" eaLnBrk="1" latinLnBrk="0" hangingPunct="1">
+              <a:lnSpc>
+                <a:spcPct val="90000"/>
+              </a:lnSpc>
+              <a:spcBef>
+                <a:spcPts val="600"/>
+              </a:spcBef>
+              <a:buFont typeface="Wingdings" panose="05000000000000000000" pitchFamily="2" charset="2"/>
+              <a:buChar char="§"/>
+              <a:defRPr sz="1400" kern="1200">
+                <a:solidFill>
+                  <a:schemeClr val="tx1"/>
+                </a:solidFill>
+                <a:latin typeface="+mn-lt"/>
+                <a:ea typeface="+mn-ea"/>
+                <a:cs typeface="+mn-cs"/>
+              </a:defRPr>
+            </a:lvl3pPr>
+            <a:lvl4pPr marL="1600200" indent="-228600" algn="l" defTabSz="914400" rtl="0" eaLnBrk="1" latinLnBrk="0" hangingPunct="1">
+              <a:lnSpc>
+                <a:spcPct val="90000"/>
+              </a:lnSpc>
+              <a:spcBef>
+                <a:spcPts val="600"/>
+              </a:spcBef>
+              <a:buFont typeface="Wingdings" panose="05000000000000000000" pitchFamily="2" charset="2"/>
+              <a:buChar char="§"/>
+              <a:defRPr sz="1400" kern="1200">
+                <a:solidFill>
+                  <a:schemeClr val="tx1"/>
+                </a:solidFill>
+                <a:latin typeface="+mn-lt"/>
+                <a:ea typeface="+mn-ea"/>
+                <a:cs typeface="+mn-cs"/>
+              </a:defRPr>
+            </a:lvl4pPr>
+            <a:lvl5pPr marL="2057400" indent="-228600" algn="l" defTabSz="914400" rtl="0" eaLnBrk="1" latinLnBrk="0" hangingPunct="1">
+              <a:lnSpc>
+                <a:spcPct val="90000"/>
+              </a:lnSpc>
+              <a:spcBef>
+                <a:spcPts val="600"/>
+              </a:spcBef>
+              <a:buFont typeface="Wingdings" panose="05000000000000000000" pitchFamily="2" charset="2"/>
+              <a:buChar char="§"/>
+              <a:defRPr sz="1400" kern="1200">
+                <a:solidFill>
+                  <a:schemeClr val="tx1"/>
+                </a:solidFill>
+                <a:latin typeface="+mn-lt"/>
+                <a:ea typeface="+mn-ea"/>
+                <a:cs typeface="+mn-cs"/>
+              </a:defRPr>
+            </a:lvl5pPr>
+            <a:lvl6pPr marL="2514600" indent="-228600" algn="l" defTabSz="914400" rtl="0" eaLnBrk="1" latinLnBrk="0" hangingPunct="1">
+              <a:lnSpc>
+                <a:spcPct val="90000"/>
+              </a:lnSpc>
+              <a:spcBef>
+                <a:spcPts val="500"/>
+              </a:spcBef>
+              <a:buFont typeface="Wingdings" panose="05000000000000000000" pitchFamily="2" charset="2"/>
+              <a:buChar char="§"/>
+              <a:defRPr sz="1400" kern="1200">
+                <a:solidFill>
+                  <a:schemeClr val="tx1"/>
+                </a:solidFill>
+                <a:latin typeface="+mn-lt"/>
+                <a:ea typeface="+mn-ea"/>
+                <a:cs typeface="+mn-cs"/>
+              </a:defRPr>
+            </a:lvl6pPr>
+            <a:lvl7pPr marL="2971800" indent="-228600" algn="l" defTabSz="914400" rtl="0" eaLnBrk="1" latinLnBrk="0" hangingPunct="1">
+              <a:lnSpc>
+                <a:spcPct val="90000"/>
+              </a:lnSpc>
+              <a:spcBef>
+                <a:spcPts val="500"/>
+              </a:spcBef>
+              <a:buFont typeface="Wingdings" panose="05000000000000000000" pitchFamily="2" charset="2"/>
+              <a:buChar char="§"/>
+              <a:defRPr sz="1400" kern="1200">
+                <a:solidFill>
+                  <a:schemeClr val="tx1"/>
+                </a:solidFill>
+                <a:latin typeface="+mn-lt"/>
+                <a:ea typeface="+mn-ea"/>
+                <a:cs typeface="+mn-cs"/>
+              </a:defRPr>
+            </a:lvl7pPr>
+            <a:lvl8pPr marL="3429000" indent="-228600" algn="l" defTabSz="914400" rtl="0" eaLnBrk="1" latinLnBrk="0" hangingPunct="1">
+              <a:lnSpc>
+                <a:spcPct val="90000"/>
+              </a:lnSpc>
+              <a:spcBef>
+                <a:spcPts val="500"/>
+              </a:spcBef>
+              <a:buFont typeface="Wingdings" panose="05000000000000000000" pitchFamily="2" charset="2"/>
+              <a:buChar char="§"/>
+              <a:defRPr sz="1400" kern="1200">
+                <a:solidFill>
+                  <a:schemeClr val="tx1"/>
+                </a:solidFill>
+                <a:latin typeface="+mn-lt"/>
+                <a:ea typeface="+mn-ea"/>
+                <a:cs typeface="+mn-cs"/>
+              </a:defRPr>
+            </a:lvl8pPr>
+            <a:lvl9pPr marL="3886200" indent="-228600" algn="l" defTabSz="914400" rtl="0" eaLnBrk="1" latinLnBrk="0" hangingPunct="1">
+              <a:lnSpc>
+                <a:spcPct val="90000"/>
+              </a:lnSpc>
+              <a:spcBef>
+                <a:spcPts val="500"/>
+              </a:spcBef>
+              <a:buFont typeface="Wingdings" panose="05000000000000000000" pitchFamily="2" charset="2"/>
+              <a:buChar char="§"/>
+              <a:defRPr sz="1400" kern="1200">
+                <a:solidFill>
+                  <a:schemeClr val="tx1"/>
+                </a:solidFill>
+                <a:latin typeface="+mn-lt"/>
+                <a:ea typeface="+mn-ea"/>
+                <a:cs typeface="+mn-cs"/>
+              </a:defRPr>
+            </a:lvl9pPr>
+          </a:lstStyle>
+          <a:p>
+            <a:r>
+              <a:rPr lang="en-US" dirty="0"/>
+              <a:t>Per pixel mean of SR-GAN networks:</a:t>
             </a:r>
           </a:p>
         </p:txBody>
       </p:sp>
       <p:pic>
         <p:nvPicPr>
-          <p:cNvPr id="4" name="Picture 1"/>
+          <p:cNvPr id="17" name="Picture 16">
+            <a:extLst>
+              <a:ext uri="{FF2B5EF4-FFF2-40B4-BE49-F238E27FC236}">
+                <a16:creationId xmlns:a16="http://schemas.microsoft.com/office/drawing/2014/main" id="{6E6E1F18-1E58-444B-8BBB-7D6290CB3E38}"/>
+              </a:ext>
+            </a:extLst>
+          </p:cNvPr>
           <p:cNvPicPr>
-            <a:picLocks noChangeAspect="1" noChangeArrowheads="1"/>
+            <a:picLocks noChangeAspect="1"/>
           </p:cNvPicPr>
           <p:nvPr/>
         </p:nvPicPr>
         <p:blipFill>
-          <a:blip r:embed="rId2" cstate="print">
-            <a:extLst>
-              <a:ext uri="{28A0092B-C50C-407E-A947-70E740481C1C}">
-                <a14:useLocalDpi xmlns:a14="http://schemas.microsoft.com/office/drawing/2010/main" val="0"/>
-              </a:ext>
-            </a:extLst>
-          </a:blip>
+          <a:blip r:embed="rId2"/>
           <a:stretch>
             <a:fillRect/>
           </a:stretch>
         </p:blipFill>
-        <p:spPr bwMode="auto">
+        <p:spPr>
           <a:xfrm>
-            <a:off x="9691631" y="1352533"/>
-            <a:ext cx="2228612" cy="1860930"/>
+            <a:off x="1351129" y="2335697"/>
+            <a:ext cx="9488224" cy="3429479"/>
           </a:xfrm>
           <a:prstGeom prst="rect">
             <a:avLst/>
           </a:prstGeom>
-          <a:noFill/>
-          <a:ln w="9525">
-            <a:noFill/>
-            <a:miter lim="800000"/>
-            <a:headEnd/>
-            <a:tailEnd/>
-          </a:ln>
         </p:spPr>
       </p:pic>
     </p:spTree>
+    <p:extLst>
+      <p:ext uri="{BB962C8B-B14F-4D97-AF65-F5344CB8AC3E}">
+        <p14:creationId xmlns:p14="http://schemas.microsoft.com/office/powerpoint/2010/main" val="3366080307"/>
+      </p:ext>
+    </p:extLst>
   </p:cSld>
   <p:clrMapOvr>
     <a:masterClrMapping/>
@@ -9239,6 +9233,2622 @@
 </p:sld>
 </file>
 
+<file path=ppt/slides/slide20.xml><?xml version="1.0" encoding="utf-8"?>
+<p:sld xmlns:a="http://schemas.openxmlformats.org/drawingml/2006/main" xmlns:r="http://schemas.openxmlformats.org/officeDocument/2006/relationships" xmlns:p="http://schemas.openxmlformats.org/presentationml/2006/main">
+  <p:cSld>
+    <p:spTree>
+      <p:nvGrpSpPr>
+        <p:cNvPr id="1" name=""/>
+        <p:cNvGrpSpPr/>
+        <p:nvPr/>
+      </p:nvGrpSpPr>
+      <p:grpSpPr>
+        <a:xfrm>
+          <a:off x="0" y="0"/>
+          <a:ext cx="0" cy="0"/>
+          <a:chOff x="0" y="0"/>
+          <a:chExt cx="0" cy="0"/>
+        </a:xfrm>
+      </p:grpSpPr>
+      <p:sp>
+        <p:nvSpPr>
+          <p:cNvPr id="2" name="Title 1">
+            <a:extLst>
+              <a:ext uri="{FF2B5EF4-FFF2-40B4-BE49-F238E27FC236}">
+                <a16:creationId xmlns:a16="http://schemas.microsoft.com/office/drawing/2014/main" id="{8CA6834D-D8D1-4802-B776-1FBC4FFFEFA5}"/>
+              </a:ext>
+            </a:extLst>
+          </p:cNvPr>
+          <p:cNvSpPr>
+            <a:spLocks noGrp="1"/>
+          </p:cNvSpPr>
+          <p:nvPr>
+            <p:ph type="title"/>
+          </p:nvPr>
+        </p:nvSpPr>
+        <p:spPr/>
+        <p:txBody>
+          <a:bodyPr/>
+          <a:lstStyle/>
+          <a:p>
+            <a:r>
+              <a:rPr lang="en-US" dirty="0"/>
+              <a:t>Cost Estimation </a:t>
+            </a:r>
+            <a:endParaRPr lang="en-IN" dirty="0"/>
+          </a:p>
+        </p:txBody>
+      </p:sp>
+      <p:sp>
+        <p:nvSpPr>
+          <p:cNvPr id="3" name="Content Placeholder 2">
+            <a:extLst>
+              <a:ext uri="{FF2B5EF4-FFF2-40B4-BE49-F238E27FC236}">
+                <a16:creationId xmlns:a16="http://schemas.microsoft.com/office/drawing/2014/main" id="{A6A55976-D643-4083-B206-87AD67322B54}"/>
+              </a:ext>
+            </a:extLst>
+          </p:cNvPr>
+          <p:cNvSpPr>
+            <a:spLocks noGrp="1"/>
+          </p:cNvSpPr>
+          <p:nvPr>
+            <p:ph idx="1"/>
+          </p:nvPr>
+        </p:nvSpPr>
+        <p:spPr/>
+        <p:txBody>
+          <a:bodyPr>
+            <a:normAutofit fontScale="92500" lnSpcReduction="10000"/>
+          </a:bodyPr>
+          <a:lstStyle/>
+          <a:p>
+            <a:r>
+              <a:rPr lang="en-US" dirty="0"/>
+              <a:t>Cost Estimate:</a:t>
+            </a:r>
+            <a:r>
+              <a:rPr lang="en-IN" dirty="0"/>
+              <a:t> The model following is the semi detached Constructive Cost Model (COCOMO) for estimating the efforts required in the completion of the project.</a:t>
+            </a:r>
+          </a:p>
+          <a:p>
+            <a:pPr marL="457200" indent="-457200">
+              <a:buAutoNum type="arabicParenR"/>
+            </a:pPr>
+            <a:r>
+              <a:rPr lang="en-IN" dirty="0"/>
+              <a:t>Object Point</a:t>
+            </a:r>
+          </a:p>
+          <a:p>
+            <a:pPr marL="457200" indent="-457200">
+              <a:buAutoNum type="arabicParenR"/>
+            </a:pPr>
+            <a:r>
+              <a:rPr lang="en-IN" dirty="0"/>
+              <a:t>Function Point</a:t>
+            </a:r>
+          </a:p>
+          <a:p>
+            <a:pPr marL="457200" indent="-457200">
+              <a:buAutoNum type="arabicParenR"/>
+            </a:pPr>
+            <a:r>
+              <a:rPr lang="en-IN" dirty="0"/>
+              <a:t>Lines of Source Code (KLOC)</a:t>
+            </a:r>
+          </a:p>
+          <a:p>
+            <a:pPr marL="0" indent="0">
+              <a:buNone/>
+            </a:pPr>
+            <a:r>
+              <a:rPr lang="en-US" dirty="0"/>
+              <a:t>For our project, sizing information in the form of Lines of Source Code is used. </a:t>
+            </a:r>
+          </a:p>
+          <a:p>
+            <a:pPr marL="0" indent="0">
+              <a:buNone/>
+            </a:pPr>
+            <a:r>
+              <a:rPr lang="en-US" dirty="0"/>
+              <a:t>The total lines of code, </a:t>
+            </a:r>
+          </a:p>
+          <a:p>
+            <a:pPr marL="0" indent="0">
+              <a:buNone/>
+            </a:pPr>
+            <a:r>
+              <a:rPr lang="en-US" dirty="0"/>
+              <a:t>KLOC = 1000</a:t>
+            </a:r>
+          </a:p>
+          <a:p>
+            <a:pPr marL="0" indent="0">
+              <a:buNone/>
+            </a:pPr>
+            <a:r>
+              <a:rPr lang="en-US" dirty="0"/>
+              <a:t>Note: KLOC is arbitrary, change if necessary </a:t>
+            </a:r>
+          </a:p>
+          <a:p>
+            <a:pPr marL="0" indent="0">
+              <a:buNone/>
+            </a:pPr>
+            <a:r>
+              <a:rPr lang="en-US" dirty="0"/>
+              <a:t>Equations: The initial effort(</a:t>
+            </a:r>
+            <a:r>
+              <a:rPr lang="en-US" dirty="0" err="1"/>
+              <a:t>Ei</a:t>
+            </a:r>
+            <a:r>
+              <a:rPr lang="en-US" dirty="0"/>
+              <a:t>) in man-months is calculated using equations: E = ax(KLOC) b where, </a:t>
+            </a:r>
+          </a:p>
+        </p:txBody>
+      </p:sp>
+      <p:sp>
+        <p:nvSpPr>
+          <p:cNvPr id="7" name="Footer Placeholder 4">
+            <a:extLst>
+              <a:ext uri="{FF2B5EF4-FFF2-40B4-BE49-F238E27FC236}">
+                <a16:creationId xmlns:a16="http://schemas.microsoft.com/office/drawing/2014/main" id="{9619F632-2DBC-48FC-B2DF-34BCE95AE6B0}"/>
+              </a:ext>
+            </a:extLst>
+          </p:cNvPr>
+          <p:cNvSpPr txBox="1">
+            <a:spLocks/>
+          </p:cNvSpPr>
+          <p:nvPr/>
+        </p:nvSpPr>
+        <p:spPr>
+          <a:xfrm>
+            <a:off x="3030876" y="6303476"/>
+            <a:ext cx="6323082" cy="365126"/>
+          </a:xfrm>
+          <a:prstGeom prst="rect">
+            <a:avLst/>
+          </a:prstGeom>
+        </p:spPr>
+        <p:txBody>
+          <a:bodyPr vert="horz" lIns="0" tIns="45720" rIns="0" bIns="45720" rtlCol="0" anchor="ctr"/>
+          <a:lstStyle>
+            <a:defPPr>
+              <a:defRPr lang="en-US"/>
+            </a:defPPr>
+            <a:lvl1pPr marL="0" algn="ctr" defTabSz="914400" rtl="0" eaLnBrk="1" latinLnBrk="0" hangingPunct="1">
+              <a:defRPr sz="1200" kern="1200" baseline="0">
+                <a:solidFill>
+                  <a:schemeClr val="tx1">
+                    <a:lumMod val="75000"/>
+                  </a:schemeClr>
+                </a:solidFill>
+                <a:latin typeface="+mn-lt"/>
+                <a:ea typeface="+mn-ea"/>
+                <a:cs typeface="+mn-cs"/>
+              </a:defRPr>
+            </a:lvl1pPr>
+            <a:lvl2pPr marL="457200" algn="l" defTabSz="914400" rtl="0" eaLnBrk="1" latinLnBrk="0" hangingPunct="1">
+              <a:defRPr sz="1800" kern="1200">
+                <a:solidFill>
+                  <a:schemeClr val="tx1"/>
+                </a:solidFill>
+                <a:latin typeface="+mn-lt"/>
+                <a:ea typeface="+mn-ea"/>
+                <a:cs typeface="+mn-cs"/>
+              </a:defRPr>
+            </a:lvl2pPr>
+            <a:lvl3pPr marL="914400" algn="l" defTabSz="914400" rtl="0" eaLnBrk="1" latinLnBrk="0" hangingPunct="1">
+              <a:defRPr sz="1800" kern="1200">
+                <a:solidFill>
+                  <a:schemeClr val="tx1"/>
+                </a:solidFill>
+                <a:latin typeface="+mn-lt"/>
+                <a:ea typeface="+mn-ea"/>
+                <a:cs typeface="+mn-cs"/>
+              </a:defRPr>
+            </a:lvl3pPr>
+            <a:lvl4pPr marL="1371600" algn="l" defTabSz="914400" rtl="0" eaLnBrk="1" latinLnBrk="0" hangingPunct="1">
+              <a:defRPr sz="1800" kern="1200">
+                <a:solidFill>
+                  <a:schemeClr val="tx1"/>
+                </a:solidFill>
+                <a:latin typeface="+mn-lt"/>
+                <a:ea typeface="+mn-ea"/>
+                <a:cs typeface="+mn-cs"/>
+              </a:defRPr>
+            </a:lvl4pPr>
+            <a:lvl5pPr marL="1828800" algn="l" defTabSz="914400" rtl="0" eaLnBrk="1" latinLnBrk="0" hangingPunct="1">
+              <a:defRPr sz="1800" kern="1200">
+                <a:solidFill>
+                  <a:schemeClr val="tx1"/>
+                </a:solidFill>
+                <a:latin typeface="+mn-lt"/>
+                <a:ea typeface="+mn-ea"/>
+                <a:cs typeface="+mn-cs"/>
+              </a:defRPr>
+            </a:lvl5pPr>
+            <a:lvl6pPr marL="2286000" algn="l" defTabSz="914400" rtl="0" eaLnBrk="1" latinLnBrk="0" hangingPunct="1">
+              <a:defRPr sz="1800" kern="1200">
+                <a:solidFill>
+                  <a:schemeClr val="tx1"/>
+                </a:solidFill>
+                <a:latin typeface="+mn-lt"/>
+                <a:ea typeface="+mn-ea"/>
+                <a:cs typeface="+mn-cs"/>
+              </a:defRPr>
+            </a:lvl6pPr>
+            <a:lvl7pPr marL="2743200" algn="l" defTabSz="914400" rtl="0" eaLnBrk="1" latinLnBrk="0" hangingPunct="1">
+              <a:defRPr sz="1800" kern="1200">
+                <a:solidFill>
+                  <a:schemeClr val="tx1"/>
+                </a:solidFill>
+                <a:latin typeface="+mn-lt"/>
+                <a:ea typeface="+mn-ea"/>
+                <a:cs typeface="+mn-cs"/>
+              </a:defRPr>
+            </a:lvl7pPr>
+            <a:lvl8pPr marL="3200400" algn="l" defTabSz="914400" rtl="0" eaLnBrk="1" latinLnBrk="0" hangingPunct="1">
+              <a:defRPr sz="1800" kern="1200">
+                <a:solidFill>
+                  <a:schemeClr val="tx1"/>
+                </a:solidFill>
+                <a:latin typeface="+mn-lt"/>
+                <a:ea typeface="+mn-ea"/>
+                <a:cs typeface="+mn-cs"/>
+              </a:defRPr>
+            </a:lvl8pPr>
+            <a:lvl9pPr marL="3657600" algn="l" defTabSz="914400" rtl="0" eaLnBrk="1" latinLnBrk="0" hangingPunct="1">
+              <a:defRPr sz="1800" kern="1200">
+                <a:solidFill>
+                  <a:schemeClr val="tx1"/>
+                </a:solidFill>
+                <a:latin typeface="+mn-lt"/>
+                <a:ea typeface="+mn-ea"/>
+                <a:cs typeface="+mn-cs"/>
+              </a:defRPr>
+            </a:lvl9pPr>
+          </a:lstStyle>
+          <a:p>
+            <a:r>
+              <a:rPr lang="en-IN" dirty="0">
+                <a:cs typeface="Times New Roman" panose="02020603050405020304" pitchFamily="18" charset="0"/>
+              </a:rPr>
+              <a:t>Astronomical image colourisation and super-resolution using GANS</a:t>
+            </a:r>
+            <a:endParaRPr lang="en-IN" dirty="0"/>
+          </a:p>
+        </p:txBody>
+      </p:sp>
+    </p:spTree>
+    <p:extLst>
+      <p:ext uri="{BB962C8B-B14F-4D97-AF65-F5344CB8AC3E}">
+        <p14:creationId xmlns:p14="http://schemas.microsoft.com/office/powerpoint/2010/main" val="105529415"/>
+      </p:ext>
+    </p:extLst>
+  </p:cSld>
+  <p:clrMapOvr>
+    <a:masterClrMapping/>
+  </p:clrMapOvr>
+  <mc:AlternateContent xmlns:mc="http://schemas.openxmlformats.org/markup-compatibility/2006" xmlns:p14="http://schemas.microsoft.com/office/powerpoint/2010/main">
+    <mc:Choice Requires="p14">
+      <p:transition spd="med" p14:dur="700">
+        <p:fade/>
+      </p:transition>
+    </mc:Choice>
+    <mc:Fallback xmlns="">
+      <p:transition spd="med">
+        <p:fade/>
+      </p:transition>
+    </mc:Fallback>
+  </mc:AlternateContent>
+</p:sld>
+</file>
+
+<file path=ppt/slides/slide21.xml><?xml version="1.0" encoding="utf-8"?>
+<p:sld xmlns:a="http://schemas.openxmlformats.org/drawingml/2006/main" xmlns:r="http://schemas.openxmlformats.org/officeDocument/2006/relationships" xmlns:p="http://schemas.openxmlformats.org/presentationml/2006/main">
+  <p:cSld>
+    <p:spTree>
+      <p:nvGrpSpPr>
+        <p:cNvPr id="1" name=""/>
+        <p:cNvGrpSpPr/>
+        <p:nvPr/>
+      </p:nvGrpSpPr>
+      <p:grpSpPr>
+        <a:xfrm>
+          <a:off x="0" y="0"/>
+          <a:ext cx="0" cy="0"/>
+          <a:chOff x="0" y="0"/>
+          <a:chExt cx="0" cy="0"/>
+        </a:xfrm>
+      </p:grpSpPr>
+      <p:sp>
+        <p:nvSpPr>
+          <p:cNvPr id="3" name="Content Placeholder 2">
+            <a:extLst>
+              <a:ext uri="{FF2B5EF4-FFF2-40B4-BE49-F238E27FC236}">
+                <a16:creationId xmlns:a16="http://schemas.microsoft.com/office/drawing/2014/main" id="{B7A5B910-2B01-47F0-9F13-AFABE1642A3B}"/>
+              </a:ext>
+            </a:extLst>
+          </p:cNvPr>
+          <p:cNvSpPr>
+            <a:spLocks noGrp="1"/>
+          </p:cNvSpPr>
+          <p:nvPr>
+            <p:ph idx="1"/>
+          </p:nvPr>
+        </p:nvSpPr>
+        <p:spPr/>
+        <p:txBody>
+          <a:bodyPr/>
+          <a:lstStyle/>
+          <a:p>
+            <a:r>
+              <a:rPr lang="en-US" dirty="0"/>
+              <a:t>a = 3.0, b = 1.12, for a semi-detached project</a:t>
+            </a:r>
+          </a:p>
+          <a:p>
+            <a:r>
+              <a:rPr lang="en-US" dirty="0"/>
+              <a:t> E = Efforts in person-hours E = 4.5 PM </a:t>
+            </a:r>
+          </a:p>
+          <a:p>
+            <a:r>
+              <a:rPr lang="en-US" dirty="0"/>
+              <a:t> D = ax(E) b Where, a = 2.5, b = 0.35, for a semi-detached project</a:t>
+            </a:r>
+          </a:p>
+          <a:p>
+            <a:r>
+              <a:rPr lang="en-US" dirty="0"/>
+              <a:t> D = Duration of Project in months </a:t>
+            </a:r>
+            <a:r>
+              <a:rPr lang="en-IN" dirty="0"/>
+              <a:t>D = 12 Months</a:t>
+            </a:r>
+            <a:endParaRPr lang="en-US" dirty="0"/>
+          </a:p>
+          <a:p>
+            <a:endParaRPr lang="en-IN" dirty="0"/>
+          </a:p>
+        </p:txBody>
+      </p:sp>
+      <p:sp>
+        <p:nvSpPr>
+          <p:cNvPr id="5" name="Title 1">
+            <a:extLst>
+              <a:ext uri="{FF2B5EF4-FFF2-40B4-BE49-F238E27FC236}">
+                <a16:creationId xmlns:a16="http://schemas.microsoft.com/office/drawing/2014/main" id="{594438B5-6750-41D7-8D47-8A45A3F161EF}"/>
+              </a:ext>
+            </a:extLst>
+          </p:cNvPr>
+          <p:cNvSpPr>
+            <a:spLocks noGrp="1"/>
+          </p:cNvSpPr>
+          <p:nvPr>
+            <p:ph type="title"/>
+          </p:nvPr>
+        </p:nvSpPr>
+        <p:spPr>
+          <a:xfrm>
+            <a:off x="1104900" y="76200"/>
+            <a:ext cx="9980682" cy="1096962"/>
+          </a:xfrm>
+        </p:spPr>
+        <p:txBody>
+          <a:bodyPr/>
+          <a:lstStyle/>
+          <a:p>
+            <a:r>
+              <a:rPr lang="en-US" dirty="0"/>
+              <a:t>Cost Estimation</a:t>
+            </a:r>
+            <a:endParaRPr lang="en-IN" dirty="0"/>
+          </a:p>
+        </p:txBody>
+      </p:sp>
+      <p:sp>
+        <p:nvSpPr>
+          <p:cNvPr id="6" name="Footer Placeholder 4">
+            <a:extLst>
+              <a:ext uri="{FF2B5EF4-FFF2-40B4-BE49-F238E27FC236}">
+                <a16:creationId xmlns:a16="http://schemas.microsoft.com/office/drawing/2014/main" id="{FA40F147-E9F3-4454-A383-3EC817D0DB57}"/>
+              </a:ext>
+            </a:extLst>
+          </p:cNvPr>
+          <p:cNvSpPr txBox="1">
+            <a:spLocks/>
+          </p:cNvSpPr>
+          <p:nvPr/>
+        </p:nvSpPr>
+        <p:spPr>
+          <a:xfrm>
+            <a:off x="3012214" y="6331469"/>
+            <a:ext cx="6323082" cy="365126"/>
+          </a:xfrm>
+          <a:prstGeom prst="rect">
+            <a:avLst/>
+          </a:prstGeom>
+        </p:spPr>
+        <p:txBody>
+          <a:bodyPr vert="horz" lIns="0" tIns="45720" rIns="0" bIns="45720" rtlCol="0" anchor="ctr"/>
+          <a:lstStyle>
+            <a:defPPr>
+              <a:defRPr lang="en-US"/>
+            </a:defPPr>
+            <a:lvl1pPr marL="0" algn="ctr" defTabSz="914400" rtl="0" eaLnBrk="1" latinLnBrk="0" hangingPunct="1">
+              <a:defRPr sz="1200" kern="1200" baseline="0">
+                <a:solidFill>
+                  <a:schemeClr val="tx1">
+                    <a:lumMod val="75000"/>
+                  </a:schemeClr>
+                </a:solidFill>
+                <a:latin typeface="+mn-lt"/>
+                <a:ea typeface="+mn-ea"/>
+                <a:cs typeface="+mn-cs"/>
+              </a:defRPr>
+            </a:lvl1pPr>
+            <a:lvl2pPr marL="457200" algn="l" defTabSz="914400" rtl="0" eaLnBrk="1" latinLnBrk="0" hangingPunct="1">
+              <a:defRPr sz="1800" kern="1200">
+                <a:solidFill>
+                  <a:schemeClr val="tx1"/>
+                </a:solidFill>
+                <a:latin typeface="+mn-lt"/>
+                <a:ea typeface="+mn-ea"/>
+                <a:cs typeface="+mn-cs"/>
+              </a:defRPr>
+            </a:lvl2pPr>
+            <a:lvl3pPr marL="914400" algn="l" defTabSz="914400" rtl="0" eaLnBrk="1" latinLnBrk="0" hangingPunct="1">
+              <a:defRPr sz="1800" kern="1200">
+                <a:solidFill>
+                  <a:schemeClr val="tx1"/>
+                </a:solidFill>
+                <a:latin typeface="+mn-lt"/>
+                <a:ea typeface="+mn-ea"/>
+                <a:cs typeface="+mn-cs"/>
+              </a:defRPr>
+            </a:lvl3pPr>
+            <a:lvl4pPr marL="1371600" algn="l" defTabSz="914400" rtl="0" eaLnBrk="1" latinLnBrk="0" hangingPunct="1">
+              <a:defRPr sz="1800" kern="1200">
+                <a:solidFill>
+                  <a:schemeClr val="tx1"/>
+                </a:solidFill>
+                <a:latin typeface="+mn-lt"/>
+                <a:ea typeface="+mn-ea"/>
+                <a:cs typeface="+mn-cs"/>
+              </a:defRPr>
+            </a:lvl4pPr>
+            <a:lvl5pPr marL="1828800" algn="l" defTabSz="914400" rtl="0" eaLnBrk="1" latinLnBrk="0" hangingPunct="1">
+              <a:defRPr sz="1800" kern="1200">
+                <a:solidFill>
+                  <a:schemeClr val="tx1"/>
+                </a:solidFill>
+                <a:latin typeface="+mn-lt"/>
+                <a:ea typeface="+mn-ea"/>
+                <a:cs typeface="+mn-cs"/>
+              </a:defRPr>
+            </a:lvl5pPr>
+            <a:lvl6pPr marL="2286000" algn="l" defTabSz="914400" rtl="0" eaLnBrk="1" latinLnBrk="0" hangingPunct="1">
+              <a:defRPr sz="1800" kern="1200">
+                <a:solidFill>
+                  <a:schemeClr val="tx1"/>
+                </a:solidFill>
+                <a:latin typeface="+mn-lt"/>
+                <a:ea typeface="+mn-ea"/>
+                <a:cs typeface="+mn-cs"/>
+              </a:defRPr>
+            </a:lvl6pPr>
+            <a:lvl7pPr marL="2743200" algn="l" defTabSz="914400" rtl="0" eaLnBrk="1" latinLnBrk="0" hangingPunct="1">
+              <a:defRPr sz="1800" kern="1200">
+                <a:solidFill>
+                  <a:schemeClr val="tx1"/>
+                </a:solidFill>
+                <a:latin typeface="+mn-lt"/>
+                <a:ea typeface="+mn-ea"/>
+                <a:cs typeface="+mn-cs"/>
+              </a:defRPr>
+            </a:lvl7pPr>
+            <a:lvl8pPr marL="3200400" algn="l" defTabSz="914400" rtl="0" eaLnBrk="1" latinLnBrk="0" hangingPunct="1">
+              <a:defRPr sz="1800" kern="1200">
+                <a:solidFill>
+                  <a:schemeClr val="tx1"/>
+                </a:solidFill>
+                <a:latin typeface="+mn-lt"/>
+                <a:ea typeface="+mn-ea"/>
+                <a:cs typeface="+mn-cs"/>
+              </a:defRPr>
+            </a:lvl8pPr>
+            <a:lvl9pPr marL="3657600" algn="l" defTabSz="914400" rtl="0" eaLnBrk="1" latinLnBrk="0" hangingPunct="1">
+              <a:defRPr sz="1800" kern="1200">
+                <a:solidFill>
+                  <a:schemeClr val="tx1"/>
+                </a:solidFill>
+                <a:latin typeface="+mn-lt"/>
+                <a:ea typeface="+mn-ea"/>
+                <a:cs typeface="+mn-cs"/>
+              </a:defRPr>
+            </a:lvl9pPr>
+          </a:lstStyle>
+          <a:p>
+            <a:r>
+              <a:rPr lang="en-IN" dirty="0">
+                <a:cs typeface="Times New Roman" panose="02020603050405020304" pitchFamily="18" charset="0"/>
+              </a:rPr>
+              <a:t>Astronomical image colourisation and super-resolution using GANS</a:t>
+            </a:r>
+            <a:endParaRPr lang="en-IN" dirty="0"/>
+          </a:p>
+        </p:txBody>
+      </p:sp>
+    </p:spTree>
+    <p:extLst>
+      <p:ext uri="{BB962C8B-B14F-4D97-AF65-F5344CB8AC3E}">
+        <p14:creationId xmlns:p14="http://schemas.microsoft.com/office/powerpoint/2010/main" val="2321870647"/>
+      </p:ext>
+    </p:extLst>
+  </p:cSld>
+  <p:clrMapOvr>
+    <a:masterClrMapping/>
+  </p:clrMapOvr>
+  <mc:AlternateContent xmlns:mc="http://schemas.openxmlformats.org/markup-compatibility/2006" xmlns:p14="http://schemas.microsoft.com/office/powerpoint/2010/main">
+    <mc:Choice Requires="p14">
+      <p:transition spd="med" p14:dur="700">
+        <p:fade/>
+      </p:transition>
+    </mc:Choice>
+    <mc:Fallback xmlns="">
+      <p:transition spd="med">
+        <p:fade/>
+      </p:transition>
+    </mc:Fallback>
+  </mc:AlternateContent>
+</p:sld>
+</file>
+
+<file path=ppt/slides/slide22.xml><?xml version="1.0" encoding="utf-8"?>
+<p:sld xmlns:a="http://schemas.openxmlformats.org/drawingml/2006/main" xmlns:r="http://schemas.openxmlformats.org/officeDocument/2006/relationships" xmlns:p="http://schemas.openxmlformats.org/presentationml/2006/main">
+  <p:cSld>
+    <p:spTree>
+      <p:nvGrpSpPr>
+        <p:cNvPr id="1" name=""/>
+        <p:cNvGrpSpPr/>
+        <p:nvPr/>
+      </p:nvGrpSpPr>
+      <p:grpSpPr>
+        <a:xfrm>
+          <a:off x="0" y="0"/>
+          <a:ext cx="0" cy="0"/>
+          <a:chOff x="0" y="0"/>
+          <a:chExt cx="0" cy="0"/>
+        </a:xfrm>
+      </p:grpSpPr>
+      <p:sp>
+        <p:nvSpPr>
+          <p:cNvPr id="2" name="Title 1">
+            <a:extLst>
+              <a:ext uri="{FF2B5EF4-FFF2-40B4-BE49-F238E27FC236}">
+                <a16:creationId xmlns:a16="http://schemas.microsoft.com/office/drawing/2014/main" id="{32B8C7BC-0752-4C35-A4AC-871026F36E8F}"/>
+              </a:ext>
+            </a:extLst>
+          </p:cNvPr>
+          <p:cNvSpPr>
+            <a:spLocks noGrp="1"/>
+          </p:cNvSpPr>
+          <p:nvPr>
+            <p:ph type="title"/>
+          </p:nvPr>
+        </p:nvSpPr>
+        <p:spPr/>
+        <p:txBody>
+          <a:bodyPr/>
+          <a:lstStyle/>
+          <a:p>
+            <a:r>
+              <a:rPr lang="en-US" dirty="0"/>
+              <a:t>Cost Estimation</a:t>
+            </a:r>
+            <a:endParaRPr lang="en-IN" dirty="0"/>
+          </a:p>
+        </p:txBody>
+      </p:sp>
+      <p:sp>
+        <p:nvSpPr>
+          <p:cNvPr id="3" name="Content Placeholder 2">
+            <a:extLst>
+              <a:ext uri="{FF2B5EF4-FFF2-40B4-BE49-F238E27FC236}">
+                <a16:creationId xmlns:a16="http://schemas.microsoft.com/office/drawing/2014/main" id="{F7F61833-2912-4E21-BFE4-E0F367F1CAC7}"/>
+              </a:ext>
+            </a:extLst>
+          </p:cNvPr>
+          <p:cNvSpPr>
+            <a:spLocks noGrp="1"/>
+          </p:cNvSpPr>
+          <p:nvPr>
+            <p:ph idx="1"/>
+          </p:nvPr>
+        </p:nvSpPr>
+        <p:spPr/>
+        <p:txBody>
+          <a:bodyPr/>
+          <a:lstStyle/>
+          <a:p>
+            <a:r>
+              <a:rPr lang="en-US" dirty="0"/>
+              <a:t>C = </a:t>
+            </a:r>
+            <a:r>
+              <a:rPr lang="en-US" dirty="0" err="1"/>
+              <a:t>D∗Cp</a:t>
+            </a:r>
+            <a:r>
+              <a:rPr lang="en-US" dirty="0"/>
+              <a:t> ∗ </a:t>
+            </a:r>
+            <a:r>
+              <a:rPr lang="en-US" dirty="0" err="1"/>
+              <a:t>hrs</a:t>
+            </a:r>
+            <a:r>
+              <a:rPr lang="en-US" dirty="0"/>
+              <a:t> = 12 * 40 * 160 = Rs 76,800 </a:t>
+            </a:r>
+          </a:p>
+          <a:p>
+            <a:r>
+              <a:rPr lang="en-US" dirty="0"/>
+              <a:t>Where, C = Cost of project </a:t>
+            </a:r>
+          </a:p>
+          <a:p>
+            <a:r>
+              <a:rPr lang="en-US" dirty="0"/>
+              <a:t>D = Duration in Hours </a:t>
+            </a:r>
+          </a:p>
+          <a:p>
+            <a:r>
+              <a:rPr lang="en-US" dirty="0"/>
+              <a:t>Cp = Cost incurred per person-hour </a:t>
+            </a:r>
+          </a:p>
+          <a:p>
+            <a:r>
+              <a:rPr lang="en-US" dirty="0" err="1"/>
+              <a:t>hrs</a:t>
+            </a:r>
+            <a:r>
+              <a:rPr lang="en-US" dirty="0"/>
+              <a:t> = hours </a:t>
+            </a:r>
+          </a:p>
+        </p:txBody>
+      </p:sp>
+      <p:sp>
+        <p:nvSpPr>
+          <p:cNvPr id="5" name="Footer Placeholder 4">
+            <a:extLst>
+              <a:ext uri="{FF2B5EF4-FFF2-40B4-BE49-F238E27FC236}">
+                <a16:creationId xmlns:a16="http://schemas.microsoft.com/office/drawing/2014/main" id="{A8E5BAFB-C5F9-49FA-9F5C-63E267F825D8}"/>
+              </a:ext>
+            </a:extLst>
+          </p:cNvPr>
+          <p:cNvSpPr txBox="1">
+            <a:spLocks/>
+          </p:cNvSpPr>
+          <p:nvPr/>
+        </p:nvSpPr>
+        <p:spPr>
+          <a:xfrm>
+            <a:off x="2933700" y="6234112"/>
+            <a:ext cx="6323082" cy="365126"/>
+          </a:xfrm>
+          <a:prstGeom prst="rect">
+            <a:avLst/>
+          </a:prstGeom>
+        </p:spPr>
+        <p:txBody>
+          <a:bodyPr vert="horz" lIns="0" tIns="45720" rIns="0" bIns="45720" rtlCol="0" anchor="ctr"/>
+          <a:lstStyle>
+            <a:defPPr>
+              <a:defRPr lang="en-US"/>
+            </a:defPPr>
+            <a:lvl1pPr marL="0" algn="ctr" defTabSz="914400" rtl="0" eaLnBrk="1" latinLnBrk="0" hangingPunct="1">
+              <a:defRPr sz="1200" kern="1200" baseline="0">
+                <a:solidFill>
+                  <a:schemeClr val="tx1">
+                    <a:lumMod val="75000"/>
+                  </a:schemeClr>
+                </a:solidFill>
+                <a:latin typeface="+mn-lt"/>
+                <a:ea typeface="+mn-ea"/>
+                <a:cs typeface="+mn-cs"/>
+              </a:defRPr>
+            </a:lvl1pPr>
+            <a:lvl2pPr marL="457200" algn="l" defTabSz="914400" rtl="0" eaLnBrk="1" latinLnBrk="0" hangingPunct="1">
+              <a:defRPr sz="1800" kern="1200">
+                <a:solidFill>
+                  <a:schemeClr val="tx1"/>
+                </a:solidFill>
+                <a:latin typeface="+mn-lt"/>
+                <a:ea typeface="+mn-ea"/>
+                <a:cs typeface="+mn-cs"/>
+              </a:defRPr>
+            </a:lvl2pPr>
+            <a:lvl3pPr marL="914400" algn="l" defTabSz="914400" rtl="0" eaLnBrk="1" latinLnBrk="0" hangingPunct="1">
+              <a:defRPr sz="1800" kern="1200">
+                <a:solidFill>
+                  <a:schemeClr val="tx1"/>
+                </a:solidFill>
+                <a:latin typeface="+mn-lt"/>
+                <a:ea typeface="+mn-ea"/>
+                <a:cs typeface="+mn-cs"/>
+              </a:defRPr>
+            </a:lvl3pPr>
+            <a:lvl4pPr marL="1371600" algn="l" defTabSz="914400" rtl="0" eaLnBrk="1" latinLnBrk="0" hangingPunct="1">
+              <a:defRPr sz="1800" kern="1200">
+                <a:solidFill>
+                  <a:schemeClr val="tx1"/>
+                </a:solidFill>
+                <a:latin typeface="+mn-lt"/>
+                <a:ea typeface="+mn-ea"/>
+                <a:cs typeface="+mn-cs"/>
+              </a:defRPr>
+            </a:lvl4pPr>
+            <a:lvl5pPr marL="1828800" algn="l" defTabSz="914400" rtl="0" eaLnBrk="1" latinLnBrk="0" hangingPunct="1">
+              <a:defRPr sz="1800" kern="1200">
+                <a:solidFill>
+                  <a:schemeClr val="tx1"/>
+                </a:solidFill>
+                <a:latin typeface="+mn-lt"/>
+                <a:ea typeface="+mn-ea"/>
+                <a:cs typeface="+mn-cs"/>
+              </a:defRPr>
+            </a:lvl5pPr>
+            <a:lvl6pPr marL="2286000" algn="l" defTabSz="914400" rtl="0" eaLnBrk="1" latinLnBrk="0" hangingPunct="1">
+              <a:defRPr sz="1800" kern="1200">
+                <a:solidFill>
+                  <a:schemeClr val="tx1"/>
+                </a:solidFill>
+                <a:latin typeface="+mn-lt"/>
+                <a:ea typeface="+mn-ea"/>
+                <a:cs typeface="+mn-cs"/>
+              </a:defRPr>
+            </a:lvl6pPr>
+            <a:lvl7pPr marL="2743200" algn="l" defTabSz="914400" rtl="0" eaLnBrk="1" latinLnBrk="0" hangingPunct="1">
+              <a:defRPr sz="1800" kern="1200">
+                <a:solidFill>
+                  <a:schemeClr val="tx1"/>
+                </a:solidFill>
+                <a:latin typeface="+mn-lt"/>
+                <a:ea typeface="+mn-ea"/>
+                <a:cs typeface="+mn-cs"/>
+              </a:defRPr>
+            </a:lvl7pPr>
+            <a:lvl8pPr marL="3200400" algn="l" defTabSz="914400" rtl="0" eaLnBrk="1" latinLnBrk="0" hangingPunct="1">
+              <a:defRPr sz="1800" kern="1200">
+                <a:solidFill>
+                  <a:schemeClr val="tx1"/>
+                </a:solidFill>
+                <a:latin typeface="+mn-lt"/>
+                <a:ea typeface="+mn-ea"/>
+                <a:cs typeface="+mn-cs"/>
+              </a:defRPr>
+            </a:lvl8pPr>
+            <a:lvl9pPr marL="3657600" algn="l" defTabSz="914400" rtl="0" eaLnBrk="1" latinLnBrk="0" hangingPunct="1">
+              <a:defRPr sz="1800" kern="1200">
+                <a:solidFill>
+                  <a:schemeClr val="tx1"/>
+                </a:solidFill>
+                <a:latin typeface="+mn-lt"/>
+                <a:ea typeface="+mn-ea"/>
+                <a:cs typeface="+mn-cs"/>
+              </a:defRPr>
+            </a:lvl9pPr>
+          </a:lstStyle>
+          <a:p>
+            <a:r>
+              <a:rPr lang="en-IN" dirty="0">
+                <a:cs typeface="Times New Roman" panose="02020603050405020304" pitchFamily="18" charset="0"/>
+              </a:rPr>
+              <a:t>Astronomical image colourisation and super-resolution using GANS</a:t>
+            </a:r>
+            <a:endParaRPr lang="en-IN" dirty="0"/>
+          </a:p>
+        </p:txBody>
+      </p:sp>
+    </p:spTree>
+    <p:extLst>
+      <p:ext uri="{BB962C8B-B14F-4D97-AF65-F5344CB8AC3E}">
+        <p14:creationId xmlns:p14="http://schemas.microsoft.com/office/powerpoint/2010/main" val="1378609590"/>
+      </p:ext>
+    </p:extLst>
+  </p:cSld>
+  <p:clrMapOvr>
+    <a:masterClrMapping/>
+  </p:clrMapOvr>
+  <mc:AlternateContent xmlns:mc="http://schemas.openxmlformats.org/markup-compatibility/2006" xmlns:p14="http://schemas.microsoft.com/office/powerpoint/2010/main">
+    <mc:Choice Requires="p14">
+      <p:transition spd="med" p14:dur="700">
+        <p:fade/>
+      </p:transition>
+    </mc:Choice>
+    <mc:Fallback xmlns="">
+      <p:transition spd="med">
+        <p:fade/>
+      </p:transition>
+    </mc:Fallback>
+  </mc:AlternateContent>
+</p:sld>
+</file>
+
+<file path=ppt/slides/slide23.xml><?xml version="1.0" encoding="utf-8"?>
+<p:sld xmlns:a="http://schemas.openxmlformats.org/drawingml/2006/main" xmlns:r="http://schemas.openxmlformats.org/officeDocument/2006/relationships" xmlns:p="http://schemas.openxmlformats.org/presentationml/2006/main">
+  <p:cSld>
+    <p:spTree>
+      <p:nvGrpSpPr>
+        <p:cNvPr id="1" name=""/>
+        <p:cNvGrpSpPr/>
+        <p:nvPr/>
+      </p:nvGrpSpPr>
+      <p:grpSpPr>
+        <a:xfrm>
+          <a:off x="0" y="0"/>
+          <a:ext cx="0" cy="0"/>
+          <a:chOff x="0" y="0"/>
+          <a:chExt cx="0" cy="0"/>
+        </a:xfrm>
+      </p:grpSpPr>
+      <p:sp>
+        <p:nvSpPr>
+          <p:cNvPr id="13" name="Title 12"/>
+          <p:cNvSpPr>
+            <a:spLocks noGrp="1"/>
+          </p:cNvSpPr>
+          <p:nvPr>
+            <p:ph type="title"/>
+          </p:nvPr>
+        </p:nvSpPr>
+        <p:spPr/>
+        <p:txBody>
+          <a:bodyPr/>
+          <a:lstStyle/>
+          <a:p>
+            <a:pPr marL="285750" indent="-285750">
+              <a:lnSpc>
+                <a:spcPct val="115000"/>
+              </a:lnSpc>
+              <a:spcAft>
+                <a:spcPts val="1000"/>
+              </a:spcAft>
+              <a:buFont typeface="Arial" panose="020B0604020202020204" pitchFamily="34" charset="0"/>
+              <a:buChar char="•"/>
+            </a:pPr>
+            <a:r>
+              <a:rPr lang="en-US" sz="2800" dirty="0">
+                <a:effectLst/>
+              </a:rPr>
+              <a:t>Conclusion and Future Scope</a:t>
+            </a:r>
+            <a:endParaRPr lang="en-IN" sz="2800" dirty="0">
+              <a:effectLst/>
+              <a:latin typeface="Calibri" panose="020F0502020204030204" pitchFamily="34" charset="0"/>
+              <a:ea typeface="Calibri" panose="020F0502020204030204" pitchFamily="34" charset="0"/>
+            </a:endParaRPr>
+          </a:p>
+        </p:txBody>
+      </p:sp>
+      <p:sp>
+        <p:nvSpPr>
+          <p:cNvPr id="14" name="Content Placeholder 13"/>
+          <p:cNvSpPr>
+            <a:spLocks noGrp="1"/>
+          </p:cNvSpPr>
+          <p:nvPr>
+            <p:ph idx="1"/>
+          </p:nvPr>
+        </p:nvSpPr>
+        <p:spPr/>
+        <p:txBody>
+          <a:bodyPr>
+            <a:normAutofit/>
+          </a:bodyPr>
+          <a:lstStyle/>
+          <a:p>
+            <a:pPr marL="228600" indent="-228600">
+              <a:lnSpc>
+                <a:spcPct val="90000"/>
+              </a:lnSpc>
+              <a:spcBef>
+                <a:spcPts val="1800"/>
+              </a:spcBef>
+              <a:buFont typeface="Wingdings" panose="05000000000000000000" pitchFamily="2" charset="2"/>
+              <a:buChar char="§"/>
+            </a:pPr>
+            <a:r>
+              <a:rPr lang="en-US" dirty="0"/>
+              <a:t>U-net architectures are still a widely unexplored domain for ensemble learning and could be implemented with numerous methodologies</a:t>
+            </a:r>
+          </a:p>
+          <a:p>
+            <a:pPr algn="l"/>
+            <a:r>
+              <a:rPr lang="en-US" b="0" i="0" u="none" strike="noStrike" baseline="0" dirty="0"/>
+              <a:t>A more powerful model such as SE-</a:t>
+            </a:r>
+            <a:r>
+              <a:rPr lang="en-US" b="0" i="0" u="none" strike="noStrike" baseline="0" dirty="0" err="1"/>
+              <a:t>ResNext</a:t>
+            </a:r>
+            <a:r>
+              <a:rPr lang="en-US" b="0" i="0" u="none" strike="noStrike" baseline="0" dirty="0"/>
+              <a:t>, </a:t>
+            </a:r>
+            <a:r>
+              <a:rPr lang="en-US" b="0" i="0" u="none" strike="noStrike" baseline="0" dirty="0" err="1"/>
+              <a:t>EfficientNet</a:t>
+            </a:r>
+            <a:r>
+              <a:rPr lang="en-US" b="0" i="0" u="none" strike="noStrike" baseline="0" dirty="0"/>
+              <a:t> and more state-of-the-art models can be implemented and trained over millions of images from the </a:t>
+            </a:r>
+            <a:r>
+              <a:rPr lang="en-US" b="0" i="0" u="none" strike="noStrike" baseline="0" dirty="0" err="1"/>
+              <a:t>Imagenet</a:t>
+            </a:r>
+            <a:r>
+              <a:rPr lang="en-US" b="0" i="0" u="none" strike="noStrike" baseline="0" dirty="0"/>
+              <a:t>.</a:t>
+            </a:r>
+            <a:endParaRPr lang="en-US" dirty="0"/>
+          </a:p>
+          <a:p>
+            <a:pPr marL="228600" indent="-228600">
+              <a:lnSpc>
+                <a:spcPct val="90000"/>
+              </a:lnSpc>
+              <a:spcBef>
+                <a:spcPts val="1800"/>
+              </a:spcBef>
+              <a:buFont typeface="Wingdings" panose="05000000000000000000" pitchFamily="2" charset="2"/>
+              <a:buChar char="§"/>
+            </a:pPr>
+            <a:r>
+              <a:rPr lang="en-US" dirty="0"/>
+              <a:t>The performance of GAN can be improved by implementing it in a cyclic fashion, i.e. Cycle GAN, with the Pix2Pix colorization approach</a:t>
+            </a:r>
+          </a:p>
+          <a:p>
+            <a:pPr algn="l"/>
+            <a:r>
+              <a:rPr lang="en-US" b="0" i="0" u="none" strike="noStrike" baseline="0" dirty="0"/>
+              <a:t>Colorization can be improved by the virtue of exploring different loss functions using weighted losses to reduce loss problem for low saturation regions.</a:t>
+            </a:r>
+          </a:p>
+          <a:p>
+            <a:pPr algn="l"/>
+            <a:endParaRPr lang="en-US" b="0" i="0" u="none" strike="noStrike" baseline="0" dirty="0"/>
+          </a:p>
+        </p:txBody>
+      </p:sp>
+      <p:sp>
+        <p:nvSpPr>
+          <p:cNvPr id="5" name="Footer Placeholder 4"/>
+          <p:cNvSpPr>
+            <a:spLocks noGrp="1"/>
+          </p:cNvSpPr>
+          <p:nvPr>
+            <p:ph type="ftr" sz="quarter" idx="11"/>
+          </p:nvPr>
+        </p:nvSpPr>
+        <p:spPr/>
+        <p:txBody>
+          <a:bodyPr/>
+          <a:lstStyle/>
+          <a:p>
+            <a:r>
+              <a:rPr lang="en-IN" sz="1200" dirty="0">
+                <a:cs typeface="Times New Roman" panose="02020603050405020304" pitchFamily="18" charset="0"/>
+              </a:rPr>
+              <a:t>Astronomical image colourisation and super-resolution using GANS</a:t>
+            </a:r>
+            <a:endParaRPr lang="en-IN" dirty="0"/>
+          </a:p>
+        </p:txBody>
+      </p:sp>
+      <p:pic>
+        <p:nvPicPr>
+          <p:cNvPr id="4" name="Picture 1"/>
+          <p:cNvPicPr>
+            <a:picLocks noChangeAspect="1" noChangeArrowheads="1"/>
+          </p:cNvPicPr>
+          <p:nvPr/>
+        </p:nvPicPr>
+        <p:blipFill>
+          <a:blip r:embed="rId2" cstate="print">
+            <a:extLst>
+              <a:ext uri="{28A0092B-C50C-407E-A947-70E740481C1C}">
+                <a14:useLocalDpi xmlns:a14="http://schemas.microsoft.com/office/drawing/2010/main" val="0"/>
+              </a:ext>
+            </a:extLst>
+          </a:blip>
+          <a:stretch>
+            <a:fillRect/>
+          </a:stretch>
+        </p:blipFill>
+        <p:spPr bwMode="auto">
+          <a:xfrm>
+            <a:off x="10919540" y="150750"/>
+            <a:ext cx="1233271" cy="1029803"/>
+          </a:xfrm>
+          <a:prstGeom prst="rect">
+            <a:avLst/>
+          </a:prstGeom>
+          <a:noFill/>
+          <a:ln w="9525">
+            <a:noFill/>
+            <a:miter lim="800000"/>
+            <a:headEnd/>
+            <a:tailEnd/>
+          </a:ln>
+        </p:spPr>
+      </p:pic>
+    </p:spTree>
+    <p:extLst>
+      <p:ext uri="{BB962C8B-B14F-4D97-AF65-F5344CB8AC3E}">
+        <p14:creationId xmlns:p14="http://schemas.microsoft.com/office/powerpoint/2010/main" val="3517580825"/>
+      </p:ext>
+    </p:extLst>
+  </p:cSld>
+  <p:clrMapOvr>
+    <a:masterClrMapping/>
+  </p:clrMapOvr>
+  <mc:AlternateContent xmlns:mc="http://schemas.openxmlformats.org/markup-compatibility/2006" xmlns:p14="http://schemas.microsoft.com/office/powerpoint/2010/main">
+    <mc:Choice Requires="p14">
+      <p:transition spd="med" p14:dur="700">
+        <p:fade/>
+      </p:transition>
+    </mc:Choice>
+    <mc:Fallback xmlns="">
+      <p:transition spd="med">
+        <p:fade/>
+      </p:transition>
+    </mc:Fallback>
+  </mc:AlternateContent>
+</p:sld>
+</file>
+
+<file path=ppt/slides/slide24.xml><?xml version="1.0" encoding="utf-8"?>
+<p:sld xmlns:a="http://schemas.openxmlformats.org/drawingml/2006/main" xmlns:r="http://schemas.openxmlformats.org/officeDocument/2006/relationships" xmlns:p="http://schemas.openxmlformats.org/presentationml/2006/main">
+  <p:cSld>
+    <p:spTree>
+      <p:nvGrpSpPr>
+        <p:cNvPr id="1" name=""/>
+        <p:cNvGrpSpPr/>
+        <p:nvPr/>
+      </p:nvGrpSpPr>
+      <p:grpSpPr>
+        <a:xfrm>
+          <a:off x="0" y="0"/>
+          <a:ext cx="0" cy="0"/>
+          <a:chOff x="0" y="0"/>
+          <a:chExt cx="0" cy="0"/>
+        </a:xfrm>
+      </p:grpSpPr>
+      <p:sp>
+        <p:nvSpPr>
+          <p:cNvPr id="2" name="Title 1">
+            <a:extLst>
+              <a:ext uri="{FF2B5EF4-FFF2-40B4-BE49-F238E27FC236}">
+                <a16:creationId xmlns:a16="http://schemas.microsoft.com/office/drawing/2014/main" id="{1B088865-DEAE-4612-97AF-B61F6AF552E8}"/>
+              </a:ext>
+            </a:extLst>
+          </p:cNvPr>
+          <p:cNvSpPr>
+            <a:spLocks noGrp="1"/>
+          </p:cNvSpPr>
+          <p:nvPr>
+            <p:ph type="title"/>
+          </p:nvPr>
+        </p:nvSpPr>
+        <p:spPr/>
+        <p:txBody>
+          <a:bodyPr/>
+          <a:lstStyle/>
+          <a:p>
+            <a:r>
+              <a:rPr lang="en-US" dirty="0"/>
+              <a:t>References</a:t>
+            </a:r>
+          </a:p>
+        </p:txBody>
+      </p:sp>
+      <p:sp>
+        <p:nvSpPr>
+          <p:cNvPr id="3" name="Content Placeholder 2">
+            <a:extLst>
+              <a:ext uri="{FF2B5EF4-FFF2-40B4-BE49-F238E27FC236}">
+                <a16:creationId xmlns:a16="http://schemas.microsoft.com/office/drawing/2014/main" id="{EA8DEEA1-8858-40B0-9169-F753007ABA02}"/>
+              </a:ext>
+            </a:extLst>
+          </p:cNvPr>
+          <p:cNvSpPr>
+            <a:spLocks noGrp="1"/>
+          </p:cNvSpPr>
+          <p:nvPr>
+            <p:ph idx="1"/>
+          </p:nvPr>
+        </p:nvSpPr>
+        <p:spPr/>
+        <p:txBody>
+          <a:bodyPr>
+            <a:normAutofit/>
+          </a:bodyPr>
+          <a:lstStyle/>
+          <a:p>
+            <a:r>
+              <a:rPr lang="en-US" sz="1400" b="0" i="0" u="none" strike="noStrike" baseline="0" dirty="0">
+                <a:latin typeface="Times New Roman" panose="02020603050405020304" pitchFamily="18" charset="0"/>
+                <a:cs typeface="Times New Roman" panose="02020603050405020304" pitchFamily="18" charset="0"/>
+              </a:rPr>
+              <a:t>Cheng, Z., Yang, Q. and Sheng, B. (2016). Deep colorization.</a:t>
+            </a:r>
+          </a:p>
+          <a:p>
+            <a:r>
+              <a:rPr lang="en-US" sz="1400" b="0" i="0" u="none" strike="noStrike" baseline="0" dirty="0">
+                <a:latin typeface="Times New Roman" panose="02020603050405020304" pitchFamily="18" charset="0"/>
+                <a:cs typeface="Times New Roman" panose="02020603050405020304" pitchFamily="18" charset="0"/>
+              </a:rPr>
+              <a:t>Dahl, R. (2016). Automatic colorization.</a:t>
+            </a:r>
+            <a:endParaRPr lang="en-US" sz="1400" dirty="0">
+              <a:latin typeface="Times New Roman" panose="02020603050405020304" pitchFamily="18" charset="0"/>
+              <a:cs typeface="Times New Roman" panose="02020603050405020304" pitchFamily="18" charset="0"/>
+            </a:endParaRPr>
+          </a:p>
+          <a:p>
+            <a:pPr algn="l"/>
+            <a:r>
+              <a:rPr lang="en-US" sz="1400" b="0" i="0" u="none" strike="noStrike" baseline="0" dirty="0">
+                <a:latin typeface="Times New Roman" panose="02020603050405020304" pitchFamily="18" charset="0"/>
+                <a:cs typeface="Times New Roman" panose="02020603050405020304" pitchFamily="18" charset="0"/>
+              </a:rPr>
+              <a:t>Dong, C., Loy, C. C., He, K. and Tang, X. (2014). Learning a deep convolutional network for image super-resolution, </a:t>
+            </a:r>
+            <a:r>
+              <a:rPr lang="en-US" sz="1400" b="0" i="1" u="none" strike="noStrike" baseline="0" dirty="0">
+                <a:latin typeface="Times New Roman" panose="02020603050405020304" pitchFamily="18" charset="0"/>
+                <a:cs typeface="Times New Roman" panose="02020603050405020304" pitchFamily="18" charset="0"/>
+              </a:rPr>
+              <a:t>in</a:t>
+            </a:r>
+            <a:r>
+              <a:rPr lang="en-US" sz="1400" b="0" i="0" u="none" strike="noStrike" baseline="0" dirty="0">
+                <a:latin typeface="Times New Roman" panose="02020603050405020304" pitchFamily="18" charset="0"/>
+                <a:cs typeface="Times New Roman" panose="02020603050405020304" pitchFamily="18" charset="0"/>
+              </a:rPr>
+              <a:t> D. Fleet, T. 	</a:t>
+            </a:r>
+            <a:r>
+              <a:rPr lang="en-US" sz="1400" b="0" i="0" u="none" strike="noStrike" baseline="0" dirty="0" err="1">
+                <a:latin typeface="Times New Roman" panose="02020603050405020304" pitchFamily="18" charset="0"/>
+                <a:cs typeface="Times New Roman" panose="02020603050405020304" pitchFamily="18" charset="0"/>
+              </a:rPr>
+              <a:t>Pajdla</a:t>
+            </a:r>
+            <a:r>
+              <a:rPr lang="en-US" sz="1400" b="0" i="0" u="none" strike="noStrike" baseline="0" dirty="0">
+                <a:latin typeface="Times New Roman" panose="02020603050405020304" pitchFamily="18" charset="0"/>
+                <a:cs typeface="Times New Roman" panose="02020603050405020304" pitchFamily="18" charset="0"/>
+              </a:rPr>
+              <a:t>, B. Schiele and T. </a:t>
+            </a:r>
+            <a:r>
+              <a:rPr lang="en-US" sz="1400" b="0" i="0" u="none" strike="noStrike" baseline="0" dirty="0" err="1">
+                <a:latin typeface="Times New Roman" panose="02020603050405020304" pitchFamily="18" charset="0"/>
+                <a:cs typeface="Times New Roman" panose="02020603050405020304" pitchFamily="18" charset="0"/>
+              </a:rPr>
+              <a:t>Tuytelaars</a:t>
+            </a:r>
+            <a:r>
+              <a:rPr lang="en-US" sz="1400" dirty="0">
+                <a:latin typeface="Times New Roman" panose="02020603050405020304" pitchFamily="18" charset="0"/>
+                <a:cs typeface="Times New Roman" panose="02020603050405020304" pitchFamily="18" charset="0"/>
+              </a:rPr>
+              <a:t> </a:t>
+            </a:r>
+            <a:r>
+              <a:rPr lang="en-US" sz="1400" b="0" i="0" u="none" strike="noStrike" baseline="0" dirty="0">
+                <a:latin typeface="Times New Roman" panose="02020603050405020304" pitchFamily="18" charset="0"/>
+                <a:cs typeface="Times New Roman" panose="02020603050405020304" pitchFamily="18" charset="0"/>
+              </a:rPr>
+              <a:t>(eds), </a:t>
+            </a:r>
+            <a:r>
+              <a:rPr lang="en-US" sz="1400" b="0" i="1" u="none" strike="noStrike" baseline="0" dirty="0">
+                <a:latin typeface="Times New Roman" panose="02020603050405020304" pitchFamily="18" charset="0"/>
+                <a:cs typeface="Times New Roman" panose="02020603050405020304" pitchFamily="18" charset="0"/>
+              </a:rPr>
+              <a:t>Computer Vision – ECCV 2014</a:t>
+            </a:r>
+            <a:r>
+              <a:rPr lang="en-US" sz="1400" b="0" i="0" u="none" strike="noStrike" baseline="0" dirty="0">
+                <a:latin typeface="Times New Roman" panose="02020603050405020304" pitchFamily="18" charset="0"/>
+                <a:cs typeface="Times New Roman" panose="02020603050405020304" pitchFamily="18" charset="0"/>
+              </a:rPr>
+              <a:t>, Springer International Publishing, </a:t>
+            </a:r>
+          </a:p>
+          <a:p>
+            <a:pPr marL="457200" lvl="1" indent="0">
+              <a:buNone/>
+            </a:pPr>
+            <a:r>
+              <a:rPr lang="en-US" sz="1400" dirty="0">
+                <a:latin typeface="Times New Roman" panose="02020603050405020304" pitchFamily="18" charset="0"/>
+                <a:cs typeface="Times New Roman" panose="02020603050405020304" pitchFamily="18" charset="0"/>
+              </a:rPr>
+              <a:t>	</a:t>
+            </a:r>
+            <a:r>
+              <a:rPr lang="en-US" sz="1400" b="0" i="0" u="none" strike="noStrike" baseline="0" dirty="0">
+                <a:latin typeface="Times New Roman" panose="02020603050405020304" pitchFamily="18" charset="0"/>
+                <a:cs typeface="Times New Roman" panose="02020603050405020304" pitchFamily="18" charset="0"/>
+              </a:rPr>
+              <a:t>Cham, pp. 184-199.</a:t>
+            </a:r>
+          </a:p>
+          <a:p>
+            <a:pPr algn="l"/>
+            <a:r>
+              <a:rPr lang="en-US" sz="1400" b="0" i="0" u="none" strike="noStrike" baseline="0" dirty="0">
+                <a:latin typeface="Times New Roman" panose="02020603050405020304" pitchFamily="18" charset="0"/>
+                <a:cs typeface="Times New Roman" panose="02020603050405020304" pitchFamily="18" charset="0"/>
+              </a:rPr>
+              <a:t>Goodfellow, I. J., </a:t>
+            </a:r>
+            <a:r>
+              <a:rPr lang="en-US" sz="1400" b="0" i="0" u="none" strike="noStrike" baseline="0" dirty="0" err="1">
+                <a:latin typeface="Times New Roman" panose="02020603050405020304" pitchFamily="18" charset="0"/>
+                <a:cs typeface="Times New Roman" panose="02020603050405020304" pitchFamily="18" charset="0"/>
+              </a:rPr>
+              <a:t>Pouget</a:t>
+            </a:r>
+            <a:r>
+              <a:rPr lang="en-US" sz="1400" b="0" i="0" u="none" strike="noStrike" baseline="0" dirty="0">
+                <a:latin typeface="Times New Roman" panose="02020603050405020304" pitchFamily="18" charset="0"/>
+                <a:cs typeface="Times New Roman" panose="02020603050405020304" pitchFamily="18" charset="0"/>
+              </a:rPr>
+              <a:t>-Abadie, J., Mirza, M., Xu, B., </a:t>
+            </a:r>
+            <a:r>
+              <a:rPr lang="en-US" sz="1400" b="0" i="0" u="none" strike="noStrike" baseline="0" dirty="0" err="1">
+                <a:latin typeface="Times New Roman" panose="02020603050405020304" pitchFamily="18" charset="0"/>
+                <a:cs typeface="Times New Roman" panose="02020603050405020304" pitchFamily="18" charset="0"/>
+              </a:rPr>
+              <a:t>Warde</a:t>
+            </a:r>
+            <a:r>
+              <a:rPr lang="en-US" sz="1400" b="0" i="0" u="none" strike="noStrike" baseline="0" dirty="0">
+                <a:latin typeface="Times New Roman" panose="02020603050405020304" pitchFamily="18" charset="0"/>
+                <a:cs typeface="Times New Roman" panose="02020603050405020304" pitchFamily="18" charset="0"/>
+              </a:rPr>
+              <a:t>-Farley, D., </a:t>
+            </a:r>
+            <a:r>
+              <a:rPr lang="en-US" sz="1400" b="0" i="0" u="none" strike="noStrike" baseline="0" dirty="0" err="1">
+                <a:latin typeface="Times New Roman" panose="02020603050405020304" pitchFamily="18" charset="0"/>
+                <a:cs typeface="Times New Roman" panose="02020603050405020304" pitchFamily="18" charset="0"/>
+              </a:rPr>
+              <a:t>Ozair</a:t>
+            </a:r>
+            <a:r>
+              <a:rPr lang="en-US" sz="1400" b="0" i="0" u="none" strike="noStrike" baseline="0" dirty="0">
+                <a:latin typeface="Times New Roman" panose="02020603050405020304" pitchFamily="18" charset="0"/>
+                <a:cs typeface="Times New Roman" panose="02020603050405020304" pitchFamily="18" charset="0"/>
+              </a:rPr>
+              <a:t>, S., Courville, A. and  </a:t>
+            </a:r>
+            <a:r>
+              <a:rPr lang="en-US" sz="1400" b="0" i="0" u="none" strike="noStrike" baseline="0" dirty="0" err="1">
+                <a:latin typeface="Times New Roman" panose="02020603050405020304" pitchFamily="18" charset="0"/>
+                <a:cs typeface="Times New Roman" panose="02020603050405020304" pitchFamily="18" charset="0"/>
+              </a:rPr>
+              <a:t>Bengio</a:t>
+            </a:r>
+            <a:r>
+              <a:rPr lang="en-US" sz="1400" b="0" i="0" u="none" strike="noStrike" baseline="0" dirty="0">
+                <a:latin typeface="Times New Roman" panose="02020603050405020304" pitchFamily="18" charset="0"/>
+                <a:cs typeface="Times New Roman" panose="02020603050405020304" pitchFamily="18" charset="0"/>
+              </a:rPr>
+              <a:t>, Y. (2014). </a:t>
+            </a:r>
+            <a:endParaRPr lang="en-US" sz="1400" dirty="0">
+              <a:latin typeface="Times New Roman" panose="02020603050405020304" pitchFamily="18" charset="0"/>
+              <a:cs typeface="Times New Roman" panose="02020603050405020304" pitchFamily="18" charset="0"/>
+            </a:endParaRPr>
+          </a:p>
+          <a:p>
+            <a:pPr marL="457200" lvl="1" indent="0">
+              <a:buNone/>
+            </a:pPr>
+            <a:r>
+              <a:rPr lang="en-US" sz="1400" b="0" i="0" u="none" strike="noStrike" baseline="0" dirty="0">
+                <a:latin typeface="Times New Roman" panose="02020603050405020304" pitchFamily="18" charset="0"/>
+                <a:cs typeface="Times New Roman" panose="02020603050405020304" pitchFamily="18" charset="0"/>
+              </a:rPr>
+              <a:t>	Generative adversarial networks.</a:t>
+            </a:r>
+          </a:p>
+          <a:p>
+            <a:pPr algn="l"/>
+            <a:r>
+              <a:rPr lang="en-US" sz="1400" b="0" i="0" u="none" strike="noStrike" baseline="0" dirty="0">
+                <a:latin typeface="Times New Roman" panose="02020603050405020304" pitchFamily="18" charset="0"/>
+                <a:cs typeface="Times New Roman" panose="02020603050405020304" pitchFamily="18" charset="0"/>
+              </a:rPr>
+              <a:t>He, K., Zhang, X., Ren, S. and Sun, J. (2015). Deep residual learning for image recognition.</a:t>
+            </a:r>
+          </a:p>
+          <a:p>
+            <a:pPr algn="l"/>
+            <a:r>
+              <a:rPr lang="de-DE" sz="1400" b="0" i="0" u="none" strike="noStrike" baseline="0" dirty="0">
+                <a:latin typeface="Times New Roman" panose="02020603050405020304" pitchFamily="18" charset="0"/>
+                <a:cs typeface="Times New Roman" panose="02020603050405020304" pitchFamily="18" charset="0"/>
+              </a:rPr>
+              <a:t>Huang, Y.-C., Tung, Y.-S., Chen, J.-C., Wang, S.-W. and Wu, J.-L. (2005). An </a:t>
+            </a:r>
+            <a:r>
+              <a:rPr lang="en-US" sz="1400" b="0" i="0" u="none" strike="noStrike" baseline="0" dirty="0">
+                <a:latin typeface="Times New Roman" panose="02020603050405020304" pitchFamily="18" charset="0"/>
+                <a:cs typeface="Times New Roman" panose="02020603050405020304" pitchFamily="18" charset="0"/>
+              </a:rPr>
+              <a:t>adaptive edge detection based colorization algorithm and 	its applications, pp. 351–354.</a:t>
+            </a:r>
+          </a:p>
+          <a:p>
+            <a:pPr algn="l"/>
+            <a:r>
+              <a:rPr lang="en-US" sz="1400" b="0" i="0" u="none" strike="noStrike" baseline="0" dirty="0">
+                <a:latin typeface="Times New Roman" panose="02020603050405020304" pitchFamily="18" charset="0"/>
+                <a:cs typeface="Times New Roman" panose="02020603050405020304" pitchFamily="18" charset="0"/>
+              </a:rPr>
+              <a:t>Isola, P., Zhu, J.-Y., Zhou, T. and </a:t>
+            </a:r>
+            <a:r>
+              <a:rPr lang="en-US" sz="1400" b="0" i="0" u="none" strike="noStrike" baseline="0" dirty="0" err="1">
+                <a:latin typeface="Times New Roman" panose="02020603050405020304" pitchFamily="18" charset="0"/>
+                <a:cs typeface="Times New Roman" panose="02020603050405020304" pitchFamily="18" charset="0"/>
+              </a:rPr>
+              <a:t>Efros</a:t>
+            </a:r>
+            <a:r>
+              <a:rPr lang="en-US" sz="1400" b="0" i="0" u="none" strike="noStrike" baseline="0" dirty="0">
+                <a:latin typeface="Times New Roman" panose="02020603050405020304" pitchFamily="18" charset="0"/>
+                <a:cs typeface="Times New Roman" panose="02020603050405020304" pitchFamily="18" charset="0"/>
+              </a:rPr>
+              <a:t>, A. A. (2018). Image-to-image translation with conditional adversarial networks.</a:t>
+            </a:r>
+          </a:p>
+          <a:p>
+            <a:pPr algn="l"/>
+            <a:r>
+              <a:rPr lang="en-US" sz="1400" b="0" i="0" u="none" strike="noStrike" baseline="0" dirty="0" err="1">
+                <a:latin typeface="Times New Roman" panose="02020603050405020304" pitchFamily="18" charset="0"/>
+                <a:cs typeface="Times New Roman" panose="02020603050405020304" pitchFamily="18" charset="0"/>
+              </a:rPr>
+              <a:t>Jianchao</a:t>
+            </a:r>
+            <a:r>
+              <a:rPr lang="en-US" sz="1400" b="0" i="0" u="none" strike="noStrike" baseline="0" dirty="0">
+                <a:latin typeface="Times New Roman" panose="02020603050405020304" pitchFamily="18" charset="0"/>
+                <a:cs typeface="Times New Roman" panose="02020603050405020304" pitchFamily="18" charset="0"/>
+              </a:rPr>
+              <a:t> Yang, Wright, J., Huang, T. and Yi Ma (2008). Image super-resolution as sparse representation of raw image patches, </a:t>
+            </a:r>
+          </a:p>
+          <a:p>
+            <a:pPr marL="457200" lvl="1" indent="0">
+              <a:buNone/>
+            </a:pPr>
+            <a:r>
+              <a:rPr lang="en-US" sz="1400" b="0" i="1" u="none" strike="noStrike" baseline="0" dirty="0">
+                <a:latin typeface="Times New Roman" panose="02020603050405020304" pitchFamily="18" charset="0"/>
+                <a:cs typeface="Times New Roman" panose="02020603050405020304" pitchFamily="18" charset="0"/>
+              </a:rPr>
+              <a:t>	2008 IEEE Conference on Computer Vision and Pattern Recognition</a:t>
+            </a:r>
+            <a:r>
+              <a:rPr lang="en-US" sz="1400" b="0" i="0" u="none" strike="noStrike" baseline="0" dirty="0">
+                <a:latin typeface="Times New Roman" panose="02020603050405020304" pitchFamily="18" charset="0"/>
+                <a:cs typeface="Times New Roman" panose="02020603050405020304" pitchFamily="18" charset="0"/>
+              </a:rPr>
+              <a:t>, pp. 1–8.</a:t>
+            </a:r>
+          </a:p>
+        </p:txBody>
+      </p:sp>
+      <p:sp>
+        <p:nvSpPr>
+          <p:cNvPr id="4" name="Footer Placeholder 3">
+            <a:extLst>
+              <a:ext uri="{FF2B5EF4-FFF2-40B4-BE49-F238E27FC236}">
+                <a16:creationId xmlns:a16="http://schemas.microsoft.com/office/drawing/2014/main" id="{90CF10EA-242A-4F9F-97DC-68619990925C}"/>
+              </a:ext>
+            </a:extLst>
+          </p:cNvPr>
+          <p:cNvSpPr>
+            <a:spLocks noGrp="1"/>
+          </p:cNvSpPr>
+          <p:nvPr>
+            <p:ph type="ftr" sz="quarter" idx="11"/>
+          </p:nvPr>
+        </p:nvSpPr>
+        <p:spPr/>
+        <p:txBody>
+          <a:bodyPr/>
+          <a:lstStyle/>
+          <a:p>
+            <a:r>
+              <a:rPr lang="en-US"/>
+              <a:t>Astronomical image colourisation and super-resolution using GANS</a:t>
+            </a:r>
+            <a:endParaRPr lang="en-IN"/>
+          </a:p>
+        </p:txBody>
+      </p:sp>
+    </p:spTree>
+    <p:extLst>
+      <p:ext uri="{BB962C8B-B14F-4D97-AF65-F5344CB8AC3E}">
+        <p14:creationId xmlns:p14="http://schemas.microsoft.com/office/powerpoint/2010/main" val="3190111597"/>
+      </p:ext>
+    </p:extLst>
+  </p:cSld>
+  <p:clrMapOvr>
+    <a:masterClrMapping/>
+  </p:clrMapOvr>
+  <mc:AlternateContent xmlns:mc="http://schemas.openxmlformats.org/markup-compatibility/2006" xmlns:p14="http://schemas.microsoft.com/office/powerpoint/2010/main">
+    <mc:Choice Requires="p14">
+      <p:transition spd="med" p14:dur="700">
+        <p:fade/>
+      </p:transition>
+    </mc:Choice>
+    <mc:Fallback xmlns="">
+      <p:transition spd="med">
+        <p:fade/>
+      </p:transition>
+    </mc:Fallback>
+  </mc:AlternateContent>
+</p:sld>
+</file>
+
+<file path=ppt/slides/slide25.xml><?xml version="1.0" encoding="utf-8"?>
+<p:sld xmlns:a="http://schemas.openxmlformats.org/drawingml/2006/main" xmlns:r="http://schemas.openxmlformats.org/officeDocument/2006/relationships" xmlns:p="http://schemas.openxmlformats.org/presentationml/2006/main">
+  <p:cSld>
+    <p:spTree>
+      <p:nvGrpSpPr>
+        <p:cNvPr id="1" name=""/>
+        <p:cNvGrpSpPr/>
+        <p:nvPr/>
+      </p:nvGrpSpPr>
+      <p:grpSpPr>
+        <a:xfrm>
+          <a:off x="0" y="0"/>
+          <a:ext cx="0" cy="0"/>
+          <a:chOff x="0" y="0"/>
+          <a:chExt cx="0" cy="0"/>
+        </a:xfrm>
+      </p:grpSpPr>
+      <p:sp>
+        <p:nvSpPr>
+          <p:cNvPr id="2" name="Title 1">
+            <a:extLst>
+              <a:ext uri="{FF2B5EF4-FFF2-40B4-BE49-F238E27FC236}">
+                <a16:creationId xmlns:a16="http://schemas.microsoft.com/office/drawing/2014/main" id="{60013DAE-EE1B-473B-B3B6-648540F8F0E6}"/>
+              </a:ext>
+            </a:extLst>
+          </p:cNvPr>
+          <p:cNvSpPr>
+            <a:spLocks noGrp="1"/>
+          </p:cNvSpPr>
+          <p:nvPr>
+            <p:ph type="title"/>
+          </p:nvPr>
+        </p:nvSpPr>
+        <p:spPr/>
+        <p:txBody>
+          <a:bodyPr/>
+          <a:lstStyle/>
+          <a:p>
+            <a:r>
+              <a:rPr lang="en-US" dirty="0"/>
+              <a:t>References</a:t>
+            </a:r>
+          </a:p>
+        </p:txBody>
+      </p:sp>
+      <p:sp>
+        <p:nvSpPr>
+          <p:cNvPr id="3" name="Content Placeholder 2">
+            <a:extLst>
+              <a:ext uri="{FF2B5EF4-FFF2-40B4-BE49-F238E27FC236}">
+                <a16:creationId xmlns:a16="http://schemas.microsoft.com/office/drawing/2014/main" id="{6A2C8905-50B5-4EA0-8B9A-E1EE0EB58F40}"/>
+              </a:ext>
+            </a:extLst>
+          </p:cNvPr>
+          <p:cNvSpPr>
+            <a:spLocks noGrp="1"/>
+          </p:cNvSpPr>
+          <p:nvPr>
+            <p:ph idx="1"/>
+          </p:nvPr>
+        </p:nvSpPr>
+        <p:spPr/>
+        <p:txBody>
+          <a:bodyPr>
+            <a:normAutofit fontScale="92500" lnSpcReduction="20000"/>
+          </a:bodyPr>
+          <a:lstStyle/>
+          <a:p>
+            <a:pPr algn="l"/>
+            <a:r>
+              <a:rPr lang="en-US" sz="1400" b="0" i="0" u="none" strike="noStrike" baseline="0" dirty="0">
+                <a:latin typeface="Times New Roman" panose="02020603050405020304" pitchFamily="18" charset="0"/>
+                <a:cs typeface="Times New Roman" panose="02020603050405020304" pitchFamily="18" charset="0"/>
+              </a:rPr>
+              <a:t>Kim, J., Lee, J. K. and Lee, K. M. (2016). Accurate image super-resolution using very deep convolutional networks, </a:t>
+            </a:r>
+          </a:p>
+          <a:p>
+            <a:pPr marL="457200" lvl="1" indent="0">
+              <a:buNone/>
+            </a:pPr>
+            <a:r>
+              <a:rPr lang="en-US" sz="1500" b="0" i="1" u="none" strike="noStrike" baseline="0" dirty="0">
+                <a:latin typeface="Times New Roman" panose="02020603050405020304" pitchFamily="18" charset="0"/>
+                <a:cs typeface="Times New Roman" panose="02020603050405020304" pitchFamily="18" charset="0"/>
+              </a:rPr>
+              <a:t>	2016 IEEE Conference on Computer Vision and Pattern Recognition (CVPR), </a:t>
+            </a:r>
+            <a:r>
+              <a:rPr lang="en-US" sz="1500" b="0" i="0" u="none" strike="noStrike" baseline="0" dirty="0">
+                <a:latin typeface="Times New Roman" panose="02020603050405020304" pitchFamily="18" charset="0"/>
+                <a:cs typeface="Times New Roman" panose="02020603050405020304" pitchFamily="18" charset="0"/>
+              </a:rPr>
+              <a:t>pp. 1646–1654.</a:t>
+            </a:r>
+          </a:p>
+          <a:p>
+            <a:pPr algn="l"/>
+            <a:r>
+              <a:rPr lang="en-US" sz="1400" b="0" i="0" u="none" strike="noStrike" baseline="0" dirty="0" err="1">
+                <a:latin typeface="Times New Roman" panose="02020603050405020304" pitchFamily="18" charset="0"/>
+                <a:cs typeface="Times New Roman" panose="02020603050405020304" pitchFamily="18" charset="0"/>
+              </a:rPr>
+              <a:t>Ledig</a:t>
+            </a:r>
+            <a:r>
+              <a:rPr lang="en-US" sz="1400" b="0" i="0" u="none" strike="noStrike" baseline="0" dirty="0">
+                <a:latin typeface="Times New Roman" panose="02020603050405020304" pitchFamily="18" charset="0"/>
+                <a:cs typeface="Times New Roman" panose="02020603050405020304" pitchFamily="18" charset="0"/>
+              </a:rPr>
+              <a:t>, C., Theis, L., </a:t>
+            </a:r>
+            <a:r>
+              <a:rPr lang="en-US" sz="1400" b="0" i="0" u="none" strike="noStrike" baseline="0" dirty="0" err="1">
+                <a:latin typeface="Times New Roman" panose="02020603050405020304" pitchFamily="18" charset="0"/>
+                <a:cs typeface="Times New Roman" panose="02020603050405020304" pitchFamily="18" charset="0"/>
+              </a:rPr>
+              <a:t>Huszar</a:t>
+            </a:r>
+            <a:r>
+              <a:rPr lang="en-US" sz="1400" b="0" i="0" u="none" strike="noStrike" baseline="0" dirty="0">
+                <a:latin typeface="Times New Roman" panose="02020603050405020304" pitchFamily="18" charset="0"/>
+                <a:cs typeface="Times New Roman" panose="02020603050405020304" pitchFamily="18" charset="0"/>
+              </a:rPr>
+              <a:t>, F., Caballero, J., Cunningham, A., Acosta, A., Aitken, A., </a:t>
+            </a:r>
+            <a:r>
+              <a:rPr lang="en-US" sz="1400" b="0" i="0" u="none" strike="noStrike" baseline="0" dirty="0" err="1">
+                <a:latin typeface="Times New Roman" panose="02020603050405020304" pitchFamily="18" charset="0"/>
+                <a:cs typeface="Times New Roman" panose="02020603050405020304" pitchFamily="18" charset="0"/>
+              </a:rPr>
+              <a:t>Tejani</a:t>
+            </a:r>
+            <a:r>
+              <a:rPr lang="en-US" sz="1400" b="0" i="0" u="none" strike="noStrike" baseline="0" dirty="0">
+                <a:latin typeface="Times New Roman" panose="02020603050405020304" pitchFamily="18" charset="0"/>
+                <a:cs typeface="Times New Roman" panose="02020603050405020304" pitchFamily="18" charset="0"/>
+              </a:rPr>
+              <a:t>, A., </a:t>
+            </a:r>
+            <a:r>
+              <a:rPr lang="en-US" sz="1400" b="0" i="0" u="none" strike="noStrike" baseline="0" dirty="0" err="1">
+                <a:latin typeface="Times New Roman" panose="02020603050405020304" pitchFamily="18" charset="0"/>
+                <a:cs typeface="Times New Roman" panose="02020603050405020304" pitchFamily="18" charset="0"/>
+              </a:rPr>
+              <a:t>Totz</a:t>
+            </a:r>
+            <a:r>
+              <a:rPr lang="en-US" sz="1400" b="0" i="0" u="none" strike="noStrike" baseline="0" dirty="0">
+                <a:latin typeface="Times New Roman" panose="02020603050405020304" pitchFamily="18" charset="0"/>
+                <a:cs typeface="Times New Roman" panose="02020603050405020304" pitchFamily="18" charset="0"/>
+              </a:rPr>
+              <a:t>, J., Wang, Z. and Shi, W. (2017). </a:t>
+            </a:r>
+          </a:p>
+          <a:p>
+            <a:pPr marL="457200" lvl="1" indent="0">
+              <a:buNone/>
+            </a:pPr>
+            <a:r>
+              <a:rPr lang="en-US" sz="1500" b="0" i="0" u="none" strike="noStrike" baseline="0" dirty="0">
+                <a:latin typeface="Times New Roman" panose="02020603050405020304" pitchFamily="18" charset="0"/>
+                <a:cs typeface="Times New Roman" panose="02020603050405020304" pitchFamily="18" charset="0"/>
+              </a:rPr>
+              <a:t>	Photorealistic single image super-resolution using a generative adversarial network.</a:t>
+            </a:r>
+          </a:p>
+          <a:p>
+            <a:pPr algn="l"/>
+            <a:r>
+              <a:rPr lang="en-US" sz="1400" b="0" i="0" u="none" strike="noStrike" baseline="0" dirty="0">
+                <a:latin typeface="Times New Roman" panose="02020603050405020304" pitchFamily="18" charset="0"/>
+                <a:cs typeface="Times New Roman" panose="02020603050405020304" pitchFamily="18" charset="0"/>
+              </a:rPr>
+              <a:t>Levin, A., </a:t>
+            </a:r>
+            <a:r>
+              <a:rPr lang="en-US" sz="1400" b="0" i="0" u="none" strike="noStrike" baseline="0" dirty="0" err="1">
+                <a:latin typeface="Times New Roman" panose="02020603050405020304" pitchFamily="18" charset="0"/>
+                <a:cs typeface="Times New Roman" panose="02020603050405020304" pitchFamily="18" charset="0"/>
+              </a:rPr>
+              <a:t>Lischinski</a:t>
+            </a:r>
+            <a:r>
+              <a:rPr lang="en-US" sz="1400" b="0" i="0" u="none" strike="noStrike" baseline="0" dirty="0">
+                <a:latin typeface="Times New Roman" panose="02020603050405020304" pitchFamily="18" charset="0"/>
+                <a:cs typeface="Times New Roman" panose="02020603050405020304" pitchFamily="18" charset="0"/>
+              </a:rPr>
+              <a:t>, D. and Weiss, Y. (2004). Colorization using optimization, </a:t>
+            </a:r>
+            <a:r>
+              <a:rPr lang="sv-SE" sz="1400" b="0" i="1" u="none" strike="noStrike" baseline="0" dirty="0">
+                <a:latin typeface="Times New Roman" panose="02020603050405020304" pitchFamily="18" charset="0"/>
+                <a:cs typeface="Times New Roman" panose="02020603050405020304" pitchFamily="18" charset="0"/>
+              </a:rPr>
+              <a:t>ACM SIGGRAPH 2004 Papers</a:t>
+            </a:r>
+            <a:r>
+              <a:rPr lang="sv-SE" sz="1400" b="0" i="0" u="none" strike="noStrike" baseline="0" dirty="0">
+                <a:latin typeface="Times New Roman" panose="02020603050405020304" pitchFamily="18" charset="0"/>
+                <a:cs typeface="Times New Roman" panose="02020603050405020304" pitchFamily="18" charset="0"/>
+              </a:rPr>
+              <a:t>, pp. 689–694.</a:t>
+            </a:r>
+          </a:p>
+          <a:p>
+            <a:pPr algn="l"/>
+            <a:r>
+              <a:rPr lang="en-US" sz="1400" b="0" i="0" u="none" strike="noStrike" baseline="0" dirty="0">
+                <a:latin typeface="Times New Roman" panose="02020603050405020304" pitchFamily="18" charset="0"/>
+                <a:cs typeface="Times New Roman" panose="02020603050405020304" pitchFamily="18" charset="0"/>
+              </a:rPr>
+              <a:t>Long, J., </a:t>
+            </a:r>
+            <a:r>
+              <a:rPr lang="en-US" sz="1400" b="0" i="0" u="none" strike="noStrike" baseline="0" dirty="0" err="1">
+                <a:latin typeface="Times New Roman" panose="02020603050405020304" pitchFamily="18" charset="0"/>
+                <a:cs typeface="Times New Roman" panose="02020603050405020304" pitchFamily="18" charset="0"/>
+              </a:rPr>
+              <a:t>Shelhamer</a:t>
+            </a:r>
+            <a:r>
+              <a:rPr lang="en-US" sz="1400" b="0" i="0" u="none" strike="noStrike" baseline="0" dirty="0">
+                <a:latin typeface="Times New Roman" panose="02020603050405020304" pitchFamily="18" charset="0"/>
+                <a:cs typeface="Times New Roman" panose="02020603050405020304" pitchFamily="18" charset="0"/>
+              </a:rPr>
+              <a:t>, E. and Darrell, T. (2015). Fully convolutional networks for semantic segmentation, </a:t>
+            </a:r>
+          </a:p>
+          <a:p>
+            <a:pPr marL="457200" lvl="1" indent="0">
+              <a:buNone/>
+            </a:pPr>
+            <a:r>
+              <a:rPr lang="en-US" sz="1500" b="0" i="1" u="none" strike="noStrike" baseline="0" dirty="0">
+                <a:latin typeface="Times New Roman" panose="02020603050405020304" pitchFamily="18" charset="0"/>
+                <a:cs typeface="Times New Roman" panose="02020603050405020304" pitchFamily="18" charset="0"/>
+              </a:rPr>
+              <a:t>	2015 IEEE Conference on Computer Vision and Pattern Recognition (CVPR), </a:t>
+            </a:r>
+            <a:r>
+              <a:rPr lang="en-US" sz="1500" b="0" i="0" u="none" strike="noStrike" baseline="0" dirty="0">
+                <a:latin typeface="Times New Roman" panose="02020603050405020304" pitchFamily="18" charset="0"/>
+                <a:cs typeface="Times New Roman" panose="02020603050405020304" pitchFamily="18" charset="0"/>
+              </a:rPr>
+              <a:t>pp. 3431–3440</a:t>
+            </a:r>
+            <a:r>
+              <a:rPr lang="en-US" sz="1000" b="0" i="0" u="none" strike="noStrike" baseline="0" dirty="0">
+                <a:latin typeface="Times New Roman" panose="02020603050405020304" pitchFamily="18" charset="0"/>
+                <a:cs typeface="Times New Roman" panose="02020603050405020304" pitchFamily="18" charset="0"/>
+              </a:rPr>
+              <a:t>.</a:t>
+            </a:r>
+          </a:p>
+          <a:p>
+            <a:pPr algn="l"/>
+            <a:r>
+              <a:rPr lang="en-US" sz="1400" b="0" i="0" u="none" strike="noStrike" baseline="0" dirty="0">
+                <a:latin typeface="Times New Roman" panose="02020603050405020304" pitchFamily="18" charset="0"/>
+                <a:cs typeface="Times New Roman" panose="02020603050405020304" pitchFamily="18" charset="0"/>
+              </a:rPr>
+              <a:t>Mirza, M. and </a:t>
+            </a:r>
+            <a:r>
+              <a:rPr lang="en-US" sz="1400" b="0" i="0" u="none" strike="noStrike" baseline="0" dirty="0" err="1">
+                <a:latin typeface="Times New Roman" panose="02020603050405020304" pitchFamily="18" charset="0"/>
+                <a:cs typeface="Times New Roman" panose="02020603050405020304" pitchFamily="18" charset="0"/>
+              </a:rPr>
+              <a:t>Osindero</a:t>
+            </a:r>
+            <a:r>
+              <a:rPr lang="en-US" sz="1400" b="0" i="0" u="none" strike="noStrike" baseline="0" dirty="0">
+                <a:latin typeface="Times New Roman" panose="02020603050405020304" pitchFamily="18" charset="0"/>
+                <a:cs typeface="Times New Roman" panose="02020603050405020304" pitchFamily="18" charset="0"/>
+              </a:rPr>
+              <a:t>, S. (2014). Conditional generative adversarial nets.</a:t>
+            </a:r>
+            <a:endParaRPr lang="en-US" sz="1400" dirty="0">
+              <a:latin typeface="Times New Roman" panose="02020603050405020304" pitchFamily="18" charset="0"/>
+              <a:cs typeface="Times New Roman" panose="02020603050405020304" pitchFamily="18" charset="0"/>
+            </a:endParaRPr>
+          </a:p>
+          <a:p>
+            <a:pPr algn="l"/>
+            <a:r>
+              <a:rPr lang="en-US" sz="1400" b="0" i="0" u="none" strike="noStrike" baseline="0" dirty="0">
+                <a:latin typeface="Times New Roman" panose="02020603050405020304" pitchFamily="18" charset="0"/>
+                <a:cs typeface="Times New Roman" panose="02020603050405020304" pitchFamily="18" charset="0"/>
+              </a:rPr>
+              <a:t>Pressman, R. S. (1992). Software Engineering (3rd Ed.): A Practitioner’s Approach, McGraw-Hill, Inc., New York, NY, USA.</a:t>
+            </a:r>
+          </a:p>
+          <a:p>
+            <a:pPr algn="l"/>
+            <a:r>
+              <a:rPr lang="en-US" sz="1500" b="0" i="0" u="none" strike="noStrike" baseline="0" dirty="0">
+                <a:latin typeface="Times New Roman" panose="02020603050405020304" pitchFamily="18" charset="0"/>
+                <a:cs typeface="Times New Roman" panose="02020603050405020304" pitchFamily="18" charset="0"/>
+              </a:rPr>
+              <a:t>Qu, </a:t>
+            </a:r>
+            <a:r>
+              <a:rPr lang="en-US" sz="1500" b="0" i="0" u="none" strike="noStrike" baseline="0" dirty="0" err="1">
+                <a:latin typeface="Times New Roman" panose="02020603050405020304" pitchFamily="18" charset="0"/>
+                <a:cs typeface="Times New Roman" panose="02020603050405020304" pitchFamily="18" charset="0"/>
+              </a:rPr>
+              <a:t>Y.,Wong</a:t>
+            </a:r>
+            <a:r>
+              <a:rPr lang="en-US" sz="1500" b="0" i="0" u="none" strike="noStrike" baseline="0" dirty="0">
+                <a:latin typeface="Times New Roman" panose="02020603050405020304" pitchFamily="18" charset="0"/>
+                <a:cs typeface="Times New Roman" panose="02020603050405020304" pitchFamily="18" charset="0"/>
+              </a:rPr>
+              <a:t>, T.-T. and Heng, P.-A. (2006). Manga colorization, ACM Transactions on Graphics (TOG) 25(3): 1214–1220.</a:t>
+            </a:r>
+          </a:p>
+          <a:p>
+            <a:pPr algn="l"/>
+            <a:r>
+              <a:rPr lang="en-US" sz="1500" b="0" i="0" u="none" strike="noStrike" baseline="0" dirty="0">
+                <a:latin typeface="Times New Roman" panose="02020603050405020304" pitchFamily="18" charset="0"/>
+                <a:cs typeface="Times New Roman" panose="02020603050405020304" pitchFamily="18" charset="0"/>
+              </a:rPr>
+              <a:t>Radford, A., Metz, L. and </a:t>
+            </a:r>
+            <a:r>
+              <a:rPr lang="en-US" sz="1500" b="0" i="0" u="none" strike="noStrike" baseline="0" dirty="0" err="1">
+                <a:latin typeface="Times New Roman" panose="02020603050405020304" pitchFamily="18" charset="0"/>
+                <a:cs typeface="Times New Roman" panose="02020603050405020304" pitchFamily="18" charset="0"/>
+              </a:rPr>
+              <a:t>Chintala</a:t>
+            </a:r>
+            <a:r>
+              <a:rPr lang="en-US" sz="1500" b="0" i="0" u="none" strike="noStrike" baseline="0" dirty="0">
+                <a:latin typeface="Times New Roman" panose="02020603050405020304" pitchFamily="18" charset="0"/>
+                <a:cs typeface="Times New Roman" panose="02020603050405020304" pitchFamily="18" charset="0"/>
+              </a:rPr>
+              <a:t>, S. (2016). Unsupervised representation learning with deep convolutional generative adversarial 	networks.</a:t>
+            </a:r>
+          </a:p>
+          <a:p>
+            <a:pPr algn="l"/>
+            <a:r>
+              <a:rPr lang="en-US" sz="1500" b="0" i="0" u="none" strike="noStrike" baseline="0" dirty="0">
+                <a:latin typeface="Times New Roman" panose="02020603050405020304" pitchFamily="18" charset="0"/>
+                <a:cs typeface="Times New Roman" panose="02020603050405020304" pitchFamily="18" charset="0"/>
+              </a:rPr>
+              <a:t>Shi, W., Caballero, J., </a:t>
+            </a:r>
+            <a:r>
+              <a:rPr lang="en-US" sz="1500" b="0" i="0" u="none" strike="noStrike" baseline="0" dirty="0" err="1">
+                <a:latin typeface="Times New Roman" panose="02020603050405020304" pitchFamily="18" charset="0"/>
+                <a:cs typeface="Times New Roman" panose="02020603050405020304" pitchFamily="18" charset="0"/>
+              </a:rPr>
+              <a:t>Husz´ar</a:t>
+            </a:r>
+            <a:r>
+              <a:rPr lang="en-US" sz="1500" b="0" i="0" u="none" strike="noStrike" baseline="0" dirty="0">
+                <a:latin typeface="Times New Roman" panose="02020603050405020304" pitchFamily="18" charset="0"/>
+                <a:cs typeface="Times New Roman" panose="02020603050405020304" pitchFamily="18" charset="0"/>
+              </a:rPr>
+              <a:t>, F., </a:t>
+            </a:r>
+            <a:r>
+              <a:rPr lang="en-US" sz="1500" b="0" i="0" u="none" strike="noStrike" baseline="0" dirty="0" err="1">
+                <a:latin typeface="Times New Roman" panose="02020603050405020304" pitchFamily="18" charset="0"/>
+                <a:cs typeface="Times New Roman" panose="02020603050405020304" pitchFamily="18" charset="0"/>
+              </a:rPr>
+              <a:t>Totz</a:t>
+            </a:r>
+            <a:r>
+              <a:rPr lang="en-US" sz="1500" b="0" i="0" u="none" strike="noStrike" baseline="0" dirty="0">
+                <a:latin typeface="Times New Roman" panose="02020603050405020304" pitchFamily="18" charset="0"/>
+                <a:cs typeface="Times New Roman" panose="02020603050405020304" pitchFamily="18" charset="0"/>
+              </a:rPr>
+              <a:t>, J., Aitken, A. P., Bishop, R., </a:t>
+            </a:r>
+            <a:r>
+              <a:rPr lang="en-US" sz="1500" b="0" i="0" u="none" strike="noStrike" baseline="0" dirty="0" err="1">
+                <a:latin typeface="Times New Roman" panose="02020603050405020304" pitchFamily="18" charset="0"/>
+                <a:cs typeface="Times New Roman" panose="02020603050405020304" pitchFamily="18" charset="0"/>
+              </a:rPr>
+              <a:t>Rueckert</a:t>
+            </a:r>
+            <a:r>
+              <a:rPr lang="en-US" sz="1500" b="0" i="0" u="none" strike="noStrike" baseline="0" dirty="0">
+                <a:latin typeface="Times New Roman" panose="02020603050405020304" pitchFamily="18" charset="0"/>
+                <a:cs typeface="Times New Roman" panose="02020603050405020304" pitchFamily="18" charset="0"/>
+              </a:rPr>
+              <a:t>, D. and Wang, Z. (2016). </a:t>
+            </a:r>
+          </a:p>
+          <a:p>
+            <a:pPr marL="457200" lvl="1" indent="0">
+              <a:buNone/>
+            </a:pPr>
+            <a:r>
+              <a:rPr lang="en-US" sz="1500" b="0" i="0" u="none" strike="noStrike" baseline="0" dirty="0">
+                <a:latin typeface="Times New Roman" panose="02020603050405020304" pitchFamily="18" charset="0"/>
+                <a:cs typeface="Times New Roman" panose="02020603050405020304" pitchFamily="18" charset="0"/>
+              </a:rPr>
+              <a:t>	Real-time single image and video super-resolution using an efficient sub-pixel convolutional neural network, </a:t>
+            </a:r>
+          </a:p>
+          <a:p>
+            <a:pPr marL="457200" lvl="1" indent="0">
+              <a:buNone/>
+            </a:pPr>
+            <a:r>
+              <a:rPr lang="en-US" sz="1500" dirty="0">
+                <a:latin typeface="Times New Roman" panose="02020603050405020304" pitchFamily="18" charset="0"/>
+                <a:cs typeface="Times New Roman" panose="02020603050405020304" pitchFamily="18" charset="0"/>
+              </a:rPr>
+              <a:t>	</a:t>
+            </a:r>
+            <a:r>
+              <a:rPr lang="en-US" sz="1500" b="0" i="1" u="none" strike="noStrike" baseline="0" dirty="0">
+                <a:latin typeface="Times New Roman" panose="02020603050405020304" pitchFamily="18" charset="0"/>
+                <a:cs typeface="Times New Roman" panose="02020603050405020304" pitchFamily="18" charset="0"/>
+              </a:rPr>
+              <a:t>2016 IEEE Conference on Computer Vision and Pattern Recognition (CVPR),</a:t>
+            </a:r>
+            <a:r>
+              <a:rPr lang="en-US" sz="1500" b="0" i="0" u="none" strike="noStrike" baseline="0" dirty="0">
+                <a:latin typeface="Times New Roman" panose="02020603050405020304" pitchFamily="18" charset="0"/>
+                <a:cs typeface="Times New Roman" panose="02020603050405020304" pitchFamily="18" charset="0"/>
+              </a:rPr>
+              <a:t> pp. 1874–1883.</a:t>
+            </a:r>
+            <a:endParaRPr lang="en-US" sz="1500" dirty="0">
+              <a:latin typeface="Times New Roman" panose="02020603050405020304" pitchFamily="18" charset="0"/>
+              <a:cs typeface="Times New Roman" panose="02020603050405020304" pitchFamily="18" charset="0"/>
+            </a:endParaRPr>
+          </a:p>
+        </p:txBody>
+      </p:sp>
+      <p:sp>
+        <p:nvSpPr>
+          <p:cNvPr id="4" name="Footer Placeholder 3">
+            <a:extLst>
+              <a:ext uri="{FF2B5EF4-FFF2-40B4-BE49-F238E27FC236}">
+                <a16:creationId xmlns:a16="http://schemas.microsoft.com/office/drawing/2014/main" id="{478E4A7B-00AC-4117-8CCF-32F4EA319662}"/>
+              </a:ext>
+            </a:extLst>
+          </p:cNvPr>
+          <p:cNvSpPr>
+            <a:spLocks noGrp="1"/>
+          </p:cNvSpPr>
+          <p:nvPr>
+            <p:ph type="ftr" sz="quarter" idx="11"/>
+          </p:nvPr>
+        </p:nvSpPr>
+        <p:spPr/>
+        <p:txBody>
+          <a:bodyPr/>
+          <a:lstStyle/>
+          <a:p>
+            <a:r>
+              <a:rPr lang="en-US"/>
+              <a:t>Astronomical image colourisation and super-resolution using GANS</a:t>
+            </a:r>
+            <a:endParaRPr lang="en-IN"/>
+          </a:p>
+        </p:txBody>
+      </p:sp>
+    </p:spTree>
+    <p:extLst>
+      <p:ext uri="{BB962C8B-B14F-4D97-AF65-F5344CB8AC3E}">
+        <p14:creationId xmlns:p14="http://schemas.microsoft.com/office/powerpoint/2010/main" val="604998426"/>
+      </p:ext>
+    </p:extLst>
+  </p:cSld>
+  <p:clrMapOvr>
+    <a:masterClrMapping/>
+  </p:clrMapOvr>
+  <mc:AlternateContent xmlns:mc="http://schemas.openxmlformats.org/markup-compatibility/2006" xmlns:p14="http://schemas.microsoft.com/office/powerpoint/2010/main">
+    <mc:Choice Requires="p14">
+      <p:transition spd="med" p14:dur="700">
+        <p:fade/>
+      </p:transition>
+    </mc:Choice>
+    <mc:Fallback xmlns="">
+      <p:transition spd="med">
+        <p:fade/>
+      </p:transition>
+    </mc:Fallback>
+  </mc:AlternateContent>
+</p:sld>
+</file>
+
+<file path=ppt/slides/slide26.xml><?xml version="1.0" encoding="utf-8"?>
+<p:sld xmlns:a="http://schemas.openxmlformats.org/drawingml/2006/main" xmlns:r="http://schemas.openxmlformats.org/officeDocument/2006/relationships" xmlns:p="http://schemas.openxmlformats.org/presentationml/2006/main">
+  <p:cSld>
+    <p:spTree>
+      <p:nvGrpSpPr>
+        <p:cNvPr id="1" name=""/>
+        <p:cNvGrpSpPr/>
+        <p:nvPr/>
+      </p:nvGrpSpPr>
+      <p:grpSpPr>
+        <a:xfrm>
+          <a:off x="0" y="0"/>
+          <a:ext cx="0" cy="0"/>
+          <a:chOff x="0" y="0"/>
+          <a:chExt cx="0" cy="0"/>
+        </a:xfrm>
+      </p:grpSpPr>
+      <p:sp>
+        <p:nvSpPr>
+          <p:cNvPr id="2" name="Title 1">
+            <a:extLst>
+              <a:ext uri="{FF2B5EF4-FFF2-40B4-BE49-F238E27FC236}">
+                <a16:creationId xmlns:a16="http://schemas.microsoft.com/office/drawing/2014/main" id="{9830E956-2FFC-48BF-8208-EB43E244E3AD}"/>
+              </a:ext>
+            </a:extLst>
+          </p:cNvPr>
+          <p:cNvSpPr>
+            <a:spLocks noGrp="1"/>
+          </p:cNvSpPr>
+          <p:nvPr>
+            <p:ph type="title"/>
+          </p:nvPr>
+        </p:nvSpPr>
+        <p:spPr/>
+        <p:txBody>
+          <a:bodyPr/>
+          <a:lstStyle/>
+          <a:p>
+            <a:r>
+              <a:rPr lang="en-US" dirty="0"/>
+              <a:t>References</a:t>
+            </a:r>
+          </a:p>
+        </p:txBody>
+      </p:sp>
+      <p:sp>
+        <p:nvSpPr>
+          <p:cNvPr id="3" name="Content Placeholder 2">
+            <a:extLst>
+              <a:ext uri="{FF2B5EF4-FFF2-40B4-BE49-F238E27FC236}">
+                <a16:creationId xmlns:a16="http://schemas.microsoft.com/office/drawing/2014/main" id="{4E9FF4E2-85E8-43A6-B7A9-9BF4922BE0A6}"/>
+              </a:ext>
+            </a:extLst>
+          </p:cNvPr>
+          <p:cNvSpPr>
+            <a:spLocks noGrp="1"/>
+          </p:cNvSpPr>
+          <p:nvPr>
+            <p:ph idx="1"/>
+          </p:nvPr>
+        </p:nvSpPr>
+        <p:spPr/>
+        <p:txBody>
+          <a:bodyPr>
+            <a:normAutofit lnSpcReduction="10000"/>
+          </a:bodyPr>
+          <a:lstStyle/>
+          <a:p>
+            <a:pPr algn="l"/>
+            <a:r>
+              <a:rPr lang="en-US" sz="1400" b="0" i="0" u="none" strike="noStrike" baseline="0" dirty="0" err="1">
+                <a:latin typeface="Times New Roman" panose="02020603050405020304" pitchFamily="18" charset="0"/>
+                <a:cs typeface="Times New Roman" panose="02020603050405020304" pitchFamily="18" charset="0"/>
+              </a:rPr>
+              <a:t>Simonyan</a:t>
+            </a:r>
+            <a:r>
+              <a:rPr lang="en-US" sz="1400" b="0" i="0" u="none" strike="noStrike" baseline="0" dirty="0">
+                <a:latin typeface="Times New Roman" panose="02020603050405020304" pitchFamily="18" charset="0"/>
+                <a:cs typeface="Times New Roman" panose="02020603050405020304" pitchFamily="18" charset="0"/>
+              </a:rPr>
+              <a:t>, K. and Zisserman, A. (2015). Very deep convolutional networks for large-scale image recognition.</a:t>
+            </a:r>
+          </a:p>
+          <a:p>
+            <a:pPr algn="l"/>
+            <a:r>
+              <a:rPr lang="en-US" sz="1400" b="0" i="0" u="none" strike="noStrike" baseline="0" dirty="0">
+                <a:latin typeface="Times New Roman" panose="02020603050405020304" pitchFamily="18" charset="0"/>
+                <a:cs typeface="Times New Roman" panose="02020603050405020304" pitchFamily="18" charset="0"/>
+              </a:rPr>
+              <a:t>Tola, E., </a:t>
+            </a:r>
+            <a:r>
+              <a:rPr lang="en-US" sz="1400" b="0" i="0" u="none" strike="noStrike" baseline="0" dirty="0" err="1">
+                <a:latin typeface="Times New Roman" panose="02020603050405020304" pitchFamily="18" charset="0"/>
+                <a:cs typeface="Times New Roman" panose="02020603050405020304" pitchFamily="18" charset="0"/>
+              </a:rPr>
+              <a:t>Lepetit</a:t>
+            </a:r>
+            <a:r>
+              <a:rPr lang="en-US" sz="1400" b="0" i="0" u="none" strike="noStrike" baseline="0" dirty="0">
+                <a:latin typeface="Times New Roman" panose="02020603050405020304" pitchFamily="18" charset="0"/>
+                <a:cs typeface="Times New Roman" panose="02020603050405020304" pitchFamily="18" charset="0"/>
+              </a:rPr>
+              <a:t>, V. and </a:t>
+            </a:r>
+            <a:r>
+              <a:rPr lang="en-US" sz="1400" b="0" i="0" u="none" strike="noStrike" baseline="0" dirty="0" err="1">
+                <a:latin typeface="Times New Roman" panose="02020603050405020304" pitchFamily="18" charset="0"/>
+                <a:cs typeface="Times New Roman" panose="02020603050405020304" pitchFamily="18" charset="0"/>
+              </a:rPr>
+              <a:t>Fua</a:t>
+            </a:r>
+            <a:r>
+              <a:rPr lang="en-US" sz="1400" b="0" i="0" u="none" strike="noStrike" baseline="0" dirty="0">
+                <a:latin typeface="Times New Roman" panose="02020603050405020304" pitchFamily="18" charset="0"/>
+                <a:cs typeface="Times New Roman" panose="02020603050405020304" pitchFamily="18" charset="0"/>
+              </a:rPr>
+              <a:t>, P. (2008). A fast local descriptor for dense matching, </a:t>
+            </a:r>
+            <a:r>
+              <a:rPr lang="en-US" sz="1400" b="0" i="1" u="none" strike="noStrike" baseline="0" dirty="0">
+                <a:latin typeface="Times New Roman" panose="02020603050405020304" pitchFamily="18" charset="0"/>
+                <a:cs typeface="Times New Roman" panose="02020603050405020304" pitchFamily="18" charset="0"/>
+              </a:rPr>
+              <a:t>Proc. CVPR .</a:t>
+            </a:r>
+          </a:p>
+          <a:p>
+            <a:pPr algn="l"/>
+            <a:r>
+              <a:rPr lang="en-US" sz="1400" b="0" i="0" u="none" strike="noStrike" baseline="0" dirty="0">
+                <a:latin typeface="Times New Roman" panose="02020603050405020304" pitchFamily="18" charset="0"/>
+                <a:cs typeface="Times New Roman" panose="02020603050405020304" pitchFamily="18" charset="0"/>
+              </a:rPr>
+              <a:t>Tom and </a:t>
+            </a:r>
+            <a:r>
+              <a:rPr lang="en-US" sz="1400" b="0" i="0" u="none" strike="noStrike" baseline="0" dirty="0" err="1">
+                <a:latin typeface="Times New Roman" panose="02020603050405020304" pitchFamily="18" charset="0"/>
+                <a:cs typeface="Times New Roman" panose="02020603050405020304" pitchFamily="18" charset="0"/>
+              </a:rPr>
+              <a:t>Katsaggelos</a:t>
+            </a:r>
+            <a:r>
+              <a:rPr lang="en-US" sz="1400" b="0" i="0" u="none" strike="noStrike" baseline="0" dirty="0">
+                <a:latin typeface="Times New Roman" panose="02020603050405020304" pitchFamily="18" charset="0"/>
+                <a:cs typeface="Times New Roman" panose="02020603050405020304" pitchFamily="18" charset="0"/>
+              </a:rPr>
+              <a:t> (1996). Reconstruction of a high-resolution image by simultaneous </a:t>
+            </a:r>
+            <a:r>
+              <a:rPr lang="en-US" sz="1400" dirty="0">
+                <a:latin typeface="Times New Roman" panose="02020603050405020304" pitchFamily="18" charset="0"/>
+                <a:cs typeface="Times New Roman" panose="02020603050405020304" pitchFamily="18" charset="0"/>
+              </a:rPr>
+              <a:t>r</a:t>
+            </a:r>
+            <a:r>
+              <a:rPr lang="en-US" sz="1400" b="0" i="0" u="none" strike="noStrike" baseline="0" dirty="0">
+                <a:latin typeface="Times New Roman" panose="02020603050405020304" pitchFamily="18" charset="0"/>
+                <a:cs typeface="Times New Roman" panose="02020603050405020304" pitchFamily="18" charset="0"/>
+              </a:rPr>
+              <a:t>egistration, restoration, and interpolation of 	low-resolution images, </a:t>
+            </a:r>
+            <a:r>
+              <a:rPr lang="en-US" sz="1400" b="0" i="1" u="none" strike="noStrike" baseline="0" dirty="0">
+                <a:latin typeface="Times New Roman" panose="02020603050405020304" pitchFamily="18" charset="0"/>
+                <a:cs typeface="Times New Roman" panose="02020603050405020304" pitchFamily="18" charset="0"/>
+              </a:rPr>
+              <a:t>in</a:t>
+            </a:r>
+            <a:r>
+              <a:rPr lang="en-US" sz="1400" b="0" i="0" u="none" strike="noStrike" baseline="0" dirty="0">
+                <a:latin typeface="Times New Roman" panose="02020603050405020304" pitchFamily="18" charset="0"/>
+                <a:cs typeface="Times New Roman" panose="02020603050405020304" pitchFamily="18" charset="0"/>
+              </a:rPr>
+              <a:t> Anon (ed.), </a:t>
+            </a:r>
+            <a:r>
+              <a:rPr lang="en-US" sz="1400" b="0" i="1" u="none" strike="noStrike" baseline="0" dirty="0">
+                <a:latin typeface="Times New Roman" panose="02020603050405020304" pitchFamily="18" charset="0"/>
+                <a:cs typeface="Times New Roman" panose="02020603050405020304" pitchFamily="18" charset="0"/>
+              </a:rPr>
+              <a:t>IEEE International Conference on Image Processing, </a:t>
+            </a:r>
+            <a:r>
+              <a:rPr lang="en-US" sz="1400" b="0" i="0" u="none" strike="noStrike" baseline="0" dirty="0">
+                <a:latin typeface="Times New Roman" panose="02020603050405020304" pitchFamily="18" charset="0"/>
+                <a:cs typeface="Times New Roman" panose="02020603050405020304" pitchFamily="18" charset="0"/>
+              </a:rPr>
+              <a:t>Vol. 2, IEEE, pp. 539–542. 	Proceedings of the 1995 IEEE International Conference on Image Processing. Part 3 (of 3) ; Conference date: 23-10-1995 	Through 26-10-1995.</a:t>
+            </a:r>
+          </a:p>
+          <a:p>
+            <a:pPr algn="l"/>
+            <a:r>
+              <a:rPr lang="en-US" sz="1400" b="0" i="0" u="none" strike="noStrike" baseline="0" dirty="0">
+                <a:latin typeface="Times New Roman" panose="02020603050405020304" pitchFamily="18" charset="0"/>
+                <a:cs typeface="Times New Roman" panose="02020603050405020304" pitchFamily="18" charset="0"/>
+              </a:rPr>
+              <a:t>TSAI, R. (1984). </a:t>
+            </a:r>
+            <a:r>
+              <a:rPr lang="en-US" sz="1400" b="0" i="0" u="none" strike="noStrike" baseline="0" dirty="0" err="1">
+                <a:latin typeface="Times New Roman" panose="02020603050405020304" pitchFamily="18" charset="0"/>
+                <a:cs typeface="Times New Roman" panose="02020603050405020304" pitchFamily="18" charset="0"/>
+              </a:rPr>
+              <a:t>Multiframe</a:t>
+            </a:r>
+            <a:r>
+              <a:rPr lang="en-US" sz="1400" b="0" i="0" u="none" strike="noStrike" baseline="0" dirty="0">
+                <a:latin typeface="Times New Roman" panose="02020603050405020304" pitchFamily="18" charset="0"/>
+                <a:cs typeface="Times New Roman" panose="02020603050405020304" pitchFamily="18" charset="0"/>
+              </a:rPr>
+              <a:t> image restoration and registration</a:t>
+            </a:r>
+            <a:r>
+              <a:rPr lang="en-US" sz="1400" b="0" i="1" u="none" strike="noStrike" baseline="0" dirty="0">
+                <a:latin typeface="Times New Roman" panose="02020603050405020304" pitchFamily="18" charset="0"/>
+                <a:cs typeface="Times New Roman" panose="02020603050405020304" pitchFamily="18" charset="0"/>
+              </a:rPr>
+              <a:t>, Advance Computer Visual and Image Processing </a:t>
+            </a:r>
+            <a:r>
+              <a:rPr lang="en-US" sz="1400" b="0" i="0" u="none" strike="noStrike" baseline="0" dirty="0">
+                <a:latin typeface="Times New Roman" panose="02020603050405020304" pitchFamily="18" charset="0"/>
+                <a:cs typeface="Times New Roman" panose="02020603050405020304" pitchFamily="18" charset="0"/>
+              </a:rPr>
+              <a:t>1: 317–339.</a:t>
+            </a:r>
+          </a:p>
+          <a:p>
+            <a:pPr algn="l"/>
+            <a:r>
+              <a:rPr lang="en-US" sz="1400" b="0" i="0" u="none" strike="noStrike" baseline="0" dirty="0">
+                <a:latin typeface="Times New Roman" panose="02020603050405020304" pitchFamily="18" charset="0"/>
+                <a:cs typeface="Times New Roman" panose="02020603050405020304" pitchFamily="18" charset="0"/>
+              </a:rPr>
+              <a:t>Welsh, T., </a:t>
+            </a:r>
+            <a:r>
+              <a:rPr lang="en-US" sz="1400" b="0" i="0" u="none" strike="noStrike" baseline="0" dirty="0" err="1">
+                <a:latin typeface="Times New Roman" panose="02020603050405020304" pitchFamily="18" charset="0"/>
+                <a:cs typeface="Times New Roman" panose="02020603050405020304" pitchFamily="18" charset="0"/>
+              </a:rPr>
+              <a:t>Ashikhmin</a:t>
+            </a:r>
+            <a:r>
+              <a:rPr lang="en-US" sz="1400" b="0" i="0" u="none" strike="noStrike" baseline="0" dirty="0">
+                <a:latin typeface="Times New Roman" panose="02020603050405020304" pitchFamily="18" charset="0"/>
+                <a:cs typeface="Times New Roman" panose="02020603050405020304" pitchFamily="18" charset="0"/>
+              </a:rPr>
+              <a:t>, M. and Mueller, K. (2002). Transferring color to greyscale </a:t>
+            </a:r>
+            <a:r>
+              <a:rPr lang="fr-FR" sz="1400" b="0" i="0" u="none" strike="noStrike" baseline="0" dirty="0">
+                <a:latin typeface="Times New Roman" panose="02020603050405020304" pitchFamily="18" charset="0"/>
+                <a:cs typeface="Times New Roman" panose="02020603050405020304" pitchFamily="18" charset="0"/>
+              </a:rPr>
+              <a:t>images, </a:t>
+            </a:r>
+            <a:r>
+              <a:rPr lang="fr-FR" sz="1400" b="0" i="1" u="none" strike="noStrike" baseline="0" dirty="0">
+                <a:latin typeface="Times New Roman" panose="02020603050405020304" pitchFamily="18" charset="0"/>
+                <a:cs typeface="Times New Roman" panose="02020603050405020304" pitchFamily="18" charset="0"/>
+              </a:rPr>
+              <a:t>ACM Trans. Graph</a:t>
+            </a:r>
+            <a:r>
+              <a:rPr lang="fr-FR" sz="1400" b="0" i="0" u="none" strike="noStrike" baseline="0" dirty="0">
+                <a:latin typeface="Times New Roman" panose="02020603050405020304" pitchFamily="18" charset="0"/>
+                <a:cs typeface="Times New Roman" panose="02020603050405020304" pitchFamily="18" charset="0"/>
+              </a:rPr>
+              <a:t>. 21: 277–280.</a:t>
+            </a:r>
+          </a:p>
+          <a:p>
+            <a:pPr algn="l"/>
+            <a:r>
+              <a:rPr lang="en-US" sz="1400" b="0" i="0" u="none" strike="noStrike" baseline="0" dirty="0" err="1">
+                <a:latin typeface="Times New Roman" panose="02020603050405020304" pitchFamily="18" charset="0"/>
+                <a:cs typeface="Times New Roman" panose="02020603050405020304" pitchFamily="18" charset="0"/>
+              </a:rPr>
+              <a:t>Yatziv</a:t>
+            </a:r>
+            <a:r>
+              <a:rPr lang="en-US" sz="1400" b="0" i="0" u="none" strike="noStrike" baseline="0" dirty="0">
+                <a:latin typeface="Times New Roman" panose="02020603050405020304" pitchFamily="18" charset="0"/>
+                <a:cs typeface="Times New Roman" panose="02020603050405020304" pitchFamily="18" charset="0"/>
+              </a:rPr>
+              <a:t>, L. and </a:t>
+            </a:r>
+            <a:r>
+              <a:rPr lang="en-US" sz="1400" b="0" i="0" u="none" strike="noStrike" baseline="0" dirty="0" err="1">
+                <a:latin typeface="Times New Roman" panose="02020603050405020304" pitchFamily="18" charset="0"/>
+                <a:cs typeface="Times New Roman" panose="02020603050405020304" pitchFamily="18" charset="0"/>
+              </a:rPr>
+              <a:t>Sapiro</a:t>
+            </a:r>
+            <a:r>
+              <a:rPr lang="en-US" sz="1400" b="0" i="0" u="none" strike="noStrike" baseline="0" dirty="0">
+                <a:latin typeface="Times New Roman" panose="02020603050405020304" pitchFamily="18" charset="0"/>
+                <a:cs typeface="Times New Roman" panose="02020603050405020304" pitchFamily="18" charset="0"/>
+              </a:rPr>
+              <a:t>, G. (2006). Fast image and video colorization using chrominance blending,</a:t>
+            </a:r>
+          </a:p>
+          <a:p>
+            <a:pPr marL="457200" lvl="1" indent="0">
+              <a:buNone/>
+            </a:pPr>
+            <a:r>
+              <a:rPr lang="en-US" sz="1400" b="0" i="0" u="none" strike="noStrike" baseline="0" dirty="0">
+                <a:latin typeface="Times New Roman" panose="02020603050405020304" pitchFamily="18" charset="0"/>
+                <a:cs typeface="Times New Roman" panose="02020603050405020304" pitchFamily="18" charset="0"/>
+              </a:rPr>
+              <a:t>	</a:t>
+            </a:r>
+            <a:r>
+              <a:rPr lang="en-US" sz="1400" b="0" i="1" u="none" strike="noStrike" baseline="0" dirty="0">
+                <a:latin typeface="Times New Roman" panose="02020603050405020304" pitchFamily="18" charset="0"/>
+                <a:cs typeface="Times New Roman" panose="02020603050405020304" pitchFamily="18" charset="0"/>
+              </a:rPr>
+              <a:t>IEEE Transactions on Image Processing</a:t>
+            </a:r>
+            <a:r>
+              <a:rPr lang="en-US" sz="1400" b="0" i="0" u="none" strike="noStrike" baseline="0" dirty="0">
+                <a:latin typeface="Times New Roman" panose="02020603050405020304" pitchFamily="18" charset="0"/>
+                <a:cs typeface="Times New Roman" panose="02020603050405020304" pitchFamily="18" charset="0"/>
+              </a:rPr>
+              <a:t> 15(5): 1120–1129.</a:t>
+            </a:r>
+          </a:p>
+          <a:p>
+            <a:pPr algn="l"/>
+            <a:r>
+              <a:rPr lang="en-US" sz="1400" b="0" i="0" u="none" strike="noStrike" baseline="0" dirty="0">
+                <a:latin typeface="Times New Roman" panose="02020603050405020304" pitchFamily="18" charset="0"/>
+                <a:cs typeface="Times New Roman" panose="02020603050405020304" pitchFamily="18" charset="0"/>
+              </a:rPr>
+              <a:t>Zhu, J.-Y., </a:t>
+            </a:r>
+            <a:r>
+              <a:rPr lang="en-US" sz="1400" b="0" i="0" u="none" strike="noStrike" baseline="0" dirty="0" err="1">
+                <a:latin typeface="Times New Roman" panose="02020603050405020304" pitchFamily="18" charset="0"/>
+                <a:cs typeface="Times New Roman" panose="02020603050405020304" pitchFamily="18" charset="0"/>
+              </a:rPr>
+              <a:t>Kr</a:t>
+            </a:r>
+            <a:r>
+              <a:rPr lang="en-US" sz="1400" dirty="0" err="1">
+                <a:latin typeface="Times New Roman" panose="02020603050405020304" pitchFamily="18" charset="0"/>
+                <a:cs typeface="Times New Roman" panose="02020603050405020304" pitchFamily="18" charset="0"/>
+              </a:rPr>
+              <a:t>a</a:t>
+            </a:r>
+            <a:r>
+              <a:rPr lang="en-US" sz="1400" b="0" i="0" u="none" strike="noStrike" baseline="0" dirty="0" err="1">
+                <a:latin typeface="Times New Roman" panose="02020603050405020304" pitchFamily="18" charset="0"/>
+                <a:cs typeface="Times New Roman" panose="02020603050405020304" pitchFamily="18" charset="0"/>
+              </a:rPr>
+              <a:t>henbuhl</a:t>
+            </a:r>
+            <a:r>
+              <a:rPr lang="en-US" sz="1400" b="0" i="0" u="none" strike="noStrike" baseline="0" dirty="0">
+                <a:latin typeface="Times New Roman" panose="02020603050405020304" pitchFamily="18" charset="0"/>
+                <a:cs typeface="Times New Roman" panose="02020603050405020304" pitchFamily="18" charset="0"/>
+              </a:rPr>
+              <a:t>, P., </a:t>
+            </a:r>
+            <a:r>
+              <a:rPr lang="en-US" sz="1400" b="0" i="0" u="none" strike="noStrike" baseline="0" dirty="0" err="1">
+                <a:latin typeface="Times New Roman" panose="02020603050405020304" pitchFamily="18" charset="0"/>
+                <a:cs typeface="Times New Roman" panose="02020603050405020304" pitchFamily="18" charset="0"/>
+              </a:rPr>
+              <a:t>Shechtman</a:t>
+            </a:r>
+            <a:r>
+              <a:rPr lang="en-US" sz="1400" b="0" i="0" u="none" strike="noStrike" baseline="0" dirty="0">
+                <a:latin typeface="Times New Roman" panose="02020603050405020304" pitchFamily="18" charset="0"/>
+                <a:cs typeface="Times New Roman" panose="02020603050405020304" pitchFamily="18" charset="0"/>
+              </a:rPr>
+              <a:t>, E. and </a:t>
+            </a:r>
+            <a:r>
+              <a:rPr lang="en-US" sz="1400" b="0" i="0" u="none" strike="noStrike" baseline="0" dirty="0" err="1">
+                <a:latin typeface="Times New Roman" panose="02020603050405020304" pitchFamily="18" charset="0"/>
+                <a:cs typeface="Times New Roman" panose="02020603050405020304" pitchFamily="18" charset="0"/>
+              </a:rPr>
+              <a:t>Efros</a:t>
+            </a:r>
+            <a:r>
+              <a:rPr lang="en-US" sz="1400" b="0" i="0" u="none" strike="noStrike" baseline="0" dirty="0">
+                <a:latin typeface="Times New Roman" panose="02020603050405020304" pitchFamily="18" charset="0"/>
+                <a:cs typeface="Times New Roman" panose="02020603050405020304" pitchFamily="18" charset="0"/>
+              </a:rPr>
+              <a:t>, A. A. (2018). Generative visual manipulation on the natural image manifold.</a:t>
+            </a:r>
+          </a:p>
+          <a:p>
+            <a:pPr algn="l"/>
+            <a:r>
+              <a:rPr lang="en-US" sz="1400" b="0" i="0" u="none" strike="noStrike" baseline="0" dirty="0" err="1">
+                <a:latin typeface="Times New Roman" panose="02020603050405020304" pitchFamily="18" charset="0"/>
+                <a:cs typeface="Times New Roman" panose="02020603050405020304" pitchFamily="18" charset="0"/>
+              </a:rPr>
+              <a:t>Arjovsky</a:t>
+            </a:r>
+            <a:r>
+              <a:rPr lang="en-US" sz="1400" b="0" i="0" u="none" strike="noStrike" baseline="0" dirty="0">
+                <a:latin typeface="Times New Roman" panose="02020603050405020304" pitchFamily="18" charset="0"/>
+                <a:cs typeface="Times New Roman" panose="02020603050405020304" pitchFamily="18" charset="0"/>
+              </a:rPr>
+              <a:t>, M., </a:t>
+            </a:r>
+            <a:r>
+              <a:rPr lang="en-US" sz="1400" b="0" i="0" u="none" strike="noStrike" baseline="0" dirty="0" err="1">
+                <a:latin typeface="Times New Roman" panose="02020603050405020304" pitchFamily="18" charset="0"/>
+                <a:cs typeface="Times New Roman" panose="02020603050405020304" pitchFamily="18" charset="0"/>
+              </a:rPr>
+              <a:t>Chintala</a:t>
+            </a:r>
+            <a:r>
+              <a:rPr lang="en-US" sz="1400" b="0" i="0" u="none" strike="noStrike" baseline="0" dirty="0">
+                <a:latin typeface="Times New Roman" panose="02020603050405020304" pitchFamily="18" charset="0"/>
+                <a:cs typeface="Times New Roman" panose="02020603050405020304" pitchFamily="18" charset="0"/>
+              </a:rPr>
+              <a:t>, S. and </a:t>
+            </a:r>
+            <a:r>
+              <a:rPr lang="en-US" sz="1400" b="0" i="0" u="none" strike="noStrike" baseline="0" dirty="0" err="1">
+                <a:latin typeface="Times New Roman" panose="02020603050405020304" pitchFamily="18" charset="0"/>
+                <a:cs typeface="Times New Roman" panose="02020603050405020304" pitchFamily="18" charset="0"/>
+              </a:rPr>
+              <a:t>Bottou</a:t>
+            </a:r>
+            <a:r>
+              <a:rPr lang="en-US" sz="1400" b="0" i="0" u="none" strike="noStrike" baseline="0" dirty="0">
+                <a:latin typeface="Times New Roman" panose="02020603050405020304" pitchFamily="18" charset="0"/>
+                <a:cs typeface="Times New Roman" panose="02020603050405020304" pitchFamily="18" charset="0"/>
+              </a:rPr>
+              <a:t>, L. (2017). Wasserstein </a:t>
+            </a:r>
+            <a:r>
+              <a:rPr lang="en-US" sz="1400" b="0" i="0" u="none" strike="noStrike" baseline="0" dirty="0" err="1">
+                <a:latin typeface="Times New Roman" panose="02020603050405020304" pitchFamily="18" charset="0"/>
+                <a:cs typeface="Times New Roman" panose="02020603050405020304" pitchFamily="18" charset="0"/>
+              </a:rPr>
+              <a:t>gan</a:t>
+            </a:r>
+            <a:r>
+              <a:rPr lang="en-US" sz="1400" b="0" i="0" u="none" strike="noStrike" baseline="0" dirty="0">
+                <a:latin typeface="Times New Roman" panose="02020603050405020304" pitchFamily="18" charset="0"/>
+                <a:cs typeface="Times New Roman" panose="02020603050405020304" pitchFamily="18" charset="0"/>
+              </a:rPr>
+              <a:t>.</a:t>
+            </a:r>
+          </a:p>
+          <a:p>
+            <a:pPr algn="l"/>
+            <a:r>
+              <a:rPr lang="en-US" sz="1400" b="0" i="0" u="none" strike="noStrike" baseline="0" dirty="0">
+                <a:latin typeface="Times New Roman" panose="02020603050405020304" pitchFamily="18" charset="0"/>
+                <a:cs typeface="Times New Roman" panose="02020603050405020304" pitchFamily="18" charset="0"/>
+              </a:rPr>
+              <a:t>Yu, J., Fan, Y., Yang, J., Xu, N., Wang, Z., Wang, X. and Huang, T. (2018). Wide activation for efficient and accurate image super-resolution</a:t>
+            </a:r>
+            <a:endParaRPr lang="en-US" sz="1400" i="1" dirty="0">
+              <a:latin typeface="Times New Roman" panose="02020603050405020304" pitchFamily="18" charset="0"/>
+              <a:cs typeface="Times New Roman" panose="02020603050405020304" pitchFamily="18" charset="0"/>
+            </a:endParaRPr>
+          </a:p>
+        </p:txBody>
+      </p:sp>
+      <p:sp>
+        <p:nvSpPr>
+          <p:cNvPr id="4" name="Footer Placeholder 3">
+            <a:extLst>
+              <a:ext uri="{FF2B5EF4-FFF2-40B4-BE49-F238E27FC236}">
+                <a16:creationId xmlns:a16="http://schemas.microsoft.com/office/drawing/2014/main" id="{9B31565C-5D67-40D7-B395-3C7619E5198E}"/>
+              </a:ext>
+            </a:extLst>
+          </p:cNvPr>
+          <p:cNvSpPr>
+            <a:spLocks noGrp="1"/>
+          </p:cNvSpPr>
+          <p:nvPr>
+            <p:ph type="ftr" sz="quarter" idx="11"/>
+          </p:nvPr>
+        </p:nvSpPr>
+        <p:spPr/>
+        <p:txBody>
+          <a:bodyPr/>
+          <a:lstStyle/>
+          <a:p>
+            <a:r>
+              <a:rPr lang="en-US"/>
+              <a:t>Astronomical image colourisation and super-resolution using GANS</a:t>
+            </a:r>
+            <a:endParaRPr lang="en-IN"/>
+          </a:p>
+        </p:txBody>
+      </p:sp>
+    </p:spTree>
+    <p:extLst>
+      <p:ext uri="{BB962C8B-B14F-4D97-AF65-F5344CB8AC3E}">
+        <p14:creationId xmlns:p14="http://schemas.microsoft.com/office/powerpoint/2010/main" val="3769375402"/>
+      </p:ext>
+    </p:extLst>
+  </p:cSld>
+  <p:clrMapOvr>
+    <a:masterClrMapping/>
+  </p:clrMapOvr>
+  <mc:AlternateContent xmlns:mc="http://schemas.openxmlformats.org/markup-compatibility/2006" xmlns:p14="http://schemas.microsoft.com/office/powerpoint/2010/main">
+    <mc:Choice Requires="p14">
+      <p:transition spd="med" p14:dur="700">
+        <p:fade/>
+      </p:transition>
+    </mc:Choice>
+    <mc:Fallback xmlns="">
+      <p:transition spd="med">
+        <p:fade/>
+      </p:transition>
+    </mc:Fallback>
+  </mc:AlternateContent>
+</p:sld>
+</file>
+
+<file path=ppt/slides/slide27.xml><?xml version="1.0" encoding="utf-8"?>
+<p:sld xmlns:a="http://schemas.openxmlformats.org/drawingml/2006/main" xmlns:r="http://schemas.openxmlformats.org/officeDocument/2006/relationships" xmlns:p="http://schemas.openxmlformats.org/presentationml/2006/main">
+  <p:cSld>
+    <p:spTree>
+      <p:nvGrpSpPr>
+        <p:cNvPr id="1" name=""/>
+        <p:cNvGrpSpPr/>
+        <p:nvPr/>
+      </p:nvGrpSpPr>
+      <p:grpSpPr>
+        <a:xfrm>
+          <a:off x="0" y="0"/>
+          <a:ext cx="0" cy="0"/>
+          <a:chOff x="0" y="0"/>
+          <a:chExt cx="0" cy="0"/>
+        </a:xfrm>
+      </p:grpSpPr>
+      <p:sp>
+        <p:nvSpPr>
+          <p:cNvPr id="2" name="Title 1"/>
+          <p:cNvSpPr>
+            <a:spLocks noGrp="1"/>
+          </p:cNvSpPr>
+          <p:nvPr>
+            <p:ph type="ctrTitle"/>
+          </p:nvPr>
+        </p:nvSpPr>
+        <p:spPr/>
+        <p:txBody>
+          <a:bodyPr/>
+          <a:lstStyle/>
+          <a:p>
+            <a:r>
+              <a:rPr lang="en-IN" dirty="0"/>
+              <a:t>Thank You !!</a:t>
+            </a:r>
+          </a:p>
+        </p:txBody>
+      </p:sp>
+      <p:pic>
+        <p:nvPicPr>
+          <p:cNvPr id="4" name="Picture 1"/>
+          <p:cNvPicPr>
+            <a:picLocks noChangeAspect="1" noChangeArrowheads="1"/>
+          </p:cNvPicPr>
+          <p:nvPr/>
+        </p:nvPicPr>
+        <p:blipFill>
+          <a:blip r:embed="rId2" cstate="print">
+            <a:extLst>
+              <a:ext uri="{28A0092B-C50C-407E-A947-70E740481C1C}">
+                <a14:useLocalDpi xmlns:a14="http://schemas.microsoft.com/office/drawing/2010/main" val="0"/>
+              </a:ext>
+            </a:extLst>
+          </a:blip>
+          <a:stretch>
+            <a:fillRect/>
+          </a:stretch>
+        </p:blipFill>
+        <p:spPr bwMode="auto">
+          <a:xfrm>
+            <a:off x="9691631" y="1352533"/>
+            <a:ext cx="2228612" cy="1860930"/>
+          </a:xfrm>
+          <a:prstGeom prst="rect">
+            <a:avLst/>
+          </a:prstGeom>
+          <a:noFill/>
+          <a:ln w="9525">
+            <a:noFill/>
+            <a:miter lim="800000"/>
+            <a:headEnd/>
+            <a:tailEnd/>
+          </a:ln>
+        </p:spPr>
+      </p:pic>
+    </p:spTree>
+  </p:cSld>
+  <p:clrMapOvr>
+    <a:masterClrMapping/>
+  </p:clrMapOvr>
+  <mc:AlternateContent xmlns:mc="http://schemas.openxmlformats.org/markup-compatibility/2006" xmlns:p14="http://schemas.microsoft.com/office/powerpoint/2010/main">
+    <mc:Choice Requires="p14">
+      <p:transition spd="med" p14:dur="700">
+        <p:fade/>
+      </p:transition>
+    </mc:Choice>
+    <mc:Fallback xmlns="">
+      <p:transition spd="med">
+        <p:fade/>
+      </p:transition>
+    </mc:Fallback>
+  </mc:AlternateContent>
+</p:sld>
+</file>
+
 <file path=ppt/slides/slide3.xml><?xml version="1.0" encoding="utf-8"?>
 <p:sld xmlns:a="http://schemas.openxmlformats.org/drawingml/2006/main" xmlns:r="http://schemas.openxmlformats.org/officeDocument/2006/relationships" xmlns:p="http://schemas.openxmlformats.org/presentationml/2006/main">
   <p:cSld>
@@ -10309,6 +12919,56 @@
               <a:rPr lang="en-US" sz="2000" dirty="0" err="1"/>
               <a:t>Tensorflow</a:t>
             </a:r>
+            <a:endParaRPr lang="en-US" sz="2000" dirty="0"/>
+          </a:p>
+          <a:p>
+            <a:pPr marL="228600" indent="-228600">
+              <a:lnSpc>
+                <a:spcPct val="90000"/>
+              </a:lnSpc>
+              <a:spcBef>
+                <a:spcPts val="1800"/>
+              </a:spcBef>
+              <a:buFont typeface="Wingdings" panose="05000000000000000000" pitchFamily="2" charset="2"/>
+              <a:buChar char="§"/>
+            </a:pPr>
+            <a:r>
+              <a:rPr lang="en-US" dirty="0" err="1"/>
+              <a:t>Pytorch</a:t>
+            </a:r>
+            <a:endParaRPr lang="en-US" dirty="0"/>
+          </a:p>
+          <a:p>
+            <a:pPr marL="228600" indent="-228600">
+              <a:lnSpc>
+                <a:spcPct val="90000"/>
+              </a:lnSpc>
+              <a:spcBef>
+                <a:spcPts val="1800"/>
+              </a:spcBef>
+              <a:buFont typeface="Wingdings" panose="05000000000000000000" pitchFamily="2" charset="2"/>
+              <a:buChar char="§"/>
+            </a:pPr>
+            <a:r>
+              <a:rPr lang="en-US" dirty="0"/>
+              <a:t>Pandas</a:t>
+            </a:r>
+          </a:p>
+          <a:p>
+            <a:pPr marL="228600" indent="-228600">
+              <a:lnSpc>
+                <a:spcPct val="90000"/>
+              </a:lnSpc>
+              <a:spcBef>
+                <a:spcPts val="1800"/>
+              </a:spcBef>
+              <a:buFont typeface="Wingdings" panose="05000000000000000000" pitchFamily="2" charset="2"/>
+              <a:buChar char="§"/>
+            </a:pPr>
+            <a:r>
+              <a:rPr lang="en-US" dirty="0" err="1"/>
+              <a:t>Fastai</a:t>
+            </a:r>
             <a:endParaRPr lang="en-US" dirty="0"/>
           </a:p>
           <a:p>
@@ -11211,7 +13871,7 @@
             </a:pPr>
             <a:r>
               <a:rPr lang="en-US" dirty="0"/>
-              <a:t>We are trying different models trying to find the most efficient methodology to colorize the images</a:t>
+              <a:t>We are try different models to find the most efficient methodology to colorize the images</a:t>
             </a:r>
           </a:p>
           <a:p>
@@ -11227,7 +13887,39 @@
             </a:pPr>
             <a:r>
               <a:rPr lang="en-US" dirty="0"/>
-              <a:t>Different U-net architectures have been trained over the COCO dataset so as to generalize the model to a greater extent</a:t>
+              <a:t>Different U-net architectures have been trained over the COCO dataset so as to generalize the model to a greater extent.</a:t>
+            </a:r>
+          </a:p>
+          <a:p>
+            <a:pPr marL="228600" indent="-228600">
+              <a:lnSpc>
+                <a:spcPct val="90000"/>
+              </a:lnSpc>
+              <a:spcBef>
+                <a:spcPts val="1800"/>
+              </a:spcBef>
+              <a:buFont typeface="Wingdings" panose="05000000000000000000" pitchFamily="2" charset="2"/>
+              <a:buChar char="§"/>
+            </a:pPr>
+            <a:r>
+              <a:rPr lang="en-US" dirty="0"/>
+              <a:t>We explore the model performance in RGB as well as L*a*b color space</a:t>
+            </a:r>
+          </a:p>
+          <a:p>
+            <a:pPr marL="228600" indent="-228600">
+              <a:lnSpc>
+                <a:spcPct val="90000"/>
+              </a:lnSpc>
+              <a:spcBef>
+                <a:spcPts val="1800"/>
+              </a:spcBef>
+              <a:buFont typeface="Wingdings" panose="05000000000000000000" pitchFamily="2" charset="2"/>
+              <a:buChar char="§"/>
+            </a:pPr>
+            <a:r>
+              <a:rPr lang="en-US" dirty="0"/>
+              <a:t>A study of different architectures namely basic U-net, ResNet18 U-net has been implemented and tested </a:t>
             </a:r>
           </a:p>
           <a:p>
@@ -12182,6 +14874,15 @@
 </file>
 
 <file path=customXml/item1.xml><?xml version="1.0" encoding="utf-8"?>
+<?mso-contentType ?>
+<FormTemplates xmlns="http://schemas.microsoft.com/sharepoint/v3/contenttype/forms">
+  <Display>DocumentLibraryForm</Display>
+  <Edit>AssetEditForm</Edit>
+  <New>DocumentLibraryForm</New>
+</FormTemplates>
+</file>
+
+<file path=customXml/item2.xml><?xml version="1.0" encoding="utf-8"?>
 <ct:contentTypeSchema xmlns:ct="http://schemas.microsoft.com/office/2006/metadata/contentType" xmlns:ma="http://schemas.microsoft.com/office/2006/metadata/properties/metaAttributes" ct:_="" ma:_="" ma:contentTypeName="TemplateFile" ma:contentTypeID="0x0101006EDDDB5EE6D98C44930B742096920B300400F5B6D36B3EF94B4E9A635CDF2A18F5B8" ma:contentTypeVersion="72" ma:contentTypeDescription="Create a new document." ma:contentTypeScope="" ma:versionID="a23e56308344d904b51738559c3d67c9">
   <xsd:schema xmlns:xsd="http://www.w3.org/2001/XMLSchema" xmlns:xs="http://www.w3.org/2001/XMLSchema" xmlns:p="http://schemas.microsoft.com/office/2006/metadata/properties" xmlns:ns2="4873beb7-5857-4685-be1f-d57550cc96cc" targetNamespace="http://schemas.microsoft.com/office/2006/metadata/properties" ma:root="true" ma:fieldsID="cd0908cc4600e77bf5da051303e00c8d" ns2:_="">
     <xsd:import namespace="4873beb7-5857-4685-be1f-d57550cc96cc"/>
@@ -13221,15 +15922,6 @@
 </ct:contentTypeSchema>
 </file>
 
-<file path=customXml/item2.xml><?xml version="1.0" encoding="utf-8"?>
-<?mso-contentType ?>
-<FormTemplates xmlns="http://schemas.microsoft.com/sharepoint/v3/contenttype/forms">
-  <Display>DocumentLibraryForm</Display>
-  <Edit>AssetEditForm</Edit>
-  <New>DocumentLibraryForm</New>
-</FormTemplates>
-</file>
-
 <file path=customXml/item3.xml><?xml version="1.0" encoding="utf-8"?>
 <p:properties xmlns:p="http://schemas.microsoft.com/office/2006/metadata/properties" xmlns:xsi="http://www.w3.org/2001/XMLSchema-instance" xmlns:pc="http://schemas.microsoft.com/office/infopath/2007/PartnerControls">
   <documentManagement>
@@ -13357,6 +16049,14 @@
 </file>
 
 <file path=customXml/itemProps1.xml><?xml version="1.0" encoding="utf-8"?>
+<ds:datastoreItem xmlns:ds="http://schemas.openxmlformats.org/officeDocument/2006/customXml" ds:itemID="{561E720F-F05D-4536-9C34-0CFCED65D3B7}">
+  <ds:schemaRefs>
+    <ds:schemaRef ds:uri="http://schemas.microsoft.com/sharepoint/v3/contenttype/forms"/>
+  </ds:schemaRefs>
+</ds:datastoreItem>
+</file>
+
+<file path=customXml/itemProps2.xml><?xml version="1.0" encoding="utf-8"?>
 <ds:datastoreItem xmlns:ds="http://schemas.openxmlformats.org/officeDocument/2006/customXml" ds:itemID="{28C8B9CA-0273-4370-889A-FC05DA5C2FA5}">
   <ds:schemaRefs>
     <ds:schemaRef ds:uri="http://schemas.microsoft.com/office/2006/metadata/contentType"/>
@@ -13370,14 +16070,6 @@
     <ds:schemaRef ds:uri="http://purl.org/dc/elements/1.1/"/>
     <ds:schemaRef ds:uri="http://purl.org/dc/terms/"/>
     <ds:schemaRef ds:uri="http://schemas.microsoft.com/internal/obd"/>
-  </ds:schemaRefs>
-</ds:datastoreItem>
-</file>
-
-<file path=customXml/itemProps2.xml><?xml version="1.0" encoding="utf-8"?>
-<ds:datastoreItem xmlns:ds="http://schemas.openxmlformats.org/officeDocument/2006/customXml" ds:itemID="{561E720F-F05D-4536-9C34-0CFCED65D3B7}">
-  <ds:schemaRefs>
-    <ds:schemaRef ds:uri="http://schemas.microsoft.com/sharepoint/v3/contenttype/forms"/>
   </ds:schemaRefs>
 </ds:datastoreItem>
 </file>

--- a/Presentation/Stage_2/stage_2_presentation.pptx
+++ b/Presentation/Stage_2/stage_2_presentation.pptx
@@ -1049,9 +1049,8 @@
             </a:lvl1pPr>
           </a:lstStyle>
           <a:p>
-            <a:fld id="{183E4277-52B1-4833-AC6F-BB4B6A81D6CC}" type="datetime1">
+            <a:fld id="{C18EDB7D-539F-4275-864A-67112C1B715F}" type="datetime1">
               <a:rPr lang="en-US" smtClean="0"/>
-              <a:pPr/>
               <a:t>6/21/2021</a:t>
             </a:fld>
             <a:endParaRPr lang="en-US" dirty="0"/>
@@ -1086,7 +1085,7 @@
           <a:p>
             <a:r>
               <a:rPr lang="en-US"/>
-              <a:t>Title of the Course</a:t>
+              <a:t>Astronomical image colourisation and super-resolution using GANS</a:t>
             </a:r>
           </a:p>
         </p:txBody>
@@ -1347,9 +1346,8 @@
           <a:bodyPr/>
           <a:lstStyle/>
           <a:p>
-            <a:fld id="{5C890C03-C70A-476F-BE79-585F03F505CD}" type="datetime1">
+            <a:fld id="{D5E842D5-6BF2-4605-A288-C65702075B27}" type="datetime1">
               <a:rPr lang="en-US" smtClean="0"/>
-              <a:pPr/>
               <a:t>6/21/2021</a:t>
             </a:fld>
             <a:endParaRPr/>
@@ -1372,8 +1370,8 @@
           <a:lstStyle/>
           <a:p>
             <a:r>
-              <a:rPr lang="en-IN"/>
-              <a:t>Title of the Course</a:t>
+              <a:rPr lang="en-US"/>
+              <a:t>Astronomical image colourisation and super-resolution using GANS</a:t>
             </a:r>
             <a:endParaRPr/>
           </a:p>
@@ -1535,9 +1533,8 @@
           <a:bodyPr/>
           <a:lstStyle/>
           <a:p>
-            <a:fld id="{47D0A024-B9D2-407A-A933-5D6963607B69}" type="datetime1">
+            <a:fld id="{95E93ED0-AB9C-4D87-99DD-A93A1003EAE9}" type="datetime1">
               <a:rPr lang="en-US" smtClean="0"/>
-              <a:pPr/>
               <a:t>6/21/2021</a:t>
             </a:fld>
             <a:endParaRPr/>
@@ -1560,8 +1557,8 @@
           <a:lstStyle/>
           <a:p>
             <a:r>
-              <a:rPr lang="en-IN"/>
-              <a:t>Title of the Course</a:t>
+              <a:rPr lang="en-US"/>
+              <a:t>Astronomical image colourisation and super-resolution using GANS</a:t>
             </a:r>
             <a:endParaRPr/>
           </a:p>
@@ -1733,9 +1730,8 @@
           <a:bodyPr/>
           <a:lstStyle/>
           <a:p>
-            <a:fld id="{26313726-BB44-4512-808B-B68E8613AC52}" type="datetime1">
+            <a:fld id="{DD3E3EE1-2361-47A3-A7A7-B522A349704C}" type="datetime1">
               <a:rPr lang="en-US" smtClean="0"/>
-              <a:pPr/>
               <a:t>6/21/2021</a:t>
             </a:fld>
             <a:endParaRPr/>
@@ -1758,8 +1754,8 @@
           <a:lstStyle/>
           <a:p>
             <a:r>
-              <a:rPr lang="en-IN"/>
-              <a:t>Title of the Course</a:t>
+              <a:rPr lang="en-US"/>
+              <a:t>Astronomical image colourisation and super-resolution using GANS</a:t>
             </a:r>
             <a:endParaRPr/>
           </a:p>
@@ -2008,9 +2004,8 @@
           <a:bodyPr/>
           <a:lstStyle/>
           <a:p>
-            <a:fld id="{78F08668-515E-49FB-922C-5F234CBCB7AB}" type="datetime1">
+            <a:fld id="{7A830724-6B00-4C27-81D2-4CD7975D15C6}" type="datetime1">
               <a:rPr lang="en-US" smtClean="0"/>
-              <a:pPr/>
               <a:t>6/21/2021</a:t>
             </a:fld>
             <a:endParaRPr/>
@@ -2033,8 +2028,8 @@
           <a:lstStyle/>
           <a:p>
             <a:r>
-              <a:rPr lang="en-IN"/>
-              <a:t>Title of the Course</a:t>
+              <a:rPr lang="en-US"/>
+              <a:t>Astronomical image colourisation and super-resolution using GANS</a:t>
             </a:r>
             <a:endParaRPr/>
           </a:p>
@@ -3043,9 +3038,8 @@
           <a:bodyPr/>
           <a:lstStyle/>
           <a:p>
-            <a:fld id="{BC09471B-790C-4B66-821E-4A767AEDEC76}" type="datetime1">
+            <a:fld id="{B62FDE84-BC21-4038-B8C3-7029E7C9F7A2}" type="datetime1">
               <a:rPr lang="en-US" smtClean="0"/>
-              <a:pPr/>
               <a:t>6/21/2021</a:t>
             </a:fld>
             <a:endParaRPr/>
@@ -3068,8 +3062,8 @@
           <a:lstStyle/>
           <a:p>
             <a:r>
-              <a:rPr lang="en-IN"/>
-              <a:t>Title of the Course</a:t>
+              <a:rPr lang="en-US"/>
+              <a:t>Astronomical image colourisation and super-resolution using GANS</a:t>
             </a:r>
             <a:endParaRPr/>
           </a:p>
@@ -3322,9 +3316,8 @@
           <a:bodyPr/>
           <a:lstStyle/>
           <a:p>
-            <a:fld id="{38CB8318-D5D0-44B7-B1EA-676E0E2BD6CC}" type="datetime1">
+            <a:fld id="{AD73602C-74C0-46DF-9964-BF6CC7D4B235}" type="datetime1">
               <a:rPr lang="en-US" smtClean="0"/>
-              <a:pPr/>
               <a:t>6/21/2021</a:t>
             </a:fld>
             <a:endParaRPr/>
@@ -3347,8 +3340,8 @@
           <a:lstStyle/>
           <a:p>
             <a:r>
-              <a:rPr lang="en-IN"/>
-              <a:t>Title of the Course</a:t>
+              <a:rPr lang="en-US"/>
+              <a:t>Astronomical image colourisation and super-resolution using GANS</a:t>
             </a:r>
             <a:endParaRPr/>
           </a:p>
@@ -3708,9 +3701,8 @@
           <a:bodyPr/>
           <a:lstStyle/>
           <a:p>
-            <a:fld id="{4C09CE64-E006-40B0-A252-8B956A8588A1}" type="datetime1">
+            <a:fld id="{04E00157-1601-43C9-933F-67FF3626D800}" type="datetime1">
               <a:rPr lang="en-US" smtClean="0"/>
-              <a:pPr/>
               <a:t>6/21/2021</a:t>
             </a:fld>
             <a:endParaRPr/>
@@ -3733,8 +3725,8 @@
           <a:lstStyle/>
           <a:p>
             <a:r>
-              <a:rPr lang="en-IN"/>
-              <a:t>Title of the Course</a:t>
+              <a:rPr lang="en-US"/>
+              <a:t>Astronomical image colourisation and super-resolution using GANS</a:t>
             </a:r>
             <a:endParaRPr/>
           </a:p>
@@ -3844,9 +3836,8 @@
           <a:bodyPr/>
           <a:lstStyle/>
           <a:p>
-            <a:fld id="{D801D14B-6E16-4983-8AE7-1E9FD4ED446E}" type="datetime1">
+            <a:fld id="{AAC1B7E8-7625-430B-8F6E-99BDB0148958}" type="datetime1">
               <a:rPr lang="en-US" smtClean="0"/>
-              <a:pPr/>
               <a:t>6/21/2021</a:t>
             </a:fld>
             <a:endParaRPr/>
@@ -3869,8 +3860,8 @@
           <a:lstStyle/>
           <a:p>
             <a:r>
-              <a:rPr lang="en-IN"/>
-              <a:t>Title of the Course</a:t>
+              <a:rPr lang="en-US"/>
+              <a:t>Astronomical image colourisation and super-resolution using GANS</a:t>
             </a:r>
             <a:endParaRPr/>
           </a:p>
@@ -3957,9 +3948,8 @@
           <a:bodyPr/>
           <a:lstStyle/>
           <a:p>
-            <a:fld id="{39D0E21E-CD8B-48CA-B5C0-8B76D73C89AB}" type="datetime1">
+            <a:fld id="{7353F5A0-13FA-4A34-A2F9-7742C6E9564B}" type="datetime1">
               <a:rPr lang="en-US" smtClean="0"/>
-              <a:pPr/>
               <a:t>6/21/2021</a:t>
             </a:fld>
             <a:endParaRPr/>
@@ -3982,8 +3972,8 @@
           <a:lstStyle/>
           <a:p>
             <a:r>
-              <a:rPr lang="en-IN"/>
-              <a:t>Title of the Course</a:t>
+              <a:rPr lang="en-US"/>
+              <a:t>Astronomical image colourisation and super-resolution using GANS</a:t>
             </a:r>
             <a:endParaRPr/>
           </a:p>
@@ -4254,9 +4244,8 @@
           <a:bodyPr/>
           <a:lstStyle/>
           <a:p>
-            <a:fld id="{9BDB5B88-5499-4082-B3EB-38DEDE282E1E}" type="datetime1">
+            <a:fld id="{5BB2BA9D-3D8C-46F9-936C-B8713116983F}" type="datetime1">
               <a:rPr lang="en-US" smtClean="0"/>
-              <a:pPr/>
               <a:t>6/21/2021</a:t>
             </a:fld>
             <a:endParaRPr/>
@@ -4279,8 +4268,8 @@
           <a:lstStyle/>
           <a:p>
             <a:r>
-              <a:rPr lang="en-IN"/>
-              <a:t>Title of the Course</a:t>
+              <a:rPr lang="en-US"/>
+              <a:t>Astronomical image colourisation and super-resolution using GANS</a:t>
             </a:r>
             <a:endParaRPr/>
           </a:p>
@@ -4485,9 +4474,8 @@
             </a:lvl1pPr>
           </a:lstStyle>
           <a:p>
-            <a:fld id="{20CEE9E0-1356-49C3-9AF4-E01992A7F1A8}" type="datetime1">
+            <a:fld id="{4B705BAD-BA9B-4107-B24F-0DF3B04C3636}" type="datetime1">
               <a:rPr lang="en-US" smtClean="0"/>
-              <a:pPr/>
               <a:t>6/21/2021</a:t>
             </a:fld>
             <a:endParaRPr lang="en-US"/>
@@ -4529,7 +4517,7 @@
           <a:p>
             <a:r>
               <a:rPr lang="en-US"/>
-              <a:t>Title of the Course</a:t>
+              <a:t>Astronomical image colourisation and super-resolution using GANS</a:t>
             </a:r>
           </a:p>
         </p:txBody>
@@ -7389,9 +7377,10 @@
           <a:lstStyle/>
           <a:p>
             <a:r>
-              <a:rPr lang="en-IN"/>
-              <a:t>Title of the Course</a:t>
-            </a:r>
+              <a:rPr lang="en-US"/>
+              <a:t>Astronomical image colourisation and super-resolution using GANS</a:t>
+            </a:r>
+            <a:endParaRPr lang="en-IN"/>
           </a:p>
         </p:txBody>
       </p:sp>
@@ -7523,9 +7512,10 @@
           <a:lstStyle/>
           <a:p>
             <a:r>
-              <a:rPr lang="en-IN"/>
-              <a:t>Title of the Course</a:t>
-            </a:r>
+              <a:rPr lang="en-US"/>
+              <a:t>Astronomical image colourisation and super-resolution using GANS</a:t>
+            </a:r>
+            <a:endParaRPr lang="en-IN"/>
           </a:p>
         </p:txBody>
       </p:sp>
@@ -7721,9 +7711,10 @@
           <a:lstStyle/>
           <a:p>
             <a:r>
-              <a:rPr lang="en-IN"/>
-              <a:t>Title of the Course</a:t>
-            </a:r>
+              <a:rPr lang="en-US"/>
+              <a:t>Astronomical image colourisation and super-resolution using GANS</a:t>
+            </a:r>
+            <a:endParaRPr lang="en-IN"/>
           </a:p>
         </p:txBody>
       </p:sp>
@@ -7878,9 +7869,10 @@
           <a:lstStyle/>
           <a:p>
             <a:r>
-              <a:rPr lang="en-IN"/>
-              <a:t>Title of the Course</a:t>
-            </a:r>
+              <a:rPr lang="en-US"/>
+              <a:t>Astronomical image colourisation and super-resolution using GANS</a:t>
+            </a:r>
+            <a:endParaRPr lang="en-IN"/>
           </a:p>
         </p:txBody>
       </p:sp>
@@ -8175,9 +8167,10 @@
           <a:lstStyle/>
           <a:p>
             <a:r>
-              <a:rPr lang="en-IN"/>
-              <a:t>Title of the Course</a:t>
-            </a:r>
+              <a:rPr lang="en-US"/>
+              <a:t>Astronomical image colourisation and super-resolution using GANS</a:t>
+            </a:r>
+            <a:endParaRPr lang="en-IN"/>
           </a:p>
         </p:txBody>
       </p:sp>
@@ -9526,6 +9519,34 @@
           </a:p>
         </p:txBody>
       </p:sp>
+      <p:sp>
+        <p:nvSpPr>
+          <p:cNvPr id="4" name="Footer Placeholder 3">
+            <a:extLst>
+              <a:ext uri="{FF2B5EF4-FFF2-40B4-BE49-F238E27FC236}">
+                <a16:creationId xmlns:a16="http://schemas.microsoft.com/office/drawing/2014/main" id="{344EE62D-C77A-4940-8F51-1A942F529980}"/>
+              </a:ext>
+            </a:extLst>
+          </p:cNvPr>
+          <p:cNvSpPr>
+            <a:spLocks noGrp="1"/>
+          </p:cNvSpPr>
+          <p:nvPr>
+            <p:ph type="ftr" sz="quarter" idx="11"/>
+          </p:nvPr>
+        </p:nvSpPr>
+        <p:spPr/>
+        <p:txBody>
+          <a:bodyPr/>
+          <a:lstStyle/>
+          <a:p>
+            <a:r>
+              <a:rPr lang="en-US"/>
+              <a:t>Astronomical image colourisation and super-resolution using GANS</a:t>
+            </a:r>
+          </a:p>
+        </p:txBody>
+      </p:sp>
     </p:spTree>
     <p:extLst>
       <p:ext uri="{BB962C8B-B14F-4D97-AF65-F5344CB8AC3E}">
@@ -9789,6 +9810,34 @@
           </a:p>
         </p:txBody>
       </p:sp>
+      <p:sp>
+        <p:nvSpPr>
+          <p:cNvPr id="2" name="Footer Placeholder 1">
+            <a:extLst>
+              <a:ext uri="{FF2B5EF4-FFF2-40B4-BE49-F238E27FC236}">
+                <a16:creationId xmlns:a16="http://schemas.microsoft.com/office/drawing/2014/main" id="{BEE8ED65-7A81-4522-A060-0856F5357085}"/>
+              </a:ext>
+            </a:extLst>
+          </p:cNvPr>
+          <p:cNvSpPr>
+            <a:spLocks noGrp="1"/>
+          </p:cNvSpPr>
+          <p:nvPr>
+            <p:ph type="ftr" sz="quarter" idx="11"/>
+          </p:nvPr>
+        </p:nvSpPr>
+        <p:spPr/>
+        <p:txBody>
+          <a:bodyPr/>
+          <a:lstStyle/>
+          <a:p>
+            <a:r>
+              <a:rPr lang="en-US"/>
+              <a:t>Astronomical image colourisation and super-resolution using GANS</a:t>
+            </a:r>
+          </a:p>
+        </p:txBody>
+      </p:sp>
     </p:spTree>
     <p:extLst>
       <p:ext uri="{BB962C8B-B14F-4D97-AF65-F5344CB8AC3E}">
@@ -10062,6 +10111,34 @@
               <a:t>Astronomical image colourisation and super-resolution using GANS</a:t>
             </a:r>
             <a:endParaRPr lang="en-IN" dirty="0"/>
+          </a:p>
+        </p:txBody>
+      </p:sp>
+      <p:sp>
+        <p:nvSpPr>
+          <p:cNvPr id="4" name="Footer Placeholder 3">
+            <a:extLst>
+              <a:ext uri="{FF2B5EF4-FFF2-40B4-BE49-F238E27FC236}">
+                <a16:creationId xmlns:a16="http://schemas.microsoft.com/office/drawing/2014/main" id="{BC54BFD9-C7F0-4A84-840C-79AB2A42CCED}"/>
+              </a:ext>
+            </a:extLst>
+          </p:cNvPr>
+          <p:cNvSpPr>
+            <a:spLocks noGrp="1"/>
+          </p:cNvSpPr>
+          <p:nvPr>
+            <p:ph type="ftr" sz="quarter" idx="11"/>
+          </p:nvPr>
+        </p:nvSpPr>
+        <p:spPr/>
+        <p:txBody>
+          <a:bodyPr/>
+          <a:lstStyle/>
+          <a:p>
+            <a:r>
+              <a:rPr lang="en-US"/>
+              <a:t>Astronomical image colourisation and super-resolution using GANS</a:t>
+            </a:r>
           </a:p>
         </p:txBody>
       </p:sp>
@@ -13536,12 +13613,6 @@
             </a:r>
           </a:p>
           <a:p>
-            <a:r>
-              <a:rPr lang="en-US" dirty="0"/>
-              <a:t>It contains eight convolutional layers with an increasing number of 3 × 3 filter kernels, increasing by a factor of 2 from 64 to 512 kernels as in the VGG network</a:t>
-            </a:r>
-          </a:p>
-          <a:p>
             <a:endParaRPr lang="en-US" dirty="0"/>
           </a:p>
           <a:p>
@@ -13642,7 +13713,7 @@
         </p:blipFill>
         <p:spPr>
           <a:xfrm>
-            <a:off x="2663300" y="4177776"/>
+            <a:off x="2663300" y="3285840"/>
             <a:ext cx="2160048" cy="2160048"/>
           </a:xfrm>
           <a:prstGeom prst="rect">
@@ -13714,7 +13785,7 @@
         </p:blipFill>
         <p:spPr>
           <a:xfrm>
-            <a:off x="6673993" y="4187039"/>
+            <a:off x="6573287" y="3255822"/>
             <a:ext cx="2160048" cy="2160048"/>
           </a:xfrm>
           <a:prstGeom prst="rect">
@@ -13871,7 +13942,7 @@
             </a:pPr>
             <a:r>
               <a:rPr lang="en-US" dirty="0"/>
-              <a:t>We are try different models to find the most efficient methodology to colorize the images</a:t>
+              <a:t>We try different models to find the most efficient methodology to colorize the images</a:t>
             </a:r>
           </a:p>
           <a:p>
@@ -13921,40 +13992,6 @@
               <a:rPr lang="en-US" dirty="0"/>
               <a:t>A study of different architectures namely basic U-net, ResNet18 U-net has been implemented and tested </a:t>
             </a:r>
-          </a:p>
-          <a:p>
-            <a:pPr marL="228600" indent="-228600">
-              <a:lnSpc>
-                <a:spcPct val="90000"/>
-              </a:lnSpc>
-              <a:spcBef>
-                <a:spcPts val="1800"/>
-              </a:spcBef>
-              <a:buFont typeface="Wingdings" panose="05000000000000000000" pitchFamily="2" charset="2"/>
-              <a:buChar char="§"/>
-            </a:pPr>
-            <a:r>
-              <a:rPr lang="en-US" dirty="0"/>
-              <a:t>Image Upscaling i</a:t>
-            </a:r>
-            <a:r>
-              <a:rPr lang="en-US" sz="2000" dirty="0">
-                <a:effectLst/>
-              </a:rPr>
-              <a:t>mplementation is successful and has shown promising results. We are still trying to fine tune the model to get better results</a:t>
-            </a:r>
-          </a:p>
-          <a:p>
-            <a:pPr marL="0" indent="0">
-              <a:lnSpc>
-                <a:spcPct val="90000"/>
-              </a:lnSpc>
-              <a:spcBef>
-                <a:spcPts val="1800"/>
-              </a:spcBef>
-              <a:buNone/>
-            </a:pPr>
-            <a:endParaRPr lang="en-US" dirty="0"/>
           </a:p>
           <a:p>
             <a:pPr marL="228600" indent="-228600">
@@ -16077,15 +16114,15 @@
 <file path=customXml/itemProps3.xml><?xml version="1.0" encoding="utf-8"?>
 <ds:datastoreItem xmlns:ds="http://schemas.openxmlformats.org/officeDocument/2006/customXml" ds:itemID="{8CDDBB83-77C1-4099-A0AA-289882E745E2}">
   <ds:schemaRefs>
+    <ds:schemaRef ds:uri="http://purl.org/dc/terms/"/>
+    <ds:schemaRef ds:uri="http://schemas.microsoft.com/office/2006/documentManagement/types"/>
+    <ds:schemaRef ds:uri="http://purl.org/dc/dcmitype/"/>
+    <ds:schemaRef ds:uri="http://schemas.openxmlformats.org/package/2006/metadata/core-properties"/>
     <ds:schemaRef ds:uri="http://purl.org/dc/elements/1.1/"/>
     <ds:schemaRef ds:uri="http://schemas.microsoft.com/office/2006/metadata/properties"/>
+    <ds:schemaRef ds:uri="http://schemas.microsoft.com/office/infopath/2007/PartnerControls"/>
     <ds:schemaRef ds:uri="4873beb7-5857-4685-be1f-d57550cc96cc"/>
-    <ds:schemaRef ds:uri="http://schemas.openxmlformats.org/package/2006/metadata/core-properties"/>
-    <ds:schemaRef ds:uri="http://purl.org/dc/terms/"/>
-    <ds:schemaRef ds:uri="http://schemas.microsoft.com/office/2006/documentManagement/types"/>
-    <ds:schemaRef ds:uri="http://schemas.microsoft.com/office/infopath/2007/PartnerControls"/>
     <ds:schemaRef ds:uri="http://www.w3.org/XML/1998/namespace"/>
-    <ds:schemaRef ds:uri="http://purl.org/dc/dcmitype/"/>
   </ds:schemaRefs>
 </ds:datastoreItem>
 </file>
--- a/Presentation/Stage_2/stage_2_presentation.pptx
+++ b/Presentation/Stage_2/stage_2_presentation.pptx
@@ -5,25 +5,39 @@
     <p:sldMasterId id="2147483648" r:id="rId4"/>
   </p:sldMasterIdLst>
   <p:notesMasterIdLst>
-    <p:notesMasterId r:id="rId18"/>
+    <p:notesMasterId r:id="rId32"/>
   </p:notesMasterIdLst>
   <p:handoutMasterIdLst>
-    <p:handoutMasterId r:id="rId19"/>
+    <p:handoutMasterId r:id="rId33"/>
   </p:handoutMasterIdLst>
   <p:sldIdLst>
     <p:sldId id="270" r:id="rId5"/>
     <p:sldId id="269" r:id="rId6"/>
     <p:sldId id="257" r:id="rId7"/>
-    <p:sldId id="275" r:id="rId8"/>
-    <p:sldId id="276" r:id="rId9"/>
-    <p:sldId id="292" r:id="rId10"/>
-    <p:sldId id="293" r:id="rId11"/>
-    <p:sldId id="294" r:id="rId12"/>
-    <p:sldId id="296" r:id="rId13"/>
-    <p:sldId id="300" r:id="rId14"/>
-    <p:sldId id="297" r:id="rId15"/>
-    <p:sldId id="298" r:id="rId16"/>
-    <p:sldId id="268" r:id="rId17"/>
+    <p:sldId id="304" r:id="rId8"/>
+    <p:sldId id="275" r:id="rId9"/>
+    <p:sldId id="276" r:id="rId10"/>
+    <p:sldId id="292" r:id="rId11"/>
+    <p:sldId id="293" r:id="rId12"/>
+    <p:sldId id="294" r:id="rId13"/>
+    <p:sldId id="302" r:id="rId14"/>
+    <p:sldId id="296" r:id="rId15"/>
+    <p:sldId id="300" r:id="rId16"/>
+    <p:sldId id="303" r:id="rId17"/>
+    <p:sldId id="305" r:id="rId18"/>
+    <p:sldId id="313" r:id="rId19"/>
+    <p:sldId id="314" r:id="rId20"/>
+    <p:sldId id="310" r:id="rId21"/>
+    <p:sldId id="311" r:id="rId22"/>
+    <p:sldId id="312" r:id="rId23"/>
+    <p:sldId id="306" r:id="rId24"/>
+    <p:sldId id="308" r:id="rId25"/>
+    <p:sldId id="309" r:id="rId26"/>
+    <p:sldId id="297" r:id="rId27"/>
+    <p:sldId id="316" r:id="rId28"/>
+    <p:sldId id="317" r:id="rId29"/>
+    <p:sldId id="318" r:id="rId30"/>
+    <p:sldId id="268" r:id="rId31"/>
   </p:sldIdLst>
   <p:sldSz cx="12192000" cy="6858000"/>
   <p:notesSz cx="6858000" cy="9144000"/>
@@ -227,7 +241,7 @@
             <a:fld id="{23CEAAF3-9831-450B-8D59-2C09DB96C8FC}" type="datetimeFigureOut">
               <a:rPr lang="en-US"/>
               <a:pPr/>
-              <a:t>6/4/2021</a:t>
+              <a:t>6/21/2021</a:t>
             </a:fld>
             <a:endParaRPr/>
           </a:p>
@@ -394,7 +408,7 @@
             <a:fld id="{2D50CD79-FC16-4410-AB61-17F26E6D3BC8}" type="datetimeFigureOut">
               <a:rPr lang="en-US"/>
               <a:pPr/>
-              <a:t>6/4/2021</a:t>
+              <a:t>6/21/2021</a:t>
             </a:fld>
             <a:endParaRPr/>
           </a:p>
@@ -1035,10 +1049,9 @@
             </a:lvl1pPr>
           </a:lstStyle>
           <a:p>
-            <a:fld id="{183E4277-52B1-4833-AC6F-BB4B6A81D6CC}" type="datetime1">
+            <a:fld id="{C18EDB7D-539F-4275-864A-67112C1B715F}" type="datetime1">
               <a:rPr lang="en-US" smtClean="0"/>
-              <a:pPr/>
-              <a:t>6/4/2021</a:t>
+              <a:t>6/21/2021</a:t>
             </a:fld>
             <a:endParaRPr lang="en-US" dirty="0"/>
           </a:p>
@@ -1072,7 +1085,7 @@
           <a:p>
             <a:r>
               <a:rPr lang="en-US"/>
-              <a:t>Title of the Course</a:t>
+              <a:t>Astronomical image colourisation and super-resolution using GANS</a:t>
             </a:r>
           </a:p>
         </p:txBody>
@@ -1333,10 +1346,9 @@
           <a:bodyPr/>
           <a:lstStyle/>
           <a:p>
-            <a:fld id="{5C890C03-C70A-476F-BE79-585F03F505CD}" type="datetime1">
+            <a:fld id="{D5E842D5-6BF2-4605-A288-C65702075B27}" type="datetime1">
               <a:rPr lang="en-US" smtClean="0"/>
-              <a:pPr/>
-              <a:t>6/4/2021</a:t>
+              <a:t>6/21/2021</a:t>
             </a:fld>
             <a:endParaRPr/>
           </a:p>
@@ -1358,8 +1370,8 @@
           <a:lstStyle/>
           <a:p>
             <a:r>
-              <a:rPr lang="en-IN"/>
-              <a:t>Title of the Course</a:t>
+              <a:rPr lang="en-US"/>
+              <a:t>Astronomical image colourisation and super-resolution using GANS</a:t>
             </a:r>
             <a:endParaRPr/>
           </a:p>
@@ -1521,10 +1533,9 @@
           <a:bodyPr/>
           <a:lstStyle/>
           <a:p>
-            <a:fld id="{47D0A024-B9D2-407A-A933-5D6963607B69}" type="datetime1">
+            <a:fld id="{95E93ED0-AB9C-4D87-99DD-A93A1003EAE9}" type="datetime1">
               <a:rPr lang="en-US" smtClean="0"/>
-              <a:pPr/>
-              <a:t>6/4/2021</a:t>
+              <a:t>6/21/2021</a:t>
             </a:fld>
             <a:endParaRPr/>
           </a:p>
@@ -1546,8 +1557,8 @@
           <a:lstStyle/>
           <a:p>
             <a:r>
-              <a:rPr lang="en-IN"/>
-              <a:t>Title of the Course</a:t>
+              <a:rPr lang="en-US"/>
+              <a:t>Astronomical image colourisation and super-resolution using GANS</a:t>
             </a:r>
             <a:endParaRPr/>
           </a:p>
@@ -1719,10 +1730,9 @@
           <a:bodyPr/>
           <a:lstStyle/>
           <a:p>
-            <a:fld id="{26313726-BB44-4512-808B-B68E8613AC52}" type="datetime1">
+            <a:fld id="{DD3E3EE1-2361-47A3-A7A7-B522A349704C}" type="datetime1">
               <a:rPr lang="en-US" smtClean="0"/>
-              <a:pPr/>
-              <a:t>6/4/2021</a:t>
+              <a:t>6/21/2021</a:t>
             </a:fld>
             <a:endParaRPr/>
           </a:p>
@@ -1744,8 +1754,8 @@
           <a:lstStyle/>
           <a:p>
             <a:r>
-              <a:rPr lang="en-IN"/>
-              <a:t>Title of the Course</a:t>
+              <a:rPr lang="en-US"/>
+              <a:t>Astronomical image colourisation and super-resolution using GANS</a:t>
             </a:r>
             <a:endParaRPr/>
           </a:p>
@@ -1994,10 +2004,9 @@
           <a:bodyPr/>
           <a:lstStyle/>
           <a:p>
-            <a:fld id="{78F08668-515E-49FB-922C-5F234CBCB7AB}" type="datetime1">
+            <a:fld id="{7A830724-6B00-4C27-81D2-4CD7975D15C6}" type="datetime1">
               <a:rPr lang="en-US" smtClean="0"/>
-              <a:pPr/>
-              <a:t>6/4/2021</a:t>
+              <a:t>6/21/2021</a:t>
             </a:fld>
             <a:endParaRPr/>
           </a:p>
@@ -2019,8 +2028,8 @@
           <a:lstStyle/>
           <a:p>
             <a:r>
-              <a:rPr lang="en-IN"/>
-              <a:t>Title of the Course</a:t>
+              <a:rPr lang="en-US"/>
+              <a:t>Astronomical image colourisation and super-resolution using GANS</a:t>
             </a:r>
             <a:endParaRPr/>
           </a:p>
@@ -3029,10 +3038,9 @@
           <a:bodyPr/>
           <a:lstStyle/>
           <a:p>
-            <a:fld id="{BC09471B-790C-4B66-821E-4A767AEDEC76}" type="datetime1">
+            <a:fld id="{B62FDE84-BC21-4038-B8C3-7029E7C9F7A2}" type="datetime1">
               <a:rPr lang="en-US" smtClean="0"/>
-              <a:pPr/>
-              <a:t>6/4/2021</a:t>
+              <a:t>6/21/2021</a:t>
             </a:fld>
             <a:endParaRPr/>
           </a:p>
@@ -3054,8 +3062,8 @@
           <a:lstStyle/>
           <a:p>
             <a:r>
-              <a:rPr lang="en-IN"/>
-              <a:t>Title of the Course</a:t>
+              <a:rPr lang="en-US"/>
+              <a:t>Astronomical image colourisation and super-resolution using GANS</a:t>
             </a:r>
             <a:endParaRPr/>
           </a:p>
@@ -3308,10 +3316,9 @@
           <a:bodyPr/>
           <a:lstStyle/>
           <a:p>
-            <a:fld id="{38CB8318-D5D0-44B7-B1EA-676E0E2BD6CC}" type="datetime1">
+            <a:fld id="{AD73602C-74C0-46DF-9964-BF6CC7D4B235}" type="datetime1">
               <a:rPr lang="en-US" smtClean="0"/>
-              <a:pPr/>
-              <a:t>6/4/2021</a:t>
+              <a:t>6/21/2021</a:t>
             </a:fld>
             <a:endParaRPr/>
           </a:p>
@@ -3333,8 +3340,8 @@
           <a:lstStyle/>
           <a:p>
             <a:r>
-              <a:rPr lang="en-IN"/>
-              <a:t>Title of the Course</a:t>
+              <a:rPr lang="en-US"/>
+              <a:t>Astronomical image colourisation and super-resolution using GANS</a:t>
             </a:r>
             <a:endParaRPr/>
           </a:p>
@@ -3694,10 +3701,9 @@
           <a:bodyPr/>
           <a:lstStyle/>
           <a:p>
-            <a:fld id="{4C09CE64-E006-40B0-A252-8B956A8588A1}" type="datetime1">
+            <a:fld id="{04E00157-1601-43C9-933F-67FF3626D800}" type="datetime1">
               <a:rPr lang="en-US" smtClean="0"/>
-              <a:pPr/>
-              <a:t>6/4/2021</a:t>
+              <a:t>6/21/2021</a:t>
             </a:fld>
             <a:endParaRPr/>
           </a:p>
@@ -3719,8 +3725,8 @@
           <a:lstStyle/>
           <a:p>
             <a:r>
-              <a:rPr lang="en-IN"/>
-              <a:t>Title of the Course</a:t>
+              <a:rPr lang="en-US"/>
+              <a:t>Astronomical image colourisation and super-resolution using GANS</a:t>
             </a:r>
             <a:endParaRPr/>
           </a:p>
@@ -3830,10 +3836,9 @@
           <a:bodyPr/>
           <a:lstStyle/>
           <a:p>
-            <a:fld id="{D801D14B-6E16-4983-8AE7-1E9FD4ED446E}" type="datetime1">
+            <a:fld id="{AAC1B7E8-7625-430B-8F6E-99BDB0148958}" type="datetime1">
               <a:rPr lang="en-US" smtClean="0"/>
-              <a:pPr/>
-              <a:t>6/4/2021</a:t>
+              <a:t>6/21/2021</a:t>
             </a:fld>
             <a:endParaRPr/>
           </a:p>
@@ -3855,8 +3860,8 @@
           <a:lstStyle/>
           <a:p>
             <a:r>
-              <a:rPr lang="en-IN"/>
-              <a:t>Title of the Course</a:t>
+              <a:rPr lang="en-US"/>
+              <a:t>Astronomical image colourisation and super-resolution using GANS</a:t>
             </a:r>
             <a:endParaRPr/>
           </a:p>
@@ -3943,10 +3948,9 @@
           <a:bodyPr/>
           <a:lstStyle/>
           <a:p>
-            <a:fld id="{39D0E21E-CD8B-48CA-B5C0-8B76D73C89AB}" type="datetime1">
+            <a:fld id="{7353F5A0-13FA-4A34-A2F9-7742C6E9564B}" type="datetime1">
               <a:rPr lang="en-US" smtClean="0"/>
-              <a:pPr/>
-              <a:t>6/4/2021</a:t>
+              <a:t>6/21/2021</a:t>
             </a:fld>
             <a:endParaRPr/>
           </a:p>
@@ -3968,8 +3972,8 @@
           <a:lstStyle/>
           <a:p>
             <a:r>
-              <a:rPr lang="en-IN"/>
-              <a:t>Title of the Course</a:t>
+              <a:rPr lang="en-US"/>
+              <a:t>Astronomical image colourisation and super-resolution using GANS</a:t>
             </a:r>
             <a:endParaRPr/>
           </a:p>
@@ -4240,10 +4244,9 @@
           <a:bodyPr/>
           <a:lstStyle/>
           <a:p>
-            <a:fld id="{9BDB5B88-5499-4082-B3EB-38DEDE282E1E}" type="datetime1">
+            <a:fld id="{5BB2BA9D-3D8C-46F9-936C-B8713116983F}" type="datetime1">
               <a:rPr lang="en-US" smtClean="0"/>
-              <a:pPr/>
-              <a:t>6/4/2021</a:t>
+              <a:t>6/21/2021</a:t>
             </a:fld>
             <a:endParaRPr/>
           </a:p>
@@ -4265,8 +4268,8 @@
           <a:lstStyle/>
           <a:p>
             <a:r>
-              <a:rPr lang="en-IN"/>
-              <a:t>Title of the Course</a:t>
+              <a:rPr lang="en-US"/>
+              <a:t>Astronomical image colourisation and super-resolution using GANS</a:t>
             </a:r>
             <a:endParaRPr/>
           </a:p>
@@ -4471,10 +4474,9 @@
             </a:lvl1pPr>
           </a:lstStyle>
           <a:p>
-            <a:fld id="{20CEE9E0-1356-49C3-9AF4-E01992A7F1A8}" type="datetime1">
+            <a:fld id="{4B705BAD-BA9B-4107-B24F-0DF3B04C3636}" type="datetime1">
               <a:rPr lang="en-US" smtClean="0"/>
-              <a:pPr/>
-              <a:t>6/4/2021</a:t>
+              <a:t>6/21/2021</a:t>
             </a:fld>
             <a:endParaRPr lang="en-US"/>
           </a:p>
@@ -4515,7 +4517,7 @@
           <a:p>
             <a:r>
               <a:rPr lang="en-US"/>
-              <a:t>Title of the Course</a:t>
+              <a:t>Astronomical image colourisation and super-resolution using GANS</a:t>
             </a:r>
           </a:p>
         </p:txBody>
@@ -5336,21 +5338,19 @@
           <a:bodyPr/>
           <a:lstStyle/>
           <a:p>
-            <a:pPr marL="285750" indent="-285750">
+            <a:pPr>
               <a:lnSpc>
                 <a:spcPct val="115000"/>
               </a:lnSpc>
               <a:spcAft>
                 <a:spcPts val="1000"/>
               </a:spcAft>
-              <a:buFont typeface="Arial" panose="020B0604020202020204" pitchFamily="34" charset="0"/>
-              <a:buChar char="•"/>
             </a:pPr>
             <a:r>
               <a:rPr lang="en-US" sz="2800" dirty="0">
                 <a:effectLst/>
               </a:rPr>
-              <a:t>Results</a:t>
+              <a:t>Implementation Status</a:t>
             </a:r>
             <a:endParaRPr lang="en-IN" sz="2800" dirty="0">
               <a:effectLst/>
@@ -5360,41 +5360,54 @@
           </a:p>
         </p:txBody>
       </p:sp>
-      <p:pic>
-        <p:nvPicPr>
-          <p:cNvPr id="3" name="Content Placeholder 2">
-            <a:extLst>
-              <a:ext uri="{FF2B5EF4-FFF2-40B4-BE49-F238E27FC236}">
-                <a16:creationId xmlns:a16="http://schemas.microsoft.com/office/drawing/2014/main" id="{0DD96438-24A5-4574-9B45-C085A7A74614}"/>
-              </a:ext>
-            </a:extLst>
-          </p:cNvPr>
-          <p:cNvPicPr>
-            <a:picLocks noGrp="1" noChangeAspect="1"/>
-          </p:cNvPicPr>
+      <p:sp>
+        <p:nvSpPr>
+          <p:cNvPr id="14" name="Content Placeholder 13"/>
+          <p:cNvSpPr>
+            <a:spLocks noGrp="1"/>
+          </p:cNvSpPr>
           <p:nvPr>
             <p:ph idx="1"/>
           </p:nvPr>
-        </p:nvPicPr>
-        <p:blipFill>
-          <a:blip r:embed="rId2">
-            <a:extLst>
-              <a:ext uri="{28A0092B-C50C-407E-A947-70E740481C1C}">
-                <a14:useLocalDpi xmlns:a14="http://schemas.microsoft.com/office/drawing/2010/main" val="0"/>
-              </a:ext>
-            </a:extLst>
-          </a:blip>
-          <a:stretch>
-            <a:fillRect/>
-          </a:stretch>
-        </p:blipFill>
+        </p:nvSpPr>
         <p:spPr>
           <a:xfrm>
-            <a:off x="1882317" y="3657947"/>
-            <a:ext cx="4060560" cy="1450200"/>
+            <a:off x="1103382" y="2288220"/>
+            <a:ext cx="9982200" cy="4572000"/>
           </a:xfrm>
         </p:spPr>
-      </p:pic>
+        <p:txBody>
+          <a:bodyPr>
+            <a:normAutofit/>
+          </a:bodyPr>
+          <a:lstStyle/>
+          <a:p>
+            <a:pPr marL="0" indent="0">
+              <a:lnSpc>
+                <a:spcPct val="90000"/>
+              </a:lnSpc>
+              <a:spcBef>
+                <a:spcPts val="1800"/>
+              </a:spcBef>
+              <a:buNone/>
+            </a:pPr>
+            <a:endParaRPr lang="en-US" dirty="0"/>
+          </a:p>
+          <a:p>
+            <a:pPr marL="228600" indent="-228600">
+              <a:lnSpc>
+                <a:spcPct val="90000"/>
+              </a:lnSpc>
+              <a:spcBef>
+                <a:spcPts val="1800"/>
+              </a:spcBef>
+              <a:buFont typeface="Wingdings" panose="05000000000000000000" pitchFamily="2" charset="2"/>
+              <a:buChar char="§"/>
+            </a:pPr>
+            <a:endParaRPr lang="en-US" dirty="0"/>
+          </a:p>
+        </p:txBody>
+      </p:sp>
       <p:sp>
         <p:nvSpPr>
           <p:cNvPr id="5" name="Footer Placeholder 4"/>
@@ -5429,7 +5442,7 @@
           <p:nvPr/>
         </p:nvPicPr>
         <p:blipFill>
-          <a:blip r:embed="rId3" cstate="print">
+          <a:blip r:embed="rId2" cstate="print">
             <a:extLst>
               <a:ext uri="{28A0092B-C50C-407E-A947-70E740481C1C}">
                 <a14:useLocalDpi xmlns:a14="http://schemas.microsoft.com/office/drawing/2010/main" val="0"/>
@@ -5457,120 +5470,12 @@
           </a:ln>
         </p:spPr>
       </p:pic>
-      <p:pic>
-        <p:nvPicPr>
-          <p:cNvPr id="7" name="Picture 6">
+      <p:sp>
+        <p:nvSpPr>
+          <p:cNvPr id="2" name="TextBox 1">
             <a:extLst>
               <a:ext uri="{FF2B5EF4-FFF2-40B4-BE49-F238E27FC236}">
-                <a16:creationId xmlns:a16="http://schemas.microsoft.com/office/drawing/2014/main" id="{C4BCA134-176E-4C1B-83F1-1C3F62FCB0F2}"/>
-              </a:ext>
-            </a:extLst>
-          </p:cNvPr>
-          <p:cNvPicPr>
-            <a:picLocks noChangeAspect="1"/>
-          </p:cNvPicPr>
-          <p:nvPr/>
-        </p:nvPicPr>
-        <p:blipFill>
-          <a:blip r:embed="rId4">
-            <a:extLst>
-              <a:ext uri="{28A0092B-C50C-407E-A947-70E740481C1C}">
-                <a14:useLocalDpi xmlns:a14="http://schemas.microsoft.com/office/drawing/2010/main" val="0"/>
-              </a:ext>
-            </a:extLst>
-          </a:blip>
-          <a:stretch>
-            <a:fillRect/>
-          </a:stretch>
-        </p:blipFill>
-        <p:spPr>
-          <a:xfrm>
-            <a:off x="6858980" y="3657947"/>
-            <a:ext cx="4060560" cy="1450200"/>
-          </a:xfrm>
-          <a:prstGeom prst="rect">
-            <a:avLst/>
-          </a:prstGeom>
-        </p:spPr>
-      </p:pic>
-      <p:pic>
-        <p:nvPicPr>
-          <p:cNvPr id="9" name="Picture 8">
-            <a:extLst>
-              <a:ext uri="{FF2B5EF4-FFF2-40B4-BE49-F238E27FC236}">
-                <a16:creationId xmlns:a16="http://schemas.microsoft.com/office/drawing/2014/main" id="{F1EFF6C7-351D-4CCE-BA60-7E9AD48B87A9}"/>
-              </a:ext>
-            </a:extLst>
-          </p:cNvPr>
-          <p:cNvPicPr>
-            <a:picLocks noChangeAspect="1"/>
-          </p:cNvPicPr>
-          <p:nvPr/>
-        </p:nvPicPr>
-        <p:blipFill>
-          <a:blip r:embed="rId5">
-            <a:extLst>
-              <a:ext uri="{28A0092B-C50C-407E-A947-70E740481C1C}">
-                <a14:useLocalDpi xmlns:a14="http://schemas.microsoft.com/office/drawing/2010/main" val="0"/>
-              </a:ext>
-            </a:extLst>
-          </a:blip>
-          <a:stretch>
-            <a:fillRect/>
-          </a:stretch>
-        </p:blipFill>
-        <p:spPr>
-          <a:xfrm>
-            <a:off x="1882317" y="2207747"/>
-            <a:ext cx="4060561" cy="1450200"/>
-          </a:xfrm>
-          <a:prstGeom prst="rect">
-            <a:avLst/>
-          </a:prstGeom>
-        </p:spPr>
-      </p:pic>
-      <p:pic>
-        <p:nvPicPr>
-          <p:cNvPr id="11" name="Picture 10">
-            <a:extLst>
-              <a:ext uri="{FF2B5EF4-FFF2-40B4-BE49-F238E27FC236}">
-                <a16:creationId xmlns:a16="http://schemas.microsoft.com/office/drawing/2014/main" id="{5152E7B3-8287-45DB-8BBF-5DF5B82345B9}"/>
-              </a:ext>
-            </a:extLst>
-          </p:cNvPr>
-          <p:cNvPicPr>
-            <a:picLocks noChangeAspect="1"/>
-          </p:cNvPicPr>
-          <p:nvPr/>
-        </p:nvPicPr>
-        <p:blipFill>
-          <a:blip r:embed="rId6">
-            <a:extLst>
-              <a:ext uri="{28A0092B-C50C-407E-A947-70E740481C1C}">
-                <a14:useLocalDpi xmlns:a14="http://schemas.microsoft.com/office/drawing/2010/main" val="0"/>
-              </a:ext>
-            </a:extLst>
-          </a:blip>
-          <a:stretch>
-            <a:fillRect/>
-          </a:stretch>
-        </p:blipFill>
-        <p:spPr>
-          <a:xfrm>
-            <a:off x="6858980" y="2207747"/>
-            <a:ext cx="4060560" cy="1450200"/>
-          </a:xfrm>
-          <a:prstGeom prst="rect">
-            <a:avLst/>
-          </a:prstGeom>
-        </p:spPr>
-      </p:pic>
-      <p:sp>
-        <p:nvSpPr>
-          <p:cNvPr id="15" name="TextBox 14">
-            <a:extLst>
-              <a:ext uri="{FF2B5EF4-FFF2-40B4-BE49-F238E27FC236}">
-                <a16:creationId xmlns:a16="http://schemas.microsoft.com/office/drawing/2014/main" id="{50656C13-AFAF-437C-9D25-E6678B5E403B}"/>
+                <a16:creationId xmlns:a16="http://schemas.microsoft.com/office/drawing/2014/main" id="{DE96EF12-1ABD-4FF4-9C9B-FDBC0CD4E1FD}"/>
               </a:ext>
             </a:extLst>
           </p:cNvPr>
@@ -5579,8 +5484,8 @@
         </p:nvSpPr>
         <p:spPr>
           <a:xfrm>
-            <a:off x="1032029" y="1482204"/>
-            <a:ext cx="6094520" cy="341632"/>
+            <a:off x="1225118" y="6187736"/>
+            <a:ext cx="184731" cy="369332"/>
           </a:xfrm>
           <a:prstGeom prst="rect">
             <a:avLst/>
@@ -5588,12 +5493,116 @@
           <a:noFill/>
         </p:spPr>
         <p:txBody>
-          <a:bodyPr wrap="square">
+          <a:bodyPr wrap="none" rtlCol="0">
             <a:spAutoFit/>
           </a:bodyPr>
           <a:lstStyle/>
           <a:p>
-            <a:pPr marL="228600" indent="-228600">
+            <a:endParaRPr lang="en-IN" dirty="0"/>
+          </a:p>
+        </p:txBody>
+      </p:sp>
+      <p:sp>
+        <p:nvSpPr>
+          <p:cNvPr id="3" name="TextBox 2">
+            <a:extLst>
+              <a:ext uri="{FF2B5EF4-FFF2-40B4-BE49-F238E27FC236}">
+                <a16:creationId xmlns:a16="http://schemas.microsoft.com/office/drawing/2014/main" id="{EC30AA51-2C4D-4BAB-8AF1-6A247A6FCD41}"/>
+              </a:ext>
+            </a:extLst>
+          </p:cNvPr>
+          <p:cNvSpPr txBox="1"/>
+          <p:nvPr/>
+        </p:nvSpPr>
+        <p:spPr>
+          <a:xfrm>
+            <a:off x="4663328" y="1546025"/>
+            <a:ext cx="4070782" cy="369332"/>
+          </a:xfrm>
+          <a:prstGeom prst="rect">
+            <a:avLst/>
+          </a:prstGeom>
+          <a:noFill/>
+        </p:spPr>
+        <p:txBody>
+          <a:bodyPr wrap="square" rtlCol="0">
+            <a:spAutoFit/>
+          </a:bodyPr>
+          <a:lstStyle/>
+          <a:p>
+            <a:r>
+              <a:rPr lang="en-US" b="1" dirty="0"/>
+              <a:t>Image Upscaling</a:t>
+            </a:r>
+            <a:endParaRPr lang="en-IN" b="1" dirty="0"/>
+          </a:p>
+        </p:txBody>
+      </p:sp>
+      <p:sp>
+        <p:nvSpPr>
+          <p:cNvPr id="7" name="TextBox 6">
+            <a:extLst>
+              <a:ext uri="{FF2B5EF4-FFF2-40B4-BE49-F238E27FC236}">
+                <a16:creationId xmlns:a16="http://schemas.microsoft.com/office/drawing/2014/main" id="{3525822C-39B5-440F-8E64-35B9CF563785}"/>
+              </a:ext>
+            </a:extLst>
+          </p:cNvPr>
+          <p:cNvSpPr txBox="1"/>
+          <p:nvPr/>
+        </p:nvSpPr>
+        <p:spPr>
+          <a:xfrm>
+            <a:off x="1225118" y="2441359"/>
+            <a:ext cx="9250532" cy="369332"/>
+          </a:xfrm>
+          <a:prstGeom prst="rect">
+            <a:avLst/>
+          </a:prstGeom>
+          <a:noFill/>
+        </p:spPr>
+        <p:txBody>
+          <a:bodyPr wrap="square" rtlCol="0">
+            <a:spAutoFit/>
+          </a:bodyPr>
+          <a:lstStyle/>
+          <a:p>
+            <a:pPr marL="285750" indent="-285750">
+              <a:buFont typeface="Wingdings" panose="05000000000000000000" pitchFamily="2" charset="2"/>
+              <a:buChar char="§"/>
+            </a:pPr>
+            <a:endParaRPr lang="en-US" dirty="0"/>
+          </a:p>
+        </p:txBody>
+      </p:sp>
+      <p:sp>
+        <p:nvSpPr>
+          <p:cNvPr id="16" name="Content Placeholder 13">
+            <a:extLst>
+              <a:ext uri="{FF2B5EF4-FFF2-40B4-BE49-F238E27FC236}">
+                <a16:creationId xmlns:a16="http://schemas.microsoft.com/office/drawing/2014/main" id="{F4667A6D-AF66-45C3-B4BA-5768208D6BEB}"/>
+              </a:ext>
+            </a:extLst>
+          </p:cNvPr>
+          <p:cNvSpPr txBox="1">
+            <a:spLocks/>
+          </p:cNvSpPr>
+          <p:nvPr/>
+        </p:nvSpPr>
+        <p:spPr>
+          <a:xfrm>
+            <a:off x="1255782" y="2440620"/>
+            <a:ext cx="9982200" cy="4572000"/>
+          </a:xfrm>
+          <a:prstGeom prst="rect">
+            <a:avLst/>
+          </a:prstGeom>
+        </p:spPr>
+        <p:txBody>
+          <a:bodyPr vert="horz" lIns="0" tIns="45720" rIns="0" bIns="45720" rtlCol="0">
+            <a:normAutofit/>
+          </a:bodyPr>
+          <a:lstStyle>
+            <a:lvl1pPr marL="228600" indent="-228600" algn="l" defTabSz="914400" rtl="0" eaLnBrk="1" latinLnBrk="0" hangingPunct="1">
               <a:lnSpc>
                 <a:spcPct val="90000"/>
               </a:lnSpc>
@@ -5602,69 +5611,225 @@
               </a:spcBef>
               <a:buFont typeface="Wingdings" panose="05000000000000000000" pitchFamily="2" charset="2"/>
               <a:buChar char="§"/>
+              <a:defRPr sz="2000" kern="1200">
+                <a:solidFill>
+                  <a:schemeClr val="tx1"/>
+                </a:solidFill>
+                <a:latin typeface="+mn-lt"/>
+                <a:ea typeface="+mn-ea"/>
+                <a:cs typeface="+mn-cs"/>
+              </a:defRPr>
+            </a:lvl1pPr>
+            <a:lvl2pPr marL="685800" indent="-228600" algn="l" defTabSz="914400" rtl="0" eaLnBrk="1" latinLnBrk="0" hangingPunct="1">
+              <a:lnSpc>
+                <a:spcPct val="90000"/>
+              </a:lnSpc>
+              <a:spcBef>
+                <a:spcPts val="600"/>
+              </a:spcBef>
+              <a:buFont typeface="Wingdings" panose="05000000000000000000" pitchFamily="2" charset="2"/>
+              <a:buChar char="§"/>
+              <a:defRPr sz="1600" kern="1200">
+                <a:solidFill>
+                  <a:schemeClr val="tx1"/>
+                </a:solidFill>
+                <a:latin typeface="+mn-lt"/>
+                <a:ea typeface="+mn-ea"/>
+                <a:cs typeface="+mn-cs"/>
+              </a:defRPr>
+            </a:lvl2pPr>
+            <a:lvl3pPr marL="1143000" indent="-228600" algn="l" defTabSz="914400" rtl="0" eaLnBrk="1" latinLnBrk="0" hangingPunct="1">
+              <a:lnSpc>
+                <a:spcPct val="90000"/>
+              </a:lnSpc>
+              <a:spcBef>
+                <a:spcPts val="600"/>
+              </a:spcBef>
+              <a:buFont typeface="Wingdings" panose="05000000000000000000" pitchFamily="2" charset="2"/>
+              <a:buChar char="§"/>
+              <a:defRPr sz="1400" kern="1200">
+                <a:solidFill>
+                  <a:schemeClr val="tx1"/>
+                </a:solidFill>
+                <a:latin typeface="+mn-lt"/>
+                <a:ea typeface="+mn-ea"/>
+                <a:cs typeface="+mn-cs"/>
+              </a:defRPr>
+            </a:lvl3pPr>
+            <a:lvl4pPr marL="1600200" indent="-228600" algn="l" defTabSz="914400" rtl="0" eaLnBrk="1" latinLnBrk="0" hangingPunct="1">
+              <a:lnSpc>
+                <a:spcPct val="90000"/>
+              </a:lnSpc>
+              <a:spcBef>
+                <a:spcPts val="600"/>
+              </a:spcBef>
+              <a:buFont typeface="Wingdings" panose="05000000000000000000" pitchFamily="2" charset="2"/>
+              <a:buChar char="§"/>
+              <a:defRPr sz="1400" kern="1200">
+                <a:solidFill>
+                  <a:schemeClr val="tx1"/>
+                </a:solidFill>
+                <a:latin typeface="+mn-lt"/>
+                <a:ea typeface="+mn-ea"/>
+                <a:cs typeface="+mn-cs"/>
+              </a:defRPr>
+            </a:lvl4pPr>
+            <a:lvl5pPr marL="2057400" indent="-228600" algn="l" defTabSz="914400" rtl="0" eaLnBrk="1" latinLnBrk="0" hangingPunct="1">
+              <a:lnSpc>
+                <a:spcPct val="90000"/>
+              </a:lnSpc>
+              <a:spcBef>
+                <a:spcPts val="600"/>
+              </a:spcBef>
+              <a:buFont typeface="Wingdings" panose="05000000000000000000" pitchFamily="2" charset="2"/>
+              <a:buChar char="§"/>
+              <a:defRPr sz="1400" kern="1200">
+                <a:solidFill>
+                  <a:schemeClr val="tx1"/>
+                </a:solidFill>
+                <a:latin typeface="+mn-lt"/>
+                <a:ea typeface="+mn-ea"/>
+                <a:cs typeface="+mn-cs"/>
+              </a:defRPr>
+            </a:lvl5pPr>
+            <a:lvl6pPr marL="2514600" indent="-228600" algn="l" defTabSz="914400" rtl="0" eaLnBrk="1" latinLnBrk="0" hangingPunct="1">
+              <a:lnSpc>
+                <a:spcPct val="90000"/>
+              </a:lnSpc>
+              <a:spcBef>
+                <a:spcPts val="500"/>
+              </a:spcBef>
+              <a:buFont typeface="Wingdings" panose="05000000000000000000" pitchFamily="2" charset="2"/>
+              <a:buChar char="§"/>
+              <a:defRPr sz="1400" kern="1200">
+                <a:solidFill>
+                  <a:schemeClr val="tx1"/>
+                </a:solidFill>
+                <a:latin typeface="+mn-lt"/>
+                <a:ea typeface="+mn-ea"/>
+                <a:cs typeface="+mn-cs"/>
+              </a:defRPr>
+            </a:lvl6pPr>
+            <a:lvl7pPr marL="2971800" indent="-228600" algn="l" defTabSz="914400" rtl="0" eaLnBrk="1" latinLnBrk="0" hangingPunct="1">
+              <a:lnSpc>
+                <a:spcPct val="90000"/>
+              </a:lnSpc>
+              <a:spcBef>
+                <a:spcPts val="500"/>
+              </a:spcBef>
+              <a:buFont typeface="Wingdings" panose="05000000000000000000" pitchFamily="2" charset="2"/>
+              <a:buChar char="§"/>
+              <a:defRPr sz="1400" kern="1200">
+                <a:solidFill>
+                  <a:schemeClr val="tx1"/>
+                </a:solidFill>
+                <a:latin typeface="+mn-lt"/>
+                <a:ea typeface="+mn-ea"/>
+                <a:cs typeface="+mn-cs"/>
+              </a:defRPr>
+            </a:lvl7pPr>
+            <a:lvl8pPr marL="3429000" indent="-228600" algn="l" defTabSz="914400" rtl="0" eaLnBrk="1" latinLnBrk="0" hangingPunct="1">
+              <a:lnSpc>
+                <a:spcPct val="90000"/>
+              </a:lnSpc>
+              <a:spcBef>
+                <a:spcPts val="500"/>
+              </a:spcBef>
+              <a:buFont typeface="Wingdings" panose="05000000000000000000" pitchFamily="2" charset="2"/>
+              <a:buChar char="§"/>
+              <a:defRPr sz="1400" kern="1200">
+                <a:solidFill>
+                  <a:schemeClr val="tx1"/>
+                </a:solidFill>
+                <a:latin typeface="+mn-lt"/>
+                <a:ea typeface="+mn-ea"/>
+                <a:cs typeface="+mn-cs"/>
+              </a:defRPr>
+            </a:lvl8pPr>
+            <a:lvl9pPr marL="3886200" indent="-228600" algn="l" defTabSz="914400" rtl="0" eaLnBrk="1" latinLnBrk="0" hangingPunct="1">
+              <a:lnSpc>
+                <a:spcPct val="90000"/>
+              </a:lnSpc>
+              <a:spcBef>
+                <a:spcPts val="500"/>
+              </a:spcBef>
+              <a:buFont typeface="Wingdings" panose="05000000000000000000" pitchFamily="2" charset="2"/>
+              <a:buChar char="§"/>
+              <a:defRPr sz="1400" kern="1200">
+                <a:solidFill>
+                  <a:schemeClr val="tx1"/>
+                </a:solidFill>
+                <a:latin typeface="+mn-lt"/>
+                <a:ea typeface="+mn-ea"/>
+                <a:cs typeface="+mn-cs"/>
+              </a:defRPr>
+            </a:lvl9pPr>
+          </a:lstStyle>
+          <a:p>
+            <a:r>
+              <a:rPr lang="en-US" dirty="0"/>
+              <a:t>Image Upscaling has been successfully demonstrated using transferred learning and has shown promising results. </a:t>
+            </a:r>
+          </a:p>
+          <a:p>
+            <a:r>
+              <a:rPr lang="en-US" dirty="0"/>
+              <a:t>We used </a:t>
+            </a:r>
+            <a:r>
+              <a:rPr lang="en-US" dirty="0" err="1"/>
+              <a:t>Ledig’s</a:t>
+            </a:r>
+            <a:r>
+              <a:rPr lang="en-US" dirty="0"/>
+              <a:t> VGG-based SRGAN architecture to implement the same.</a:t>
+            </a:r>
+          </a:p>
+          <a:p>
+            <a:r>
+              <a:rPr lang="en-US" dirty="0"/>
+              <a:t>We fine tuned </a:t>
+            </a:r>
+            <a:r>
+              <a:rPr lang="en-US" dirty="0" err="1"/>
+              <a:t>Ledig’s</a:t>
+            </a:r>
+            <a:r>
+              <a:rPr lang="en-US" dirty="0"/>
+              <a:t> SRGAN’s weights on our cherry picked image dataset.</a:t>
+            </a:r>
+          </a:p>
+          <a:p>
+            <a:r>
+              <a:rPr lang="en-US" dirty="0"/>
+              <a:t>We compared the pre-trained and post-trained output with Wide Activation SRGAN (WDSR GAN) and Enhanced Deep Learning SR GAN (EDSR GAN)</a:t>
+            </a:r>
+          </a:p>
+          <a:p>
+            <a:endParaRPr lang="en-US" dirty="0"/>
+          </a:p>
+          <a:p>
+            <a:endParaRPr lang="en-US" dirty="0"/>
+          </a:p>
+          <a:p>
+            <a:endParaRPr lang="en-US" dirty="0"/>
+          </a:p>
+          <a:p>
+            <a:pPr marL="0" indent="0">
+              <a:buFont typeface="Wingdings" panose="05000000000000000000" pitchFamily="2" charset="2"/>
+              <a:buNone/>
             </a:pPr>
-            <a:r>
-              <a:rPr lang="en-US" dirty="0"/>
-              <a:t>Results of Pix2Pix U-net (Colorizing):</a:t>
-            </a:r>
-          </a:p>
-        </p:txBody>
-      </p:sp>
-      <p:sp>
-        <p:nvSpPr>
-          <p:cNvPr id="2" name="TextBox 1">
-            <a:extLst>
-              <a:ext uri="{FF2B5EF4-FFF2-40B4-BE49-F238E27FC236}">
-                <a16:creationId xmlns:a16="http://schemas.microsoft.com/office/drawing/2014/main" id="{5D25AAC7-8258-46CD-A021-F58A3F80FDF6}"/>
-              </a:ext>
-            </a:extLst>
-          </p:cNvPr>
-          <p:cNvSpPr txBox="1"/>
-          <p:nvPr/>
-        </p:nvSpPr>
-        <p:spPr>
-          <a:xfrm>
-            <a:off x="3912597" y="5489873"/>
-            <a:ext cx="4687410" cy="461665"/>
-          </a:xfrm>
-          <a:prstGeom prst="rect">
-            <a:avLst/>
-          </a:prstGeom>
-          <a:noFill/>
-        </p:spPr>
-        <p:txBody>
-          <a:bodyPr wrap="square" rtlCol="0">
-            <a:spAutoFit/>
-          </a:bodyPr>
-          <a:lstStyle/>
-          <a:p>
-            <a:pPr algn="ctr"/>
-            <a:r>
-              <a:rPr lang="en-US" sz="1200" dirty="0">
-                <a:latin typeface="Times New Roman" panose="02020603050405020304" pitchFamily="18" charset="0"/>
-                <a:cs typeface="Times New Roman" panose="02020603050405020304" pitchFamily="18" charset="0"/>
-              </a:rPr>
-              <a:t>Samples</a:t>
-            </a:r>
-            <a:r>
-              <a:rPr lang="en-US" sz="1200" dirty="0">
-                <a:latin typeface="Times New Roman" panose="02020603050405020304" pitchFamily="18" charset="0"/>
-                <a:cs typeface="Times New Roman" panose="02020603050405020304" pitchFamily="18" charset="0"/>
-                <a:sym typeface="Wingdings" panose="05000000000000000000" pitchFamily="2" charset="2"/>
-              </a:rPr>
-              <a:t>: (from left) 1. Input grayscale image, 2. Generated output, 3. Ground Truth image</a:t>
-            </a:r>
-            <a:endParaRPr lang="en-US" sz="1200" dirty="0">
-              <a:latin typeface="Times New Roman" panose="02020603050405020304" pitchFamily="18" charset="0"/>
-              <a:cs typeface="Times New Roman" panose="02020603050405020304" pitchFamily="18" charset="0"/>
-            </a:endParaRPr>
+            <a:endParaRPr lang="en-US" dirty="0"/>
+          </a:p>
+          <a:p>
+            <a:endParaRPr lang="en-US" dirty="0"/>
           </a:p>
         </p:txBody>
       </p:sp>
     </p:spTree>
     <p:extLst>
       <p:ext uri="{BB962C8B-B14F-4D97-AF65-F5344CB8AC3E}">
-        <p14:creationId xmlns:p14="http://schemas.microsoft.com/office/powerpoint/2010/main" val="2183878408"/>
+        <p14:creationId xmlns:p14="http://schemas.microsoft.com/office/powerpoint/2010/main" val="2234837261"/>
       </p:ext>
     </p:extLst>
   </p:cSld>
@@ -5732,7 +5897,7 @@
               <a:rPr lang="en-US" sz="2800" dirty="0">
                 <a:effectLst/>
               </a:rPr>
-              <a:t>Conclusion and Future Scope</a:t>
+              <a:t>Results</a:t>
             </a:r>
             <a:endParaRPr lang="en-IN" sz="2800" dirty="0">
               <a:effectLst/>
@@ -5771,7 +5936,7 @@
             </a:pPr>
             <a:r>
               <a:rPr lang="en-US" dirty="0"/>
-              <a:t>U-net architectures are still a widely unexplored domain for ensemble learning and could be implemented with numerous methodologies</a:t>
+              <a:t>The testing pipeline has been set up to evaluate the model performance by calculating distance metrics, i.e. L1 and L2 loss of the predictions and target</a:t>
             </a:r>
           </a:p>
           <a:p>
@@ -5787,7 +5952,7 @@
             </a:pPr>
             <a:r>
               <a:rPr lang="en-US" dirty="0"/>
-              <a:t>The performance of GAN can be improved by implementing it in a cyclic fashion, i.e. Cycle GAN, with the Pix2Pix colorization approach</a:t>
+              <a:t>We evaluate the outputs in RGB and L*a*b color spaces</a:t>
             </a:r>
           </a:p>
           <a:p>
@@ -5803,7 +5968,7 @@
             </a:pPr>
             <a:r>
               <a:rPr lang="en-US" dirty="0"/>
-              <a:t>Generative Models are getting better day by day and these architectures could essentially be used to generalize image colorization and super-resolution over any dataset with negligible fine-tuning</a:t>
+              <a:t>GANs are particularly hard to evaluate quantitatively. Having said that, we have achieved visually appealing results which, when evaluated qualitatively, are quite convincing </a:t>
             </a:r>
           </a:p>
         </p:txBody>
@@ -5873,7 +6038,7 @@
     </p:spTree>
     <p:extLst>
       <p:ext uri="{BB962C8B-B14F-4D97-AF65-F5344CB8AC3E}">
-        <p14:creationId xmlns:p14="http://schemas.microsoft.com/office/powerpoint/2010/main" val="3517580825"/>
+        <p14:creationId xmlns:p14="http://schemas.microsoft.com/office/powerpoint/2010/main" val="3140287691"/>
       </p:ext>
     </p:extLst>
   </p:cSld>
@@ -5941,55 +6106,13 @@
               <a:rPr lang="en-US" sz="2800" dirty="0">
                 <a:effectLst/>
               </a:rPr>
-              <a:t>Cost Analysis</a:t>
+              <a:t>Results</a:t>
             </a:r>
             <a:endParaRPr lang="en-IN" sz="2800" dirty="0">
               <a:effectLst/>
               <a:latin typeface="Calibri" panose="020F0502020204030204" pitchFamily="34" charset="0"/>
               <a:ea typeface="Calibri" panose="020F0502020204030204" pitchFamily="34" charset="0"/>
             </a:endParaRPr>
-          </a:p>
-        </p:txBody>
-      </p:sp>
-      <p:sp>
-        <p:nvSpPr>
-          <p:cNvPr id="14" name="Content Placeholder 13"/>
-          <p:cNvSpPr>
-            <a:spLocks noGrp="1"/>
-          </p:cNvSpPr>
-          <p:nvPr>
-            <p:ph idx="1"/>
-          </p:nvPr>
-        </p:nvSpPr>
-        <p:spPr/>
-        <p:txBody>
-          <a:bodyPr>
-            <a:normAutofit/>
-          </a:bodyPr>
-          <a:lstStyle/>
-          <a:p>
-            <a:pPr marL="228600" indent="-228600">
-              <a:lnSpc>
-                <a:spcPct val="90000"/>
-              </a:lnSpc>
-              <a:spcBef>
-                <a:spcPts val="1800"/>
-              </a:spcBef>
-              <a:buFont typeface="Wingdings" panose="05000000000000000000" pitchFamily="2" charset="2"/>
-              <a:buChar char="§"/>
-            </a:pPr>
-            <a:r>
-              <a:rPr lang="en-US" dirty="0"/>
-              <a:t>Most of the code is executed on google </a:t>
-            </a:r>
-            <a:r>
-              <a:rPr lang="en-US" dirty="0" err="1"/>
-              <a:t>colab</a:t>
-            </a:r>
-            <a:r>
-              <a:rPr lang="en-US" dirty="0"/>
-              <a:t> so there were no expenses to implement the GANS</a:t>
-            </a:r>
           </a:p>
         </p:txBody>
       </p:sp>
@@ -6055,10 +6178,274 @@
           </a:ln>
         </p:spPr>
       </p:pic>
+      <p:sp>
+        <p:nvSpPr>
+          <p:cNvPr id="19" name="TextBox 18">
+            <a:extLst>
+              <a:ext uri="{FF2B5EF4-FFF2-40B4-BE49-F238E27FC236}">
+                <a16:creationId xmlns:a16="http://schemas.microsoft.com/office/drawing/2014/main" id="{02CEAC8C-FDC1-4B0A-9E60-C5E860CFC9BD}"/>
+              </a:ext>
+            </a:extLst>
+          </p:cNvPr>
+          <p:cNvSpPr txBox="1"/>
+          <p:nvPr/>
+        </p:nvSpPr>
+        <p:spPr>
+          <a:xfrm>
+            <a:off x="3912597" y="4603096"/>
+            <a:ext cx="2113365" cy="646331"/>
+          </a:xfrm>
+          <a:prstGeom prst="rect">
+            <a:avLst/>
+          </a:prstGeom>
+          <a:noFill/>
+        </p:spPr>
+        <p:txBody>
+          <a:bodyPr wrap="square" rtlCol="0">
+            <a:spAutoFit/>
+          </a:bodyPr>
+          <a:lstStyle/>
+          <a:p>
+            <a:r>
+              <a:rPr lang="en-US" dirty="0"/>
+              <a:t>Pre trained Resnet-18</a:t>
+            </a:r>
+            <a:endParaRPr lang="en-IN" dirty="0"/>
+          </a:p>
+        </p:txBody>
+      </p:sp>
+      <p:sp>
+        <p:nvSpPr>
+          <p:cNvPr id="20" name="TextBox 19">
+            <a:extLst>
+              <a:ext uri="{FF2B5EF4-FFF2-40B4-BE49-F238E27FC236}">
+                <a16:creationId xmlns:a16="http://schemas.microsoft.com/office/drawing/2014/main" id="{9EC76786-C9EF-4352-BD9E-38DC95BEDB47}"/>
+              </a:ext>
+            </a:extLst>
+          </p:cNvPr>
+          <p:cNvSpPr txBox="1"/>
+          <p:nvPr/>
+        </p:nvSpPr>
+        <p:spPr>
+          <a:xfrm>
+            <a:off x="8664306" y="4550717"/>
+            <a:ext cx="2438400" cy="646331"/>
+          </a:xfrm>
+          <a:prstGeom prst="rect">
+            <a:avLst/>
+          </a:prstGeom>
+          <a:noFill/>
+        </p:spPr>
+        <p:txBody>
+          <a:bodyPr wrap="square" rtlCol="0">
+            <a:spAutoFit/>
+          </a:bodyPr>
+          <a:lstStyle/>
+          <a:p>
+            <a:r>
+              <a:rPr lang="en-US" dirty="0"/>
+              <a:t>Full trained Resnet 18</a:t>
+            </a:r>
+            <a:endParaRPr lang="en-IN" dirty="0"/>
+          </a:p>
+        </p:txBody>
+      </p:sp>
+      <p:sp>
+        <p:nvSpPr>
+          <p:cNvPr id="29" name="TextBox 28">
+            <a:extLst>
+              <a:ext uri="{FF2B5EF4-FFF2-40B4-BE49-F238E27FC236}">
+                <a16:creationId xmlns:a16="http://schemas.microsoft.com/office/drawing/2014/main" id="{9B74823B-9D4B-4086-87F0-41D207FA0A7C}"/>
+              </a:ext>
+            </a:extLst>
+          </p:cNvPr>
+          <p:cNvSpPr txBox="1"/>
+          <p:nvPr/>
+        </p:nvSpPr>
+        <p:spPr>
+          <a:xfrm>
+            <a:off x="6234791" y="4579325"/>
+            <a:ext cx="2220686" cy="646331"/>
+          </a:xfrm>
+          <a:prstGeom prst="rect">
+            <a:avLst/>
+          </a:prstGeom>
+          <a:noFill/>
+        </p:spPr>
+        <p:txBody>
+          <a:bodyPr wrap="square" rtlCol="0">
+            <a:spAutoFit/>
+          </a:bodyPr>
+          <a:lstStyle/>
+          <a:p>
+            <a:r>
+              <a:rPr lang="en-US" dirty="0"/>
+              <a:t>Trained on COCO Dataset</a:t>
+            </a:r>
+            <a:endParaRPr lang="en-IN" dirty="0"/>
+          </a:p>
+        </p:txBody>
+      </p:sp>
+      <p:sp>
+        <p:nvSpPr>
+          <p:cNvPr id="32" name="TextBox 31">
+            <a:extLst>
+              <a:ext uri="{FF2B5EF4-FFF2-40B4-BE49-F238E27FC236}">
+                <a16:creationId xmlns:a16="http://schemas.microsoft.com/office/drawing/2014/main" id="{12C04FF5-239E-4C38-B617-14E3D30A0D32}"/>
+              </a:ext>
+            </a:extLst>
+          </p:cNvPr>
+          <p:cNvSpPr txBox="1"/>
+          <p:nvPr/>
+        </p:nvSpPr>
+        <p:spPr>
+          <a:xfrm>
+            <a:off x="1017037" y="4603096"/>
+            <a:ext cx="2006081" cy="369332"/>
+          </a:xfrm>
+          <a:prstGeom prst="rect">
+            <a:avLst/>
+          </a:prstGeom>
+          <a:noFill/>
+        </p:spPr>
+        <p:txBody>
+          <a:bodyPr wrap="square" rtlCol="0">
+            <a:spAutoFit/>
+          </a:bodyPr>
+          <a:lstStyle/>
+          <a:p>
+            <a:r>
+              <a:rPr lang="en-US" dirty="0"/>
+              <a:t>Ground Truth</a:t>
+            </a:r>
+            <a:endParaRPr lang="en-IN" dirty="0"/>
+          </a:p>
+        </p:txBody>
+      </p:sp>
+      <p:pic>
+        <p:nvPicPr>
+          <p:cNvPr id="34" name="Picture 33">
+            <a:extLst>
+              <a:ext uri="{FF2B5EF4-FFF2-40B4-BE49-F238E27FC236}">
+                <a16:creationId xmlns:a16="http://schemas.microsoft.com/office/drawing/2014/main" id="{7A17B7CB-B1E9-4311-892D-93208967C3A7}"/>
+              </a:ext>
+            </a:extLst>
+          </p:cNvPr>
+          <p:cNvPicPr>
+            <a:picLocks noChangeAspect="1"/>
+          </p:cNvPicPr>
+          <p:nvPr/>
+        </p:nvPicPr>
+        <p:blipFill>
+          <a:blip r:embed="rId3"/>
+          <a:stretch>
+            <a:fillRect/>
+          </a:stretch>
+        </p:blipFill>
+        <p:spPr>
+          <a:xfrm>
+            <a:off x="959768" y="1892559"/>
+            <a:ext cx="2354001" cy="2332137"/>
+          </a:xfrm>
+          <a:prstGeom prst="rect">
+            <a:avLst/>
+          </a:prstGeom>
+        </p:spPr>
+      </p:pic>
+      <p:pic>
+        <p:nvPicPr>
+          <p:cNvPr id="36" name="Picture 35">
+            <a:extLst>
+              <a:ext uri="{FF2B5EF4-FFF2-40B4-BE49-F238E27FC236}">
+                <a16:creationId xmlns:a16="http://schemas.microsoft.com/office/drawing/2014/main" id="{7EEFD314-0A6B-416E-87A1-DBED0B2633D8}"/>
+              </a:ext>
+            </a:extLst>
+          </p:cNvPr>
+          <p:cNvPicPr>
+            <a:picLocks noChangeAspect="1"/>
+          </p:cNvPicPr>
+          <p:nvPr/>
+        </p:nvPicPr>
+        <p:blipFill>
+          <a:blip r:embed="rId4"/>
+          <a:stretch>
+            <a:fillRect/>
+          </a:stretch>
+        </p:blipFill>
+        <p:spPr>
+          <a:xfrm>
+            <a:off x="3550753" y="1892559"/>
+            <a:ext cx="2371143" cy="2378553"/>
+          </a:xfrm>
+          <a:prstGeom prst="rect">
+            <a:avLst/>
+          </a:prstGeom>
+        </p:spPr>
+      </p:pic>
+      <p:pic>
+        <p:nvPicPr>
+          <p:cNvPr id="38" name="Picture 37">
+            <a:extLst>
+              <a:ext uri="{FF2B5EF4-FFF2-40B4-BE49-F238E27FC236}">
+                <a16:creationId xmlns:a16="http://schemas.microsoft.com/office/drawing/2014/main" id="{EC526141-A454-487A-A770-77904864AD03}"/>
+              </a:ext>
+            </a:extLst>
+          </p:cNvPr>
+          <p:cNvPicPr>
+            <a:picLocks noChangeAspect="1"/>
+          </p:cNvPicPr>
+          <p:nvPr/>
+        </p:nvPicPr>
+        <p:blipFill>
+          <a:blip r:embed="rId5"/>
+          <a:stretch>
+            <a:fillRect/>
+          </a:stretch>
+        </p:blipFill>
+        <p:spPr>
+          <a:xfrm>
+            <a:off x="6234791" y="1878419"/>
+            <a:ext cx="2375168" cy="2360415"/>
+          </a:xfrm>
+          <a:prstGeom prst="rect">
+            <a:avLst/>
+          </a:prstGeom>
+        </p:spPr>
+      </p:pic>
+      <p:pic>
+        <p:nvPicPr>
+          <p:cNvPr id="40" name="Picture 39">
+            <a:extLst>
+              <a:ext uri="{FF2B5EF4-FFF2-40B4-BE49-F238E27FC236}">
+                <a16:creationId xmlns:a16="http://schemas.microsoft.com/office/drawing/2014/main" id="{4C5401CE-D6E7-4DA3-B6C8-0E0AFFB75911}"/>
+              </a:ext>
+            </a:extLst>
+          </p:cNvPr>
+          <p:cNvPicPr>
+            <a:picLocks noChangeAspect="1"/>
+          </p:cNvPicPr>
+          <p:nvPr/>
+        </p:nvPicPr>
+        <p:blipFill>
+          <a:blip r:embed="rId6"/>
+          <a:stretch>
+            <a:fillRect/>
+          </a:stretch>
+        </p:blipFill>
+        <p:spPr>
+          <a:xfrm>
+            <a:off x="8922854" y="1869524"/>
+            <a:ext cx="2384891" cy="2355172"/>
+          </a:xfrm>
+          <a:prstGeom prst="rect">
+            <a:avLst/>
+          </a:prstGeom>
+        </p:spPr>
+      </p:pic>
     </p:spTree>
     <p:extLst>
       <p:ext uri="{BB962C8B-B14F-4D97-AF65-F5344CB8AC3E}">
-        <p14:creationId xmlns:p14="http://schemas.microsoft.com/office/powerpoint/2010/main" val="3298214804"/>
+        <p14:creationId xmlns:p14="http://schemas.microsoft.com/office/powerpoint/2010/main" val="2183878408"/>
       </p:ext>
     </p:extLst>
   </p:cSld>
@@ -6099,12 +6486,12 @@
       </p:grpSpPr>
       <p:sp>
         <p:nvSpPr>
-          <p:cNvPr id="2" name="Title 1"/>
+          <p:cNvPr id="13" name="Title 12"/>
           <p:cNvSpPr>
             <a:spLocks noGrp="1"/>
           </p:cNvSpPr>
           <p:nvPr>
-            <p:ph type="ctrTitle"/>
+            <p:ph type="title"/>
           </p:nvPr>
         </p:nvSpPr>
         <p:spPr/>
@@ -6112,10 +6499,52 @@
           <a:bodyPr/>
           <a:lstStyle/>
           <a:p>
-            <a:r>
-              <a:rPr lang="en-IN" dirty="0"/>
-              <a:t>Thank You !!</a:t>
-            </a:r>
+            <a:pPr marL="285750" indent="-285750">
+              <a:lnSpc>
+                <a:spcPct val="115000"/>
+              </a:lnSpc>
+              <a:spcAft>
+                <a:spcPts val="1000"/>
+              </a:spcAft>
+              <a:buFont typeface="Arial" panose="020B0604020202020204" pitchFamily="34" charset="0"/>
+              <a:buChar char="•"/>
+            </a:pPr>
+            <a:r>
+              <a:rPr lang="en-US" sz="2800" dirty="0">
+                <a:effectLst/>
+              </a:rPr>
+              <a:t>Results</a:t>
+            </a:r>
+            <a:endParaRPr lang="en-IN" sz="2800" dirty="0">
+              <a:effectLst/>
+              <a:latin typeface="Calibri" panose="020F0502020204030204" pitchFamily="34" charset="0"/>
+              <a:ea typeface="Calibri" panose="020F0502020204030204" pitchFamily="34" charset="0"/>
+            </a:endParaRPr>
+          </a:p>
+        </p:txBody>
+      </p:sp>
+      <p:sp>
+        <p:nvSpPr>
+          <p:cNvPr id="5" name="Footer Placeholder 4"/>
+          <p:cNvSpPr>
+            <a:spLocks noGrp="1"/>
+          </p:cNvSpPr>
+          <p:nvPr>
+            <p:ph type="ftr" sz="quarter" idx="11"/>
+          </p:nvPr>
+        </p:nvSpPr>
+        <p:spPr/>
+        <p:txBody>
+          <a:bodyPr/>
+          <a:lstStyle/>
+          <a:p>
+            <a:r>
+              <a:rPr lang="en-IN" sz="1200" dirty="0">
+                <a:cs typeface="Times New Roman" panose="02020603050405020304" pitchFamily="18" charset="0"/>
+              </a:rPr>
+              <a:t>Astronomical image colourisation and super-resolution using GANS</a:t>
+            </a:r>
+            <a:endParaRPr lang="en-IN" dirty="0"/>
           </a:p>
         </p:txBody>
       </p:sp>
@@ -6141,8 +6570,8 @@
         </p:blipFill>
         <p:spPr bwMode="auto">
           <a:xfrm>
-            <a:off x="9691631" y="1352533"/>
-            <a:ext cx="2228612" cy="1860930"/>
+            <a:off x="10919540" y="150750"/>
+            <a:ext cx="1233271" cy="1029803"/>
           </a:xfrm>
           <a:prstGeom prst="rect">
             <a:avLst/>
@@ -6156,7 +6585,1830 @@
           </a:ln>
         </p:spPr>
       </p:pic>
+      <p:sp>
+        <p:nvSpPr>
+          <p:cNvPr id="15" name="TextBox 14">
+            <a:extLst>
+              <a:ext uri="{FF2B5EF4-FFF2-40B4-BE49-F238E27FC236}">
+                <a16:creationId xmlns:a16="http://schemas.microsoft.com/office/drawing/2014/main" id="{50656C13-AFAF-437C-9D25-E6678B5E403B}"/>
+              </a:ext>
+            </a:extLst>
+          </p:cNvPr>
+          <p:cNvSpPr txBox="1"/>
+          <p:nvPr/>
+        </p:nvSpPr>
+        <p:spPr>
+          <a:xfrm>
+            <a:off x="1032029" y="1482204"/>
+            <a:ext cx="6094520" cy="341632"/>
+          </a:xfrm>
+          <a:prstGeom prst="rect">
+            <a:avLst/>
+          </a:prstGeom>
+          <a:noFill/>
+        </p:spPr>
+        <p:txBody>
+          <a:bodyPr wrap="square">
+            <a:spAutoFit/>
+          </a:bodyPr>
+          <a:lstStyle/>
+          <a:p>
+            <a:pPr marL="228600" indent="-228600">
+              <a:lnSpc>
+                <a:spcPct val="90000"/>
+              </a:lnSpc>
+              <a:spcBef>
+                <a:spcPts val="1800"/>
+              </a:spcBef>
+              <a:buFont typeface="Wingdings" panose="05000000000000000000" pitchFamily="2" charset="2"/>
+              <a:buChar char="§"/>
+            </a:pPr>
+            <a:r>
+              <a:rPr lang="en-US" dirty="0"/>
+              <a:t>Results of SRGAN (Upscaling):</a:t>
+            </a:r>
+          </a:p>
+        </p:txBody>
+      </p:sp>
+      <p:pic>
+        <p:nvPicPr>
+          <p:cNvPr id="6" name="Picture 5">
+            <a:extLst>
+              <a:ext uri="{FF2B5EF4-FFF2-40B4-BE49-F238E27FC236}">
+                <a16:creationId xmlns:a16="http://schemas.microsoft.com/office/drawing/2014/main" id="{A1328E0D-6F4F-4747-8708-1A5F3D5412F6}"/>
+              </a:ext>
+            </a:extLst>
+          </p:cNvPr>
+          <p:cNvPicPr>
+            <a:picLocks noChangeAspect="1"/>
+          </p:cNvPicPr>
+          <p:nvPr/>
+        </p:nvPicPr>
+        <p:blipFill>
+          <a:blip r:embed="rId3">
+            <a:extLst>
+              <a:ext uri="{28A0092B-C50C-407E-A947-70E740481C1C}">
+                <a14:useLocalDpi xmlns:a14="http://schemas.microsoft.com/office/drawing/2010/main" val="0"/>
+              </a:ext>
+            </a:extLst>
+          </a:blip>
+          <a:stretch>
+            <a:fillRect/>
+          </a:stretch>
+        </p:blipFill>
+        <p:spPr>
+          <a:xfrm>
+            <a:off x="1185936" y="2091461"/>
+            <a:ext cx="2893353" cy="2893353"/>
+          </a:xfrm>
+          <a:prstGeom prst="rect">
+            <a:avLst/>
+          </a:prstGeom>
+        </p:spPr>
+      </p:pic>
+      <p:sp>
+        <p:nvSpPr>
+          <p:cNvPr id="7" name="TextBox 6">
+            <a:extLst>
+              <a:ext uri="{FF2B5EF4-FFF2-40B4-BE49-F238E27FC236}">
+                <a16:creationId xmlns:a16="http://schemas.microsoft.com/office/drawing/2014/main" id="{FCAA46CF-8824-4502-9AD5-DAC5CCB0C2D6}"/>
+              </a:ext>
+            </a:extLst>
+          </p:cNvPr>
+          <p:cNvSpPr txBox="1"/>
+          <p:nvPr/>
+        </p:nvSpPr>
+        <p:spPr>
+          <a:xfrm>
+            <a:off x="1842019" y="5062192"/>
+            <a:ext cx="1829559" cy="369332"/>
+          </a:xfrm>
+          <a:prstGeom prst="rect">
+            <a:avLst/>
+          </a:prstGeom>
+          <a:noFill/>
+        </p:spPr>
+        <p:txBody>
+          <a:bodyPr wrap="square" rtlCol="0">
+            <a:spAutoFit/>
+          </a:bodyPr>
+          <a:lstStyle/>
+          <a:p>
+            <a:r>
+              <a:rPr lang="en-US" dirty="0"/>
+              <a:t>Ground Truth</a:t>
+            </a:r>
+            <a:endParaRPr lang="en-IN" dirty="0"/>
+          </a:p>
+        </p:txBody>
+      </p:sp>
+      <p:pic>
+        <p:nvPicPr>
+          <p:cNvPr id="9" name="Picture 8">
+            <a:extLst>
+              <a:ext uri="{FF2B5EF4-FFF2-40B4-BE49-F238E27FC236}">
+                <a16:creationId xmlns:a16="http://schemas.microsoft.com/office/drawing/2014/main" id="{664E75E1-4391-4908-BEB5-01FD31063CF7}"/>
+              </a:ext>
+            </a:extLst>
+          </p:cNvPr>
+          <p:cNvPicPr>
+            <a:picLocks noChangeAspect="1"/>
+          </p:cNvPicPr>
+          <p:nvPr/>
+        </p:nvPicPr>
+        <p:blipFill>
+          <a:blip r:embed="rId4">
+            <a:extLst>
+              <a:ext uri="{28A0092B-C50C-407E-A947-70E740481C1C}">
+                <a14:useLocalDpi xmlns:a14="http://schemas.microsoft.com/office/drawing/2010/main" val="0"/>
+              </a:ext>
+            </a:extLst>
+          </a:blip>
+          <a:stretch>
+            <a:fillRect/>
+          </a:stretch>
+        </p:blipFill>
+        <p:spPr>
+          <a:xfrm>
+            <a:off x="4956323" y="2097271"/>
+            <a:ext cx="2893353" cy="2893353"/>
+          </a:xfrm>
+          <a:prstGeom prst="rect">
+            <a:avLst/>
+          </a:prstGeom>
+        </p:spPr>
+      </p:pic>
+      <p:sp>
+        <p:nvSpPr>
+          <p:cNvPr id="10" name="TextBox 9">
+            <a:extLst>
+              <a:ext uri="{FF2B5EF4-FFF2-40B4-BE49-F238E27FC236}">
+                <a16:creationId xmlns:a16="http://schemas.microsoft.com/office/drawing/2014/main" id="{486D2B7F-C3B7-432E-9FC0-1B06640AFB51}"/>
+              </a:ext>
+            </a:extLst>
+          </p:cNvPr>
+          <p:cNvSpPr txBox="1"/>
+          <p:nvPr/>
+        </p:nvSpPr>
+        <p:spPr>
+          <a:xfrm>
+            <a:off x="5488219" y="5036467"/>
+            <a:ext cx="1829559" cy="646331"/>
+          </a:xfrm>
+          <a:prstGeom prst="rect">
+            <a:avLst/>
+          </a:prstGeom>
+          <a:noFill/>
+        </p:spPr>
+        <p:txBody>
+          <a:bodyPr wrap="square" rtlCol="0">
+            <a:spAutoFit/>
+          </a:bodyPr>
+          <a:lstStyle/>
+          <a:p>
+            <a:r>
+              <a:rPr lang="en-US" dirty="0"/>
+              <a:t>Pre trained SRGAN</a:t>
+            </a:r>
+            <a:endParaRPr lang="en-IN" dirty="0"/>
+          </a:p>
+        </p:txBody>
+      </p:sp>
+      <p:pic>
+        <p:nvPicPr>
+          <p:cNvPr id="12" name="Picture 11">
+            <a:extLst>
+              <a:ext uri="{FF2B5EF4-FFF2-40B4-BE49-F238E27FC236}">
+                <a16:creationId xmlns:a16="http://schemas.microsoft.com/office/drawing/2014/main" id="{528DA731-ACD5-48EC-AF09-96F788540015}"/>
+              </a:ext>
+            </a:extLst>
+          </p:cNvPr>
+          <p:cNvPicPr>
+            <a:picLocks noChangeAspect="1"/>
+          </p:cNvPicPr>
+          <p:nvPr/>
+        </p:nvPicPr>
+        <p:blipFill>
+          <a:blip r:embed="rId5">
+            <a:extLst>
+              <a:ext uri="{28A0092B-C50C-407E-A947-70E740481C1C}">
+                <a14:useLocalDpi xmlns:a14="http://schemas.microsoft.com/office/drawing/2010/main" val="0"/>
+              </a:ext>
+            </a:extLst>
+          </a:blip>
+          <a:stretch>
+            <a:fillRect/>
+          </a:stretch>
+        </p:blipFill>
+        <p:spPr>
+          <a:xfrm>
+            <a:off x="8386770" y="2094410"/>
+            <a:ext cx="2890404" cy="2890404"/>
+          </a:xfrm>
+          <a:prstGeom prst="rect">
+            <a:avLst/>
+          </a:prstGeom>
+        </p:spPr>
+      </p:pic>
+      <p:sp>
+        <p:nvSpPr>
+          <p:cNvPr id="14" name="TextBox 13">
+            <a:extLst>
+              <a:ext uri="{FF2B5EF4-FFF2-40B4-BE49-F238E27FC236}">
+                <a16:creationId xmlns:a16="http://schemas.microsoft.com/office/drawing/2014/main" id="{3B4CD452-10AD-4411-AA06-C08DD5E80095}"/>
+              </a:ext>
+            </a:extLst>
+          </p:cNvPr>
+          <p:cNvSpPr txBox="1"/>
+          <p:nvPr/>
+        </p:nvSpPr>
+        <p:spPr>
+          <a:xfrm>
+            <a:off x="8865950" y="5162750"/>
+            <a:ext cx="2411224" cy="369332"/>
+          </a:xfrm>
+          <a:prstGeom prst="rect">
+            <a:avLst/>
+          </a:prstGeom>
+          <a:noFill/>
+        </p:spPr>
+        <p:txBody>
+          <a:bodyPr wrap="square" rtlCol="0">
+            <a:spAutoFit/>
+          </a:bodyPr>
+          <a:lstStyle/>
+          <a:p>
+            <a:r>
+              <a:rPr lang="en-US" dirty="0"/>
+              <a:t>SRGAN Fine tuned</a:t>
+            </a:r>
+            <a:endParaRPr lang="en-IN" dirty="0"/>
+          </a:p>
+        </p:txBody>
+      </p:sp>
     </p:spTree>
+    <p:extLst>
+      <p:ext uri="{BB962C8B-B14F-4D97-AF65-F5344CB8AC3E}">
+        <p14:creationId xmlns:p14="http://schemas.microsoft.com/office/powerpoint/2010/main" val="1149258623"/>
+      </p:ext>
+    </p:extLst>
+  </p:cSld>
+  <p:clrMapOvr>
+    <a:masterClrMapping/>
+  </p:clrMapOvr>
+  <mc:AlternateContent xmlns:mc="http://schemas.openxmlformats.org/markup-compatibility/2006" xmlns:p14="http://schemas.microsoft.com/office/powerpoint/2010/main">
+    <mc:Choice Requires="p14">
+      <p:transition spd="med" p14:dur="700">
+        <p:fade/>
+      </p:transition>
+    </mc:Choice>
+    <mc:Fallback xmlns="">
+      <p:transition spd="med">
+        <p:fade/>
+      </p:transition>
+    </mc:Fallback>
+  </mc:AlternateContent>
+</p:sld>
+</file>
+
+<file path=ppt/slides/slide14.xml><?xml version="1.0" encoding="utf-8"?>
+<p:sld xmlns:a="http://schemas.openxmlformats.org/drawingml/2006/main" xmlns:r="http://schemas.openxmlformats.org/officeDocument/2006/relationships" xmlns:p="http://schemas.openxmlformats.org/presentationml/2006/main">
+  <p:cSld>
+    <p:spTree>
+      <p:nvGrpSpPr>
+        <p:cNvPr id="1" name=""/>
+        <p:cNvGrpSpPr/>
+        <p:nvPr/>
+      </p:nvGrpSpPr>
+      <p:grpSpPr>
+        <a:xfrm>
+          <a:off x="0" y="0"/>
+          <a:ext cx="0" cy="0"/>
+          <a:chOff x="0" y="0"/>
+          <a:chExt cx="0" cy="0"/>
+        </a:xfrm>
+      </p:grpSpPr>
+      <p:sp>
+        <p:nvSpPr>
+          <p:cNvPr id="13" name="Title 12"/>
+          <p:cNvSpPr>
+            <a:spLocks noGrp="1"/>
+          </p:cNvSpPr>
+          <p:nvPr>
+            <p:ph type="title"/>
+          </p:nvPr>
+        </p:nvSpPr>
+        <p:spPr/>
+        <p:txBody>
+          <a:bodyPr/>
+          <a:lstStyle/>
+          <a:p>
+            <a:pPr marL="285750" indent="-285750">
+              <a:lnSpc>
+                <a:spcPct val="115000"/>
+              </a:lnSpc>
+              <a:spcAft>
+                <a:spcPts val="1000"/>
+              </a:spcAft>
+              <a:buFont typeface="Arial" panose="020B0604020202020204" pitchFamily="34" charset="0"/>
+              <a:buChar char="•"/>
+            </a:pPr>
+            <a:r>
+              <a:rPr lang="en-US" sz="2800" dirty="0">
+                <a:effectLst/>
+              </a:rPr>
+              <a:t>Results</a:t>
+            </a:r>
+            <a:endParaRPr lang="en-IN" sz="2800" dirty="0">
+              <a:effectLst/>
+              <a:latin typeface="Calibri" panose="020F0502020204030204" pitchFamily="34" charset="0"/>
+              <a:ea typeface="Calibri" panose="020F0502020204030204" pitchFamily="34" charset="0"/>
+            </a:endParaRPr>
+          </a:p>
+        </p:txBody>
+      </p:sp>
+      <p:sp>
+        <p:nvSpPr>
+          <p:cNvPr id="5" name="Footer Placeholder 4"/>
+          <p:cNvSpPr>
+            <a:spLocks noGrp="1"/>
+          </p:cNvSpPr>
+          <p:nvPr>
+            <p:ph type="ftr" sz="quarter" idx="11"/>
+          </p:nvPr>
+        </p:nvSpPr>
+        <p:spPr/>
+        <p:txBody>
+          <a:bodyPr/>
+          <a:lstStyle/>
+          <a:p>
+            <a:r>
+              <a:rPr lang="en-IN" sz="1200" dirty="0">
+                <a:cs typeface="Times New Roman" panose="02020603050405020304" pitchFamily="18" charset="0"/>
+              </a:rPr>
+              <a:t>Astronomical image colourisation and super-resolution using GANS</a:t>
+            </a:r>
+            <a:endParaRPr lang="en-IN" dirty="0"/>
+          </a:p>
+        </p:txBody>
+      </p:sp>
+      <p:pic>
+        <p:nvPicPr>
+          <p:cNvPr id="4" name="Picture 1"/>
+          <p:cNvPicPr>
+            <a:picLocks noChangeAspect="1" noChangeArrowheads="1"/>
+          </p:cNvPicPr>
+          <p:nvPr/>
+        </p:nvPicPr>
+        <p:blipFill>
+          <a:blip r:embed="rId2" cstate="print">
+            <a:extLst>
+              <a:ext uri="{28A0092B-C50C-407E-A947-70E740481C1C}">
+                <a14:useLocalDpi xmlns:a14="http://schemas.microsoft.com/office/drawing/2010/main" val="0"/>
+              </a:ext>
+            </a:extLst>
+          </a:blip>
+          <a:stretch>
+            <a:fillRect/>
+          </a:stretch>
+        </p:blipFill>
+        <p:spPr bwMode="auto">
+          <a:xfrm>
+            <a:off x="10919540" y="150750"/>
+            <a:ext cx="1233271" cy="1029803"/>
+          </a:xfrm>
+          <a:prstGeom prst="rect">
+            <a:avLst/>
+          </a:prstGeom>
+          <a:noFill/>
+          <a:ln w="9525">
+            <a:noFill/>
+            <a:miter lim="800000"/>
+            <a:headEnd/>
+            <a:tailEnd/>
+          </a:ln>
+        </p:spPr>
+      </p:pic>
+      <p:sp>
+        <p:nvSpPr>
+          <p:cNvPr id="15" name="TextBox 14">
+            <a:extLst>
+              <a:ext uri="{FF2B5EF4-FFF2-40B4-BE49-F238E27FC236}">
+                <a16:creationId xmlns:a16="http://schemas.microsoft.com/office/drawing/2014/main" id="{50656C13-AFAF-437C-9D25-E6678B5E403B}"/>
+              </a:ext>
+            </a:extLst>
+          </p:cNvPr>
+          <p:cNvSpPr txBox="1"/>
+          <p:nvPr/>
+        </p:nvSpPr>
+        <p:spPr>
+          <a:xfrm>
+            <a:off x="1032029" y="1482204"/>
+            <a:ext cx="6094520" cy="341632"/>
+          </a:xfrm>
+          <a:prstGeom prst="rect">
+            <a:avLst/>
+          </a:prstGeom>
+          <a:noFill/>
+        </p:spPr>
+        <p:txBody>
+          <a:bodyPr wrap="square">
+            <a:spAutoFit/>
+          </a:bodyPr>
+          <a:lstStyle/>
+          <a:p>
+            <a:pPr marL="228600" indent="-228600">
+              <a:lnSpc>
+                <a:spcPct val="90000"/>
+              </a:lnSpc>
+              <a:spcBef>
+                <a:spcPts val="1800"/>
+              </a:spcBef>
+              <a:buFont typeface="Wingdings" panose="05000000000000000000" pitchFamily="2" charset="2"/>
+              <a:buChar char="§"/>
+            </a:pPr>
+            <a:r>
+              <a:rPr lang="en-US" dirty="0"/>
+              <a:t>Results of SRGAN (Upscaling):</a:t>
+            </a:r>
+          </a:p>
+        </p:txBody>
+      </p:sp>
+      <p:sp>
+        <p:nvSpPr>
+          <p:cNvPr id="14" name="TextBox 13">
+            <a:extLst>
+              <a:ext uri="{FF2B5EF4-FFF2-40B4-BE49-F238E27FC236}">
+                <a16:creationId xmlns:a16="http://schemas.microsoft.com/office/drawing/2014/main" id="{3B4CD452-10AD-4411-AA06-C08DD5E80095}"/>
+              </a:ext>
+            </a:extLst>
+          </p:cNvPr>
+          <p:cNvSpPr txBox="1"/>
+          <p:nvPr/>
+        </p:nvSpPr>
+        <p:spPr>
+          <a:xfrm>
+            <a:off x="1526295" y="4906722"/>
+            <a:ext cx="2411224" cy="369332"/>
+          </a:xfrm>
+          <a:prstGeom prst="rect">
+            <a:avLst/>
+          </a:prstGeom>
+          <a:noFill/>
+        </p:spPr>
+        <p:txBody>
+          <a:bodyPr wrap="square" rtlCol="0">
+            <a:spAutoFit/>
+          </a:bodyPr>
+          <a:lstStyle/>
+          <a:p>
+            <a:r>
+              <a:rPr lang="en-US" dirty="0"/>
+              <a:t>SRGAN Fine tuned</a:t>
+            </a:r>
+            <a:endParaRPr lang="en-IN" dirty="0"/>
+          </a:p>
+        </p:txBody>
+      </p:sp>
+      <p:pic>
+        <p:nvPicPr>
+          <p:cNvPr id="8" name="Picture 7">
+            <a:extLst>
+              <a:ext uri="{FF2B5EF4-FFF2-40B4-BE49-F238E27FC236}">
+                <a16:creationId xmlns:a16="http://schemas.microsoft.com/office/drawing/2014/main" id="{6148132F-660F-49F4-A1FE-D82B04A6F110}"/>
+              </a:ext>
+            </a:extLst>
+          </p:cNvPr>
+          <p:cNvPicPr>
+            <a:picLocks noChangeAspect="1"/>
+          </p:cNvPicPr>
+          <p:nvPr/>
+        </p:nvPicPr>
+        <p:blipFill>
+          <a:blip r:embed="rId3">
+            <a:extLst>
+              <a:ext uri="{28A0092B-C50C-407E-A947-70E740481C1C}">
+                <a14:useLocalDpi xmlns:a14="http://schemas.microsoft.com/office/drawing/2010/main" val="0"/>
+              </a:ext>
+            </a:extLst>
+          </a:blip>
+          <a:stretch>
+            <a:fillRect/>
+          </a:stretch>
+        </p:blipFill>
+        <p:spPr>
+          <a:xfrm>
+            <a:off x="4875504" y="2071898"/>
+            <a:ext cx="2890404" cy="2890404"/>
+          </a:xfrm>
+          <a:prstGeom prst="rect">
+            <a:avLst/>
+          </a:prstGeom>
+        </p:spPr>
+      </p:pic>
+      <p:sp>
+        <p:nvSpPr>
+          <p:cNvPr id="11" name="TextBox 10">
+            <a:extLst>
+              <a:ext uri="{FF2B5EF4-FFF2-40B4-BE49-F238E27FC236}">
+                <a16:creationId xmlns:a16="http://schemas.microsoft.com/office/drawing/2014/main" id="{41D36227-3B3B-4E65-A30F-61D3A0B01065}"/>
+              </a:ext>
+            </a:extLst>
+          </p:cNvPr>
+          <p:cNvSpPr txBox="1"/>
+          <p:nvPr/>
+        </p:nvSpPr>
+        <p:spPr>
+          <a:xfrm>
+            <a:off x="5284492" y="4906722"/>
+            <a:ext cx="2411224" cy="369332"/>
+          </a:xfrm>
+          <a:prstGeom prst="rect">
+            <a:avLst/>
+          </a:prstGeom>
+          <a:noFill/>
+        </p:spPr>
+        <p:txBody>
+          <a:bodyPr wrap="square" rtlCol="0">
+            <a:spAutoFit/>
+          </a:bodyPr>
+          <a:lstStyle/>
+          <a:p>
+            <a:r>
+              <a:rPr lang="en-US" dirty="0"/>
+              <a:t>WD SRGAN</a:t>
+            </a:r>
+            <a:endParaRPr lang="en-IN" dirty="0"/>
+          </a:p>
+        </p:txBody>
+      </p:sp>
+      <p:pic>
+        <p:nvPicPr>
+          <p:cNvPr id="17" name="Picture 16">
+            <a:extLst>
+              <a:ext uri="{FF2B5EF4-FFF2-40B4-BE49-F238E27FC236}">
+                <a16:creationId xmlns:a16="http://schemas.microsoft.com/office/drawing/2014/main" id="{71BEF874-EEA8-4241-9D69-E0AF7B3EF35E}"/>
+              </a:ext>
+            </a:extLst>
+          </p:cNvPr>
+          <p:cNvPicPr>
+            <a:picLocks noChangeAspect="1"/>
+          </p:cNvPicPr>
+          <p:nvPr/>
+        </p:nvPicPr>
+        <p:blipFill>
+          <a:blip r:embed="rId4">
+            <a:extLst>
+              <a:ext uri="{28A0092B-C50C-407E-A947-70E740481C1C}">
+                <a14:useLocalDpi xmlns:a14="http://schemas.microsoft.com/office/drawing/2010/main" val="0"/>
+              </a:ext>
+            </a:extLst>
+          </a:blip>
+          <a:stretch>
+            <a:fillRect/>
+          </a:stretch>
+        </p:blipFill>
+        <p:spPr>
+          <a:xfrm>
+            <a:off x="8315278" y="2071898"/>
+            <a:ext cx="2890403" cy="2890403"/>
+          </a:xfrm>
+          <a:prstGeom prst="rect">
+            <a:avLst/>
+          </a:prstGeom>
+        </p:spPr>
+      </p:pic>
+      <p:sp>
+        <p:nvSpPr>
+          <p:cNvPr id="18" name="TextBox 17">
+            <a:extLst>
+              <a:ext uri="{FF2B5EF4-FFF2-40B4-BE49-F238E27FC236}">
+                <a16:creationId xmlns:a16="http://schemas.microsoft.com/office/drawing/2014/main" id="{A6018BB6-9323-411B-9E7F-14CC7EBE4807}"/>
+              </a:ext>
+            </a:extLst>
+          </p:cNvPr>
+          <p:cNvSpPr txBox="1"/>
+          <p:nvPr/>
+        </p:nvSpPr>
+        <p:spPr>
+          <a:xfrm>
+            <a:off x="8794457" y="4911770"/>
+            <a:ext cx="2411224" cy="369332"/>
+          </a:xfrm>
+          <a:prstGeom prst="rect">
+            <a:avLst/>
+          </a:prstGeom>
+          <a:noFill/>
+        </p:spPr>
+        <p:txBody>
+          <a:bodyPr wrap="square" rtlCol="0">
+            <a:spAutoFit/>
+          </a:bodyPr>
+          <a:lstStyle/>
+          <a:p>
+            <a:r>
+              <a:rPr lang="en-US" dirty="0"/>
+              <a:t>ED SRGAN</a:t>
+            </a:r>
+            <a:endParaRPr lang="en-IN" dirty="0"/>
+          </a:p>
+        </p:txBody>
+      </p:sp>
+      <p:pic>
+        <p:nvPicPr>
+          <p:cNvPr id="20" name="Picture 19">
+            <a:extLst>
+              <a:ext uri="{FF2B5EF4-FFF2-40B4-BE49-F238E27FC236}">
+                <a16:creationId xmlns:a16="http://schemas.microsoft.com/office/drawing/2014/main" id="{67B71201-E9B7-4184-91B9-89C34507B14A}"/>
+              </a:ext>
+            </a:extLst>
+          </p:cNvPr>
+          <p:cNvPicPr>
+            <a:picLocks noChangeAspect="1"/>
+          </p:cNvPicPr>
+          <p:nvPr/>
+        </p:nvPicPr>
+        <p:blipFill>
+          <a:blip r:embed="rId5">
+            <a:extLst>
+              <a:ext uri="{28A0092B-C50C-407E-A947-70E740481C1C}">
+                <a14:useLocalDpi xmlns:a14="http://schemas.microsoft.com/office/drawing/2010/main" val="0"/>
+              </a:ext>
+            </a:extLst>
+          </a:blip>
+          <a:stretch>
+            <a:fillRect/>
+          </a:stretch>
+        </p:blipFill>
+        <p:spPr>
+          <a:xfrm>
+            <a:off x="1211065" y="2071898"/>
+            <a:ext cx="2890404" cy="2890404"/>
+          </a:xfrm>
+          <a:prstGeom prst="rect">
+            <a:avLst/>
+          </a:prstGeom>
+        </p:spPr>
+      </p:pic>
+    </p:spTree>
+    <p:extLst>
+      <p:ext uri="{BB962C8B-B14F-4D97-AF65-F5344CB8AC3E}">
+        <p14:creationId xmlns:p14="http://schemas.microsoft.com/office/powerpoint/2010/main" val="3653168016"/>
+      </p:ext>
+    </p:extLst>
+  </p:cSld>
+  <p:clrMapOvr>
+    <a:masterClrMapping/>
+  </p:clrMapOvr>
+  <mc:AlternateContent xmlns:mc="http://schemas.openxmlformats.org/markup-compatibility/2006" xmlns:p14="http://schemas.microsoft.com/office/powerpoint/2010/main">
+    <mc:Choice Requires="p14">
+      <p:transition spd="med" p14:dur="700">
+        <p:fade/>
+      </p:transition>
+    </mc:Choice>
+    <mc:Fallback xmlns="">
+      <p:transition spd="med">
+        <p:fade/>
+      </p:transition>
+    </mc:Fallback>
+  </mc:AlternateContent>
+</p:sld>
+</file>
+
+<file path=ppt/slides/slide15.xml><?xml version="1.0" encoding="utf-8"?>
+<p:sld xmlns:a="http://schemas.openxmlformats.org/drawingml/2006/main" xmlns:r="http://schemas.openxmlformats.org/officeDocument/2006/relationships" xmlns:p="http://schemas.openxmlformats.org/presentationml/2006/main">
+  <p:cSld>
+    <p:spTree>
+      <p:nvGrpSpPr>
+        <p:cNvPr id="1" name=""/>
+        <p:cNvGrpSpPr/>
+        <p:nvPr/>
+      </p:nvGrpSpPr>
+      <p:grpSpPr>
+        <a:xfrm>
+          <a:off x="0" y="0"/>
+          <a:ext cx="0" cy="0"/>
+          <a:chOff x="0" y="0"/>
+          <a:chExt cx="0" cy="0"/>
+        </a:xfrm>
+      </p:grpSpPr>
+      <p:sp>
+        <p:nvSpPr>
+          <p:cNvPr id="2" name="Title 1">
+            <a:extLst>
+              <a:ext uri="{FF2B5EF4-FFF2-40B4-BE49-F238E27FC236}">
+                <a16:creationId xmlns:a16="http://schemas.microsoft.com/office/drawing/2014/main" id="{B0D37066-5BB4-4970-A014-6213F4C5E9F8}"/>
+              </a:ext>
+            </a:extLst>
+          </p:cNvPr>
+          <p:cNvSpPr>
+            <a:spLocks noGrp="1"/>
+          </p:cNvSpPr>
+          <p:nvPr>
+            <p:ph type="title"/>
+          </p:nvPr>
+        </p:nvSpPr>
+        <p:spPr/>
+        <p:txBody>
+          <a:bodyPr/>
+          <a:lstStyle/>
+          <a:p>
+            <a:r>
+              <a:rPr lang="en-US" dirty="0"/>
+              <a:t>Results</a:t>
+            </a:r>
+          </a:p>
+        </p:txBody>
+      </p:sp>
+      <p:pic>
+        <p:nvPicPr>
+          <p:cNvPr id="6" name="Content Placeholder 5">
+            <a:extLst>
+              <a:ext uri="{FF2B5EF4-FFF2-40B4-BE49-F238E27FC236}">
+                <a16:creationId xmlns:a16="http://schemas.microsoft.com/office/drawing/2014/main" id="{6A6F0DD6-632E-418E-ACD5-29095C36E3C7}"/>
+              </a:ext>
+            </a:extLst>
+          </p:cNvPr>
+          <p:cNvPicPr>
+            <a:picLocks noGrp="1" noChangeAspect="1"/>
+          </p:cNvPicPr>
+          <p:nvPr>
+            <p:ph idx="1"/>
+          </p:nvPr>
+        </p:nvPicPr>
+        <p:blipFill>
+          <a:blip r:embed="rId2">
+            <a:extLst>
+              <a:ext uri="{28A0092B-C50C-407E-A947-70E740481C1C}">
+                <a14:useLocalDpi xmlns:a14="http://schemas.microsoft.com/office/drawing/2010/main" val="0"/>
+              </a:ext>
+            </a:extLst>
+          </a:blip>
+          <a:stretch>
+            <a:fillRect/>
+          </a:stretch>
+        </p:blipFill>
+        <p:spPr>
+          <a:xfrm>
+            <a:off x="1106418" y="1655684"/>
+            <a:ext cx="4461030" cy="4461030"/>
+          </a:xfrm>
+        </p:spPr>
+      </p:pic>
+      <p:sp>
+        <p:nvSpPr>
+          <p:cNvPr id="4" name="Footer Placeholder 3">
+            <a:extLst>
+              <a:ext uri="{FF2B5EF4-FFF2-40B4-BE49-F238E27FC236}">
+                <a16:creationId xmlns:a16="http://schemas.microsoft.com/office/drawing/2014/main" id="{800E437C-612D-435F-B56F-29DB311289E1}"/>
+              </a:ext>
+            </a:extLst>
+          </p:cNvPr>
+          <p:cNvSpPr>
+            <a:spLocks noGrp="1"/>
+          </p:cNvSpPr>
+          <p:nvPr>
+            <p:ph type="ftr" sz="quarter" idx="11"/>
+          </p:nvPr>
+        </p:nvSpPr>
+        <p:spPr/>
+        <p:txBody>
+          <a:bodyPr/>
+          <a:lstStyle/>
+          <a:p>
+            <a:r>
+              <a:rPr lang="en-US"/>
+              <a:t>Astronomical image colourisation and super-resolution using GANS</a:t>
+            </a:r>
+            <a:endParaRPr lang="en-IN"/>
+          </a:p>
+        </p:txBody>
+      </p:sp>
+      <p:pic>
+        <p:nvPicPr>
+          <p:cNvPr id="12" name="Picture 11">
+            <a:extLst>
+              <a:ext uri="{FF2B5EF4-FFF2-40B4-BE49-F238E27FC236}">
+                <a16:creationId xmlns:a16="http://schemas.microsoft.com/office/drawing/2014/main" id="{919DCB73-00BF-463F-B368-1BEBD8C78582}"/>
+              </a:ext>
+            </a:extLst>
+          </p:cNvPr>
+          <p:cNvPicPr>
+            <a:picLocks noChangeAspect="1"/>
+          </p:cNvPicPr>
+          <p:nvPr/>
+        </p:nvPicPr>
+        <p:blipFill>
+          <a:blip r:embed="rId3">
+            <a:extLst>
+              <a:ext uri="{28A0092B-C50C-407E-A947-70E740481C1C}">
+                <a14:useLocalDpi xmlns:a14="http://schemas.microsoft.com/office/drawing/2010/main" val="0"/>
+              </a:ext>
+            </a:extLst>
+          </a:blip>
+          <a:stretch>
+            <a:fillRect/>
+          </a:stretch>
+        </p:blipFill>
+        <p:spPr>
+          <a:xfrm>
+            <a:off x="6624553" y="1655685"/>
+            <a:ext cx="4461029" cy="4461029"/>
+          </a:xfrm>
+          <a:prstGeom prst="rect">
+            <a:avLst/>
+          </a:prstGeom>
+        </p:spPr>
+      </p:pic>
+    </p:spTree>
+    <p:extLst>
+      <p:ext uri="{BB962C8B-B14F-4D97-AF65-F5344CB8AC3E}">
+        <p14:creationId xmlns:p14="http://schemas.microsoft.com/office/powerpoint/2010/main" val="66128808"/>
+      </p:ext>
+    </p:extLst>
+  </p:cSld>
+  <p:clrMapOvr>
+    <a:masterClrMapping/>
+  </p:clrMapOvr>
+  <mc:AlternateContent xmlns:mc="http://schemas.openxmlformats.org/markup-compatibility/2006" xmlns:p14="http://schemas.microsoft.com/office/powerpoint/2010/main">
+    <mc:Choice Requires="p14">
+      <p:transition spd="med" p14:dur="700">
+        <p:fade/>
+      </p:transition>
+    </mc:Choice>
+    <mc:Fallback xmlns="">
+      <p:transition spd="med">
+        <p:fade/>
+      </p:transition>
+    </mc:Fallback>
+  </mc:AlternateContent>
+</p:sld>
+</file>
+
+<file path=ppt/slides/slide16.xml><?xml version="1.0" encoding="utf-8"?>
+<p:sld xmlns:a="http://schemas.openxmlformats.org/drawingml/2006/main" xmlns:r="http://schemas.openxmlformats.org/officeDocument/2006/relationships" xmlns:p="http://schemas.openxmlformats.org/presentationml/2006/main">
+  <p:cSld>
+    <p:spTree>
+      <p:nvGrpSpPr>
+        <p:cNvPr id="1" name=""/>
+        <p:cNvGrpSpPr/>
+        <p:nvPr/>
+      </p:nvGrpSpPr>
+      <p:grpSpPr>
+        <a:xfrm>
+          <a:off x="0" y="0"/>
+          <a:ext cx="0" cy="0"/>
+          <a:chOff x="0" y="0"/>
+          <a:chExt cx="0" cy="0"/>
+        </a:xfrm>
+      </p:grpSpPr>
+      <p:sp>
+        <p:nvSpPr>
+          <p:cNvPr id="2" name="Title 1">
+            <a:extLst>
+              <a:ext uri="{FF2B5EF4-FFF2-40B4-BE49-F238E27FC236}">
+                <a16:creationId xmlns:a16="http://schemas.microsoft.com/office/drawing/2014/main" id="{F8F3D829-2D78-48ED-A712-D4BF5E1E86D3}"/>
+              </a:ext>
+            </a:extLst>
+          </p:cNvPr>
+          <p:cNvSpPr>
+            <a:spLocks noGrp="1"/>
+          </p:cNvSpPr>
+          <p:nvPr>
+            <p:ph type="title"/>
+          </p:nvPr>
+        </p:nvSpPr>
+        <p:spPr/>
+        <p:txBody>
+          <a:bodyPr/>
+          <a:lstStyle/>
+          <a:p>
+            <a:r>
+              <a:rPr lang="en-US" dirty="0"/>
+              <a:t>Results</a:t>
+            </a:r>
+          </a:p>
+        </p:txBody>
+      </p:sp>
+      <p:sp>
+        <p:nvSpPr>
+          <p:cNvPr id="4" name="Footer Placeholder 3">
+            <a:extLst>
+              <a:ext uri="{FF2B5EF4-FFF2-40B4-BE49-F238E27FC236}">
+                <a16:creationId xmlns:a16="http://schemas.microsoft.com/office/drawing/2014/main" id="{DEF90F64-3B5A-428D-9915-19382E8B1AB0}"/>
+              </a:ext>
+            </a:extLst>
+          </p:cNvPr>
+          <p:cNvSpPr>
+            <a:spLocks noGrp="1"/>
+          </p:cNvSpPr>
+          <p:nvPr>
+            <p:ph type="ftr" sz="quarter" idx="11"/>
+          </p:nvPr>
+        </p:nvSpPr>
+        <p:spPr/>
+        <p:txBody>
+          <a:bodyPr/>
+          <a:lstStyle/>
+          <a:p>
+            <a:r>
+              <a:rPr lang="en-US"/>
+              <a:t>Astronomical image colourisation and super-resolution using GANS</a:t>
+            </a:r>
+            <a:endParaRPr lang="en-IN"/>
+          </a:p>
+        </p:txBody>
+      </p:sp>
+      <p:pic>
+        <p:nvPicPr>
+          <p:cNvPr id="5" name="Picture 4">
+            <a:extLst>
+              <a:ext uri="{FF2B5EF4-FFF2-40B4-BE49-F238E27FC236}">
+                <a16:creationId xmlns:a16="http://schemas.microsoft.com/office/drawing/2014/main" id="{44DB752E-1CD8-4A30-93C2-A2EF51263537}"/>
+              </a:ext>
+            </a:extLst>
+          </p:cNvPr>
+          <p:cNvPicPr>
+            <a:picLocks noChangeAspect="1"/>
+          </p:cNvPicPr>
+          <p:nvPr/>
+        </p:nvPicPr>
+        <p:blipFill>
+          <a:blip r:embed="rId2">
+            <a:extLst>
+              <a:ext uri="{28A0092B-C50C-407E-A947-70E740481C1C}">
+                <a14:useLocalDpi xmlns:a14="http://schemas.microsoft.com/office/drawing/2010/main" val="0"/>
+              </a:ext>
+            </a:extLst>
+          </a:blip>
+          <a:stretch>
+            <a:fillRect/>
+          </a:stretch>
+        </p:blipFill>
+        <p:spPr>
+          <a:xfrm>
+            <a:off x="6313041" y="1785521"/>
+            <a:ext cx="4201357" cy="4201357"/>
+          </a:xfrm>
+          <a:prstGeom prst="rect">
+            <a:avLst/>
+          </a:prstGeom>
+        </p:spPr>
+      </p:pic>
+      <p:pic>
+        <p:nvPicPr>
+          <p:cNvPr id="6" name="Picture 5">
+            <a:extLst>
+              <a:ext uri="{FF2B5EF4-FFF2-40B4-BE49-F238E27FC236}">
+                <a16:creationId xmlns:a16="http://schemas.microsoft.com/office/drawing/2014/main" id="{71456A7D-3C6B-41B8-8CF5-FA8C9AD9927F}"/>
+              </a:ext>
+            </a:extLst>
+          </p:cNvPr>
+          <p:cNvPicPr>
+            <a:picLocks noChangeAspect="1"/>
+          </p:cNvPicPr>
+          <p:nvPr/>
+        </p:nvPicPr>
+        <p:blipFill>
+          <a:blip r:embed="rId3">
+            <a:extLst>
+              <a:ext uri="{28A0092B-C50C-407E-A947-70E740481C1C}">
+                <a14:useLocalDpi xmlns:a14="http://schemas.microsoft.com/office/drawing/2010/main" val="0"/>
+              </a:ext>
+            </a:extLst>
+          </a:blip>
+          <a:stretch>
+            <a:fillRect/>
+          </a:stretch>
+        </p:blipFill>
+        <p:spPr>
+          <a:xfrm>
+            <a:off x="1307771" y="1785520"/>
+            <a:ext cx="4201357" cy="4201357"/>
+          </a:xfrm>
+          <a:prstGeom prst="rect">
+            <a:avLst/>
+          </a:prstGeom>
+        </p:spPr>
+      </p:pic>
+    </p:spTree>
+    <p:extLst>
+      <p:ext uri="{BB962C8B-B14F-4D97-AF65-F5344CB8AC3E}">
+        <p14:creationId xmlns:p14="http://schemas.microsoft.com/office/powerpoint/2010/main" val="2117555116"/>
+      </p:ext>
+    </p:extLst>
+  </p:cSld>
+  <p:clrMapOvr>
+    <a:masterClrMapping/>
+  </p:clrMapOvr>
+  <mc:AlternateContent xmlns:mc="http://schemas.openxmlformats.org/markup-compatibility/2006" xmlns:p14="http://schemas.microsoft.com/office/powerpoint/2010/main">
+    <mc:Choice Requires="p14">
+      <p:transition spd="med" p14:dur="700">
+        <p:fade/>
+      </p:transition>
+    </mc:Choice>
+    <mc:Fallback xmlns="">
+      <p:transition spd="med">
+        <p:fade/>
+      </p:transition>
+    </mc:Fallback>
+  </mc:AlternateContent>
+</p:sld>
+</file>
+
+<file path=ppt/slides/slide17.xml><?xml version="1.0" encoding="utf-8"?>
+<p:sld xmlns:a="http://schemas.openxmlformats.org/drawingml/2006/main" xmlns:r="http://schemas.openxmlformats.org/officeDocument/2006/relationships" xmlns:p="http://schemas.openxmlformats.org/presentationml/2006/main">
+  <p:cSld>
+    <p:spTree>
+      <p:nvGrpSpPr>
+        <p:cNvPr id="1" name=""/>
+        <p:cNvGrpSpPr/>
+        <p:nvPr/>
+      </p:nvGrpSpPr>
+      <p:grpSpPr>
+        <a:xfrm>
+          <a:off x="0" y="0"/>
+          <a:ext cx="0" cy="0"/>
+          <a:chOff x="0" y="0"/>
+          <a:chExt cx="0" cy="0"/>
+        </a:xfrm>
+      </p:grpSpPr>
+      <p:sp>
+        <p:nvSpPr>
+          <p:cNvPr id="2" name="Title 1">
+            <a:extLst>
+              <a:ext uri="{FF2B5EF4-FFF2-40B4-BE49-F238E27FC236}">
+                <a16:creationId xmlns:a16="http://schemas.microsoft.com/office/drawing/2014/main" id="{458ABB23-821F-4EC9-9CB7-991184A272C8}"/>
+              </a:ext>
+            </a:extLst>
+          </p:cNvPr>
+          <p:cNvSpPr>
+            <a:spLocks noGrp="1"/>
+          </p:cNvSpPr>
+          <p:nvPr>
+            <p:ph type="title"/>
+          </p:nvPr>
+        </p:nvSpPr>
+        <p:spPr/>
+        <p:txBody>
+          <a:bodyPr/>
+          <a:lstStyle/>
+          <a:p>
+            <a:r>
+              <a:rPr lang="en-US" dirty="0"/>
+              <a:t>Results</a:t>
+            </a:r>
+          </a:p>
+        </p:txBody>
+      </p:sp>
+      <p:sp>
+        <p:nvSpPr>
+          <p:cNvPr id="3" name="Content Placeholder 2">
+            <a:extLst>
+              <a:ext uri="{FF2B5EF4-FFF2-40B4-BE49-F238E27FC236}">
+                <a16:creationId xmlns:a16="http://schemas.microsoft.com/office/drawing/2014/main" id="{44B590CF-DBD3-4221-91C5-4A328A8E6DE3}"/>
+              </a:ext>
+            </a:extLst>
+          </p:cNvPr>
+          <p:cNvSpPr>
+            <a:spLocks noGrp="1"/>
+          </p:cNvSpPr>
+          <p:nvPr>
+            <p:ph idx="1"/>
+          </p:nvPr>
+        </p:nvSpPr>
+        <p:spPr/>
+        <p:txBody>
+          <a:bodyPr/>
+          <a:lstStyle/>
+          <a:p>
+            <a:r>
+              <a:rPr lang="en-US" dirty="0"/>
+              <a:t>Pixel wise mean:</a:t>
+            </a:r>
+          </a:p>
+        </p:txBody>
+      </p:sp>
+      <p:sp>
+        <p:nvSpPr>
+          <p:cNvPr id="4" name="Footer Placeholder 3">
+            <a:extLst>
+              <a:ext uri="{FF2B5EF4-FFF2-40B4-BE49-F238E27FC236}">
+                <a16:creationId xmlns:a16="http://schemas.microsoft.com/office/drawing/2014/main" id="{0E8D712D-5257-41F4-A8AE-160B9B868F6B}"/>
+              </a:ext>
+            </a:extLst>
+          </p:cNvPr>
+          <p:cNvSpPr>
+            <a:spLocks noGrp="1"/>
+          </p:cNvSpPr>
+          <p:nvPr>
+            <p:ph type="ftr" sz="quarter" idx="11"/>
+          </p:nvPr>
+        </p:nvSpPr>
+        <p:spPr/>
+        <p:txBody>
+          <a:bodyPr/>
+          <a:lstStyle/>
+          <a:p>
+            <a:r>
+              <a:rPr lang="en-US"/>
+              <a:t>Astronomical image colourisation and super-resolution using GANS</a:t>
+            </a:r>
+            <a:endParaRPr lang="en-IN"/>
+          </a:p>
+        </p:txBody>
+      </p:sp>
+      <p:pic>
+        <p:nvPicPr>
+          <p:cNvPr id="6" name="Picture 5">
+            <a:extLst>
+              <a:ext uri="{FF2B5EF4-FFF2-40B4-BE49-F238E27FC236}">
+                <a16:creationId xmlns:a16="http://schemas.microsoft.com/office/drawing/2014/main" id="{BCE1A493-25EA-469D-8F5D-83EA1D3CB1BD}"/>
+              </a:ext>
+            </a:extLst>
+          </p:cNvPr>
+          <p:cNvPicPr>
+            <a:picLocks noChangeAspect="1"/>
+          </p:cNvPicPr>
+          <p:nvPr/>
+        </p:nvPicPr>
+        <p:blipFill>
+          <a:blip r:embed="rId2"/>
+          <a:stretch>
+            <a:fillRect/>
+          </a:stretch>
+        </p:blipFill>
+        <p:spPr>
+          <a:xfrm>
+            <a:off x="1527366" y="2566702"/>
+            <a:ext cx="9135750" cy="2772162"/>
+          </a:xfrm>
+          <a:prstGeom prst="rect">
+            <a:avLst/>
+          </a:prstGeom>
+        </p:spPr>
+      </p:pic>
+    </p:spTree>
+    <p:extLst>
+      <p:ext uri="{BB962C8B-B14F-4D97-AF65-F5344CB8AC3E}">
+        <p14:creationId xmlns:p14="http://schemas.microsoft.com/office/powerpoint/2010/main" val="1629733948"/>
+      </p:ext>
+    </p:extLst>
+  </p:cSld>
+  <p:clrMapOvr>
+    <a:masterClrMapping/>
+  </p:clrMapOvr>
+  <mc:AlternateContent xmlns:mc="http://schemas.openxmlformats.org/markup-compatibility/2006" xmlns:p14="http://schemas.microsoft.com/office/powerpoint/2010/main">
+    <mc:Choice Requires="p14">
+      <p:transition spd="med" p14:dur="700">
+        <p:fade/>
+      </p:transition>
+    </mc:Choice>
+    <mc:Fallback xmlns="">
+      <p:transition spd="med">
+        <p:fade/>
+      </p:transition>
+    </mc:Fallback>
+  </mc:AlternateContent>
+</p:sld>
+</file>
+
+<file path=ppt/slides/slide18.xml><?xml version="1.0" encoding="utf-8"?>
+<p:sld xmlns:a="http://schemas.openxmlformats.org/drawingml/2006/main" xmlns:r="http://schemas.openxmlformats.org/officeDocument/2006/relationships" xmlns:p="http://schemas.openxmlformats.org/presentationml/2006/main">
+  <p:cSld>
+    <p:spTree>
+      <p:nvGrpSpPr>
+        <p:cNvPr id="1" name=""/>
+        <p:cNvGrpSpPr/>
+        <p:nvPr/>
+      </p:nvGrpSpPr>
+      <p:grpSpPr>
+        <a:xfrm>
+          <a:off x="0" y="0"/>
+          <a:ext cx="0" cy="0"/>
+          <a:chOff x="0" y="0"/>
+          <a:chExt cx="0" cy="0"/>
+        </a:xfrm>
+      </p:grpSpPr>
+      <p:sp>
+        <p:nvSpPr>
+          <p:cNvPr id="2" name="Title 1">
+            <a:extLst>
+              <a:ext uri="{FF2B5EF4-FFF2-40B4-BE49-F238E27FC236}">
+                <a16:creationId xmlns:a16="http://schemas.microsoft.com/office/drawing/2014/main" id="{6E98310F-7D26-4CF1-B23F-D240BF96D27A}"/>
+              </a:ext>
+            </a:extLst>
+          </p:cNvPr>
+          <p:cNvSpPr>
+            <a:spLocks noGrp="1"/>
+          </p:cNvSpPr>
+          <p:nvPr>
+            <p:ph type="title"/>
+          </p:nvPr>
+        </p:nvSpPr>
+        <p:spPr/>
+        <p:txBody>
+          <a:bodyPr/>
+          <a:lstStyle/>
+          <a:p>
+            <a:r>
+              <a:rPr lang="en-US" dirty="0"/>
+              <a:t>Results</a:t>
+            </a:r>
+          </a:p>
+        </p:txBody>
+      </p:sp>
+      <p:pic>
+        <p:nvPicPr>
+          <p:cNvPr id="6" name="Content Placeholder 5">
+            <a:extLst>
+              <a:ext uri="{FF2B5EF4-FFF2-40B4-BE49-F238E27FC236}">
+                <a16:creationId xmlns:a16="http://schemas.microsoft.com/office/drawing/2014/main" id="{366B06B2-2C02-4E99-BFB8-6B583B9080C7}"/>
+              </a:ext>
+            </a:extLst>
+          </p:cNvPr>
+          <p:cNvPicPr>
+            <a:picLocks noGrp="1" noChangeAspect="1"/>
+          </p:cNvPicPr>
+          <p:nvPr>
+            <p:ph idx="1"/>
+          </p:nvPr>
+        </p:nvPicPr>
+        <p:blipFill>
+          <a:blip r:embed="rId2"/>
+          <a:stretch>
+            <a:fillRect/>
+          </a:stretch>
+        </p:blipFill>
+        <p:spPr>
+          <a:xfrm>
+            <a:off x="1950188" y="2894121"/>
+            <a:ext cx="8290106" cy="2383406"/>
+          </a:xfrm>
+        </p:spPr>
+      </p:pic>
+      <p:sp>
+        <p:nvSpPr>
+          <p:cNvPr id="4" name="Footer Placeholder 3">
+            <a:extLst>
+              <a:ext uri="{FF2B5EF4-FFF2-40B4-BE49-F238E27FC236}">
+                <a16:creationId xmlns:a16="http://schemas.microsoft.com/office/drawing/2014/main" id="{323D68E4-60A9-4E6E-AFD3-E0EF7267DEB0}"/>
+              </a:ext>
+            </a:extLst>
+          </p:cNvPr>
+          <p:cNvSpPr>
+            <a:spLocks noGrp="1"/>
+          </p:cNvSpPr>
+          <p:nvPr>
+            <p:ph type="ftr" sz="quarter" idx="11"/>
+          </p:nvPr>
+        </p:nvSpPr>
+        <p:spPr/>
+        <p:txBody>
+          <a:bodyPr/>
+          <a:lstStyle/>
+          <a:p>
+            <a:r>
+              <a:rPr lang="en-US"/>
+              <a:t>Astronomical image colourisation and super-resolution using GANS</a:t>
+            </a:r>
+            <a:endParaRPr lang="en-IN"/>
+          </a:p>
+        </p:txBody>
+      </p:sp>
+      <p:sp>
+        <p:nvSpPr>
+          <p:cNvPr id="7" name="Content Placeholder 2">
+            <a:extLst>
+              <a:ext uri="{FF2B5EF4-FFF2-40B4-BE49-F238E27FC236}">
+                <a16:creationId xmlns:a16="http://schemas.microsoft.com/office/drawing/2014/main" id="{3819D23F-8FF0-4DEA-92FE-3079F9A46B72}"/>
+              </a:ext>
+            </a:extLst>
+          </p:cNvPr>
+          <p:cNvSpPr txBox="1">
+            <a:spLocks/>
+          </p:cNvSpPr>
+          <p:nvPr/>
+        </p:nvSpPr>
+        <p:spPr>
+          <a:xfrm>
+            <a:off x="1104900" y="1600200"/>
+            <a:ext cx="9982200" cy="4572000"/>
+          </a:xfrm>
+          <a:prstGeom prst="rect">
+            <a:avLst/>
+          </a:prstGeom>
+        </p:spPr>
+        <p:txBody>
+          <a:bodyPr vert="horz" lIns="0" tIns="45720" rIns="0" bIns="45720" rtlCol="0">
+            <a:normAutofit/>
+          </a:bodyPr>
+          <a:lstStyle>
+            <a:lvl1pPr marL="228600" indent="-228600" algn="l" defTabSz="914400" rtl="0" eaLnBrk="1" latinLnBrk="0" hangingPunct="1">
+              <a:lnSpc>
+                <a:spcPct val="90000"/>
+              </a:lnSpc>
+              <a:spcBef>
+                <a:spcPts val="1800"/>
+              </a:spcBef>
+              <a:buFont typeface="Wingdings" panose="05000000000000000000" pitchFamily="2" charset="2"/>
+              <a:buChar char="§"/>
+              <a:defRPr sz="2000" kern="1200">
+                <a:solidFill>
+                  <a:schemeClr val="tx1"/>
+                </a:solidFill>
+                <a:latin typeface="+mn-lt"/>
+                <a:ea typeface="+mn-ea"/>
+                <a:cs typeface="+mn-cs"/>
+              </a:defRPr>
+            </a:lvl1pPr>
+            <a:lvl2pPr marL="685800" indent="-228600" algn="l" defTabSz="914400" rtl="0" eaLnBrk="1" latinLnBrk="0" hangingPunct="1">
+              <a:lnSpc>
+                <a:spcPct val="90000"/>
+              </a:lnSpc>
+              <a:spcBef>
+                <a:spcPts val="600"/>
+              </a:spcBef>
+              <a:buFont typeface="Wingdings" panose="05000000000000000000" pitchFamily="2" charset="2"/>
+              <a:buChar char="§"/>
+              <a:defRPr sz="1600" kern="1200">
+                <a:solidFill>
+                  <a:schemeClr val="tx1"/>
+                </a:solidFill>
+                <a:latin typeface="+mn-lt"/>
+                <a:ea typeface="+mn-ea"/>
+                <a:cs typeface="+mn-cs"/>
+              </a:defRPr>
+            </a:lvl2pPr>
+            <a:lvl3pPr marL="1143000" indent="-228600" algn="l" defTabSz="914400" rtl="0" eaLnBrk="1" latinLnBrk="0" hangingPunct="1">
+              <a:lnSpc>
+                <a:spcPct val="90000"/>
+              </a:lnSpc>
+              <a:spcBef>
+                <a:spcPts val="600"/>
+              </a:spcBef>
+              <a:buFont typeface="Wingdings" panose="05000000000000000000" pitchFamily="2" charset="2"/>
+              <a:buChar char="§"/>
+              <a:defRPr sz="1400" kern="1200">
+                <a:solidFill>
+                  <a:schemeClr val="tx1"/>
+                </a:solidFill>
+                <a:latin typeface="+mn-lt"/>
+                <a:ea typeface="+mn-ea"/>
+                <a:cs typeface="+mn-cs"/>
+              </a:defRPr>
+            </a:lvl3pPr>
+            <a:lvl4pPr marL="1600200" indent="-228600" algn="l" defTabSz="914400" rtl="0" eaLnBrk="1" latinLnBrk="0" hangingPunct="1">
+              <a:lnSpc>
+                <a:spcPct val="90000"/>
+              </a:lnSpc>
+              <a:spcBef>
+                <a:spcPts val="600"/>
+              </a:spcBef>
+              <a:buFont typeface="Wingdings" panose="05000000000000000000" pitchFamily="2" charset="2"/>
+              <a:buChar char="§"/>
+              <a:defRPr sz="1400" kern="1200">
+                <a:solidFill>
+                  <a:schemeClr val="tx1"/>
+                </a:solidFill>
+                <a:latin typeface="+mn-lt"/>
+                <a:ea typeface="+mn-ea"/>
+                <a:cs typeface="+mn-cs"/>
+              </a:defRPr>
+            </a:lvl4pPr>
+            <a:lvl5pPr marL="2057400" indent="-228600" algn="l" defTabSz="914400" rtl="0" eaLnBrk="1" latinLnBrk="0" hangingPunct="1">
+              <a:lnSpc>
+                <a:spcPct val="90000"/>
+              </a:lnSpc>
+              <a:spcBef>
+                <a:spcPts val="600"/>
+              </a:spcBef>
+              <a:buFont typeface="Wingdings" panose="05000000000000000000" pitchFamily="2" charset="2"/>
+              <a:buChar char="§"/>
+              <a:defRPr sz="1400" kern="1200">
+                <a:solidFill>
+                  <a:schemeClr val="tx1"/>
+                </a:solidFill>
+                <a:latin typeface="+mn-lt"/>
+                <a:ea typeface="+mn-ea"/>
+                <a:cs typeface="+mn-cs"/>
+              </a:defRPr>
+            </a:lvl5pPr>
+            <a:lvl6pPr marL="2514600" indent="-228600" algn="l" defTabSz="914400" rtl="0" eaLnBrk="1" latinLnBrk="0" hangingPunct="1">
+              <a:lnSpc>
+                <a:spcPct val="90000"/>
+              </a:lnSpc>
+              <a:spcBef>
+                <a:spcPts val="500"/>
+              </a:spcBef>
+              <a:buFont typeface="Wingdings" panose="05000000000000000000" pitchFamily="2" charset="2"/>
+              <a:buChar char="§"/>
+              <a:defRPr sz="1400" kern="1200">
+                <a:solidFill>
+                  <a:schemeClr val="tx1"/>
+                </a:solidFill>
+                <a:latin typeface="+mn-lt"/>
+                <a:ea typeface="+mn-ea"/>
+                <a:cs typeface="+mn-cs"/>
+              </a:defRPr>
+            </a:lvl6pPr>
+            <a:lvl7pPr marL="2971800" indent="-228600" algn="l" defTabSz="914400" rtl="0" eaLnBrk="1" latinLnBrk="0" hangingPunct="1">
+              <a:lnSpc>
+                <a:spcPct val="90000"/>
+              </a:lnSpc>
+              <a:spcBef>
+                <a:spcPts val="500"/>
+              </a:spcBef>
+              <a:buFont typeface="Wingdings" panose="05000000000000000000" pitchFamily="2" charset="2"/>
+              <a:buChar char="§"/>
+              <a:defRPr sz="1400" kern="1200">
+                <a:solidFill>
+                  <a:schemeClr val="tx1"/>
+                </a:solidFill>
+                <a:latin typeface="+mn-lt"/>
+                <a:ea typeface="+mn-ea"/>
+                <a:cs typeface="+mn-cs"/>
+              </a:defRPr>
+            </a:lvl7pPr>
+            <a:lvl8pPr marL="3429000" indent="-228600" algn="l" defTabSz="914400" rtl="0" eaLnBrk="1" latinLnBrk="0" hangingPunct="1">
+              <a:lnSpc>
+                <a:spcPct val="90000"/>
+              </a:lnSpc>
+              <a:spcBef>
+                <a:spcPts val="500"/>
+              </a:spcBef>
+              <a:buFont typeface="Wingdings" panose="05000000000000000000" pitchFamily="2" charset="2"/>
+              <a:buChar char="§"/>
+              <a:defRPr sz="1400" kern="1200">
+                <a:solidFill>
+                  <a:schemeClr val="tx1"/>
+                </a:solidFill>
+                <a:latin typeface="+mn-lt"/>
+                <a:ea typeface="+mn-ea"/>
+                <a:cs typeface="+mn-cs"/>
+              </a:defRPr>
+            </a:lvl8pPr>
+            <a:lvl9pPr marL="3886200" indent="-228600" algn="l" defTabSz="914400" rtl="0" eaLnBrk="1" latinLnBrk="0" hangingPunct="1">
+              <a:lnSpc>
+                <a:spcPct val="90000"/>
+              </a:lnSpc>
+              <a:spcBef>
+                <a:spcPts val="500"/>
+              </a:spcBef>
+              <a:buFont typeface="Wingdings" panose="05000000000000000000" pitchFamily="2" charset="2"/>
+              <a:buChar char="§"/>
+              <a:defRPr sz="1400" kern="1200">
+                <a:solidFill>
+                  <a:schemeClr val="tx1"/>
+                </a:solidFill>
+                <a:latin typeface="+mn-lt"/>
+                <a:ea typeface="+mn-ea"/>
+                <a:cs typeface="+mn-cs"/>
+              </a:defRPr>
+            </a:lvl9pPr>
+          </a:lstStyle>
+          <a:p>
+            <a:r>
+              <a:rPr lang="en-US" dirty="0"/>
+              <a:t>Channel wise mean of fine-tuned ResNet18 U-net:</a:t>
+            </a:r>
+          </a:p>
+        </p:txBody>
+      </p:sp>
+    </p:spTree>
+    <p:extLst>
+      <p:ext uri="{BB962C8B-B14F-4D97-AF65-F5344CB8AC3E}">
+        <p14:creationId xmlns:p14="http://schemas.microsoft.com/office/powerpoint/2010/main" val="1595273889"/>
+      </p:ext>
+    </p:extLst>
+  </p:cSld>
+  <p:clrMapOvr>
+    <a:masterClrMapping/>
+  </p:clrMapOvr>
+  <mc:AlternateContent xmlns:mc="http://schemas.openxmlformats.org/markup-compatibility/2006" xmlns:p14="http://schemas.microsoft.com/office/powerpoint/2010/main">
+    <mc:Choice Requires="p14">
+      <p:transition spd="med" p14:dur="700">
+        <p:fade/>
+      </p:transition>
+    </mc:Choice>
+    <mc:Fallback xmlns="">
+      <p:transition spd="med">
+        <p:fade/>
+      </p:transition>
+    </mc:Fallback>
+  </mc:AlternateContent>
+</p:sld>
+</file>
+
+<file path=ppt/slides/slide19.xml><?xml version="1.0" encoding="utf-8"?>
+<p:sld xmlns:a="http://schemas.openxmlformats.org/drawingml/2006/main" xmlns:r="http://schemas.openxmlformats.org/officeDocument/2006/relationships" xmlns:p="http://schemas.openxmlformats.org/presentationml/2006/main">
+  <p:cSld>
+    <p:spTree>
+      <p:nvGrpSpPr>
+        <p:cNvPr id="1" name=""/>
+        <p:cNvGrpSpPr/>
+        <p:nvPr/>
+      </p:nvGrpSpPr>
+      <p:grpSpPr>
+        <a:xfrm>
+          <a:off x="0" y="0"/>
+          <a:ext cx="0" cy="0"/>
+          <a:chOff x="0" y="0"/>
+          <a:chExt cx="0" cy="0"/>
+        </a:xfrm>
+      </p:grpSpPr>
+      <p:sp>
+        <p:nvSpPr>
+          <p:cNvPr id="2" name="Title 1">
+            <a:extLst>
+              <a:ext uri="{FF2B5EF4-FFF2-40B4-BE49-F238E27FC236}">
+                <a16:creationId xmlns:a16="http://schemas.microsoft.com/office/drawing/2014/main" id="{6E98310F-7D26-4CF1-B23F-D240BF96D27A}"/>
+              </a:ext>
+            </a:extLst>
+          </p:cNvPr>
+          <p:cNvSpPr>
+            <a:spLocks noGrp="1"/>
+          </p:cNvSpPr>
+          <p:nvPr>
+            <p:ph type="title"/>
+          </p:nvPr>
+        </p:nvSpPr>
+        <p:spPr/>
+        <p:txBody>
+          <a:bodyPr/>
+          <a:lstStyle/>
+          <a:p>
+            <a:r>
+              <a:rPr lang="en-US" dirty="0"/>
+              <a:t>Results</a:t>
+            </a:r>
+          </a:p>
+        </p:txBody>
+      </p:sp>
+      <p:sp>
+        <p:nvSpPr>
+          <p:cNvPr id="4" name="Footer Placeholder 3">
+            <a:extLst>
+              <a:ext uri="{FF2B5EF4-FFF2-40B4-BE49-F238E27FC236}">
+                <a16:creationId xmlns:a16="http://schemas.microsoft.com/office/drawing/2014/main" id="{323D68E4-60A9-4E6E-AFD3-E0EF7267DEB0}"/>
+              </a:ext>
+            </a:extLst>
+          </p:cNvPr>
+          <p:cNvSpPr>
+            <a:spLocks noGrp="1"/>
+          </p:cNvSpPr>
+          <p:nvPr>
+            <p:ph type="ftr" sz="quarter" idx="11"/>
+          </p:nvPr>
+        </p:nvSpPr>
+        <p:spPr/>
+        <p:txBody>
+          <a:bodyPr/>
+          <a:lstStyle/>
+          <a:p>
+            <a:r>
+              <a:rPr lang="en-US"/>
+              <a:t>Astronomical image colourisation and super-resolution using GANS</a:t>
+            </a:r>
+            <a:endParaRPr lang="en-IN"/>
+          </a:p>
+        </p:txBody>
+      </p:sp>
+      <p:sp>
+        <p:nvSpPr>
+          <p:cNvPr id="7" name="Content Placeholder 2">
+            <a:extLst>
+              <a:ext uri="{FF2B5EF4-FFF2-40B4-BE49-F238E27FC236}">
+                <a16:creationId xmlns:a16="http://schemas.microsoft.com/office/drawing/2014/main" id="{3819D23F-8FF0-4DEA-92FE-3079F9A46B72}"/>
+              </a:ext>
+            </a:extLst>
+          </p:cNvPr>
+          <p:cNvSpPr txBox="1">
+            <a:spLocks/>
+          </p:cNvSpPr>
+          <p:nvPr/>
+        </p:nvSpPr>
+        <p:spPr>
+          <a:xfrm>
+            <a:off x="1104900" y="1600200"/>
+            <a:ext cx="9982200" cy="4572000"/>
+          </a:xfrm>
+          <a:prstGeom prst="rect">
+            <a:avLst/>
+          </a:prstGeom>
+        </p:spPr>
+        <p:txBody>
+          <a:bodyPr vert="horz" lIns="0" tIns="45720" rIns="0" bIns="45720" rtlCol="0">
+            <a:normAutofit/>
+          </a:bodyPr>
+          <a:lstStyle>
+            <a:lvl1pPr marL="228600" indent="-228600" algn="l" defTabSz="914400" rtl="0" eaLnBrk="1" latinLnBrk="0" hangingPunct="1">
+              <a:lnSpc>
+                <a:spcPct val="90000"/>
+              </a:lnSpc>
+              <a:spcBef>
+                <a:spcPts val="1800"/>
+              </a:spcBef>
+              <a:buFont typeface="Wingdings" panose="05000000000000000000" pitchFamily="2" charset="2"/>
+              <a:buChar char="§"/>
+              <a:defRPr sz="2000" kern="1200">
+                <a:solidFill>
+                  <a:schemeClr val="tx1"/>
+                </a:solidFill>
+                <a:latin typeface="+mn-lt"/>
+                <a:ea typeface="+mn-ea"/>
+                <a:cs typeface="+mn-cs"/>
+              </a:defRPr>
+            </a:lvl1pPr>
+            <a:lvl2pPr marL="685800" indent="-228600" algn="l" defTabSz="914400" rtl="0" eaLnBrk="1" latinLnBrk="0" hangingPunct="1">
+              <a:lnSpc>
+                <a:spcPct val="90000"/>
+              </a:lnSpc>
+              <a:spcBef>
+                <a:spcPts val="600"/>
+              </a:spcBef>
+              <a:buFont typeface="Wingdings" panose="05000000000000000000" pitchFamily="2" charset="2"/>
+              <a:buChar char="§"/>
+              <a:defRPr sz="1600" kern="1200">
+                <a:solidFill>
+                  <a:schemeClr val="tx1"/>
+                </a:solidFill>
+                <a:latin typeface="+mn-lt"/>
+                <a:ea typeface="+mn-ea"/>
+                <a:cs typeface="+mn-cs"/>
+              </a:defRPr>
+            </a:lvl2pPr>
+            <a:lvl3pPr marL="1143000" indent="-228600" algn="l" defTabSz="914400" rtl="0" eaLnBrk="1" latinLnBrk="0" hangingPunct="1">
+              <a:lnSpc>
+                <a:spcPct val="90000"/>
+              </a:lnSpc>
+              <a:spcBef>
+                <a:spcPts val="600"/>
+              </a:spcBef>
+              <a:buFont typeface="Wingdings" panose="05000000000000000000" pitchFamily="2" charset="2"/>
+              <a:buChar char="§"/>
+              <a:defRPr sz="1400" kern="1200">
+                <a:solidFill>
+                  <a:schemeClr val="tx1"/>
+                </a:solidFill>
+                <a:latin typeface="+mn-lt"/>
+                <a:ea typeface="+mn-ea"/>
+                <a:cs typeface="+mn-cs"/>
+              </a:defRPr>
+            </a:lvl3pPr>
+            <a:lvl4pPr marL="1600200" indent="-228600" algn="l" defTabSz="914400" rtl="0" eaLnBrk="1" latinLnBrk="0" hangingPunct="1">
+              <a:lnSpc>
+                <a:spcPct val="90000"/>
+              </a:lnSpc>
+              <a:spcBef>
+                <a:spcPts val="600"/>
+              </a:spcBef>
+              <a:buFont typeface="Wingdings" panose="05000000000000000000" pitchFamily="2" charset="2"/>
+              <a:buChar char="§"/>
+              <a:defRPr sz="1400" kern="1200">
+                <a:solidFill>
+                  <a:schemeClr val="tx1"/>
+                </a:solidFill>
+                <a:latin typeface="+mn-lt"/>
+                <a:ea typeface="+mn-ea"/>
+                <a:cs typeface="+mn-cs"/>
+              </a:defRPr>
+            </a:lvl4pPr>
+            <a:lvl5pPr marL="2057400" indent="-228600" algn="l" defTabSz="914400" rtl="0" eaLnBrk="1" latinLnBrk="0" hangingPunct="1">
+              <a:lnSpc>
+                <a:spcPct val="90000"/>
+              </a:lnSpc>
+              <a:spcBef>
+                <a:spcPts val="600"/>
+              </a:spcBef>
+              <a:buFont typeface="Wingdings" panose="05000000000000000000" pitchFamily="2" charset="2"/>
+              <a:buChar char="§"/>
+              <a:defRPr sz="1400" kern="1200">
+                <a:solidFill>
+                  <a:schemeClr val="tx1"/>
+                </a:solidFill>
+                <a:latin typeface="+mn-lt"/>
+                <a:ea typeface="+mn-ea"/>
+                <a:cs typeface="+mn-cs"/>
+              </a:defRPr>
+            </a:lvl5pPr>
+            <a:lvl6pPr marL="2514600" indent="-228600" algn="l" defTabSz="914400" rtl="0" eaLnBrk="1" latinLnBrk="0" hangingPunct="1">
+              <a:lnSpc>
+                <a:spcPct val="90000"/>
+              </a:lnSpc>
+              <a:spcBef>
+                <a:spcPts val="500"/>
+              </a:spcBef>
+              <a:buFont typeface="Wingdings" panose="05000000000000000000" pitchFamily="2" charset="2"/>
+              <a:buChar char="§"/>
+              <a:defRPr sz="1400" kern="1200">
+                <a:solidFill>
+                  <a:schemeClr val="tx1"/>
+                </a:solidFill>
+                <a:latin typeface="+mn-lt"/>
+                <a:ea typeface="+mn-ea"/>
+                <a:cs typeface="+mn-cs"/>
+              </a:defRPr>
+            </a:lvl6pPr>
+            <a:lvl7pPr marL="2971800" indent="-228600" algn="l" defTabSz="914400" rtl="0" eaLnBrk="1" latinLnBrk="0" hangingPunct="1">
+              <a:lnSpc>
+                <a:spcPct val="90000"/>
+              </a:lnSpc>
+              <a:spcBef>
+                <a:spcPts val="500"/>
+              </a:spcBef>
+              <a:buFont typeface="Wingdings" panose="05000000000000000000" pitchFamily="2" charset="2"/>
+              <a:buChar char="§"/>
+              <a:defRPr sz="1400" kern="1200">
+                <a:solidFill>
+                  <a:schemeClr val="tx1"/>
+                </a:solidFill>
+                <a:latin typeface="+mn-lt"/>
+                <a:ea typeface="+mn-ea"/>
+                <a:cs typeface="+mn-cs"/>
+              </a:defRPr>
+            </a:lvl7pPr>
+            <a:lvl8pPr marL="3429000" indent="-228600" algn="l" defTabSz="914400" rtl="0" eaLnBrk="1" latinLnBrk="0" hangingPunct="1">
+              <a:lnSpc>
+                <a:spcPct val="90000"/>
+              </a:lnSpc>
+              <a:spcBef>
+                <a:spcPts val="500"/>
+              </a:spcBef>
+              <a:buFont typeface="Wingdings" panose="05000000000000000000" pitchFamily="2" charset="2"/>
+              <a:buChar char="§"/>
+              <a:defRPr sz="1400" kern="1200">
+                <a:solidFill>
+                  <a:schemeClr val="tx1"/>
+                </a:solidFill>
+                <a:latin typeface="+mn-lt"/>
+                <a:ea typeface="+mn-ea"/>
+                <a:cs typeface="+mn-cs"/>
+              </a:defRPr>
+            </a:lvl8pPr>
+            <a:lvl9pPr marL="3886200" indent="-228600" algn="l" defTabSz="914400" rtl="0" eaLnBrk="1" latinLnBrk="0" hangingPunct="1">
+              <a:lnSpc>
+                <a:spcPct val="90000"/>
+              </a:lnSpc>
+              <a:spcBef>
+                <a:spcPts val="500"/>
+              </a:spcBef>
+              <a:buFont typeface="Wingdings" panose="05000000000000000000" pitchFamily="2" charset="2"/>
+              <a:buChar char="§"/>
+              <a:defRPr sz="1400" kern="1200">
+                <a:solidFill>
+                  <a:schemeClr val="tx1"/>
+                </a:solidFill>
+                <a:latin typeface="+mn-lt"/>
+                <a:ea typeface="+mn-ea"/>
+                <a:cs typeface="+mn-cs"/>
+              </a:defRPr>
+            </a:lvl9pPr>
+          </a:lstStyle>
+          <a:p>
+            <a:r>
+              <a:rPr lang="en-US" dirty="0"/>
+              <a:t>Per pixel mean of SR-GAN networks:</a:t>
+            </a:r>
+          </a:p>
+        </p:txBody>
+      </p:sp>
+      <p:pic>
+        <p:nvPicPr>
+          <p:cNvPr id="17" name="Picture 16">
+            <a:extLst>
+              <a:ext uri="{FF2B5EF4-FFF2-40B4-BE49-F238E27FC236}">
+                <a16:creationId xmlns:a16="http://schemas.microsoft.com/office/drawing/2014/main" id="{6E6E1F18-1E58-444B-8BBB-7D6290CB3E38}"/>
+              </a:ext>
+            </a:extLst>
+          </p:cNvPr>
+          <p:cNvPicPr>
+            <a:picLocks noChangeAspect="1"/>
+          </p:cNvPicPr>
+          <p:nvPr/>
+        </p:nvPicPr>
+        <p:blipFill>
+          <a:blip r:embed="rId2"/>
+          <a:stretch>
+            <a:fillRect/>
+          </a:stretch>
+        </p:blipFill>
+        <p:spPr>
+          <a:xfrm>
+            <a:off x="1351129" y="2335697"/>
+            <a:ext cx="9488224" cy="3429479"/>
+          </a:xfrm>
+          <a:prstGeom prst="rect">
+            <a:avLst/>
+          </a:prstGeom>
+        </p:spPr>
+      </p:pic>
+    </p:spTree>
+    <p:extLst>
+      <p:ext uri="{BB962C8B-B14F-4D97-AF65-F5344CB8AC3E}">
+        <p14:creationId xmlns:p14="http://schemas.microsoft.com/office/powerpoint/2010/main" val="3366080307"/>
+      </p:ext>
+    </p:extLst>
   </p:cSld>
   <p:clrMapOvr>
     <a:masterClrMapping/>
@@ -6974,6 +9226,2706 @@
 </p:sld>
 </file>
 
+<file path=ppt/slides/slide20.xml><?xml version="1.0" encoding="utf-8"?>
+<p:sld xmlns:a="http://schemas.openxmlformats.org/drawingml/2006/main" xmlns:r="http://schemas.openxmlformats.org/officeDocument/2006/relationships" xmlns:p="http://schemas.openxmlformats.org/presentationml/2006/main">
+  <p:cSld>
+    <p:spTree>
+      <p:nvGrpSpPr>
+        <p:cNvPr id="1" name=""/>
+        <p:cNvGrpSpPr/>
+        <p:nvPr/>
+      </p:nvGrpSpPr>
+      <p:grpSpPr>
+        <a:xfrm>
+          <a:off x="0" y="0"/>
+          <a:ext cx="0" cy="0"/>
+          <a:chOff x="0" y="0"/>
+          <a:chExt cx="0" cy="0"/>
+        </a:xfrm>
+      </p:grpSpPr>
+      <p:sp>
+        <p:nvSpPr>
+          <p:cNvPr id="2" name="Title 1">
+            <a:extLst>
+              <a:ext uri="{FF2B5EF4-FFF2-40B4-BE49-F238E27FC236}">
+                <a16:creationId xmlns:a16="http://schemas.microsoft.com/office/drawing/2014/main" id="{8CA6834D-D8D1-4802-B776-1FBC4FFFEFA5}"/>
+              </a:ext>
+            </a:extLst>
+          </p:cNvPr>
+          <p:cNvSpPr>
+            <a:spLocks noGrp="1"/>
+          </p:cNvSpPr>
+          <p:nvPr>
+            <p:ph type="title"/>
+          </p:nvPr>
+        </p:nvSpPr>
+        <p:spPr/>
+        <p:txBody>
+          <a:bodyPr/>
+          <a:lstStyle/>
+          <a:p>
+            <a:r>
+              <a:rPr lang="en-US" dirty="0"/>
+              <a:t>Cost Estimation </a:t>
+            </a:r>
+            <a:endParaRPr lang="en-IN" dirty="0"/>
+          </a:p>
+        </p:txBody>
+      </p:sp>
+      <p:sp>
+        <p:nvSpPr>
+          <p:cNvPr id="3" name="Content Placeholder 2">
+            <a:extLst>
+              <a:ext uri="{FF2B5EF4-FFF2-40B4-BE49-F238E27FC236}">
+                <a16:creationId xmlns:a16="http://schemas.microsoft.com/office/drawing/2014/main" id="{A6A55976-D643-4083-B206-87AD67322B54}"/>
+              </a:ext>
+            </a:extLst>
+          </p:cNvPr>
+          <p:cNvSpPr>
+            <a:spLocks noGrp="1"/>
+          </p:cNvSpPr>
+          <p:nvPr>
+            <p:ph idx="1"/>
+          </p:nvPr>
+        </p:nvSpPr>
+        <p:spPr/>
+        <p:txBody>
+          <a:bodyPr>
+            <a:normAutofit fontScale="92500" lnSpcReduction="10000"/>
+          </a:bodyPr>
+          <a:lstStyle/>
+          <a:p>
+            <a:r>
+              <a:rPr lang="en-US" dirty="0"/>
+              <a:t>Cost Estimate:</a:t>
+            </a:r>
+            <a:r>
+              <a:rPr lang="en-IN" dirty="0"/>
+              <a:t> The model following is the semi detached Constructive Cost Model (COCOMO) for estimating the efforts required in the completion of the project.</a:t>
+            </a:r>
+          </a:p>
+          <a:p>
+            <a:pPr marL="457200" indent="-457200">
+              <a:buAutoNum type="arabicParenR"/>
+            </a:pPr>
+            <a:r>
+              <a:rPr lang="en-IN" dirty="0"/>
+              <a:t>Object Point</a:t>
+            </a:r>
+          </a:p>
+          <a:p>
+            <a:pPr marL="457200" indent="-457200">
+              <a:buAutoNum type="arabicParenR"/>
+            </a:pPr>
+            <a:r>
+              <a:rPr lang="en-IN" dirty="0"/>
+              <a:t>Function Point</a:t>
+            </a:r>
+          </a:p>
+          <a:p>
+            <a:pPr marL="457200" indent="-457200">
+              <a:buAutoNum type="arabicParenR"/>
+            </a:pPr>
+            <a:r>
+              <a:rPr lang="en-IN" dirty="0"/>
+              <a:t>Lines of Source Code (KLOC)</a:t>
+            </a:r>
+          </a:p>
+          <a:p>
+            <a:pPr marL="0" indent="0">
+              <a:buNone/>
+            </a:pPr>
+            <a:r>
+              <a:rPr lang="en-US" dirty="0"/>
+              <a:t>For our project, sizing information in the form of Lines of Source Code is used. </a:t>
+            </a:r>
+          </a:p>
+          <a:p>
+            <a:pPr marL="0" indent="0">
+              <a:buNone/>
+            </a:pPr>
+            <a:r>
+              <a:rPr lang="en-US" dirty="0"/>
+              <a:t>The total lines of code, </a:t>
+            </a:r>
+          </a:p>
+          <a:p>
+            <a:pPr marL="0" indent="0">
+              <a:buNone/>
+            </a:pPr>
+            <a:r>
+              <a:rPr lang="en-US" dirty="0"/>
+              <a:t>KLOC = 1000</a:t>
+            </a:r>
+          </a:p>
+          <a:p>
+            <a:pPr marL="0" indent="0">
+              <a:buNone/>
+            </a:pPr>
+            <a:r>
+              <a:rPr lang="en-US" dirty="0"/>
+              <a:t>Note: KLOC is arbitrary, change if necessary </a:t>
+            </a:r>
+          </a:p>
+          <a:p>
+            <a:pPr marL="0" indent="0">
+              <a:buNone/>
+            </a:pPr>
+            <a:r>
+              <a:rPr lang="en-US" dirty="0"/>
+              <a:t>Equations: The initial effort(</a:t>
+            </a:r>
+            <a:r>
+              <a:rPr lang="en-US" dirty="0" err="1"/>
+              <a:t>Ei</a:t>
+            </a:r>
+            <a:r>
+              <a:rPr lang="en-US" dirty="0"/>
+              <a:t>) in man-months is calculated using equations: E = ax(KLOC) b where, </a:t>
+            </a:r>
+          </a:p>
+        </p:txBody>
+      </p:sp>
+      <p:sp>
+        <p:nvSpPr>
+          <p:cNvPr id="7" name="Footer Placeholder 4">
+            <a:extLst>
+              <a:ext uri="{FF2B5EF4-FFF2-40B4-BE49-F238E27FC236}">
+                <a16:creationId xmlns:a16="http://schemas.microsoft.com/office/drawing/2014/main" id="{9619F632-2DBC-48FC-B2DF-34BCE95AE6B0}"/>
+              </a:ext>
+            </a:extLst>
+          </p:cNvPr>
+          <p:cNvSpPr txBox="1">
+            <a:spLocks/>
+          </p:cNvSpPr>
+          <p:nvPr/>
+        </p:nvSpPr>
+        <p:spPr>
+          <a:xfrm>
+            <a:off x="3030876" y="6303476"/>
+            <a:ext cx="6323082" cy="365126"/>
+          </a:xfrm>
+          <a:prstGeom prst="rect">
+            <a:avLst/>
+          </a:prstGeom>
+        </p:spPr>
+        <p:txBody>
+          <a:bodyPr vert="horz" lIns="0" tIns="45720" rIns="0" bIns="45720" rtlCol="0" anchor="ctr"/>
+          <a:lstStyle>
+            <a:defPPr>
+              <a:defRPr lang="en-US"/>
+            </a:defPPr>
+            <a:lvl1pPr marL="0" algn="ctr" defTabSz="914400" rtl="0" eaLnBrk="1" latinLnBrk="0" hangingPunct="1">
+              <a:defRPr sz="1200" kern="1200" baseline="0">
+                <a:solidFill>
+                  <a:schemeClr val="tx1">
+                    <a:lumMod val="75000"/>
+                  </a:schemeClr>
+                </a:solidFill>
+                <a:latin typeface="+mn-lt"/>
+                <a:ea typeface="+mn-ea"/>
+                <a:cs typeface="+mn-cs"/>
+              </a:defRPr>
+            </a:lvl1pPr>
+            <a:lvl2pPr marL="457200" algn="l" defTabSz="914400" rtl="0" eaLnBrk="1" latinLnBrk="0" hangingPunct="1">
+              <a:defRPr sz="1800" kern="1200">
+                <a:solidFill>
+                  <a:schemeClr val="tx1"/>
+                </a:solidFill>
+                <a:latin typeface="+mn-lt"/>
+                <a:ea typeface="+mn-ea"/>
+                <a:cs typeface="+mn-cs"/>
+              </a:defRPr>
+            </a:lvl2pPr>
+            <a:lvl3pPr marL="914400" algn="l" defTabSz="914400" rtl="0" eaLnBrk="1" latinLnBrk="0" hangingPunct="1">
+              <a:defRPr sz="1800" kern="1200">
+                <a:solidFill>
+                  <a:schemeClr val="tx1"/>
+                </a:solidFill>
+                <a:latin typeface="+mn-lt"/>
+                <a:ea typeface="+mn-ea"/>
+                <a:cs typeface="+mn-cs"/>
+              </a:defRPr>
+            </a:lvl3pPr>
+            <a:lvl4pPr marL="1371600" algn="l" defTabSz="914400" rtl="0" eaLnBrk="1" latinLnBrk="0" hangingPunct="1">
+              <a:defRPr sz="1800" kern="1200">
+                <a:solidFill>
+                  <a:schemeClr val="tx1"/>
+                </a:solidFill>
+                <a:latin typeface="+mn-lt"/>
+                <a:ea typeface="+mn-ea"/>
+                <a:cs typeface="+mn-cs"/>
+              </a:defRPr>
+            </a:lvl4pPr>
+            <a:lvl5pPr marL="1828800" algn="l" defTabSz="914400" rtl="0" eaLnBrk="1" latinLnBrk="0" hangingPunct="1">
+              <a:defRPr sz="1800" kern="1200">
+                <a:solidFill>
+                  <a:schemeClr val="tx1"/>
+                </a:solidFill>
+                <a:latin typeface="+mn-lt"/>
+                <a:ea typeface="+mn-ea"/>
+                <a:cs typeface="+mn-cs"/>
+              </a:defRPr>
+            </a:lvl5pPr>
+            <a:lvl6pPr marL="2286000" algn="l" defTabSz="914400" rtl="0" eaLnBrk="1" latinLnBrk="0" hangingPunct="1">
+              <a:defRPr sz="1800" kern="1200">
+                <a:solidFill>
+                  <a:schemeClr val="tx1"/>
+                </a:solidFill>
+                <a:latin typeface="+mn-lt"/>
+                <a:ea typeface="+mn-ea"/>
+                <a:cs typeface="+mn-cs"/>
+              </a:defRPr>
+            </a:lvl6pPr>
+            <a:lvl7pPr marL="2743200" algn="l" defTabSz="914400" rtl="0" eaLnBrk="1" latinLnBrk="0" hangingPunct="1">
+              <a:defRPr sz="1800" kern="1200">
+                <a:solidFill>
+                  <a:schemeClr val="tx1"/>
+                </a:solidFill>
+                <a:latin typeface="+mn-lt"/>
+                <a:ea typeface="+mn-ea"/>
+                <a:cs typeface="+mn-cs"/>
+              </a:defRPr>
+            </a:lvl7pPr>
+            <a:lvl8pPr marL="3200400" algn="l" defTabSz="914400" rtl="0" eaLnBrk="1" latinLnBrk="0" hangingPunct="1">
+              <a:defRPr sz="1800" kern="1200">
+                <a:solidFill>
+                  <a:schemeClr val="tx1"/>
+                </a:solidFill>
+                <a:latin typeface="+mn-lt"/>
+                <a:ea typeface="+mn-ea"/>
+                <a:cs typeface="+mn-cs"/>
+              </a:defRPr>
+            </a:lvl8pPr>
+            <a:lvl9pPr marL="3657600" algn="l" defTabSz="914400" rtl="0" eaLnBrk="1" latinLnBrk="0" hangingPunct="1">
+              <a:defRPr sz="1800" kern="1200">
+                <a:solidFill>
+                  <a:schemeClr val="tx1"/>
+                </a:solidFill>
+                <a:latin typeface="+mn-lt"/>
+                <a:ea typeface="+mn-ea"/>
+                <a:cs typeface="+mn-cs"/>
+              </a:defRPr>
+            </a:lvl9pPr>
+          </a:lstStyle>
+          <a:p>
+            <a:r>
+              <a:rPr lang="en-IN" dirty="0">
+                <a:cs typeface="Times New Roman" panose="02020603050405020304" pitchFamily="18" charset="0"/>
+              </a:rPr>
+              <a:t>Astronomical image colourisation and super-resolution using GANS</a:t>
+            </a:r>
+            <a:endParaRPr lang="en-IN" dirty="0"/>
+          </a:p>
+        </p:txBody>
+      </p:sp>
+      <p:sp>
+        <p:nvSpPr>
+          <p:cNvPr id="4" name="Footer Placeholder 3">
+            <a:extLst>
+              <a:ext uri="{FF2B5EF4-FFF2-40B4-BE49-F238E27FC236}">
+                <a16:creationId xmlns:a16="http://schemas.microsoft.com/office/drawing/2014/main" id="{344EE62D-C77A-4940-8F51-1A942F529980}"/>
+              </a:ext>
+            </a:extLst>
+          </p:cNvPr>
+          <p:cNvSpPr>
+            <a:spLocks noGrp="1"/>
+          </p:cNvSpPr>
+          <p:nvPr>
+            <p:ph type="ftr" sz="quarter" idx="11"/>
+          </p:nvPr>
+        </p:nvSpPr>
+        <p:spPr/>
+        <p:txBody>
+          <a:bodyPr/>
+          <a:lstStyle/>
+          <a:p>
+            <a:r>
+              <a:rPr lang="en-US"/>
+              <a:t>Astronomical image colourisation and super-resolution using GANS</a:t>
+            </a:r>
+          </a:p>
+        </p:txBody>
+      </p:sp>
+    </p:spTree>
+    <p:extLst>
+      <p:ext uri="{BB962C8B-B14F-4D97-AF65-F5344CB8AC3E}">
+        <p14:creationId xmlns:p14="http://schemas.microsoft.com/office/powerpoint/2010/main" val="105529415"/>
+      </p:ext>
+    </p:extLst>
+  </p:cSld>
+  <p:clrMapOvr>
+    <a:masterClrMapping/>
+  </p:clrMapOvr>
+  <mc:AlternateContent xmlns:mc="http://schemas.openxmlformats.org/markup-compatibility/2006" xmlns:p14="http://schemas.microsoft.com/office/powerpoint/2010/main">
+    <mc:Choice Requires="p14">
+      <p:transition spd="med" p14:dur="700">
+        <p:fade/>
+      </p:transition>
+    </mc:Choice>
+    <mc:Fallback xmlns="">
+      <p:transition spd="med">
+        <p:fade/>
+      </p:transition>
+    </mc:Fallback>
+  </mc:AlternateContent>
+</p:sld>
+</file>
+
+<file path=ppt/slides/slide21.xml><?xml version="1.0" encoding="utf-8"?>
+<p:sld xmlns:a="http://schemas.openxmlformats.org/drawingml/2006/main" xmlns:r="http://schemas.openxmlformats.org/officeDocument/2006/relationships" xmlns:p="http://schemas.openxmlformats.org/presentationml/2006/main">
+  <p:cSld>
+    <p:spTree>
+      <p:nvGrpSpPr>
+        <p:cNvPr id="1" name=""/>
+        <p:cNvGrpSpPr/>
+        <p:nvPr/>
+      </p:nvGrpSpPr>
+      <p:grpSpPr>
+        <a:xfrm>
+          <a:off x="0" y="0"/>
+          <a:ext cx="0" cy="0"/>
+          <a:chOff x="0" y="0"/>
+          <a:chExt cx="0" cy="0"/>
+        </a:xfrm>
+      </p:grpSpPr>
+      <p:sp>
+        <p:nvSpPr>
+          <p:cNvPr id="3" name="Content Placeholder 2">
+            <a:extLst>
+              <a:ext uri="{FF2B5EF4-FFF2-40B4-BE49-F238E27FC236}">
+                <a16:creationId xmlns:a16="http://schemas.microsoft.com/office/drawing/2014/main" id="{B7A5B910-2B01-47F0-9F13-AFABE1642A3B}"/>
+              </a:ext>
+            </a:extLst>
+          </p:cNvPr>
+          <p:cNvSpPr>
+            <a:spLocks noGrp="1"/>
+          </p:cNvSpPr>
+          <p:nvPr>
+            <p:ph idx="1"/>
+          </p:nvPr>
+        </p:nvSpPr>
+        <p:spPr/>
+        <p:txBody>
+          <a:bodyPr/>
+          <a:lstStyle/>
+          <a:p>
+            <a:r>
+              <a:rPr lang="en-US" dirty="0"/>
+              <a:t>a = 3.0, b = 1.12, for a semi-detached project</a:t>
+            </a:r>
+          </a:p>
+          <a:p>
+            <a:r>
+              <a:rPr lang="en-US" dirty="0"/>
+              <a:t> E = Efforts in person-hours E = 4.5 PM </a:t>
+            </a:r>
+          </a:p>
+          <a:p>
+            <a:r>
+              <a:rPr lang="en-US" dirty="0"/>
+              <a:t> D = ax(E) b Where, a = 2.5, b = 0.35, for a semi-detached project</a:t>
+            </a:r>
+          </a:p>
+          <a:p>
+            <a:r>
+              <a:rPr lang="en-US" dirty="0"/>
+              <a:t> D = Duration of Project in months </a:t>
+            </a:r>
+            <a:r>
+              <a:rPr lang="en-IN" dirty="0"/>
+              <a:t>D = 12 Months</a:t>
+            </a:r>
+            <a:endParaRPr lang="en-US" dirty="0"/>
+          </a:p>
+          <a:p>
+            <a:endParaRPr lang="en-IN" dirty="0"/>
+          </a:p>
+        </p:txBody>
+      </p:sp>
+      <p:sp>
+        <p:nvSpPr>
+          <p:cNvPr id="5" name="Title 1">
+            <a:extLst>
+              <a:ext uri="{FF2B5EF4-FFF2-40B4-BE49-F238E27FC236}">
+                <a16:creationId xmlns:a16="http://schemas.microsoft.com/office/drawing/2014/main" id="{594438B5-6750-41D7-8D47-8A45A3F161EF}"/>
+              </a:ext>
+            </a:extLst>
+          </p:cNvPr>
+          <p:cNvSpPr>
+            <a:spLocks noGrp="1"/>
+          </p:cNvSpPr>
+          <p:nvPr>
+            <p:ph type="title"/>
+          </p:nvPr>
+        </p:nvSpPr>
+        <p:spPr>
+          <a:xfrm>
+            <a:off x="1104900" y="76200"/>
+            <a:ext cx="9980682" cy="1096962"/>
+          </a:xfrm>
+        </p:spPr>
+        <p:txBody>
+          <a:bodyPr/>
+          <a:lstStyle/>
+          <a:p>
+            <a:r>
+              <a:rPr lang="en-US" dirty="0"/>
+              <a:t>Cost Estimation</a:t>
+            </a:r>
+            <a:endParaRPr lang="en-IN" dirty="0"/>
+          </a:p>
+        </p:txBody>
+      </p:sp>
+      <p:sp>
+        <p:nvSpPr>
+          <p:cNvPr id="6" name="Footer Placeholder 4">
+            <a:extLst>
+              <a:ext uri="{FF2B5EF4-FFF2-40B4-BE49-F238E27FC236}">
+                <a16:creationId xmlns:a16="http://schemas.microsoft.com/office/drawing/2014/main" id="{FA40F147-E9F3-4454-A383-3EC817D0DB57}"/>
+              </a:ext>
+            </a:extLst>
+          </p:cNvPr>
+          <p:cNvSpPr txBox="1">
+            <a:spLocks/>
+          </p:cNvSpPr>
+          <p:nvPr/>
+        </p:nvSpPr>
+        <p:spPr>
+          <a:xfrm>
+            <a:off x="3012214" y="6331469"/>
+            <a:ext cx="6323082" cy="365126"/>
+          </a:xfrm>
+          <a:prstGeom prst="rect">
+            <a:avLst/>
+          </a:prstGeom>
+        </p:spPr>
+        <p:txBody>
+          <a:bodyPr vert="horz" lIns="0" tIns="45720" rIns="0" bIns="45720" rtlCol="0" anchor="ctr"/>
+          <a:lstStyle>
+            <a:defPPr>
+              <a:defRPr lang="en-US"/>
+            </a:defPPr>
+            <a:lvl1pPr marL="0" algn="ctr" defTabSz="914400" rtl="0" eaLnBrk="1" latinLnBrk="0" hangingPunct="1">
+              <a:defRPr sz="1200" kern="1200" baseline="0">
+                <a:solidFill>
+                  <a:schemeClr val="tx1">
+                    <a:lumMod val="75000"/>
+                  </a:schemeClr>
+                </a:solidFill>
+                <a:latin typeface="+mn-lt"/>
+                <a:ea typeface="+mn-ea"/>
+                <a:cs typeface="+mn-cs"/>
+              </a:defRPr>
+            </a:lvl1pPr>
+            <a:lvl2pPr marL="457200" algn="l" defTabSz="914400" rtl="0" eaLnBrk="1" latinLnBrk="0" hangingPunct="1">
+              <a:defRPr sz="1800" kern="1200">
+                <a:solidFill>
+                  <a:schemeClr val="tx1"/>
+                </a:solidFill>
+                <a:latin typeface="+mn-lt"/>
+                <a:ea typeface="+mn-ea"/>
+                <a:cs typeface="+mn-cs"/>
+              </a:defRPr>
+            </a:lvl2pPr>
+            <a:lvl3pPr marL="914400" algn="l" defTabSz="914400" rtl="0" eaLnBrk="1" latinLnBrk="0" hangingPunct="1">
+              <a:defRPr sz="1800" kern="1200">
+                <a:solidFill>
+                  <a:schemeClr val="tx1"/>
+                </a:solidFill>
+                <a:latin typeface="+mn-lt"/>
+                <a:ea typeface="+mn-ea"/>
+                <a:cs typeface="+mn-cs"/>
+              </a:defRPr>
+            </a:lvl3pPr>
+            <a:lvl4pPr marL="1371600" algn="l" defTabSz="914400" rtl="0" eaLnBrk="1" latinLnBrk="0" hangingPunct="1">
+              <a:defRPr sz="1800" kern="1200">
+                <a:solidFill>
+                  <a:schemeClr val="tx1"/>
+                </a:solidFill>
+                <a:latin typeface="+mn-lt"/>
+                <a:ea typeface="+mn-ea"/>
+                <a:cs typeface="+mn-cs"/>
+              </a:defRPr>
+            </a:lvl4pPr>
+            <a:lvl5pPr marL="1828800" algn="l" defTabSz="914400" rtl="0" eaLnBrk="1" latinLnBrk="0" hangingPunct="1">
+              <a:defRPr sz="1800" kern="1200">
+                <a:solidFill>
+                  <a:schemeClr val="tx1"/>
+                </a:solidFill>
+                <a:latin typeface="+mn-lt"/>
+                <a:ea typeface="+mn-ea"/>
+                <a:cs typeface="+mn-cs"/>
+              </a:defRPr>
+            </a:lvl5pPr>
+            <a:lvl6pPr marL="2286000" algn="l" defTabSz="914400" rtl="0" eaLnBrk="1" latinLnBrk="0" hangingPunct="1">
+              <a:defRPr sz="1800" kern="1200">
+                <a:solidFill>
+                  <a:schemeClr val="tx1"/>
+                </a:solidFill>
+                <a:latin typeface="+mn-lt"/>
+                <a:ea typeface="+mn-ea"/>
+                <a:cs typeface="+mn-cs"/>
+              </a:defRPr>
+            </a:lvl6pPr>
+            <a:lvl7pPr marL="2743200" algn="l" defTabSz="914400" rtl="0" eaLnBrk="1" latinLnBrk="0" hangingPunct="1">
+              <a:defRPr sz="1800" kern="1200">
+                <a:solidFill>
+                  <a:schemeClr val="tx1"/>
+                </a:solidFill>
+                <a:latin typeface="+mn-lt"/>
+                <a:ea typeface="+mn-ea"/>
+                <a:cs typeface="+mn-cs"/>
+              </a:defRPr>
+            </a:lvl7pPr>
+            <a:lvl8pPr marL="3200400" algn="l" defTabSz="914400" rtl="0" eaLnBrk="1" latinLnBrk="0" hangingPunct="1">
+              <a:defRPr sz="1800" kern="1200">
+                <a:solidFill>
+                  <a:schemeClr val="tx1"/>
+                </a:solidFill>
+                <a:latin typeface="+mn-lt"/>
+                <a:ea typeface="+mn-ea"/>
+                <a:cs typeface="+mn-cs"/>
+              </a:defRPr>
+            </a:lvl8pPr>
+            <a:lvl9pPr marL="3657600" algn="l" defTabSz="914400" rtl="0" eaLnBrk="1" latinLnBrk="0" hangingPunct="1">
+              <a:defRPr sz="1800" kern="1200">
+                <a:solidFill>
+                  <a:schemeClr val="tx1"/>
+                </a:solidFill>
+                <a:latin typeface="+mn-lt"/>
+                <a:ea typeface="+mn-ea"/>
+                <a:cs typeface="+mn-cs"/>
+              </a:defRPr>
+            </a:lvl9pPr>
+          </a:lstStyle>
+          <a:p>
+            <a:r>
+              <a:rPr lang="en-IN" dirty="0">
+                <a:cs typeface="Times New Roman" panose="02020603050405020304" pitchFamily="18" charset="0"/>
+              </a:rPr>
+              <a:t>Astronomical image colourisation and super-resolution using GANS</a:t>
+            </a:r>
+            <a:endParaRPr lang="en-IN" dirty="0"/>
+          </a:p>
+        </p:txBody>
+      </p:sp>
+      <p:sp>
+        <p:nvSpPr>
+          <p:cNvPr id="2" name="Footer Placeholder 1">
+            <a:extLst>
+              <a:ext uri="{FF2B5EF4-FFF2-40B4-BE49-F238E27FC236}">
+                <a16:creationId xmlns:a16="http://schemas.microsoft.com/office/drawing/2014/main" id="{BEE8ED65-7A81-4522-A060-0856F5357085}"/>
+              </a:ext>
+            </a:extLst>
+          </p:cNvPr>
+          <p:cNvSpPr>
+            <a:spLocks noGrp="1"/>
+          </p:cNvSpPr>
+          <p:nvPr>
+            <p:ph type="ftr" sz="quarter" idx="11"/>
+          </p:nvPr>
+        </p:nvSpPr>
+        <p:spPr/>
+        <p:txBody>
+          <a:bodyPr/>
+          <a:lstStyle/>
+          <a:p>
+            <a:r>
+              <a:rPr lang="en-US"/>
+              <a:t>Astronomical image colourisation and super-resolution using GANS</a:t>
+            </a:r>
+          </a:p>
+        </p:txBody>
+      </p:sp>
+    </p:spTree>
+    <p:extLst>
+      <p:ext uri="{BB962C8B-B14F-4D97-AF65-F5344CB8AC3E}">
+        <p14:creationId xmlns:p14="http://schemas.microsoft.com/office/powerpoint/2010/main" val="2321870647"/>
+      </p:ext>
+    </p:extLst>
+  </p:cSld>
+  <p:clrMapOvr>
+    <a:masterClrMapping/>
+  </p:clrMapOvr>
+  <mc:AlternateContent xmlns:mc="http://schemas.openxmlformats.org/markup-compatibility/2006" xmlns:p14="http://schemas.microsoft.com/office/powerpoint/2010/main">
+    <mc:Choice Requires="p14">
+      <p:transition spd="med" p14:dur="700">
+        <p:fade/>
+      </p:transition>
+    </mc:Choice>
+    <mc:Fallback xmlns="">
+      <p:transition spd="med">
+        <p:fade/>
+      </p:transition>
+    </mc:Fallback>
+  </mc:AlternateContent>
+</p:sld>
+</file>
+
+<file path=ppt/slides/slide22.xml><?xml version="1.0" encoding="utf-8"?>
+<p:sld xmlns:a="http://schemas.openxmlformats.org/drawingml/2006/main" xmlns:r="http://schemas.openxmlformats.org/officeDocument/2006/relationships" xmlns:p="http://schemas.openxmlformats.org/presentationml/2006/main">
+  <p:cSld>
+    <p:spTree>
+      <p:nvGrpSpPr>
+        <p:cNvPr id="1" name=""/>
+        <p:cNvGrpSpPr/>
+        <p:nvPr/>
+      </p:nvGrpSpPr>
+      <p:grpSpPr>
+        <a:xfrm>
+          <a:off x="0" y="0"/>
+          <a:ext cx="0" cy="0"/>
+          <a:chOff x="0" y="0"/>
+          <a:chExt cx="0" cy="0"/>
+        </a:xfrm>
+      </p:grpSpPr>
+      <p:sp>
+        <p:nvSpPr>
+          <p:cNvPr id="2" name="Title 1">
+            <a:extLst>
+              <a:ext uri="{FF2B5EF4-FFF2-40B4-BE49-F238E27FC236}">
+                <a16:creationId xmlns:a16="http://schemas.microsoft.com/office/drawing/2014/main" id="{32B8C7BC-0752-4C35-A4AC-871026F36E8F}"/>
+              </a:ext>
+            </a:extLst>
+          </p:cNvPr>
+          <p:cNvSpPr>
+            <a:spLocks noGrp="1"/>
+          </p:cNvSpPr>
+          <p:nvPr>
+            <p:ph type="title"/>
+          </p:nvPr>
+        </p:nvSpPr>
+        <p:spPr/>
+        <p:txBody>
+          <a:bodyPr/>
+          <a:lstStyle/>
+          <a:p>
+            <a:r>
+              <a:rPr lang="en-US" dirty="0"/>
+              <a:t>Cost Estimation</a:t>
+            </a:r>
+            <a:endParaRPr lang="en-IN" dirty="0"/>
+          </a:p>
+        </p:txBody>
+      </p:sp>
+      <p:sp>
+        <p:nvSpPr>
+          <p:cNvPr id="3" name="Content Placeholder 2">
+            <a:extLst>
+              <a:ext uri="{FF2B5EF4-FFF2-40B4-BE49-F238E27FC236}">
+                <a16:creationId xmlns:a16="http://schemas.microsoft.com/office/drawing/2014/main" id="{F7F61833-2912-4E21-BFE4-E0F367F1CAC7}"/>
+              </a:ext>
+            </a:extLst>
+          </p:cNvPr>
+          <p:cNvSpPr>
+            <a:spLocks noGrp="1"/>
+          </p:cNvSpPr>
+          <p:nvPr>
+            <p:ph idx="1"/>
+          </p:nvPr>
+        </p:nvSpPr>
+        <p:spPr/>
+        <p:txBody>
+          <a:bodyPr/>
+          <a:lstStyle/>
+          <a:p>
+            <a:r>
+              <a:rPr lang="en-US" dirty="0"/>
+              <a:t>C = </a:t>
+            </a:r>
+            <a:r>
+              <a:rPr lang="en-US" dirty="0" err="1"/>
+              <a:t>D∗Cp</a:t>
+            </a:r>
+            <a:r>
+              <a:rPr lang="en-US" dirty="0"/>
+              <a:t> ∗ </a:t>
+            </a:r>
+            <a:r>
+              <a:rPr lang="en-US" dirty="0" err="1"/>
+              <a:t>hrs</a:t>
+            </a:r>
+            <a:r>
+              <a:rPr lang="en-US" dirty="0"/>
+              <a:t> = 12 * 40 * 160 = Rs 76,800 </a:t>
+            </a:r>
+          </a:p>
+          <a:p>
+            <a:r>
+              <a:rPr lang="en-US" dirty="0"/>
+              <a:t>Where, C = Cost of project </a:t>
+            </a:r>
+          </a:p>
+          <a:p>
+            <a:r>
+              <a:rPr lang="en-US" dirty="0"/>
+              <a:t>D = Duration in Hours </a:t>
+            </a:r>
+          </a:p>
+          <a:p>
+            <a:r>
+              <a:rPr lang="en-US" dirty="0"/>
+              <a:t>Cp = Cost incurred per person-hour </a:t>
+            </a:r>
+          </a:p>
+          <a:p>
+            <a:r>
+              <a:rPr lang="en-US" dirty="0" err="1"/>
+              <a:t>hrs</a:t>
+            </a:r>
+            <a:r>
+              <a:rPr lang="en-US" dirty="0"/>
+              <a:t> = hours </a:t>
+            </a:r>
+          </a:p>
+        </p:txBody>
+      </p:sp>
+      <p:sp>
+        <p:nvSpPr>
+          <p:cNvPr id="5" name="Footer Placeholder 4">
+            <a:extLst>
+              <a:ext uri="{FF2B5EF4-FFF2-40B4-BE49-F238E27FC236}">
+                <a16:creationId xmlns:a16="http://schemas.microsoft.com/office/drawing/2014/main" id="{A8E5BAFB-C5F9-49FA-9F5C-63E267F825D8}"/>
+              </a:ext>
+            </a:extLst>
+          </p:cNvPr>
+          <p:cNvSpPr txBox="1">
+            <a:spLocks/>
+          </p:cNvSpPr>
+          <p:nvPr/>
+        </p:nvSpPr>
+        <p:spPr>
+          <a:xfrm>
+            <a:off x="2933700" y="6234112"/>
+            <a:ext cx="6323082" cy="365126"/>
+          </a:xfrm>
+          <a:prstGeom prst="rect">
+            <a:avLst/>
+          </a:prstGeom>
+        </p:spPr>
+        <p:txBody>
+          <a:bodyPr vert="horz" lIns="0" tIns="45720" rIns="0" bIns="45720" rtlCol="0" anchor="ctr"/>
+          <a:lstStyle>
+            <a:defPPr>
+              <a:defRPr lang="en-US"/>
+            </a:defPPr>
+            <a:lvl1pPr marL="0" algn="ctr" defTabSz="914400" rtl="0" eaLnBrk="1" latinLnBrk="0" hangingPunct="1">
+              <a:defRPr sz="1200" kern="1200" baseline="0">
+                <a:solidFill>
+                  <a:schemeClr val="tx1">
+                    <a:lumMod val="75000"/>
+                  </a:schemeClr>
+                </a:solidFill>
+                <a:latin typeface="+mn-lt"/>
+                <a:ea typeface="+mn-ea"/>
+                <a:cs typeface="+mn-cs"/>
+              </a:defRPr>
+            </a:lvl1pPr>
+            <a:lvl2pPr marL="457200" algn="l" defTabSz="914400" rtl="0" eaLnBrk="1" latinLnBrk="0" hangingPunct="1">
+              <a:defRPr sz="1800" kern="1200">
+                <a:solidFill>
+                  <a:schemeClr val="tx1"/>
+                </a:solidFill>
+                <a:latin typeface="+mn-lt"/>
+                <a:ea typeface="+mn-ea"/>
+                <a:cs typeface="+mn-cs"/>
+              </a:defRPr>
+            </a:lvl2pPr>
+            <a:lvl3pPr marL="914400" algn="l" defTabSz="914400" rtl="0" eaLnBrk="1" latinLnBrk="0" hangingPunct="1">
+              <a:defRPr sz="1800" kern="1200">
+                <a:solidFill>
+                  <a:schemeClr val="tx1"/>
+                </a:solidFill>
+                <a:latin typeface="+mn-lt"/>
+                <a:ea typeface="+mn-ea"/>
+                <a:cs typeface="+mn-cs"/>
+              </a:defRPr>
+            </a:lvl3pPr>
+            <a:lvl4pPr marL="1371600" algn="l" defTabSz="914400" rtl="0" eaLnBrk="1" latinLnBrk="0" hangingPunct="1">
+              <a:defRPr sz="1800" kern="1200">
+                <a:solidFill>
+                  <a:schemeClr val="tx1"/>
+                </a:solidFill>
+                <a:latin typeface="+mn-lt"/>
+                <a:ea typeface="+mn-ea"/>
+                <a:cs typeface="+mn-cs"/>
+              </a:defRPr>
+            </a:lvl4pPr>
+            <a:lvl5pPr marL="1828800" algn="l" defTabSz="914400" rtl="0" eaLnBrk="1" latinLnBrk="0" hangingPunct="1">
+              <a:defRPr sz="1800" kern="1200">
+                <a:solidFill>
+                  <a:schemeClr val="tx1"/>
+                </a:solidFill>
+                <a:latin typeface="+mn-lt"/>
+                <a:ea typeface="+mn-ea"/>
+                <a:cs typeface="+mn-cs"/>
+              </a:defRPr>
+            </a:lvl5pPr>
+            <a:lvl6pPr marL="2286000" algn="l" defTabSz="914400" rtl="0" eaLnBrk="1" latinLnBrk="0" hangingPunct="1">
+              <a:defRPr sz="1800" kern="1200">
+                <a:solidFill>
+                  <a:schemeClr val="tx1"/>
+                </a:solidFill>
+                <a:latin typeface="+mn-lt"/>
+                <a:ea typeface="+mn-ea"/>
+                <a:cs typeface="+mn-cs"/>
+              </a:defRPr>
+            </a:lvl6pPr>
+            <a:lvl7pPr marL="2743200" algn="l" defTabSz="914400" rtl="0" eaLnBrk="1" latinLnBrk="0" hangingPunct="1">
+              <a:defRPr sz="1800" kern="1200">
+                <a:solidFill>
+                  <a:schemeClr val="tx1"/>
+                </a:solidFill>
+                <a:latin typeface="+mn-lt"/>
+                <a:ea typeface="+mn-ea"/>
+                <a:cs typeface="+mn-cs"/>
+              </a:defRPr>
+            </a:lvl7pPr>
+            <a:lvl8pPr marL="3200400" algn="l" defTabSz="914400" rtl="0" eaLnBrk="1" latinLnBrk="0" hangingPunct="1">
+              <a:defRPr sz="1800" kern="1200">
+                <a:solidFill>
+                  <a:schemeClr val="tx1"/>
+                </a:solidFill>
+                <a:latin typeface="+mn-lt"/>
+                <a:ea typeface="+mn-ea"/>
+                <a:cs typeface="+mn-cs"/>
+              </a:defRPr>
+            </a:lvl8pPr>
+            <a:lvl9pPr marL="3657600" algn="l" defTabSz="914400" rtl="0" eaLnBrk="1" latinLnBrk="0" hangingPunct="1">
+              <a:defRPr sz="1800" kern="1200">
+                <a:solidFill>
+                  <a:schemeClr val="tx1"/>
+                </a:solidFill>
+                <a:latin typeface="+mn-lt"/>
+                <a:ea typeface="+mn-ea"/>
+                <a:cs typeface="+mn-cs"/>
+              </a:defRPr>
+            </a:lvl9pPr>
+          </a:lstStyle>
+          <a:p>
+            <a:r>
+              <a:rPr lang="en-IN" dirty="0">
+                <a:cs typeface="Times New Roman" panose="02020603050405020304" pitchFamily="18" charset="0"/>
+              </a:rPr>
+              <a:t>Astronomical image colourisation and super-resolution using GANS</a:t>
+            </a:r>
+            <a:endParaRPr lang="en-IN" dirty="0"/>
+          </a:p>
+        </p:txBody>
+      </p:sp>
+      <p:sp>
+        <p:nvSpPr>
+          <p:cNvPr id="4" name="Footer Placeholder 3">
+            <a:extLst>
+              <a:ext uri="{FF2B5EF4-FFF2-40B4-BE49-F238E27FC236}">
+                <a16:creationId xmlns:a16="http://schemas.microsoft.com/office/drawing/2014/main" id="{BC54BFD9-C7F0-4A84-840C-79AB2A42CCED}"/>
+              </a:ext>
+            </a:extLst>
+          </p:cNvPr>
+          <p:cNvSpPr>
+            <a:spLocks noGrp="1"/>
+          </p:cNvSpPr>
+          <p:nvPr>
+            <p:ph type="ftr" sz="quarter" idx="11"/>
+          </p:nvPr>
+        </p:nvSpPr>
+        <p:spPr/>
+        <p:txBody>
+          <a:bodyPr/>
+          <a:lstStyle/>
+          <a:p>
+            <a:r>
+              <a:rPr lang="en-US"/>
+              <a:t>Astronomical image colourisation and super-resolution using GANS</a:t>
+            </a:r>
+          </a:p>
+        </p:txBody>
+      </p:sp>
+    </p:spTree>
+    <p:extLst>
+      <p:ext uri="{BB962C8B-B14F-4D97-AF65-F5344CB8AC3E}">
+        <p14:creationId xmlns:p14="http://schemas.microsoft.com/office/powerpoint/2010/main" val="1378609590"/>
+      </p:ext>
+    </p:extLst>
+  </p:cSld>
+  <p:clrMapOvr>
+    <a:masterClrMapping/>
+  </p:clrMapOvr>
+  <mc:AlternateContent xmlns:mc="http://schemas.openxmlformats.org/markup-compatibility/2006" xmlns:p14="http://schemas.microsoft.com/office/powerpoint/2010/main">
+    <mc:Choice Requires="p14">
+      <p:transition spd="med" p14:dur="700">
+        <p:fade/>
+      </p:transition>
+    </mc:Choice>
+    <mc:Fallback xmlns="">
+      <p:transition spd="med">
+        <p:fade/>
+      </p:transition>
+    </mc:Fallback>
+  </mc:AlternateContent>
+</p:sld>
+</file>
+
+<file path=ppt/slides/slide23.xml><?xml version="1.0" encoding="utf-8"?>
+<p:sld xmlns:a="http://schemas.openxmlformats.org/drawingml/2006/main" xmlns:r="http://schemas.openxmlformats.org/officeDocument/2006/relationships" xmlns:p="http://schemas.openxmlformats.org/presentationml/2006/main">
+  <p:cSld>
+    <p:spTree>
+      <p:nvGrpSpPr>
+        <p:cNvPr id="1" name=""/>
+        <p:cNvGrpSpPr/>
+        <p:nvPr/>
+      </p:nvGrpSpPr>
+      <p:grpSpPr>
+        <a:xfrm>
+          <a:off x="0" y="0"/>
+          <a:ext cx="0" cy="0"/>
+          <a:chOff x="0" y="0"/>
+          <a:chExt cx="0" cy="0"/>
+        </a:xfrm>
+      </p:grpSpPr>
+      <p:sp>
+        <p:nvSpPr>
+          <p:cNvPr id="13" name="Title 12"/>
+          <p:cNvSpPr>
+            <a:spLocks noGrp="1"/>
+          </p:cNvSpPr>
+          <p:nvPr>
+            <p:ph type="title"/>
+          </p:nvPr>
+        </p:nvSpPr>
+        <p:spPr/>
+        <p:txBody>
+          <a:bodyPr/>
+          <a:lstStyle/>
+          <a:p>
+            <a:pPr marL="285750" indent="-285750">
+              <a:lnSpc>
+                <a:spcPct val="115000"/>
+              </a:lnSpc>
+              <a:spcAft>
+                <a:spcPts val="1000"/>
+              </a:spcAft>
+              <a:buFont typeface="Arial" panose="020B0604020202020204" pitchFamily="34" charset="0"/>
+              <a:buChar char="•"/>
+            </a:pPr>
+            <a:r>
+              <a:rPr lang="en-US" sz="2800" dirty="0">
+                <a:effectLst/>
+              </a:rPr>
+              <a:t>Conclusion and Future Scope</a:t>
+            </a:r>
+            <a:endParaRPr lang="en-IN" sz="2800" dirty="0">
+              <a:effectLst/>
+              <a:latin typeface="Calibri" panose="020F0502020204030204" pitchFamily="34" charset="0"/>
+              <a:ea typeface="Calibri" panose="020F0502020204030204" pitchFamily="34" charset="0"/>
+            </a:endParaRPr>
+          </a:p>
+        </p:txBody>
+      </p:sp>
+      <p:sp>
+        <p:nvSpPr>
+          <p:cNvPr id="14" name="Content Placeholder 13"/>
+          <p:cNvSpPr>
+            <a:spLocks noGrp="1"/>
+          </p:cNvSpPr>
+          <p:nvPr>
+            <p:ph idx="1"/>
+          </p:nvPr>
+        </p:nvSpPr>
+        <p:spPr/>
+        <p:txBody>
+          <a:bodyPr>
+            <a:normAutofit/>
+          </a:bodyPr>
+          <a:lstStyle/>
+          <a:p>
+            <a:pPr marL="228600" indent="-228600">
+              <a:lnSpc>
+                <a:spcPct val="90000"/>
+              </a:lnSpc>
+              <a:spcBef>
+                <a:spcPts val="1800"/>
+              </a:spcBef>
+              <a:buFont typeface="Wingdings" panose="05000000000000000000" pitchFamily="2" charset="2"/>
+              <a:buChar char="§"/>
+            </a:pPr>
+            <a:r>
+              <a:rPr lang="en-US" dirty="0"/>
+              <a:t>U-net architectures are still a widely unexplored domain for ensemble learning and could be implemented with numerous methodologies</a:t>
+            </a:r>
+          </a:p>
+          <a:p>
+            <a:pPr algn="l"/>
+            <a:r>
+              <a:rPr lang="en-US" b="0" i="0" u="none" strike="noStrike" baseline="0" dirty="0"/>
+              <a:t>A more powerful model such as SE-</a:t>
+            </a:r>
+            <a:r>
+              <a:rPr lang="en-US" b="0" i="0" u="none" strike="noStrike" baseline="0" dirty="0" err="1"/>
+              <a:t>ResNext</a:t>
+            </a:r>
+            <a:r>
+              <a:rPr lang="en-US" b="0" i="0" u="none" strike="noStrike" baseline="0" dirty="0"/>
+              <a:t>, </a:t>
+            </a:r>
+            <a:r>
+              <a:rPr lang="en-US" b="0" i="0" u="none" strike="noStrike" baseline="0" dirty="0" err="1"/>
+              <a:t>EfficientNet</a:t>
+            </a:r>
+            <a:r>
+              <a:rPr lang="en-US" b="0" i="0" u="none" strike="noStrike" baseline="0" dirty="0"/>
+              <a:t> and more state-of-the-art models can be implemented and trained over millions of images from the </a:t>
+            </a:r>
+            <a:r>
+              <a:rPr lang="en-US" b="0" i="0" u="none" strike="noStrike" baseline="0" dirty="0" err="1"/>
+              <a:t>Imagenet</a:t>
+            </a:r>
+            <a:r>
+              <a:rPr lang="en-US" b="0" i="0" u="none" strike="noStrike" baseline="0" dirty="0"/>
+              <a:t>.</a:t>
+            </a:r>
+            <a:endParaRPr lang="en-US" dirty="0"/>
+          </a:p>
+          <a:p>
+            <a:pPr marL="228600" indent="-228600">
+              <a:lnSpc>
+                <a:spcPct val="90000"/>
+              </a:lnSpc>
+              <a:spcBef>
+                <a:spcPts val="1800"/>
+              </a:spcBef>
+              <a:buFont typeface="Wingdings" panose="05000000000000000000" pitchFamily="2" charset="2"/>
+              <a:buChar char="§"/>
+            </a:pPr>
+            <a:r>
+              <a:rPr lang="en-US" dirty="0"/>
+              <a:t>The performance of GAN can be improved by implementing it in a cyclic fashion, i.e. Cycle GAN, with the Pix2Pix colorization approach</a:t>
+            </a:r>
+          </a:p>
+          <a:p>
+            <a:pPr algn="l"/>
+            <a:r>
+              <a:rPr lang="en-US" b="0" i="0" u="none" strike="noStrike" baseline="0" dirty="0"/>
+              <a:t>Colorization can be improved by the virtue of exploring different loss functions using weighted losses to reduce loss problem for low saturation regions.</a:t>
+            </a:r>
+          </a:p>
+          <a:p>
+            <a:pPr algn="l"/>
+            <a:endParaRPr lang="en-US" b="0" i="0" u="none" strike="noStrike" baseline="0" dirty="0"/>
+          </a:p>
+        </p:txBody>
+      </p:sp>
+      <p:sp>
+        <p:nvSpPr>
+          <p:cNvPr id="5" name="Footer Placeholder 4"/>
+          <p:cNvSpPr>
+            <a:spLocks noGrp="1"/>
+          </p:cNvSpPr>
+          <p:nvPr>
+            <p:ph type="ftr" sz="quarter" idx="11"/>
+          </p:nvPr>
+        </p:nvSpPr>
+        <p:spPr/>
+        <p:txBody>
+          <a:bodyPr/>
+          <a:lstStyle/>
+          <a:p>
+            <a:r>
+              <a:rPr lang="en-IN" sz="1200" dirty="0">
+                <a:cs typeface="Times New Roman" panose="02020603050405020304" pitchFamily="18" charset="0"/>
+              </a:rPr>
+              <a:t>Astronomical image colourisation and super-resolution using GANS</a:t>
+            </a:r>
+            <a:endParaRPr lang="en-IN" dirty="0"/>
+          </a:p>
+        </p:txBody>
+      </p:sp>
+      <p:pic>
+        <p:nvPicPr>
+          <p:cNvPr id="4" name="Picture 1"/>
+          <p:cNvPicPr>
+            <a:picLocks noChangeAspect="1" noChangeArrowheads="1"/>
+          </p:cNvPicPr>
+          <p:nvPr/>
+        </p:nvPicPr>
+        <p:blipFill>
+          <a:blip r:embed="rId2" cstate="print">
+            <a:extLst>
+              <a:ext uri="{28A0092B-C50C-407E-A947-70E740481C1C}">
+                <a14:useLocalDpi xmlns:a14="http://schemas.microsoft.com/office/drawing/2010/main" val="0"/>
+              </a:ext>
+            </a:extLst>
+          </a:blip>
+          <a:stretch>
+            <a:fillRect/>
+          </a:stretch>
+        </p:blipFill>
+        <p:spPr bwMode="auto">
+          <a:xfrm>
+            <a:off x="10919540" y="150750"/>
+            <a:ext cx="1233271" cy="1029803"/>
+          </a:xfrm>
+          <a:prstGeom prst="rect">
+            <a:avLst/>
+          </a:prstGeom>
+          <a:noFill/>
+          <a:ln w="9525">
+            <a:noFill/>
+            <a:miter lim="800000"/>
+            <a:headEnd/>
+            <a:tailEnd/>
+          </a:ln>
+        </p:spPr>
+      </p:pic>
+    </p:spTree>
+    <p:extLst>
+      <p:ext uri="{BB962C8B-B14F-4D97-AF65-F5344CB8AC3E}">
+        <p14:creationId xmlns:p14="http://schemas.microsoft.com/office/powerpoint/2010/main" val="3517580825"/>
+      </p:ext>
+    </p:extLst>
+  </p:cSld>
+  <p:clrMapOvr>
+    <a:masterClrMapping/>
+  </p:clrMapOvr>
+  <mc:AlternateContent xmlns:mc="http://schemas.openxmlformats.org/markup-compatibility/2006" xmlns:p14="http://schemas.microsoft.com/office/powerpoint/2010/main">
+    <mc:Choice Requires="p14">
+      <p:transition spd="med" p14:dur="700">
+        <p:fade/>
+      </p:transition>
+    </mc:Choice>
+    <mc:Fallback xmlns="">
+      <p:transition spd="med">
+        <p:fade/>
+      </p:transition>
+    </mc:Fallback>
+  </mc:AlternateContent>
+</p:sld>
+</file>
+
+<file path=ppt/slides/slide24.xml><?xml version="1.0" encoding="utf-8"?>
+<p:sld xmlns:a="http://schemas.openxmlformats.org/drawingml/2006/main" xmlns:r="http://schemas.openxmlformats.org/officeDocument/2006/relationships" xmlns:p="http://schemas.openxmlformats.org/presentationml/2006/main">
+  <p:cSld>
+    <p:spTree>
+      <p:nvGrpSpPr>
+        <p:cNvPr id="1" name=""/>
+        <p:cNvGrpSpPr/>
+        <p:nvPr/>
+      </p:nvGrpSpPr>
+      <p:grpSpPr>
+        <a:xfrm>
+          <a:off x="0" y="0"/>
+          <a:ext cx="0" cy="0"/>
+          <a:chOff x="0" y="0"/>
+          <a:chExt cx="0" cy="0"/>
+        </a:xfrm>
+      </p:grpSpPr>
+      <p:sp>
+        <p:nvSpPr>
+          <p:cNvPr id="2" name="Title 1">
+            <a:extLst>
+              <a:ext uri="{FF2B5EF4-FFF2-40B4-BE49-F238E27FC236}">
+                <a16:creationId xmlns:a16="http://schemas.microsoft.com/office/drawing/2014/main" id="{1B088865-DEAE-4612-97AF-B61F6AF552E8}"/>
+              </a:ext>
+            </a:extLst>
+          </p:cNvPr>
+          <p:cNvSpPr>
+            <a:spLocks noGrp="1"/>
+          </p:cNvSpPr>
+          <p:nvPr>
+            <p:ph type="title"/>
+          </p:nvPr>
+        </p:nvSpPr>
+        <p:spPr/>
+        <p:txBody>
+          <a:bodyPr/>
+          <a:lstStyle/>
+          <a:p>
+            <a:r>
+              <a:rPr lang="en-US" dirty="0"/>
+              <a:t>References</a:t>
+            </a:r>
+          </a:p>
+        </p:txBody>
+      </p:sp>
+      <p:sp>
+        <p:nvSpPr>
+          <p:cNvPr id="3" name="Content Placeholder 2">
+            <a:extLst>
+              <a:ext uri="{FF2B5EF4-FFF2-40B4-BE49-F238E27FC236}">
+                <a16:creationId xmlns:a16="http://schemas.microsoft.com/office/drawing/2014/main" id="{EA8DEEA1-8858-40B0-9169-F753007ABA02}"/>
+              </a:ext>
+            </a:extLst>
+          </p:cNvPr>
+          <p:cNvSpPr>
+            <a:spLocks noGrp="1"/>
+          </p:cNvSpPr>
+          <p:nvPr>
+            <p:ph idx="1"/>
+          </p:nvPr>
+        </p:nvSpPr>
+        <p:spPr/>
+        <p:txBody>
+          <a:bodyPr>
+            <a:normAutofit/>
+          </a:bodyPr>
+          <a:lstStyle/>
+          <a:p>
+            <a:r>
+              <a:rPr lang="en-US" sz="1400" b="0" i="0" u="none" strike="noStrike" baseline="0" dirty="0">
+                <a:latin typeface="Times New Roman" panose="02020603050405020304" pitchFamily="18" charset="0"/>
+                <a:cs typeface="Times New Roman" panose="02020603050405020304" pitchFamily="18" charset="0"/>
+              </a:rPr>
+              <a:t>Cheng, Z., Yang, Q. and Sheng, B. (2016). Deep colorization.</a:t>
+            </a:r>
+          </a:p>
+          <a:p>
+            <a:r>
+              <a:rPr lang="en-US" sz="1400" b="0" i="0" u="none" strike="noStrike" baseline="0" dirty="0">
+                <a:latin typeface="Times New Roman" panose="02020603050405020304" pitchFamily="18" charset="0"/>
+                <a:cs typeface="Times New Roman" panose="02020603050405020304" pitchFamily="18" charset="0"/>
+              </a:rPr>
+              <a:t>Dahl, R. (2016). Automatic colorization.</a:t>
+            </a:r>
+            <a:endParaRPr lang="en-US" sz="1400" dirty="0">
+              <a:latin typeface="Times New Roman" panose="02020603050405020304" pitchFamily="18" charset="0"/>
+              <a:cs typeface="Times New Roman" panose="02020603050405020304" pitchFamily="18" charset="0"/>
+            </a:endParaRPr>
+          </a:p>
+          <a:p>
+            <a:pPr algn="l"/>
+            <a:r>
+              <a:rPr lang="en-US" sz="1400" b="0" i="0" u="none" strike="noStrike" baseline="0" dirty="0">
+                <a:latin typeface="Times New Roman" panose="02020603050405020304" pitchFamily="18" charset="0"/>
+                <a:cs typeface="Times New Roman" panose="02020603050405020304" pitchFamily="18" charset="0"/>
+              </a:rPr>
+              <a:t>Dong, C., Loy, C. C., He, K. and Tang, X. (2014). Learning a deep convolutional network for image super-resolution, </a:t>
+            </a:r>
+            <a:r>
+              <a:rPr lang="en-US" sz="1400" b="0" i="1" u="none" strike="noStrike" baseline="0" dirty="0">
+                <a:latin typeface="Times New Roman" panose="02020603050405020304" pitchFamily="18" charset="0"/>
+                <a:cs typeface="Times New Roman" panose="02020603050405020304" pitchFamily="18" charset="0"/>
+              </a:rPr>
+              <a:t>in</a:t>
+            </a:r>
+            <a:r>
+              <a:rPr lang="en-US" sz="1400" b="0" i="0" u="none" strike="noStrike" baseline="0" dirty="0">
+                <a:latin typeface="Times New Roman" panose="02020603050405020304" pitchFamily="18" charset="0"/>
+                <a:cs typeface="Times New Roman" panose="02020603050405020304" pitchFamily="18" charset="0"/>
+              </a:rPr>
+              <a:t> D. Fleet, T. 	</a:t>
+            </a:r>
+            <a:r>
+              <a:rPr lang="en-US" sz="1400" b="0" i="0" u="none" strike="noStrike" baseline="0" dirty="0" err="1">
+                <a:latin typeface="Times New Roman" panose="02020603050405020304" pitchFamily="18" charset="0"/>
+                <a:cs typeface="Times New Roman" panose="02020603050405020304" pitchFamily="18" charset="0"/>
+              </a:rPr>
+              <a:t>Pajdla</a:t>
+            </a:r>
+            <a:r>
+              <a:rPr lang="en-US" sz="1400" b="0" i="0" u="none" strike="noStrike" baseline="0" dirty="0">
+                <a:latin typeface="Times New Roman" panose="02020603050405020304" pitchFamily="18" charset="0"/>
+                <a:cs typeface="Times New Roman" panose="02020603050405020304" pitchFamily="18" charset="0"/>
+              </a:rPr>
+              <a:t>, B. Schiele and T. </a:t>
+            </a:r>
+            <a:r>
+              <a:rPr lang="en-US" sz="1400" b="0" i="0" u="none" strike="noStrike" baseline="0" dirty="0" err="1">
+                <a:latin typeface="Times New Roman" panose="02020603050405020304" pitchFamily="18" charset="0"/>
+                <a:cs typeface="Times New Roman" panose="02020603050405020304" pitchFamily="18" charset="0"/>
+              </a:rPr>
+              <a:t>Tuytelaars</a:t>
+            </a:r>
+            <a:r>
+              <a:rPr lang="en-US" sz="1400" dirty="0">
+                <a:latin typeface="Times New Roman" panose="02020603050405020304" pitchFamily="18" charset="0"/>
+                <a:cs typeface="Times New Roman" panose="02020603050405020304" pitchFamily="18" charset="0"/>
+              </a:rPr>
+              <a:t> </a:t>
+            </a:r>
+            <a:r>
+              <a:rPr lang="en-US" sz="1400" b="0" i="0" u="none" strike="noStrike" baseline="0" dirty="0">
+                <a:latin typeface="Times New Roman" panose="02020603050405020304" pitchFamily="18" charset="0"/>
+                <a:cs typeface="Times New Roman" panose="02020603050405020304" pitchFamily="18" charset="0"/>
+              </a:rPr>
+              <a:t>(eds), </a:t>
+            </a:r>
+            <a:r>
+              <a:rPr lang="en-US" sz="1400" b="0" i="1" u="none" strike="noStrike" baseline="0" dirty="0">
+                <a:latin typeface="Times New Roman" panose="02020603050405020304" pitchFamily="18" charset="0"/>
+                <a:cs typeface="Times New Roman" panose="02020603050405020304" pitchFamily="18" charset="0"/>
+              </a:rPr>
+              <a:t>Computer Vision – ECCV 2014</a:t>
+            </a:r>
+            <a:r>
+              <a:rPr lang="en-US" sz="1400" b="0" i="0" u="none" strike="noStrike" baseline="0" dirty="0">
+                <a:latin typeface="Times New Roman" panose="02020603050405020304" pitchFamily="18" charset="0"/>
+                <a:cs typeface="Times New Roman" panose="02020603050405020304" pitchFamily="18" charset="0"/>
+              </a:rPr>
+              <a:t>, Springer International Publishing, </a:t>
+            </a:r>
+          </a:p>
+          <a:p>
+            <a:pPr marL="457200" lvl="1" indent="0">
+              <a:buNone/>
+            </a:pPr>
+            <a:r>
+              <a:rPr lang="en-US" sz="1400" dirty="0">
+                <a:latin typeface="Times New Roman" panose="02020603050405020304" pitchFamily="18" charset="0"/>
+                <a:cs typeface="Times New Roman" panose="02020603050405020304" pitchFamily="18" charset="0"/>
+              </a:rPr>
+              <a:t>	</a:t>
+            </a:r>
+            <a:r>
+              <a:rPr lang="en-US" sz="1400" b="0" i="0" u="none" strike="noStrike" baseline="0" dirty="0">
+                <a:latin typeface="Times New Roman" panose="02020603050405020304" pitchFamily="18" charset="0"/>
+                <a:cs typeface="Times New Roman" panose="02020603050405020304" pitchFamily="18" charset="0"/>
+              </a:rPr>
+              <a:t>Cham, pp. 184-199.</a:t>
+            </a:r>
+          </a:p>
+          <a:p>
+            <a:pPr algn="l"/>
+            <a:r>
+              <a:rPr lang="en-US" sz="1400" b="0" i="0" u="none" strike="noStrike" baseline="0" dirty="0">
+                <a:latin typeface="Times New Roman" panose="02020603050405020304" pitchFamily="18" charset="0"/>
+                <a:cs typeface="Times New Roman" panose="02020603050405020304" pitchFamily="18" charset="0"/>
+              </a:rPr>
+              <a:t>Goodfellow, I. J., </a:t>
+            </a:r>
+            <a:r>
+              <a:rPr lang="en-US" sz="1400" b="0" i="0" u="none" strike="noStrike" baseline="0" dirty="0" err="1">
+                <a:latin typeface="Times New Roman" panose="02020603050405020304" pitchFamily="18" charset="0"/>
+                <a:cs typeface="Times New Roman" panose="02020603050405020304" pitchFamily="18" charset="0"/>
+              </a:rPr>
+              <a:t>Pouget</a:t>
+            </a:r>
+            <a:r>
+              <a:rPr lang="en-US" sz="1400" b="0" i="0" u="none" strike="noStrike" baseline="0" dirty="0">
+                <a:latin typeface="Times New Roman" panose="02020603050405020304" pitchFamily="18" charset="0"/>
+                <a:cs typeface="Times New Roman" panose="02020603050405020304" pitchFamily="18" charset="0"/>
+              </a:rPr>
+              <a:t>-Abadie, J., Mirza, M., Xu, B., </a:t>
+            </a:r>
+            <a:r>
+              <a:rPr lang="en-US" sz="1400" b="0" i="0" u="none" strike="noStrike" baseline="0" dirty="0" err="1">
+                <a:latin typeface="Times New Roman" panose="02020603050405020304" pitchFamily="18" charset="0"/>
+                <a:cs typeface="Times New Roman" panose="02020603050405020304" pitchFamily="18" charset="0"/>
+              </a:rPr>
+              <a:t>Warde</a:t>
+            </a:r>
+            <a:r>
+              <a:rPr lang="en-US" sz="1400" b="0" i="0" u="none" strike="noStrike" baseline="0" dirty="0">
+                <a:latin typeface="Times New Roman" panose="02020603050405020304" pitchFamily="18" charset="0"/>
+                <a:cs typeface="Times New Roman" panose="02020603050405020304" pitchFamily="18" charset="0"/>
+              </a:rPr>
+              <a:t>-Farley, D., </a:t>
+            </a:r>
+            <a:r>
+              <a:rPr lang="en-US" sz="1400" b="0" i="0" u="none" strike="noStrike" baseline="0" dirty="0" err="1">
+                <a:latin typeface="Times New Roman" panose="02020603050405020304" pitchFamily="18" charset="0"/>
+                <a:cs typeface="Times New Roman" panose="02020603050405020304" pitchFamily="18" charset="0"/>
+              </a:rPr>
+              <a:t>Ozair</a:t>
+            </a:r>
+            <a:r>
+              <a:rPr lang="en-US" sz="1400" b="0" i="0" u="none" strike="noStrike" baseline="0" dirty="0">
+                <a:latin typeface="Times New Roman" panose="02020603050405020304" pitchFamily="18" charset="0"/>
+                <a:cs typeface="Times New Roman" panose="02020603050405020304" pitchFamily="18" charset="0"/>
+              </a:rPr>
+              <a:t>, S., Courville, A. and  </a:t>
+            </a:r>
+            <a:r>
+              <a:rPr lang="en-US" sz="1400" b="0" i="0" u="none" strike="noStrike" baseline="0" dirty="0" err="1">
+                <a:latin typeface="Times New Roman" panose="02020603050405020304" pitchFamily="18" charset="0"/>
+                <a:cs typeface="Times New Roman" panose="02020603050405020304" pitchFamily="18" charset="0"/>
+              </a:rPr>
+              <a:t>Bengio</a:t>
+            </a:r>
+            <a:r>
+              <a:rPr lang="en-US" sz="1400" b="0" i="0" u="none" strike="noStrike" baseline="0" dirty="0">
+                <a:latin typeface="Times New Roman" panose="02020603050405020304" pitchFamily="18" charset="0"/>
+                <a:cs typeface="Times New Roman" panose="02020603050405020304" pitchFamily="18" charset="0"/>
+              </a:rPr>
+              <a:t>, Y. (2014). </a:t>
+            </a:r>
+            <a:endParaRPr lang="en-US" sz="1400" dirty="0">
+              <a:latin typeface="Times New Roman" panose="02020603050405020304" pitchFamily="18" charset="0"/>
+              <a:cs typeface="Times New Roman" panose="02020603050405020304" pitchFamily="18" charset="0"/>
+            </a:endParaRPr>
+          </a:p>
+          <a:p>
+            <a:pPr marL="457200" lvl="1" indent="0">
+              <a:buNone/>
+            </a:pPr>
+            <a:r>
+              <a:rPr lang="en-US" sz="1400" b="0" i="0" u="none" strike="noStrike" baseline="0" dirty="0">
+                <a:latin typeface="Times New Roman" panose="02020603050405020304" pitchFamily="18" charset="0"/>
+                <a:cs typeface="Times New Roman" panose="02020603050405020304" pitchFamily="18" charset="0"/>
+              </a:rPr>
+              <a:t>	Generative adversarial networks.</a:t>
+            </a:r>
+          </a:p>
+          <a:p>
+            <a:pPr algn="l"/>
+            <a:r>
+              <a:rPr lang="en-US" sz="1400" b="0" i="0" u="none" strike="noStrike" baseline="0" dirty="0">
+                <a:latin typeface="Times New Roman" panose="02020603050405020304" pitchFamily="18" charset="0"/>
+                <a:cs typeface="Times New Roman" panose="02020603050405020304" pitchFamily="18" charset="0"/>
+              </a:rPr>
+              <a:t>He, K., Zhang, X., Ren, S. and Sun, J. (2015). Deep residual learning for image recognition.</a:t>
+            </a:r>
+          </a:p>
+          <a:p>
+            <a:pPr algn="l"/>
+            <a:r>
+              <a:rPr lang="de-DE" sz="1400" b="0" i="0" u="none" strike="noStrike" baseline="0" dirty="0">
+                <a:latin typeface="Times New Roman" panose="02020603050405020304" pitchFamily="18" charset="0"/>
+                <a:cs typeface="Times New Roman" panose="02020603050405020304" pitchFamily="18" charset="0"/>
+              </a:rPr>
+              <a:t>Huang, Y.-C., Tung, Y.-S., Chen, J.-C., Wang, S.-W. and Wu, J.-L. (2005). An </a:t>
+            </a:r>
+            <a:r>
+              <a:rPr lang="en-US" sz="1400" b="0" i="0" u="none" strike="noStrike" baseline="0" dirty="0">
+                <a:latin typeface="Times New Roman" panose="02020603050405020304" pitchFamily="18" charset="0"/>
+                <a:cs typeface="Times New Roman" panose="02020603050405020304" pitchFamily="18" charset="0"/>
+              </a:rPr>
+              <a:t>adaptive edge detection based colorization algorithm and 	its applications, pp. 351–354.</a:t>
+            </a:r>
+          </a:p>
+          <a:p>
+            <a:pPr algn="l"/>
+            <a:r>
+              <a:rPr lang="en-US" sz="1400" b="0" i="0" u="none" strike="noStrike" baseline="0" dirty="0">
+                <a:latin typeface="Times New Roman" panose="02020603050405020304" pitchFamily="18" charset="0"/>
+                <a:cs typeface="Times New Roman" panose="02020603050405020304" pitchFamily="18" charset="0"/>
+              </a:rPr>
+              <a:t>Isola, P., Zhu, J.-Y., Zhou, T. and </a:t>
+            </a:r>
+            <a:r>
+              <a:rPr lang="en-US" sz="1400" b="0" i="0" u="none" strike="noStrike" baseline="0" dirty="0" err="1">
+                <a:latin typeface="Times New Roman" panose="02020603050405020304" pitchFamily="18" charset="0"/>
+                <a:cs typeface="Times New Roman" panose="02020603050405020304" pitchFamily="18" charset="0"/>
+              </a:rPr>
+              <a:t>Efros</a:t>
+            </a:r>
+            <a:r>
+              <a:rPr lang="en-US" sz="1400" b="0" i="0" u="none" strike="noStrike" baseline="0" dirty="0">
+                <a:latin typeface="Times New Roman" panose="02020603050405020304" pitchFamily="18" charset="0"/>
+                <a:cs typeface="Times New Roman" panose="02020603050405020304" pitchFamily="18" charset="0"/>
+              </a:rPr>
+              <a:t>, A. A. (2018). Image-to-image translation with conditional adversarial networks.</a:t>
+            </a:r>
+          </a:p>
+          <a:p>
+            <a:pPr algn="l"/>
+            <a:r>
+              <a:rPr lang="en-US" sz="1400" b="0" i="0" u="none" strike="noStrike" baseline="0" dirty="0" err="1">
+                <a:latin typeface="Times New Roman" panose="02020603050405020304" pitchFamily="18" charset="0"/>
+                <a:cs typeface="Times New Roman" panose="02020603050405020304" pitchFamily="18" charset="0"/>
+              </a:rPr>
+              <a:t>Jianchao</a:t>
+            </a:r>
+            <a:r>
+              <a:rPr lang="en-US" sz="1400" b="0" i="0" u="none" strike="noStrike" baseline="0" dirty="0">
+                <a:latin typeface="Times New Roman" panose="02020603050405020304" pitchFamily="18" charset="0"/>
+                <a:cs typeface="Times New Roman" panose="02020603050405020304" pitchFamily="18" charset="0"/>
+              </a:rPr>
+              <a:t> Yang, Wright, J., Huang, T. and Yi Ma (2008). Image super-resolution as sparse representation of raw image patches, </a:t>
+            </a:r>
+          </a:p>
+          <a:p>
+            <a:pPr marL="457200" lvl="1" indent="0">
+              <a:buNone/>
+            </a:pPr>
+            <a:r>
+              <a:rPr lang="en-US" sz="1400" b="0" i="1" u="none" strike="noStrike" baseline="0" dirty="0">
+                <a:latin typeface="Times New Roman" panose="02020603050405020304" pitchFamily="18" charset="0"/>
+                <a:cs typeface="Times New Roman" panose="02020603050405020304" pitchFamily="18" charset="0"/>
+              </a:rPr>
+              <a:t>	2008 IEEE Conference on Computer Vision and Pattern Recognition</a:t>
+            </a:r>
+            <a:r>
+              <a:rPr lang="en-US" sz="1400" b="0" i="0" u="none" strike="noStrike" baseline="0" dirty="0">
+                <a:latin typeface="Times New Roman" panose="02020603050405020304" pitchFamily="18" charset="0"/>
+                <a:cs typeface="Times New Roman" panose="02020603050405020304" pitchFamily="18" charset="0"/>
+              </a:rPr>
+              <a:t>, pp. 1–8.</a:t>
+            </a:r>
+          </a:p>
+        </p:txBody>
+      </p:sp>
+      <p:sp>
+        <p:nvSpPr>
+          <p:cNvPr id="4" name="Footer Placeholder 3">
+            <a:extLst>
+              <a:ext uri="{FF2B5EF4-FFF2-40B4-BE49-F238E27FC236}">
+                <a16:creationId xmlns:a16="http://schemas.microsoft.com/office/drawing/2014/main" id="{90CF10EA-242A-4F9F-97DC-68619990925C}"/>
+              </a:ext>
+            </a:extLst>
+          </p:cNvPr>
+          <p:cNvSpPr>
+            <a:spLocks noGrp="1"/>
+          </p:cNvSpPr>
+          <p:nvPr>
+            <p:ph type="ftr" sz="quarter" idx="11"/>
+          </p:nvPr>
+        </p:nvSpPr>
+        <p:spPr/>
+        <p:txBody>
+          <a:bodyPr/>
+          <a:lstStyle/>
+          <a:p>
+            <a:r>
+              <a:rPr lang="en-US"/>
+              <a:t>Astronomical image colourisation and super-resolution using GANS</a:t>
+            </a:r>
+            <a:endParaRPr lang="en-IN"/>
+          </a:p>
+        </p:txBody>
+      </p:sp>
+    </p:spTree>
+    <p:extLst>
+      <p:ext uri="{BB962C8B-B14F-4D97-AF65-F5344CB8AC3E}">
+        <p14:creationId xmlns:p14="http://schemas.microsoft.com/office/powerpoint/2010/main" val="3190111597"/>
+      </p:ext>
+    </p:extLst>
+  </p:cSld>
+  <p:clrMapOvr>
+    <a:masterClrMapping/>
+  </p:clrMapOvr>
+  <mc:AlternateContent xmlns:mc="http://schemas.openxmlformats.org/markup-compatibility/2006" xmlns:p14="http://schemas.microsoft.com/office/powerpoint/2010/main">
+    <mc:Choice Requires="p14">
+      <p:transition spd="med" p14:dur="700">
+        <p:fade/>
+      </p:transition>
+    </mc:Choice>
+    <mc:Fallback xmlns="">
+      <p:transition spd="med">
+        <p:fade/>
+      </p:transition>
+    </mc:Fallback>
+  </mc:AlternateContent>
+</p:sld>
+</file>
+
+<file path=ppt/slides/slide25.xml><?xml version="1.0" encoding="utf-8"?>
+<p:sld xmlns:a="http://schemas.openxmlformats.org/drawingml/2006/main" xmlns:r="http://schemas.openxmlformats.org/officeDocument/2006/relationships" xmlns:p="http://schemas.openxmlformats.org/presentationml/2006/main">
+  <p:cSld>
+    <p:spTree>
+      <p:nvGrpSpPr>
+        <p:cNvPr id="1" name=""/>
+        <p:cNvGrpSpPr/>
+        <p:nvPr/>
+      </p:nvGrpSpPr>
+      <p:grpSpPr>
+        <a:xfrm>
+          <a:off x="0" y="0"/>
+          <a:ext cx="0" cy="0"/>
+          <a:chOff x="0" y="0"/>
+          <a:chExt cx="0" cy="0"/>
+        </a:xfrm>
+      </p:grpSpPr>
+      <p:sp>
+        <p:nvSpPr>
+          <p:cNvPr id="2" name="Title 1">
+            <a:extLst>
+              <a:ext uri="{FF2B5EF4-FFF2-40B4-BE49-F238E27FC236}">
+                <a16:creationId xmlns:a16="http://schemas.microsoft.com/office/drawing/2014/main" id="{60013DAE-EE1B-473B-B3B6-648540F8F0E6}"/>
+              </a:ext>
+            </a:extLst>
+          </p:cNvPr>
+          <p:cNvSpPr>
+            <a:spLocks noGrp="1"/>
+          </p:cNvSpPr>
+          <p:nvPr>
+            <p:ph type="title"/>
+          </p:nvPr>
+        </p:nvSpPr>
+        <p:spPr/>
+        <p:txBody>
+          <a:bodyPr/>
+          <a:lstStyle/>
+          <a:p>
+            <a:r>
+              <a:rPr lang="en-US" dirty="0"/>
+              <a:t>References</a:t>
+            </a:r>
+          </a:p>
+        </p:txBody>
+      </p:sp>
+      <p:sp>
+        <p:nvSpPr>
+          <p:cNvPr id="3" name="Content Placeholder 2">
+            <a:extLst>
+              <a:ext uri="{FF2B5EF4-FFF2-40B4-BE49-F238E27FC236}">
+                <a16:creationId xmlns:a16="http://schemas.microsoft.com/office/drawing/2014/main" id="{6A2C8905-50B5-4EA0-8B9A-E1EE0EB58F40}"/>
+              </a:ext>
+            </a:extLst>
+          </p:cNvPr>
+          <p:cNvSpPr>
+            <a:spLocks noGrp="1"/>
+          </p:cNvSpPr>
+          <p:nvPr>
+            <p:ph idx="1"/>
+          </p:nvPr>
+        </p:nvSpPr>
+        <p:spPr/>
+        <p:txBody>
+          <a:bodyPr>
+            <a:normAutofit fontScale="92500" lnSpcReduction="20000"/>
+          </a:bodyPr>
+          <a:lstStyle/>
+          <a:p>
+            <a:pPr algn="l"/>
+            <a:r>
+              <a:rPr lang="en-US" sz="1400" b="0" i="0" u="none" strike="noStrike" baseline="0" dirty="0">
+                <a:latin typeface="Times New Roman" panose="02020603050405020304" pitchFamily="18" charset="0"/>
+                <a:cs typeface="Times New Roman" panose="02020603050405020304" pitchFamily="18" charset="0"/>
+              </a:rPr>
+              <a:t>Kim, J., Lee, J. K. and Lee, K. M. (2016). Accurate image super-resolution using very deep convolutional networks, </a:t>
+            </a:r>
+          </a:p>
+          <a:p>
+            <a:pPr marL="457200" lvl="1" indent="0">
+              <a:buNone/>
+            </a:pPr>
+            <a:r>
+              <a:rPr lang="en-US" sz="1500" b="0" i="1" u="none" strike="noStrike" baseline="0" dirty="0">
+                <a:latin typeface="Times New Roman" panose="02020603050405020304" pitchFamily="18" charset="0"/>
+                <a:cs typeface="Times New Roman" panose="02020603050405020304" pitchFamily="18" charset="0"/>
+              </a:rPr>
+              <a:t>	2016 IEEE Conference on Computer Vision and Pattern Recognition (CVPR), </a:t>
+            </a:r>
+            <a:r>
+              <a:rPr lang="en-US" sz="1500" b="0" i="0" u="none" strike="noStrike" baseline="0" dirty="0">
+                <a:latin typeface="Times New Roman" panose="02020603050405020304" pitchFamily="18" charset="0"/>
+                <a:cs typeface="Times New Roman" panose="02020603050405020304" pitchFamily="18" charset="0"/>
+              </a:rPr>
+              <a:t>pp. 1646–1654.</a:t>
+            </a:r>
+          </a:p>
+          <a:p>
+            <a:pPr algn="l"/>
+            <a:r>
+              <a:rPr lang="en-US" sz="1400" b="0" i="0" u="none" strike="noStrike" baseline="0" dirty="0" err="1">
+                <a:latin typeface="Times New Roman" panose="02020603050405020304" pitchFamily="18" charset="0"/>
+                <a:cs typeface="Times New Roman" panose="02020603050405020304" pitchFamily="18" charset="0"/>
+              </a:rPr>
+              <a:t>Ledig</a:t>
+            </a:r>
+            <a:r>
+              <a:rPr lang="en-US" sz="1400" b="0" i="0" u="none" strike="noStrike" baseline="0" dirty="0">
+                <a:latin typeface="Times New Roman" panose="02020603050405020304" pitchFamily="18" charset="0"/>
+                <a:cs typeface="Times New Roman" panose="02020603050405020304" pitchFamily="18" charset="0"/>
+              </a:rPr>
+              <a:t>, C., Theis, L., </a:t>
+            </a:r>
+            <a:r>
+              <a:rPr lang="en-US" sz="1400" b="0" i="0" u="none" strike="noStrike" baseline="0" dirty="0" err="1">
+                <a:latin typeface="Times New Roman" panose="02020603050405020304" pitchFamily="18" charset="0"/>
+                <a:cs typeface="Times New Roman" panose="02020603050405020304" pitchFamily="18" charset="0"/>
+              </a:rPr>
+              <a:t>Huszar</a:t>
+            </a:r>
+            <a:r>
+              <a:rPr lang="en-US" sz="1400" b="0" i="0" u="none" strike="noStrike" baseline="0" dirty="0">
+                <a:latin typeface="Times New Roman" panose="02020603050405020304" pitchFamily="18" charset="0"/>
+                <a:cs typeface="Times New Roman" panose="02020603050405020304" pitchFamily="18" charset="0"/>
+              </a:rPr>
+              <a:t>, F., Caballero, J., Cunningham, A., Acosta, A., Aitken, A., </a:t>
+            </a:r>
+            <a:r>
+              <a:rPr lang="en-US" sz="1400" b="0" i="0" u="none" strike="noStrike" baseline="0" dirty="0" err="1">
+                <a:latin typeface="Times New Roman" panose="02020603050405020304" pitchFamily="18" charset="0"/>
+                <a:cs typeface="Times New Roman" panose="02020603050405020304" pitchFamily="18" charset="0"/>
+              </a:rPr>
+              <a:t>Tejani</a:t>
+            </a:r>
+            <a:r>
+              <a:rPr lang="en-US" sz="1400" b="0" i="0" u="none" strike="noStrike" baseline="0" dirty="0">
+                <a:latin typeface="Times New Roman" panose="02020603050405020304" pitchFamily="18" charset="0"/>
+                <a:cs typeface="Times New Roman" panose="02020603050405020304" pitchFamily="18" charset="0"/>
+              </a:rPr>
+              <a:t>, A., </a:t>
+            </a:r>
+            <a:r>
+              <a:rPr lang="en-US" sz="1400" b="0" i="0" u="none" strike="noStrike" baseline="0" dirty="0" err="1">
+                <a:latin typeface="Times New Roman" panose="02020603050405020304" pitchFamily="18" charset="0"/>
+                <a:cs typeface="Times New Roman" panose="02020603050405020304" pitchFamily="18" charset="0"/>
+              </a:rPr>
+              <a:t>Totz</a:t>
+            </a:r>
+            <a:r>
+              <a:rPr lang="en-US" sz="1400" b="0" i="0" u="none" strike="noStrike" baseline="0" dirty="0">
+                <a:latin typeface="Times New Roman" panose="02020603050405020304" pitchFamily="18" charset="0"/>
+                <a:cs typeface="Times New Roman" panose="02020603050405020304" pitchFamily="18" charset="0"/>
+              </a:rPr>
+              <a:t>, J., Wang, Z. and Shi, W. (2017). </a:t>
+            </a:r>
+          </a:p>
+          <a:p>
+            <a:pPr marL="457200" lvl="1" indent="0">
+              <a:buNone/>
+            </a:pPr>
+            <a:r>
+              <a:rPr lang="en-US" sz="1500" b="0" i="0" u="none" strike="noStrike" baseline="0" dirty="0">
+                <a:latin typeface="Times New Roman" panose="02020603050405020304" pitchFamily="18" charset="0"/>
+                <a:cs typeface="Times New Roman" panose="02020603050405020304" pitchFamily="18" charset="0"/>
+              </a:rPr>
+              <a:t>	Photorealistic single image super-resolution using a generative adversarial network.</a:t>
+            </a:r>
+          </a:p>
+          <a:p>
+            <a:pPr algn="l"/>
+            <a:r>
+              <a:rPr lang="en-US" sz="1400" b="0" i="0" u="none" strike="noStrike" baseline="0" dirty="0">
+                <a:latin typeface="Times New Roman" panose="02020603050405020304" pitchFamily="18" charset="0"/>
+                <a:cs typeface="Times New Roman" panose="02020603050405020304" pitchFamily="18" charset="0"/>
+              </a:rPr>
+              <a:t>Levin, A., </a:t>
+            </a:r>
+            <a:r>
+              <a:rPr lang="en-US" sz="1400" b="0" i="0" u="none" strike="noStrike" baseline="0" dirty="0" err="1">
+                <a:latin typeface="Times New Roman" panose="02020603050405020304" pitchFamily="18" charset="0"/>
+                <a:cs typeface="Times New Roman" panose="02020603050405020304" pitchFamily="18" charset="0"/>
+              </a:rPr>
+              <a:t>Lischinski</a:t>
+            </a:r>
+            <a:r>
+              <a:rPr lang="en-US" sz="1400" b="0" i="0" u="none" strike="noStrike" baseline="0" dirty="0">
+                <a:latin typeface="Times New Roman" panose="02020603050405020304" pitchFamily="18" charset="0"/>
+                <a:cs typeface="Times New Roman" panose="02020603050405020304" pitchFamily="18" charset="0"/>
+              </a:rPr>
+              <a:t>, D. and Weiss, Y. (2004). Colorization using optimization, </a:t>
+            </a:r>
+            <a:r>
+              <a:rPr lang="sv-SE" sz="1400" b="0" i="1" u="none" strike="noStrike" baseline="0" dirty="0">
+                <a:latin typeface="Times New Roman" panose="02020603050405020304" pitchFamily="18" charset="0"/>
+                <a:cs typeface="Times New Roman" panose="02020603050405020304" pitchFamily="18" charset="0"/>
+              </a:rPr>
+              <a:t>ACM SIGGRAPH 2004 Papers</a:t>
+            </a:r>
+            <a:r>
+              <a:rPr lang="sv-SE" sz="1400" b="0" i="0" u="none" strike="noStrike" baseline="0" dirty="0">
+                <a:latin typeface="Times New Roman" panose="02020603050405020304" pitchFamily="18" charset="0"/>
+                <a:cs typeface="Times New Roman" panose="02020603050405020304" pitchFamily="18" charset="0"/>
+              </a:rPr>
+              <a:t>, pp. 689–694.</a:t>
+            </a:r>
+          </a:p>
+          <a:p>
+            <a:pPr algn="l"/>
+            <a:r>
+              <a:rPr lang="en-US" sz="1400" b="0" i="0" u="none" strike="noStrike" baseline="0" dirty="0">
+                <a:latin typeface="Times New Roman" panose="02020603050405020304" pitchFamily="18" charset="0"/>
+                <a:cs typeface="Times New Roman" panose="02020603050405020304" pitchFamily="18" charset="0"/>
+              </a:rPr>
+              <a:t>Long, J., </a:t>
+            </a:r>
+            <a:r>
+              <a:rPr lang="en-US" sz="1400" b="0" i="0" u="none" strike="noStrike" baseline="0" dirty="0" err="1">
+                <a:latin typeface="Times New Roman" panose="02020603050405020304" pitchFamily="18" charset="0"/>
+                <a:cs typeface="Times New Roman" panose="02020603050405020304" pitchFamily="18" charset="0"/>
+              </a:rPr>
+              <a:t>Shelhamer</a:t>
+            </a:r>
+            <a:r>
+              <a:rPr lang="en-US" sz="1400" b="0" i="0" u="none" strike="noStrike" baseline="0" dirty="0">
+                <a:latin typeface="Times New Roman" panose="02020603050405020304" pitchFamily="18" charset="0"/>
+                <a:cs typeface="Times New Roman" panose="02020603050405020304" pitchFamily="18" charset="0"/>
+              </a:rPr>
+              <a:t>, E. and Darrell, T. (2015). Fully convolutional networks for semantic segmentation, </a:t>
+            </a:r>
+          </a:p>
+          <a:p>
+            <a:pPr marL="457200" lvl="1" indent="0">
+              <a:buNone/>
+            </a:pPr>
+            <a:r>
+              <a:rPr lang="en-US" sz="1500" b="0" i="1" u="none" strike="noStrike" baseline="0" dirty="0">
+                <a:latin typeface="Times New Roman" panose="02020603050405020304" pitchFamily="18" charset="0"/>
+                <a:cs typeface="Times New Roman" panose="02020603050405020304" pitchFamily="18" charset="0"/>
+              </a:rPr>
+              <a:t>	2015 IEEE Conference on Computer Vision and Pattern Recognition (CVPR), </a:t>
+            </a:r>
+            <a:r>
+              <a:rPr lang="en-US" sz="1500" b="0" i="0" u="none" strike="noStrike" baseline="0" dirty="0">
+                <a:latin typeface="Times New Roman" panose="02020603050405020304" pitchFamily="18" charset="0"/>
+                <a:cs typeface="Times New Roman" panose="02020603050405020304" pitchFamily="18" charset="0"/>
+              </a:rPr>
+              <a:t>pp. 3431–3440</a:t>
+            </a:r>
+            <a:r>
+              <a:rPr lang="en-US" sz="1000" b="0" i="0" u="none" strike="noStrike" baseline="0" dirty="0">
+                <a:latin typeface="Times New Roman" panose="02020603050405020304" pitchFamily="18" charset="0"/>
+                <a:cs typeface="Times New Roman" panose="02020603050405020304" pitchFamily="18" charset="0"/>
+              </a:rPr>
+              <a:t>.</a:t>
+            </a:r>
+          </a:p>
+          <a:p>
+            <a:pPr algn="l"/>
+            <a:r>
+              <a:rPr lang="en-US" sz="1400" b="0" i="0" u="none" strike="noStrike" baseline="0" dirty="0">
+                <a:latin typeface="Times New Roman" panose="02020603050405020304" pitchFamily="18" charset="0"/>
+                <a:cs typeface="Times New Roman" panose="02020603050405020304" pitchFamily="18" charset="0"/>
+              </a:rPr>
+              <a:t>Mirza, M. and </a:t>
+            </a:r>
+            <a:r>
+              <a:rPr lang="en-US" sz="1400" b="0" i="0" u="none" strike="noStrike" baseline="0" dirty="0" err="1">
+                <a:latin typeface="Times New Roman" panose="02020603050405020304" pitchFamily="18" charset="0"/>
+                <a:cs typeface="Times New Roman" panose="02020603050405020304" pitchFamily="18" charset="0"/>
+              </a:rPr>
+              <a:t>Osindero</a:t>
+            </a:r>
+            <a:r>
+              <a:rPr lang="en-US" sz="1400" b="0" i="0" u="none" strike="noStrike" baseline="0" dirty="0">
+                <a:latin typeface="Times New Roman" panose="02020603050405020304" pitchFamily="18" charset="0"/>
+                <a:cs typeface="Times New Roman" panose="02020603050405020304" pitchFamily="18" charset="0"/>
+              </a:rPr>
+              <a:t>, S. (2014). Conditional generative adversarial nets.</a:t>
+            </a:r>
+            <a:endParaRPr lang="en-US" sz="1400" dirty="0">
+              <a:latin typeface="Times New Roman" panose="02020603050405020304" pitchFamily="18" charset="0"/>
+              <a:cs typeface="Times New Roman" panose="02020603050405020304" pitchFamily="18" charset="0"/>
+            </a:endParaRPr>
+          </a:p>
+          <a:p>
+            <a:pPr algn="l"/>
+            <a:r>
+              <a:rPr lang="en-US" sz="1400" b="0" i="0" u="none" strike="noStrike" baseline="0" dirty="0">
+                <a:latin typeface="Times New Roman" panose="02020603050405020304" pitchFamily="18" charset="0"/>
+                <a:cs typeface="Times New Roman" panose="02020603050405020304" pitchFamily="18" charset="0"/>
+              </a:rPr>
+              <a:t>Pressman, R. S. (1992). Software Engineering (3rd Ed.): A Practitioner’s Approach, McGraw-Hill, Inc., New York, NY, USA.</a:t>
+            </a:r>
+          </a:p>
+          <a:p>
+            <a:pPr algn="l"/>
+            <a:r>
+              <a:rPr lang="en-US" sz="1500" b="0" i="0" u="none" strike="noStrike" baseline="0" dirty="0">
+                <a:latin typeface="Times New Roman" panose="02020603050405020304" pitchFamily="18" charset="0"/>
+                <a:cs typeface="Times New Roman" panose="02020603050405020304" pitchFamily="18" charset="0"/>
+              </a:rPr>
+              <a:t>Qu, </a:t>
+            </a:r>
+            <a:r>
+              <a:rPr lang="en-US" sz="1500" b="0" i="0" u="none" strike="noStrike" baseline="0" dirty="0" err="1">
+                <a:latin typeface="Times New Roman" panose="02020603050405020304" pitchFamily="18" charset="0"/>
+                <a:cs typeface="Times New Roman" panose="02020603050405020304" pitchFamily="18" charset="0"/>
+              </a:rPr>
+              <a:t>Y.,Wong</a:t>
+            </a:r>
+            <a:r>
+              <a:rPr lang="en-US" sz="1500" b="0" i="0" u="none" strike="noStrike" baseline="0" dirty="0">
+                <a:latin typeface="Times New Roman" panose="02020603050405020304" pitchFamily="18" charset="0"/>
+                <a:cs typeface="Times New Roman" panose="02020603050405020304" pitchFamily="18" charset="0"/>
+              </a:rPr>
+              <a:t>, T.-T. and Heng, P.-A. (2006). Manga colorization, ACM Transactions on Graphics (TOG) 25(3): 1214–1220.</a:t>
+            </a:r>
+          </a:p>
+          <a:p>
+            <a:pPr algn="l"/>
+            <a:r>
+              <a:rPr lang="en-US" sz="1500" b="0" i="0" u="none" strike="noStrike" baseline="0" dirty="0">
+                <a:latin typeface="Times New Roman" panose="02020603050405020304" pitchFamily="18" charset="0"/>
+                <a:cs typeface="Times New Roman" panose="02020603050405020304" pitchFamily="18" charset="0"/>
+              </a:rPr>
+              <a:t>Radford, A., Metz, L. and </a:t>
+            </a:r>
+            <a:r>
+              <a:rPr lang="en-US" sz="1500" b="0" i="0" u="none" strike="noStrike" baseline="0" dirty="0" err="1">
+                <a:latin typeface="Times New Roman" panose="02020603050405020304" pitchFamily="18" charset="0"/>
+                <a:cs typeface="Times New Roman" panose="02020603050405020304" pitchFamily="18" charset="0"/>
+              </a:rPr>
+              <a:t>Chintala</a:t>
+            </a:r>
+            <a:r>
+              <a:rPr lang="en-US" sz="1500" b="0" i="0" u="none" strike="noStrike" baseline="0" dirty="0">
+                <a:latin typeface="Times New Roman" panose="02020603050405020304" pitchFamily="18" charset="0"/>
+                <a:cs typeface="Times New Roman" panose="02020603050405020304" pitchFamily="18" charset="0"/>
+              </a:rPr>
+              <a:t>, S. (2016). Unsupervised representation learning with deep convolutional generative adversarial 	networks.</a:t>
+            </a:r>
+          </a:p>
+          <a:p>
+            <a:pPr algn="l"/>
+            <a:r>
+              <a:rPr lang="en-US" sz="1500" b="0" i="0" u="none" strike="noStrike" baseline="0" dirty="0">
+                <a:latin typeface="Times New Roman" panose="02020603050405020304" pitchFamily="18" charset="0"/>
+                <a:cs typeface="Times New Roman" panose="02020603050405020304" pitchFamily="18" charset="0"/>
+              </a:rPr>
+              <a:t>Shi, W., Caballero, J., </a:t>
+            </a:r>
+            <a:r>
+              <a:rPr lang="en-US" sz="1500" b="0" i="0" u="none" strike="noStrike" baseline="0" dirty="0" err="1">
+                <a:latin typeface="Times New Roman" panose="02020603050405020304" pitchFamily="18" charset="0"/>
+                <a:cs typeface="Times New Roman" panose="02020603050405020304" pitchFamily="18" charset="0"/>
+              </a:rPr>
+              <a:t>Husz´ar</a:t>
+            </a:r>
+            <a:r>
+              <a:rPr lang="en-US" sz="1500" b="0" i="0" u="none" strike="noStrike" baseline="0" dirty="0">
+                <a:latin typeface="Times New Roman" panose="02020603050405020304" pitchFamily="18" charset="0"/>
+                <a:cs typeface="Times New Roman" panose="02020603050405020304" pitchFamily="18" charset="0"/>
+              </a:rPr>
+              <a:t>, F., </a:t>
+            </a:r>
+            <a:r>
+              <a:rPr lang="en-US" sz="1500" b="0" i="0" u="none" strike="noStrike" baseline="0" dirty="0" err="1">
+                <a:latin typeface="Times New Roman" panose="02020603050405020304" pitchFamily="18" charset="0"/>
+                <a:cs typeface="Times New Roman" panose="02020603050405020304" pitchFamily="18" charset="0"/>
+              </a:rPr>
+              <a:t>Totz</a:t>
+            </a:r>
+            <a:r>
+              <a:rPr lang="en-US" sz="1500" b="0" i="0" u="none" strike="noStrike" baseline="0" dirty="0">
+                <a:latin typeface="Times New Roman" panose="02020603050405020304" pitchFamily="18" charset="0"/>
+                <a:cs typeface="Times New Roman" panose="02020603050405020304" pitchFamily="18" charset="0"/>
+              </a:rPr>
+              <a:t>, J., Aitken, A. P., Bishop, R., </a:t>
+            </a:r>
+            <a:r>
+              <a:rPr lang="en-US" sz="1500" b="0" i="0" u="none" strike="noStrike" baseline="0" dirty="0" err="1">
+                <a:latin typeface="Times New Roman" panose="02020603050405020304" pitchFamily="18" charset="0"/>
+                <a:cs typeface="Times New Roman" panose="02020603050405020304" pitchFamily="18" charset="0"/>
+              </a:rPr>
+              <a:t>Rueckert</a:t>
+            </a:r>
+            <a:r>
+              <a:rPr lang="en-US" sz="1500" b="0" i="0" u="none" strike="noStrike" baseline="0" dirty="0">
+                <a:latin typeface="Times New Roman" panose="02020603050405020304" pitchFamily="18" charset="0"/>
+                <a:cs typeface="Times New Roman" panose="02020603050405020304" pitchFamily="18" charset="0"/>
+              </a:rPr>
+              <a:t>, D. and Wang, Z. (2016). </a:t>
+            </a:r>
+          </a:p>
+          <a:p>
+            <a:pPr marL="457200" lvl="1" indent="0">
+              <a:buNone/>
+            </a:pPr>
+            <a:r>
+              <a:rPr lang="en-US" sz="1500" b="0" i="0" u="none" strike="noStrike" baseline="0" dirty="0">
+                <a:latin typeface="Times New Roman" panose="02020603050405020304" pitchFamily="18" charset="0"/>
+                <a:cs typeface="Times New Roman" panose="02020603050405020304" pitchFamily="18" charset="0"/>
+              </a:rPr>
+              <a:t>	Real-time single image and video super-resolution using an efficient sub-pixel convolutional neural network, </a:t>
+            </a:r>
+          </a:p>
+          <a:p>
+            <a:pPr marL="457200" lvl="1" indent="0">
+              <a:buNone/>
+            </a:pPr>
+            <a:r>
+              <a:rPr lang="en-US" sz="1500" dirty="0">
+                <a:latin typeface="Times New Roman" panose="02020603050405020304" pitchFamily="18" charset="0"/>
+                <a:cs typeface="Times New Roman" panose="02020603050405020304" pitchFamily="18" charset="0"/>
+              </a:rPr>
+              <a:t>	</a:t>
+            </a:r>
+            <a:r>
+              <a:rPr lang="en-US" sz="1500" b="0" i="1" u="none" strike="noStrike" baseline="0" dirty="0">
+                <a:latin typeface="Times New Roman" panose="02020603050405020304" pitchFamily="18" charset="0"/>
+                <a:cs typeface="Times New Roman" panose="02020603050405020304" pitchFamily="18" charset="0"/>
+              </a:rPr>
+              <a:t>2016 IEEE Conference on Computer Vision and Pattern Recognition (CVPR),</a:t>
+            </a:r>
+            <a:r>
+              <a:rPr lang="en-US" sz="1500" b="0" i="0" u="none" strike="noStrike" baseline="0" dirty="0">
+                <a:latin typeface="Times New Roman" panose="02020603050405020304" pitchFamily="18" charset="0"/>
+                <a:cs typeface="Times New Roman" panose="02020603050405020304" pitchFamily="18" charset="0"/>
+              </a:rPr>
+              <a:t> pp. 1874–1883.</a:t>
+            </a:r>
+            <a:endParaRPr lang="en-US" sz="1500" dirty="0">
+              <a:latin typeface="Times New Roman" panose="02020603050405020304" pitchFamily="18" charset="0"/>
+              <a:cs typeface="Times New Roman" panose="02020603050405020304" pitchFamily="18" charset="0"/>
+            </a:endParaRPr>
+          </a:p>
+        </p:txBody>
+      </p:sp>
+      <p:sp>
+        <p:nvSpPr>
+          <p:cNvPr id="4" name="Footer Placeholder 3">
+            <a:extLst>
+              <a:ext uri="{FF2B5EF4-FFF2-40B4-BE49-F238E27FC236}">
+                <a16:creationId xmlns:a16="http://schemas.microsoft.com/office/drawing/2014/main" id="{478E4A7B-00AC-4117-8CCF-32F4EA319662}"/>
+              </a:ext>
+            </a:extLst>
+          </p:cNvPr>
+          <p:cNvSpPr>
+            <a:spLocks noGrp="1"/>
+          </p:cNvSpPr>
+          <p:nvPr>
+            <p:ph type="ftr" sz="quarter" idx="11"/>
+          </p:nvPr>
+        </p:nvSpPr>
+        <p:spPr/>
+        <p:txBody>
+          <a:bodyPr/>
+          <a:lstStyle/>
+          <a:p>
+            <a:r>
+              <a:rPr lang="en-US"/>
+              <a:t>Astronomical image colourisation and super-resolution using GANS</a:t>
+            </a:r>
+            <a:endParaRPr lang="en-IN"/>
+          </a:p>
+        </p:txBody>
+      </p:sp>
+    </p:spTree>
+    <p:extLst>
+      <p:ext uri="{BB962C8B-B14F-4D97-AF65-F5344CB8AC3E}">
+        <p14:creationId xmlns:p14="http://schemas.microsoft.com/office/powerpoint/2010/main" val="604998426"/>
+      </p:ext>
+    </p:extLst>
+  </p:cSld>
+  <p:clrMapOvr>
+    <a:masterClrMapping/>
+  </p:clrMapOvr>
+  <mc:AlternateContent xmlns:mc="http://schemas.openxmlformats.org/markup-compatibility/2006" xmlns:p14="http://schemas.microsoft.com/office/powerpoint/2010/main">
+    <mc:Choice Requires="p14">
+      <p:transition spd="med" p14:dur="700">
+        <p:fade/>
+      </p:transition>
+    </mc:Choice>
+    <mc:Fallback xmlns="">
+      <p:transition spd="med">
+        <p:fade/>
+      </p:transition>
+    </mc:Fallback>
+  </mc:AlternateContent>
+</p:sld>
+</file>
+
+<file path=ppt/slides/slide26.xml><?xml version="1.0" encoding="utf-8"?>
+<p:sld xmlns:a="http://schemas.openxmlformats.org/drawingml/2006/main" xmlns:r="http://schemas.openxmlformats.org/officeDocument/2006/relationships" xmlns:p="http://schemas.openxmlformats.org/presentationml/2006/main">
+  <p:cSld>
+    <p:spTree>
+      <p:nvGrpSpPr>
+        <p:cNvPr id="1" name=""/>
+        <p:cNvGrpSpPr/>
+        <p:nvPr/>
+      </p:nvGrpSpPr>
+      <p:grpSpPr>
+        <a:xfrm>
+          <a:off x="0" y="0"/>
+          <a:ext cx="0" cy="0"/>
+          <a:chOff x="0" y="0"/>
+          <a:chExt cx="0" cy="0"/>
+        </a:xfrm>
+      </p:grpSpPr>
+      <p:sp>
+        <p:nvSpPr>
+          <p:cNvPr id="2" name="Title 1">
+            <a:extLst>
+              <a:ext uri="{FF2B5EF4-FFF2-40B4-BE49-F238E27FC236}">
+                <a16:creationId xmlns:a16="http://schemas.microsoft.com/office/drawing/2014/main" id="{9830E956-2FFC-48BF-8208-EB43E244E3AD}"/>
+              </a:ext>
+            </a:extLst>
+          </p:cNvPr>
+          <p:cNvSpPr>
+            <a:spLocks noGrp="1"/>
+          </p:cNvSpPr>
+          <p:nvPr>
+            <p:ph type="title"/>
+          </p:nvPr>
+        </p:nvSpPr>
+        <p:spPr/>
+        <p:txBody>
+          <a:bodyPr/>
+          <a:lstStyle/>
+          <a:p>
+            <a:r>
+              <a:rPr lang="en-US" dirty="0"/>
+              <a:t>References</a:t>
+            </a:r>
+          </a:p>
+        </p:txBody>
+      </p:sp>
+      <p:sp>
+        <p:nvSpPr>
+          <p:cNvPr id="3" name="Content Placeholder 2">
+            <a:extLst>
+              <a:ext uri="{FF2B5EF4-FFF2-40B4-BE49-F238E27FC236}">
+                <a16:creationId xmlns:a16="http://schemas.microsoft.com/office/drawing/2014/main" id="{4E9FF4E2-85E8-43A6-B7A9-9BF4922BE0A6}"/>
+              </a:ext>
+            </a:extLst>
+          </p:cNvPr>
+          <p:cNvSpPr>
+            <a:spLocks noGrp="1"/>
+          </p:cNvSpPr>
+          <p:nvPr>
+            <p:ph idx="1"/>
+          </p:nvPr>
+        </p:nvSpPr>
+        <p:spPr/>
+        <p:txBody>
+          <a:bodyPr>
+            <a:normAutofit lnSpcReduction="10000"/>
+          </a:bodyPr>
+          <a:lstStyle/>
+          <a:p>
+            <a:pPr algn="l"/>
+            <a:r>
+              <a:rPr lang="en-US" sz="1400" b="0" i="0" u="none" strike="noStrike" baseline="0" dirty="0" err="1">
+                <a:latin typeface="Times New Roman" panose="02020603050405020304" pitchFamily="18" charset="0"/>
+                <a:cs typeface="Times New Roman" panose="02020603050405020304" pitchFamily="18" charset="0"/>
+              </a:rPr>
+              <a:t>Simonyan</a:t>
+            </a:r>
+            <a:r>
+              <a:rPr lang="en-US" sz="1400" b="0" i="0" u="none" strike="noStrike" baseline="0" dirty="0">
+                <a:latin typeface="Times New Roman" panose="02020603050405020304" pitchFamily="18" charset="0"/>
+                <a:cs typeface="Times New Roman" panose="02020603050405020304" pitchFamily="18" charset="0"/>
+              </a:rPr>
+              <a:t>, K. and Zisserman, A. (2015). Very deep convolutional networks for large-scale image recognition.</a:t>
+            </a:r>
+          </a:p>
+          <a:p>
+            <a:pPr algn="l"/>
+            <a:r>
+              <a:rPr lang="en-US" sz="1400" b="0" i="0" u="none" strike="noStrike" baseline="0" dirty="0">
+                <a:latin typeface="Times New Roman" panose="02020603050405020304" pitchFamily="18" charset="0"/>
+                <a:cs typeface="Times New Roman" panose="02020603050405020304" pitchFamily="18" charset="0"/>
+              </a:rPr>
+              <a:t>Tola, E., </a:t>
+            </a:r>
+            <a:r>
+              <a:rPr lang="en-US" sz="1400" b="0" i="0" u="none" strike="noStrike" baseline="0" dirty="0" err="1">
+                <a:latin typeface="Times New Roman" panose="02020603050405020304" pitchFamily="18" charset="0"/>
+                <a:cs typeface="Times New Roman" panose="02020603050405020304" pitchFamily="18" charset="0"/>
+              </a:rPr>
+              <a:t>Lepetit</a:t>
+            </a:r>
+            <a:r>
+              <a:rPr lang="en-US" sz="1400" b="0" i="0" u="none" strike="noStrike" baseline="0" dirty="0">
+                <a:latin typeface="Times New Roman" panose="02020603050405020304" pitchFamily="18" charset="0"/>
+                <a:cs typeface="Times New Roman" panose="02020603050405020304" pitchFamily="18" charset="0"/>
+              </a:rPr>
+              <a:t>, V. and </a:t>
+            </a:r>
+            <a:r>
+              <a:rPr lang="en-US" sz="1400" b="0" i="0" u="none" strike="noStrike" baseline="0" dirty="0" err="1">
+                <a:latin typeface="Times New Roman" panose="02020603050405020304" pitchFamily="18" charset="0"/>
+                <a:cs typeface="Times New Roman" panose="02020603050405020304" pitchFamily="18" charset="0"/>
+              </a:rPr>
+              <a:t>Fua</a:t>
+            </a:r>
+            <a:r>
+              <a:rPr lang="en-US" sz="1400" b="0" i="0" u="none" strike="noStrike" baseline="0" dirty="0">
+                <a:latin typeface="Times New Roman" panose="02020603050405020304" pitchFamily="18" charset="0"/>
+                <a:cs typeface="Times New Roman" panose="02020603050405020304" pitchFamily="18" charset="0"/>
+              </a:rPr>
+              <a:t>, P. (2008). A fast local descriptor for dense matching, </a:t>
+            </a:r>
+            <a:r>
+              <a:rPr lang="en-US" sz="1400" b="0" i="1" u="none" strike="noStrike" baseline="0" dirty="0">
+                <a:latin typeface="Times New Roman" panose="02020603050405020304" pitchFamily="18" charset="0"/>
+                <a:cs typeface="Times New Roman" panose="02020603050405020304" pitchFamily="18" charset="0"/>
+              </a:rPr>
+              <a:t>Proc. CVPR .</a:t>
+            </a:r>
+          </a:p>
+          <a:p>
+            <a:pPr algn="l"/>
+            <a:r>
+              <a:rPr lang="en-US" sz="1400" b="0" i="0" u="none" strike="noStrike" baseline="0" dirty="0">
+                <a:latin typeface="Times New Roman" panose="02020603050405020304" pitchFamily="18" charset="0"/>
+                <a:cs typeface="Times New Roman" panose="02020603050405020304" pitchFamily="18" charset="0"/>
+              </a:rPr>
+              <a:t>Tom and </a:t>
+            </a:r>
+            <a:r>
+              <a:rPr lang="en-US" sz="1400" b="0" i="0" u="none" strike="noStrike" baseline="0" dirty="0" err="1">
+                <a:latin typeface="Times New Roman" panose="02020603050405020304" pitchFamily="18" charset="0"/>
+                <a:cs typeface="Times New Roman" panose="02020603050405020304" pitchFamily="18" charset="0"/>
+              </a:rPr>
+              <a:t>Katsaggelos</a:t>
+            </a:r>
+            <a:r>
+              <a:rPr lang="en-US" sz="1400" b="0" i="0" u="none" strike="noStrike" baseline="0" dirty="0">
+                <a:latin typeface="Times New Roman" panose="02020603050405020304" pitchFamily="18" charset="0"/>
+                <a:cs typeface="Times New Roman" panose="02020603050405020304" pitchFamily="18" charset="0"/>
+              </a:rPr>
+              <a:t> (1996). Reconstruction of a high-resolution image by simultaneous </a:t>
+            </a:r>
+            <a:r>
+              <a:rPr lang="en-US" sz="1400" dirty="0">
+                <a:latin typeface="Times New Roman" panose="02020603050405020304" pitchFamily="18" charset="0"/>
+                <a:cs typeface="Times New Roman" panose="02020603050405020304" pitchFamily="18" charset="0"/>
+              </a:rPr>
+              <a:t>r</a:t>
+            </a:r>
+            <a:r>
+              <a:rPr lang="en-US" sz="1400" b="0" i="0" u="none" strike="noStrike" baseline="0" dirty="0">
+                <a:latin typeface="Times New Roman" panose="02020603050405020304" pitchFamily="18" charset="0"/>
+                <a:cs typeface="Times New Roman" panose="02020603050405020304" pitchFamily="18" charset="0"/>
+              </a:rPr>
+              <a:t>egistration, restoration, and interpolation of 	low-resolution images, </a:t>
+            </a:r>
+            <a:r>
+              <a:rPr lang="en-US" sz="1400" b="0" i="1" u="none" strike="noStrike" baseline="0" dirty="0">
+                <a:latin typeface="Times New Roman" panose="02020603050405020304" pitchFamily="18" charset="0"/>
+                <a:cs typeface="Times New Roman" panose="02020603050405020304" pitchFamily="18" charset="0"/>
+              </a:rPr>
+              <a:t>in</a:t>
+            </a:r>
+            <a:r>
+              <a:rPr lang="en-US" sz="1400" b="0" i="0" u="none" strike="noStrike" baseline="0" dirty="0">
+                <a:latin typeface="Times New Roman" panose="02020603050405020304" pitchFamily="18" charset="0"/>
+                <a:cs typeface="Times New Roman" panose="02020603050405020304" pitchFamily="18" charset="0"/>
+              </a:rPr>
+              <a:t> Anon (ed.), </a:t>
+            </a:r>
+            <a:r>
+              <a:rPr lang="en-US" sz="1400" b="0" i="1" u="none" strike="noStrike" baseline="0" dirty="0">
+                <a:latin typeface="Times New Roman" panose="02020603050405020304" pitchFamily="18" charset="0"/>
+                <a:cs typeface="Times New Roman" panose="02020603050405020304" pitchFamily="18" charset="0"/>
+              </a:rPr>
+              <a:t>IEEE International Conference on Image Processing, </a:t>
+            </a:r>
+            <a:r>
+              <a:rPr lang="en-US" sz="1400" b="0" i="0" u="none" strike="noStrike" baseline="0" dirty="0">
+                <a:latin typeface="Times New Roman" panose="02020603050405020304" pitchFamily="18" charset="0"/>
+                <a:cs typeface="Times New Roman" panose="02020603050405020304" pitchFamily="18" charset="0"/>
+              </a:rPr>
+              <a:t>Vol. 2, IEEE, pp. 539–542. 	Proceedings of the 1995 IEEE International Conference on Image Processing. Part 3 (of 3) ; Conference date: 23-10-1995 	Through 26-10-1995.</a:t>
+            </a:r>
+          </a:p>
+          <a:p>
+            <a:pPr algn="l"/>
+            <a:r>
+              <a:rPr lang="en-US" sz="1400" b="0" i="0" u="none" strike="noStrike" baseline="0" dirty="0">
+                <a:latin typeface="Times New Roman" panose="02020603050405020304" pitchFamily="18" charset="0"/>
+                <a:cs typeface="Times New Roman" panose="02020603050405020304" pitchFamily="18" charset="0"/>
+              </a:rPr>
+              <a:t>TSAI, R. (1984). </a:t>
+            </a:r>
+            <a:r>
+              <a:rPr lang="en-US" sz="1400" b="0" i="0" u="none" strike="noStrike" baseline="0" dirty="0" err="1">
+                <a:latin typeface="Times New Roman" panose="02020603050405020304" pitchFamily="18" charset="0"/>
+                <a:cs typeface="Times New Roman" panose="02020603050405020304" pitchFamily="18" charset="0"/>
+              </a:rPr>
+              <a:t>Multiframe</a:t>
+            </a:r>
+            <a:r>
+              <a:rPr lang="en-US" sz="1400" b="0" i="0" u="none" strike="noStrike" baseline="0" dirty="0">
+                <a:latin typeface="Times New Roman" panose="02020603050405020304" pitchFamily="18" charset="0"/>
+                <a:cs typeface="Times New Roman" panose="02020603050405020304" pitchFamily="18" charset="0"/>
+              </a:rPr>
+              <a:t> image restoration and registration</a:t>
+            </a:r>
+            <a:r>
+              <a:rPr lang="en-US" sz="1400" b="0" i="1" u="none" strike="noStrike" baseline="0" dirty="0">
+                <a:latin typeface="Times New Roman" panose="02020603050405020304" pitchFamily="18" charset="0"/>
+                <a:cs typeface="Times New Roman" panose="02020603050405020304" pitchFamily="18" charset="0"/>
+              </a:rPr>
+              <a:t>, Advance Computer Visual and Image Processing </a:t>
+            </a:r>
+            <a:r>
+              <a:rPr lang="en-US" sz="1400" b="0" i="0" u="none" strike="noStrike" baseline="0" dirty="0">
+                <a:latin typeface="Times New Roman" panose="02020603050405020304" pitchFamily="18" charset="0"/>
+                <a:cs typeface="Times New Roman" panose="02020603050405020304" pitchFamily="18" charset="0"/>
+              </a:rPr>
+              <a:t>1: 317–339.</a:t>
+            </a:r>
+          </a:p>
+          <a:p>
+            <a:pPr algn="l"/>
+            <a:r>
+              <a:rPr lang="en-US" sz="1400" b="0" i="0" u="none" strike="noStrike" baseline="0" dirty="0">
+                <a:latin typeface="Times New Roman" panose="02020603050405020304" pitchFamily="18" charset="0"/>
+                <a:cs typeface="Times New Roman" panose="02020603050405020304" pitchFamily="18" charset="0"/>
+              </a:rPr>
+              <a:t>Welsh, T., </a:t>
+            </a:r>
+            <a:r>
+              <a:rPr lang="en-US" sz="1400" b="0" i="0" u="none" strike="noStrike" baseline="0" dirty="0" err="1">
+                <a:latin typeface="Times New Roman" panose="02020603050405020304" pitchFamily="18" charset="0"/>
+                <a:cs typeface="Times New Roman" panose="02020603050405020304" pitchFamily="18" charset="0"/>
+              </a:rPr>
+              <a:t>Ashikhmin</a:t>
+            </a:r>
+            <a:r>
+              <a:rPr lang="en-US" sz="1400" b="0" i="0" u="none" strike="noStrike" baseline="0" dirty="0">
+                <a:latin typeface="Times New Roman" panose="02020603050405020304" pitchFamily="18" charset="0"/>
+                <a:cs typeface="Times New Roman" panose="02020603050405020304" pitchFamily="18" charset="0"/>
+              </a:rPr>
+              <a:t>, M. and Mueller, K. (2002). Transferring color to greyscale </a:t>
+            </a:r>
+            <a:r>
+              <a:rPr lang="fr-FR" sz="1400" b="0" i="0" u="none" strike="noStrike" baseline="0" dirty="0">
+                <a:latin typeface="Times New Roman" panose="02020603050405020304" pitchFamily="18" charset="0"/>
+                <a:cs typeface="Times New Roman" panose="02020603050405020304" pitchFamily="18" charset="0"/>
+              </a:rPr>
+              <a:t>images, </a:t>
+            </a:r>
+            <a:r>
+              <a:rPr lang="fr-FR" sz="1400" b="0" i="1" u="none" strike="noStrike" baseline="0" dirty="0">
+                <a:latin typeface="Times New Roman" panose="02020603050405020304" pitchFamily="18" charset="0"/>
+                <a:cs typeface="Times New Roman" panose="02020603050405020304" pitchFamily="18" charset="0"/>
+              </a:rPr>
+              <a:t>ACM Trans. Graph</a:t>
+            </a:r>
+            <a:r>
+              <a:rPr lang="fr-FR" sz="1400" b="0" i="0" u="none" strike="noStrike" baseline="0" dirty="0">
+                <a:latin typeface="Times New Roman" panose="02020603050405020304" pitchFamily="18" charset="0"/>
+                <a:cs typeface="Times New Roman" panose="02020603050405020304" pitchFamily="18" charset="0"/>
+              </a:rPr>
+              <a:t>. 21: 277–280.</a:t>
+            </a:r>
+          </a:p>
+          <a:p>
+            <a:pPr algn="l"/>
+            <a:r>
+              <a:rPr lang="en-US" sz="1400" b="0" i="0" u="none" strike="noStrike" baseline="0" dirty="0" err="1">
+                <a:latin typeface="Times New Roman" panose="02020603050405020304" pitchFamily="18" charset="0"/>
+                <a:cs typeface="Times New Roman" panose="02020603050405020304" pitchFamily="18" charset="0"/>
+              </a:rPr>
+              <a:t>Yatziv</a:t>
+            </a:r>
+            <a:r>
+              <a:rPr lang="en-US" sz="1400" b="0" i="0" u="none" strike="noStrike" baseline="0" dirty="0">
+                <a:latin typeface="Times New Roman" panose="02020603050405020304" pitchFamily="18" charset="0"/>
+                <a:cs typeface="Times New Roman" panose="02020603050405020304" pitchFamily="18" charset="0"/>
+              </a:rPr>
+              <a:t>, L. and </a:t>
+            </a:r>
+            <a:r>
+              <a:rPr lang="en-US" sz="1400" b="0" i="0" u="none" strike="noStrike" baseline="0" dirty="0" err="1">
+                <a:latin typeface="Times New Roman" panose="02020603050405020304" pitchFamily="18" charset="0"/>
+                <a:cs typeface="Times New Roman" panose="02020603050405020304" pitchFamily="18" charset="0"/>
+              </a:rPr>
+              <a:t>Sapiro</a:t>
+            </a:r>
+            <a:r>
+              <a:rPr lang="en-US" sz="1400" b="0" i="0" u="none" strike="noStrike" baseline="0" dirty="0">
+                <a:latin typeface="Times New Roman" panose="02020603050405020304" pitchFamily="18" charset="0"/>
+                <a:cs typeface="Times New Roman" panose="02020603050405020304" pitchFamily="18" charset="0"/>
+              </a:rPr>
+              <a:t>, G. (2006). Fast image and video colorization using chrominance blending,</a:t>
+            </a:r>
+          </a:p>
+          <a:p>
+            <a:pPr marL="457200" lvl="1" indent="0">
+              <a:buNone/>
+            </a:pPr>
+            <a:r>
+              <a:rPr lang="en-US" sz="1400" b="0" i="0" u="none" strike="noStrike" baseline="0" dirty="0">
+                <a:latin typeface="Times New Roman" panose="02020603050405020304" pitchFamily="18" charset="0"/>
+                <a:cs typeface="Times New Roman" panose="02020603050405020304" pitchFamily="18" charset="0"/>
+              </a:rPr>
+              <a:t>	</a:t>
+            </a:r>
+            <a:r>
+              <a:rPr lang="en-US" sz="1400" b="0" i="1" u="none" strike="noStrike" baseline="0" dirty="0">
+                <a:latin typeface="Times New Roman" panose="02020603050405020304" pitchFamily="18" charset="0"/>
+                <a:cs typeface="Times New Roman" panose="02020603050405020304" pitchFamily="18" charset="0"/>
+              </a:rPr>
+              <a:t>IEEE Transactions on Image Processing</a:t>
+            </a:r>
+            <a:r>
+              <a:rPr lang="en-US" sz="1400" b="0" i="0" u="none" strike="noStrike" baseline="0" dirty="0">
+                <a:latin typeface="Times New Roman" panose="02020603050405020304" pitchFamily="18" charset="0"/>
+                <a:cs typeface="Times New Roman" panose="02020603050405020304" pitchFamily="18" charset="0"/>
+              </a:rPr>
+              <a:t> 15(5): 1120–1129.</a:t>
+            </a:r>
+          </a:p>
+          <a:p>
+            <a:pPr algn="l"/>
+            <a:r>
+              <a:rPr lang="en-US" sz="1400" b="0" i="0" u="none" strike="noStrike" baseline="0" dirty="0">
+                <a:latin typeface="Times New Roman" panose="02020603050405020304" pitchFamily="18" charset="0"/>
+                <a:cs typeface="Times New Roman" panose="02020603050405020304" pitchFamily="18" charset="0"/>
+              </a:rPr>
+              <a:t>Zhu, J.-Y., </a:t>
+            </a:r>
+            <a:r>
+              <a:rPr lang="en-US" sz="1400" b="0" i="0" u="none" strike="noStrike" baseline="0" dirty="0" err="1">
+                <a:latin typeface="Times New Roman" panose="02020603050405020304" pitchFamily="18" charset="0"/>
+                <a:cs typeface="Times New Roman" panose="02020603050405020304" pitchFamily="18" charset="0"/>
+              </a:rPr>
+              <a:t>Kr</a:t>
+            </a:r>
+            <a:r>
+              <a:rPr lang="en-US" sz="1400" dirty="0" err="1">
+                <a:latin typeface="Times New Roman" panose="02020603050405020304" pitchFamily="18" charset="0"/>
+                <a:cs typeface="Times New Roman" panose="02020603050405020304" pitchFamily="18" charset="0"/>
+              </a:rPr>
+              <a:t>a</a:t>
+            </a:r>
+            <a:r>
+              <a:rPr lang="en-US" sz="1400" b="0" i="0" u="none" strike="noStrike" baseline="0" dirty="0" err="1">
+                <a:latin typeface="Times New Roman" panose="02020603050405020304" pitchFamily="18" charset="0"/>
+                <a:cs typeface="Times New Roman" panose="02020603050405020304" pitchFamily="18" charset="0"/>
+              </a:rPr>
+              <a:t>henbuhl</a:t>
+            </a:r>
+            <a:r>
+              <a:rPr lang="en-US" sz="1400" b="0" i="0" u="none" strike="noStrike" baseline="0" dirty="0">
+                <a:latin typeface="Times New Roman" panose="02020603050405020304" pitchFamily="18" charset="0"/>
+                <a:cs typeface="Times New Roman" panose="02020603050405020304" pitchFamily="18" charset="0"/>
+              </a:rPr>
+              <a:t>, P., </a:t>
+            </a:r>
+            <a:r>
+              <a:rPr lang="en-US" sz="1400" b="0" i="0" u="none" strike="noStrike" baseline="0" dirty="0" err="1">
+                <a:latin typeface="Times New Roman" panose="02020603050405020304" pitchFamily="18" charset="0"/>
+                <a:cs typeface="Times New Roman" panose="02020603050405020304" pitchFamily="18" charset="0"/>
+              </a:rPr>
+              <a:t>Shechtman</a:t>
+            </a:r>
+            <a:r>
+              <a:rPr lang="en-US" sz="1400" b="0" i="0" u="none" strike="noStrike" baseline="0" dirty="0">
+                <a:latin typeface="Times New Roman" panose="02020603050405020304" pitchFamily="18" charset="0"/>
+                <a:cs typeface="Times New Roman" panose="02020603050405020304" pitchFamily="18" charset="0"/>
+              </a:rPr>
+              <a:t>, E. and </a:t>
+            </a:r>
+            <a:r>
+              <a:rPr lang="en-US" sz="1400" b="0" i="0" u="none" strike="noStrike" baseline="0" dirty="0" err="1">
+                <a:latin typeface="Times New Roman" panose="02020603050405020304" pitchFamily="18" charset="0"/>
+                <a:cs typeface="Times New Roman" panose="02020603050405020304" pitchFamily="18" charset="0"/>
+              </a:rPr>
+              <a:t>Efros</a:t>
+            </a:r>
+            <a:r>
+              <a:rPr lang="en-US" sz="1400" b="0" i="0" u="none" strike="noStrike" baseline="0" dirty="0">
+                <a:latin typeface="Times New Roman" panose="02020603050405020304" pitchFamily="18" charset="0"/>
+                <a:cs typeface="Times New Roman" panose="02020603050405020304" pitchFamily="18" charset="0"/>
+              </a:rPr>
+              <a:t>, A. A. (2018). Generative visual manipulation on the natural image manifold.</a:t>
+            </a:r>
+          </a:p>
+          <a:p>
+            <a:pPr algn="l"/>
+            <a:r>
+              <a:rPr lang="en-US" sz="1400" b="0" i="0" u="none" strike="noStrike" baseline="0" dirty="0" err="1">
+                <a:latin typeface="Times New Roman" panose="02020603050405020304" pitchFamily="18" charset="0"/>
+                <a:cs typeface="Times New Roman" panose="02020603050405020304" pitchFamily="18" charset="0"/>
+              </a:rPr>
+              <a:t>Arjovsky</a:t>
+            </a:r>
+            <a:r>
+              <a:rPr lang="en-US" sz="1400" b="0" i="0" u="none" strike="noStrike" baseline="0" dirty="0">
+                <a:latin typeface="Times New Roman" panose="02020603050405020304" pitchFamily="18" charset="0"/>
+                <a:cs typeface="Times New Roman" panose="02020603050405020304" pitchFamily="18" charset="0"/>
+              </a:rPr>
+              <a:t>, M., </a:t>
+            </a:r>
+            <a:r>
+              <a:rPr lang="en-US" sz="1400" b="0" i="0" u="none" strike="noStrike" baseline="0" dirty="0" err="1">
+                <a:latin typeface="Times New Roman" panose="02020603050405020304" pitchFamily="18" charset="0"/>
+                <a:cs typeface="Times New Roman" panose="02020603050405020304" pitchFamily="18" charset="0"/>
+              </a:rPr>
+              <a:t>Chintala</a:t>
+            </a:r>
+            <a:r>
+              <a:rPr lang="en-US" sz="1400" b="0" i="0" u="none" strike="noStrike" baseline="0" dirty="0">
+                <a:latin typeface="Times New Roman" panose="02020603050405020304" pitchFamily="18" charset="0"/>
+                <a:cs typeface="Times New Roman" panose="02020603050405020304" pitchFamily="18" charset="0"/>
+              </a:rPr>
+              <a:t>, S. and </a:t>
+            </a:r>
+            <a:r>
+              <a:rPr lang="en-US" sz="1400" b="0" i="0" u="none" strike="noStrike" baseline="0" dirty="0" err="1">
+                <a:latin typeface="Times New Roman" panose="02020603050405020304" pitchFamily="18" charset="0"/>
+                <a:cs typeface="Times New Roman" panose="02020603050405020304" pitchFamily="18" charset="0"/>
+              </a:rPr>
+              <a:t>Bottou</a:t>
+            </a:r>
+            <a:r>
+              <a:rPr lang="en-US" sz="1400" b="0" i="0" u="none" strike="noStrike" baseline="0" dirty="0">
+                <a:latin typeface="Times New Roman" panose="02020603050405020304" pitchFamily="18" charset="0"/>
+                <a:cs typeface="Times New Roman" panose="02020603050405020304" pitchFamily="18" charset="0"/>
+              </a:rPr>
+              <a:t>, L. (2017). Wasserstein </a:t>
+            </a:r>
+            <a:r>
+              <a:rPr lang="en-US" sz="1400" b="0" i="0" u="none" strike="noStrike" baseline="0" dirty="0" err="1">
+                <a:latin typeface="Times New Roman" panose="02020603050405020304" pitchFamily="18" charset="0"/>
+                <a:cs typeface="Times New Roman" panose="02020603050405020304" pitchFamily="18" charset="0"/>
+              </a:rPr>
+              <a:t>gan</a:t>
+            </a:r>
+            <a:r>
+              <a:rPr lang="en-US" sz="1400" b="0" i="0" u="none" strike="noStrike" baseline="0" dirty="0">
+                <a:latin typeface="Times New Roman" panose="02020603050405020304" pitchFamily="18" charset="0"/>
+                <a:cs typeface="Times New Roman" panose="02020603050405020304" pitchFamily="18" charset="0"/>
+              </a:rPr>
+              <a:t>.</a:t>
+            </a:r>
+          </a:p>
+          <a:p>
+            <a:pPr algn="l"/>
+            <a:r>
+              <a:rPr lang="en-US" sz="1400" b="0" i="0" u="none" strike="noStrike" baseline="0" dirty="0">
+                <a:latin typeface="Times New Roman" panose="02020603050405020304" pitchFamily="18" charset="0"/>
+                <a:cs typeface="Times New Roman" panose="02020603050405020304" pitchFamily="18" charset="0"/>
+              </a:rPr>
+              <a:t>Yu, J., Fan, Y., Yang, J., Xu, N., Wang, Z., Wang, X. and Huang, T. (2018). Wide activation for efficient and accurate image super-resolution</a:t>
+            </a:r>
+            <a:endParaRPr lang="en-US" sz="1400" i="1" dirty="0">
+              <a:latin typeface="Times New Roman" panose="02020603050405020304" pitchFamily="18" charset="0"/>
+              <a:cs typeface="Times New Roman" panose="02020603050405020304" pitchFamily="18" charset="0"/>
+            </a:endParaRPr>
+          </a:p>
+        </p:txBody>
+      </p:sp>
+      <p:sp>
+        <p:nvSpPr>
+          <p:cNvPr id="4" name="Footer Placeholder 3">
+            <a:extLst>
+              <a:ext uri="{FF2B5EF4-FFF2-40B4-BE49-F238E27FC236}">
+                <a16:creationId xmlns:a16="http://schemas.microsoft.com/office/drawing/2014/main" id="{9B31565C-5D67-40D7-B395-3C7619E5198E}"/>
+              </a:ext>
+            </a:extLst>
+          </p:cNvPr>
+          <p:cNvSpPr>
+            <a:spLocks noGrp="1"/>
+          </p:cNvSpPr>
+          <p:nvPr>
+            <p:ph type="ftr" sz="quarter" idx="11"/>
+          </p:nvPr>
+        </p:nvSpPr>
+        <p:spPr/>
+        <p:txBody>
+          <a:bodyPr/>
+          <a:lstStyle/>
+          <a:p>
+            <a:r>
+              <a:rPr lang="en-US"/>
+              <a:t>Astronomical image colourisation and super-resolution using GANS</a:t>
+            </a:r>
+            <a:endParaRPr lang="en-IN"/>
+          </a:p>
+        </p:txBody>
+      </p:sp>
+    </p:spTree>
+    <p:extLst>
+      <p:ext uri="{BB962C8B-B14F-4D97-AF65-F5344CB8AC3E}">
+        <p14:creationId xmlns:p14="http://schemas.microsoft.com/office/powerpoint/2010/main" val="3769375402"/>
+      </p:ext>
+    </p:extLst>
+  </p:cSld>
+  <p:clrMapOvr>
+    <a:masterClrMapping/>
+  </p:clrMapOvr>
+  <mc:AlternateContent xmlns:mc="http://schemas.openxmlformats.org/markup-compatibility/2006" xmlns:p14="http://schemas.microsoft.com/office/powerpoint/2010/main">
+    <mc:Choice Requires="p14">
+      <p:transition spd="med" p14:dur="700">
+        <p:fade/>
+      </p:transition>
+    </mc:Choice>
+    <mc:Fallback xmlns="">
+      <p:transition spd="med">
+        <p:fade/>
+      </p:transition>
+    </mc:Fallback>
+  </mc:AlternateContent>
+</p:sld>
+</file>
+
+<file path=ppt/slides/slide27.xml><?xml version="1.0" encoding="utf-8"?>
+<p:sld xmlns:a="http://schemas.openxmlformats.org/drawingml/2006/main" xmlns:r="http://schemas.openxmlformats.org/officeDocument/2006/relationships" xmlns:p="http://schemas.openxmlformats.org/presentationml/2006/main">
+  <p:cSld>
+    <p:spTree>
+      <p:nvGrpSpPr>
+        <p:cNvPr id="1" name=""/>
+        <p:cNvGrpSpPr/>
+        <p:nvPr/>
+      </p:nvGrpSpPr>
+      <p:grpSpPr>
+        <a:xfrm>
+          <a:off x="0" y="0"/>
+          <a:ext cx="0" cy="0"/>
+          <a:chOff x="0" y="0"/>
+          <a:chExt cx="0" cy="0"/>
+        </a:xfrm>
+      </p:grpSpPr>
+      <p:sp>
+        <p:nvSpPr>
+          <p:cNvPr id="2" name="Title 1"/>
+          <p:cNvSpPr>
+            <a:spLocks noGrp="1"/>
+          </p:cNvSpPr>
+          <p:nvPr>
+            <p:ph type="ctrTitle"/>
+          </p:nvPr>
+        </p:nvSpPr>
+        <p:spPr/>
+        <p:txBody>
+          <a:bodyPr/>
+          <a:lstStyle/>
+          <a:p>
+            <a:r>
+              <a:rPr lang="en-IN" dirty="0"/>
+              <a:t>Thank You !!</a:t>
+            </a:r>
+          </a:p>
+        </p:txBody>
+      </p:sp>
+      <p:pic>
+        <p:nvPicPr>
+          <p:cNvPr id="4" name="Picture 1"/>
+          <p:cNvPicPr>
+            <a:picLocks noChangeAspect="1" noChangeArrowheads="1"/>
+          </p:cNvPicPr>
+          <p:nvPr/>
+        </p:nvPicPr>
+        <p:blipFill>
+          <a:blip r:embed="rId2" cstate="print">
+            <a:extLst>
+              <a:ext uri="{28A0092B-C50C-407E-A947-70E740481C1C}">
+                <a14:useLocalDpi xmlns:a14="http://schemas.microsoft.com/office/drawing/2010/main" val="0"/>
+              </a:ext>
+            </a:extLst>
+          </a:blip>
+          <a:stretch>
+            <a:fillRect/>
+          </a:stretch>
+        </p:blipFill>
+        <p:spPr bwMode="auto">
+          <a:xfrm>
+            <a:off x="9691631" y="1352533"/>
+            <a:ext cx="2228612" cy="1860930"/>
+          </a:xfrm>
+          <a:prstGeom prst="rect">
+            <a:avLst/>
+          </a:prstGeom>
+          <a:noFill/>
+          <a:ln w="9525">
+            <a:noFill/>
+            <a:miter lim="800000"/>
+            <a:headEnd/>
+            <a:tailEnd/>
+          </a:ln>
+        </p:spPr>
+      </p:pic>
+    </p:spTree>
+  </p:cSld>
+  <p:clrMapOvr>
+    <a:masterClrMapping/>
+  </p:clrMapOvr>
+  <mc:AlternateContent xmlns:mc="http://schemas.openxmlformats.org/markup-compatibility/2006" xmlns:p14="http://schemas.microsoft.com/office/powerpoint/2010/main">
+    <mc:Choice Requires="p14">
+      <p:transition spd="med" p14:dur="700">
+        <p:fade/>
+      </p:transition>
+    </mc:Choice>
+    <mc:Fallback xmlns="">
+      <p:transition spd="med">
+        <p:fade/>
+      </p:transition>
+    </mc:Fallback>
+  </mc:AlternateContent>
+</p:sld>
+</file>
+
 <file path=ppt/slides/slide3.xml><?xml version="1.0" encoding="utf-8"?>
 <p:sld xmlns:a="http://schemas.openxmlformats.org/drawingml/2006/main" xmlns:r="http://schemas.openxmlformats.org/officeDocument/2006/relationships" xmlns:p="http://schemas.openxmlformats.org/presentationml/2006/main">
   <p:cSld>
@@ -7552,6 +12504,201 @@
           <a:bodyPr/>
           <a:lstStyle/>
           <a:p>
+            <a:r>
+              <a:rPr lang="en-US" dirty="0"/>
+              <a:t>Problem Definition</a:t>
+            </a:r>
+          </a:p>
+        </p:txBody>
+      </p:sp>
+      <p:sp>
+        <p:nvSpPr>
+          <p:cNvPr id="14" name="Content Placeholder 13"/>
+          <p:cNvSpPr>
+            <a:spLocks noGrp="1"/>
+          </p:cNvSpPr>
+          <p:nvPr>
+            <p:ph idx="1"/>
+          </p:nvPr>
+        </p:nvSpPr>
+        <p:spPr/>
+        <p:txBody>
+          <a:bodyPr>
+            <a:normAutofit/>
+          </a:bodyPr>
+          <a:lstStyle/>
+          <a:p>
+            <a:r>
+              <a:rPr lang="en-US" dirty="0"/>
+              <a:t>The problem can be divided into two sub-problems:</a:t>
+            </a:r>
+          </a:p>
+          <a:p>
+            <a:pPr lvl="1"/>
+            <a:r>
+              <a:rPr lang="en-US" dirty="0"/>
+              <a:t>Create an efﬁcient model to colorize grayscale images</a:t>
+            </a:r>
+          </a:p>
+          <a:p>
+            <a:pPr lvl="1"/>
+            <a:r>
+              <a:rPr lang="en-US" dirty="0"/>
+              <a:t>Take a colorized image and upscale it n times the original size</a:t>
+            </a:r>
+          </a:p>
+          <a:p>
+            <a:endParaRPr lang="en-US" dirty="0"/>
+          </a:p>
+          <a:p>
+            <a:pPr marL="0" indent="0">
+              <a:buNone/>
+            </a:pPr>
+            <a:r>
+              <a:rPr lang="en-US" sz="1400" dirty="0"/>
+              <a:t>Keywords: GAN, Neural Network, NodeJS, puppeteer, Convolutional Neural Network, Upscaling, Colorization.</a:t>
+            </a:r>
+          </a:p>
+          <a:p>
+            <a:endParaRPr lang="en-US" dirty="0"/>
+          </a:p>
+          <a:p>
+            <a:endParaRPr lang="en-IN" dirty="0"/>
+          </a:p>
+          <a:p>
+            <a:pPr marL="228600" indent="-228600">
+              <a:lnSpc>
+                <a:spcPct val="90000"/>
+              </a:lnSpc>
+              <a:spcBef>
+                <a:spcPts val="1800"/>
+              </a:spcBef>
+              <a:buFont typeface="Wingdings" panose="05000000000000000000" pitchFamily="2" charset="2"/>
+              <a:buChar char="§"/>
+            </a:pPr>
+            <a:endParaRPr lang="en-US" sz="2000" dirty="0"/>
+          </a:p>
+        </p:txBody>
+      </p:sp>
+      <p:sp>
+        <p:nvSpPr>
+          <p:cNvPr id="5" name="Footer Placeholder 4"/>
+          <p:cNvSpPr>
+            <a:spLocks noGrp="1"/>
+          </p:cNvSpPr>
+          <p:nvPr>
+            <p:ph type="ftr" sz="quarter" idx="11"/>
+          </p:nvPr>
+        </p:nvSpPr>
+        <p:spPr/>
+        <p:txBody>
+          <a:bodyPr/>
+          <a:lstStyle/>
+          <a:p>
+            <a:r>
+              <a:rPr lang="en-IN" sz="1200" dirty="0">
+                <a:cs typeface="Times New Roman" panose="02020603050405020304" pitchFamily="18" charset="0"/>
+              </a:rPr>
+              <a:t>Astronomical image colourisation and super-resolution using GANS</a:t>
+            </a:r>
+            <a:endParaRPr lang="en-IN" dirty="0"/>
+          </a:p>
+        </p:txBody>
+      </p:sp>
+      <p:pic>
+        <p:nvPicPr>
+          <p:cNvPr id="4" name="Picture 1"/>
+          <p:cNvPicPr>
+            <a:picLocks noChangeAspect="1" noChangeArrowheads="1"/>
+          </p:cNvPicPr>
+          <p:nvPr/>
+        </p:nvPicPr>
+        <p:blipFill>
+          <a:blip r:embed="rId2" cstate="print">
+            <a:extLst>
+              <a:ext uri="{28A0092B-C50C-407E-A947-70E740481C1C}">
+                <a14:useLocalDpi xmlns:a14="http://schemas.microsoft.com/office/drawing/2010/main" val="0"/>
+              </a:ext>
+            </a:extLst>
+          </a:blip>
+          <a:stretch>
+            <a:fillRect/>
+          </a:stretch>
+        </p:blipFill>
+        <p:spPr bwMode="auto">
+          <a:xfrm>
+            <a:off x="10919540" y="150750"/>
+            <a:ext cx="1233271" cy="1029803"/>
+          </a:xfrm>
+          <a:prstGeom prst="rect">
+            <a:avLst/>
+          </a:prstGeom>
+          <a:noFill/>
+          <a:ln w="9525">
+            <a:noFill/>
+            <a:miter lim="800000"/>
+            <a:headEnd/>
+            <a:tailEnd/>
+          </a:ln>
+        </p:spPr>
+      </p:pic>
+    </p:spTree>
+    <p:extLst>
+      <p:ext uri="{BB962C8B-B14F-4D97-AF65-F5344CB8AC3E}">
+        <p14:creationId xmlns:p14="http://schemas.microsoft.com/office/powerpoint/2010/main" val="2942683675"/>
+      </p:ext>
+    </p:extLst>
+  </p:cSld>
+  <p:clrMapOvr>
+    <a:masterClrMapping/>
+  </p:clrMapOvr>
+  <mc:AlternateContent xmlns:mc="http://schemas.openxmlformats.org/markup-compatibility/2006" xmlns:p14="http://schemas.microsoft.com/office/powerpoint/2010/main">
+    <mc:Choice Requires="p14">
+      <p:transition spd="med" p14:dur="700">
+        <p:fade/>
+      </p:transition>
+    </mc:Choice>
+    <mc:Fallback xmlns="">
+      <p:transition spd="med">
+        <p:fade/>
+      </p:transition>
+    </mc:Fallback>
+  </mc:AlternateContent>
+</p:sld>
+</file>
+
+<file path=ppt/slides/slide5.xml><?xml version="1.0" encoding="utf-8"?>
+<p:sld xmlns:a="http://schemas.openxmlformats.org/drawingml/2006/main" xmlns:r="http://schemas.openxmlformats.org/officeDocument/2006/relationships" xmlns:p="http://schemas.openxmlformats.org/presentationml/2006/main">
+  <p:cSld>
+    <p:spTree>
+      <p:nvGrpSpPr>
+        <p:cNvPr id="1" name=""/>
+        <p:cNvGrpSpPr/>
+        <p:nvPr/>
+      </p:nvGrpSpPr>
+      <p:grpSpPr>
+        <a:xfrm>
+          <a:off x="0" y="0"/>
+          <a:ext cx="0" cy="0"/>
+          <a:chOff x="0" y="0"/>
+          <a:chExt cx="0" cy="0"/>
+        </a:xfrm>
+      </p:grpSpPr>
+      <p:sp>
+        <p:nvSpPr>
+          <p:cNvPr id="13" name="Title 12"/>
+          <p:cNvSpPr>
+            <a:spLocks noGrp="1"/>
+          </p:cNvSpPr>
+          <p:nvPr>
+            <p:ph type="title"/>
+          </p:nvPr>
+        </p:nvSpPr>
+        <p:spPr/>
+        <p:txBody>
+          <a:bodyPr/>
+          <a:lstStyle/>
+          <a:p>
             <a:pPr>
               <a:lnSpc>
                 <a:spcPct val="115000"/>
@@ -7764,7 +12911,7 @@
 </p:sld>
 </file>
 
-<file path=ppt/slides/slide5.xml><?xml version="1.0" encoding="utf-8"?>
+<file path=ppt/slides/slide6.xml><?xml version="1.0" encoding="utf-8"?>
 <p:sld xmlns:a="http://schemas.openxmlformats.org/drawingml/2006/main" xmlns:r="http://schemas.openxmlformats.org/officeDocument/2006/relationships" xmlns:p="http://schemas.openxmlformats.org/presentationml/2006/main">
   <p:cSld>
     <p:spTree>
@@ -7848,6 +12995,56 @@
             <a:r>
               <a:rPr lang="en-US" sz="2000" dirty="0" err="1"/>
               <a:t>Tensorflow</a:t>
+            </a:r>
+            <a:endParaRPr lang="en-US" sz="2000" dirty="0"/>
+          </a:p>
+          <a:p>
+            <a:pPr marL="228600" indent="-228600">
+              <a:lnSpc>
+                <a:spcPct val="90000"/>
+              </a:lnSpc>
+              <a:spcBef>
+                <a:spcPts val="1800"/>
+              </a:spcBef>
+              <a:buFont typeface="Wingdings" panose="05000000000000000000" pitchFamily="2" charset="2"/>
+              <a:buChar char="§"/>
+            </a:pPr>
+            <a:r>
+              <a:rPr lang="en-US" dirty="0" err="1"/>
+              <a:t>Pytorch</a:t>
+            </a:r>
+            <a:endParaRPr lang="en-US" dirty="0"/>
+          </a:p>
+          <a:p>
+            <a:pPr marL="228600" indent="-228600">
+              <a:lnSpc>
+                <a:spcPct val="90000"/>
+              </a:lnSpc>
+              <a:spcBef>
+                <a:spcPts val="1800"/>
+              </a:spcBef>
+              <a:buFont typeface="Wingdings" panose="05000000000000000000" pitchFamily="2" charset="2"/>
+              <a:buChar char="§"/>
+            </a:pPr>
+            <a:r>
+              <a:rPr lang="en-US" dirty="0"/>
+              <a:t>Pandas</a:t>
+            </a:r>
+          </a:p>
+          <a:p>
+            <a:pPr marL="228600" indent="-228600">
+              <a:lnSpc>
+                <a:spcPct val="90000"/>
+              </a:lnSpc>
+              <a:spcBef>
+                <a:spcPts val="1800"/>
+              </a:spcBef>
+              <a:buFont typeface="Wingdings" panose="05000000000000000000" pitchFamily="2" charset="2"/>
+              <a:buChar char="§"/>
+            </a:pPr>
+            <a:r>
+              <a:rPr lang="en-US" dirty="0" err="1"/>
+              <a:t>Fastai</a:t>
             </a:r>
             <a:endParaRPr lang="en-US" dirty="0"/>
           </a:p>
@@ -8008,7 +13205,7 @@
 </p:sld>
 </file>
 
-<file path=ppt/slides/slide6.xml><?xml version="1.0" encoding="utf-8"?>
+<file path=ppt/slides/slide7.xml><?xml version="1.0" encoding="utf-8"?>
 <p:sld xmlns:a="http://schemas.openxmlformats.org/drawingml/2006/main" xmlns:r="http://schemas.openxmlformats.org/officeDocument/2006/relationships" xmlns:p="http://schemas.openxmlformats.org/presentationml/2006/main">
   <p:cSld>
     <p:spTree>
@@ -8341,7 +13538,7 @@
 </p:sld>
 </file>
 
-<file path=ppt/slides/slide7.xml><?xml version="1.0" encoding="utf-8"?>
+<file path=ppt/slides/slide8.xml><?xml version="1.0" encoding="utf-8"?>
 <p:sld xmlns:a="http://schemas.openxmlformats.org/drawingml/2006/main" xmlns:r="http://schemas.openxmlformats.org/officeDocument/2006/relationships" xmlns:p="http://schemas.openxmlformats.org/presentationml/2006/main">
   <p:cSld>
     <p:spTree>
@@ -8408,6 +13605,18 @@
               <a:rPr lang="en-US" dirty="0"/>
               <a:t>SR-GAN works well with for single image super-resolution as it also uses an intelligent content loss function that uses pre-trained VGG-net layers.</a:t>
             </a:r>
+          </a:p>
+          <a:p>
+            <a:r>
+              <a:rPr lang="en-US" dirty="0"/>
+              <a:t>We use a perceptual loss function which consists of an adversarial loss and a content loss. </a:t>
+            </a:r>
+          </a:p>
+          <a:p>
+            <a:endParaRPr lang="en-US" dirty="0"/>
+          </a:p>
+          <a:p>
+            <a:endParaRPr lang="en-US" dirty="0"/>
           </a:p>
           <a:p>
             <a:endParaRPr lang="en-IN" dirty="0"/>
@@ -8504,7 +13713,7 @@
         </p:blipFill>
         <p:spPr>
           <a:xfrm>
-            <a:off x="2663301" y="3097752"/>
+            <a:off x="2663300" y="3285840"/>
             <a:ext cx="2160048" cy="2160048"/>
           </a:xfrm>
           <a:prstGeom prst="rect">
@@ -8576,7 +13785,7 @@
         </p:blipFill>
         <p:spPr>
           <a:xfrm>
-            <a:off x="6573288" y="3097752"/>
+            <a:off x="6573287" y="3255822"/>
             <a:ext cx="2160048" cy="2160048"/>
           </a:xfrm>
           <a:prstGeom prst="rect">
@@ -8624,244 +13833,6 @@
     <p:extLst>
       <p:ext uri="{BB962C8B-B14F-4D97-AF65-F5344CB8AC3E}">
         <p14:creationId xmlns:p14="http://schemas.microsoft.com/office/powerpoint/2010/main" val="3374271328"/>
-      </p:ext>
-    </p:extLst>
-  </p:cSld>
-  <p:clrMapOvr>
-    <a:masterClrMapping/>
-  </p:clrMapOvr>
-  <mc:AlternateContent xmlns:mc="http://schemas.openxmlformats.org/markup-compatibility/2006" xmlns:p14="http://schemas.microsoft.com/office/powerpoint/2010/main">
-    <mc:Choice Requires="p14">
-      <p:transition spd="med" p14:dur="700">
-        <p:fade/>
-      </p:transition>
-    </mc:Choice>
-    <mc:Fallback xmlns="">
-      <p:transition spd="med">
-        <p:fade/>
-      </p:transition>
-    </mc:Fallback>
-  </mc:AlternateContent>
-</p:sld>
-</file>
-
-<file path=ppt/slides/slide8.xml><?xml version="1.0" encoding="utf-8"?>
-<p:sld xmlns:a="http://schemas.openxmlformats.org/drawingml/2006/main" xmlns:r="http://schemas.openxmlformats.org/officeDocument/2006/relationships" xmlns:p="http://schemas.openxmlformats.org/presentationml/2006/main">
-  <p:cSld>
-    <p:spTree>
-      <p:nvGrpSpPr>
-        <p:cNvPr id="1" name=""/>
-        <p:cNvGrpSpPr/>
-        <p:nvPr/>
-      </p:nvGrpSpPr>
-      <p:grpSpPr>
-        <a:xfrm>
-          <a:off x="0" y="0"/>
-          <a:ext cx="0" cy="0"/>
-          <a:chOff x="0" y="0"/>
-          <a:chExt cx="0" cy="0"/>
-        </a:xfrm>
-      </p:grpSpPr>
-      <p:sp>
-        <p:nvSpPr>
-          <p:cNvPr id="13" name="Title 12"/>
-          <p:cNvSpPr>
-            <a:spLocks noGrp="1"/>
-          </p:cNvSpPr>
-          <p:nvPr>
-            <p:ph type="title"/>
-          </p:nvPr>
-        </p:nvSpPr>
-        <p:spPr/>
-        <p:txBody>
-          <a:bodyPr/>
-          <a:lstStyle/>
-          <a:p>
-            <a:pPr>
-              <a:lnSpc>
-                <a:spcPct val="115000"/>
-              </a:lnSpc>
-              <a:spcAft>
-                <a:spcPts val="1000"/>
-              </a:spcAft>
-            </a:pPr>
-            <a:r>
-              <a:rPr lang="en-US" sz="2800" dirty="0">
-                <a:effectLst/>
-              </a:rPr>
-              <a:t>Implementation Status</a:t>
-            </a:r>
-            <a:endParaRPr lang="en-IN" sz="2800" dirty="0">
-              <a:effectLst/>
-              <a:latin typeface="Calibri" panose="020F0502020204030204" pitchFamily="34" charset="0"/>
-              <a:ea typeface="Calibri" panose="020F0502020204030204" pitchFamily="34" charset="0"/>
-            </a:endParaRPr>
-          </a:p>
-        </p:txBody>
-      </p:sp>
-      <p:sp>
-        <p:nvSpPr>
-          <p:cNvPr id="14" name="Content Placeholder 13"/>
-          <p:cNvSpPr>
-            <a:spLocks noGrp="1"/>
-          </p:cNvSpPr>
-          <p:nvPr>
-            <p:ph idx="1"/>
-          </p:nvPr>
-        </p:nvSpPr>
-        <p:spPr/>
-        <p:txBody>
-          <a:bodyPr>
-            <a:normAutofit/>
-          </a:bodyPr>
-          <a:lstStyle/>
-          <a:p>
-            <a:pPr marL="228600" indent="-228600">
-              <a:lnSpc>
-                <a:spcPct val="90000"/>
-              </a:lnSpc>
-              <a:spcBef>
-                <a:spcPts val="1800"/>
-              </a:spcBef>
-              <a:buFont typeface="Wingdings" panose="05000000000000000000" pitchFamily="2" charset="2"/>
-              <a:buChar char="§"/>
-            </a:pPr>
-            <a:r>
-              <a:rPr lang="en-US" dirty="0"/>
-              <a:t>Image Colorization is still in process, we are trying different models trying to find the most efficient methodology to colorize the images</a:t>
-            </a:r>
-          </a:p>
-          <a:p>
-            <a:pPr marL="228600" indent="-228600">
-              <a:lnSpc>
-                <a:spcPct val="90000"/>
-              </a:lnSpc>
-              <a:spcBef>
-                <a:spcPts val="1800"/>
-              </a:spcBef>
-              <a:buFont typeface="Wingdings" panose="05000000000000000000" pitchFamily="2" charset="2"/>
-              <a:buChar char="§"/>
-            </a:pPr>
-            <a:r>
-              <a:rPr lang="en-US" dirty="0"/>
-              <a:t>Different U-net architectures have been trained over the COCO dataset so as to generalize the model to a greater extent</a:t>
-            </a:r>
-          </a:p>
-          <a:p>
-            <a:pPr marL="228600" indent="-228600">
-              <a:lnSpc>
-                <a:spcPct val="90000"/>
-              </a:lnSpc>
-              <a:spcBef>
-                <a:spcPts val="1800"/>
-              </a:spcBef>
-              <a:buFont typeface="Wingdings" panose="05000000000000000000" pitchFamily="2" charset="2"/>
-              <a:buChar char="§"/>
-            </a:pPr>
-            <a:r>
-              <a:rPr lang="en-US" dirty="0"/>
-              <a:t>Image Upscaling i</a:t>
-            </a:r>
-            <a:r>
-              <a:rPr lang="en-US" sz="2000" dirty="0">
-                <a:effectLst/>
-              </a:rPr>
-              <a:t>mplementation is successful and has shown promising results. We are still trying to fine tune the model to get better results</a:t>
-            </a:r>
-          </a:p>
-          <a:p>
-            <a:pPr marL="0" indent="0">
-              <a:lnSpc>
-                <a:spcPct val="90000"/>
-              </a:lnSpc>
-              <a:spcBef>
-                <a:spcPts val="1800"/>
-              </a:spcBef>
-              <a:buNone/>
-            </a:pPr>
-            <a:endParaRPr lang="en-US" dirty="0"/>
-          </a:p>
-          <a:p>
-            <a:pPr marL="228600" indent="-228600">
-              <a:lnSpc>
-                <a:spcPct val="90000"/>
-              </a:lnSpc>
-              <a:spcBef>
-                <a:spcPts val="1800"/>
-              </a:spcBef>
-              <a:buFont typeface="Wingdings" panose="05000000000000000000" pitchFamily="2" charset="2"/>
-              <a:buChar char="§"/>
-            </a:pPr>
-            <a:endParaRPr lang="en-US" dirty="0"/>
-          </a:p>
-        </p:txBody>
-      </p:sp>
-      <p:sp>
-        <p:nvSpPr>
-          <p:cNvPr id="5" name="Footer Placeholder 4"/>
-          <p:cNvSpPr>
-            <a:spLocks noGrp="1"/>
-          </p:cNvSpPr>
-          <p:nvPr>
-            <p:ph type="ftr" sz="quarter" idx="11"/>
-          </p:nvPr>
-        </p:nvSpPr>
-        <p:spPr/>
-        <p:txBody>
-          <a:bodyPr/>
-          <a:lstStyle/>
-          <a:p>
-            <a:r>
-              <a:rPr lang="en-IN" sz="1200" dirty="0">
-                <a:cs typeface="Times New Roman" panose="02020603050405020304" pitchFamily="18" charset="0"/>
-              </a:rPr>
-              <a:t>Astronomical image colourisation and super-resolution using GANS</a:t>
-            </a:r>
-            <a:endParaRPr lang="en-IN" dirty="0"/>
-          </a:p>
-        </p:txBody>
-      </p:sp>
-      <p:pic>
-        <p:nvPicPr>
-          <p:cNvPr id="4" name="Picture 1"/>
-          <p:cNvPicPr>
-            <a:picLocks noChangeAspect="1" noChangeArrowheads="1"/>
-          </p:cNvPicPr>
-          <p:nvPr/>
-        </p:nvPicPr>
-        <p:blipFill>
-          <a:blip r:embed="rId2" cstate="print">
-            <a:extLst>
-              <a:ext uri="{28A0092B-C50C-407E-A947-70E740481C1C}">
-                <a14:useLocalDpi xmlns:a14="http://schemas.microsoft.com/office/drawing/2010/main" val="0"/>
-              </a:ext>
-            </a:extLst>
-          </a:blip>
-          <a:stretch>
-            <a:fillRect/>
-          </a:stretch>
-        </p:blipFill>
-        <p:spPr bwMode="auto">
-          <a:xfrm>
-            <a:off x="10919540" y="150750"/>
-            <a:ext cx="1233271" cy="1029803"/>
-          </a:xfrm>
-          <a:prstGeom prst="rect">
-            <a:avLst/>
-          </a:prstGeom>
-          <a:noFill/>
-          <a:ln w="9525">
-            <a:noFill/>
-            <a:miter lim="800000"/>
-            <a:headEnd/>
-            <a:tailEnd/>
-          </a:ln>
-        </p:spPr>
-      </p:pic>
-    </p:spTree>
-    <p:extLst>
-      <p:ext uri="{BB962C8B-B14F-4D97-AF65-F5344CB8AC3E}">
-        <p14:creationId xmlns:p14="http://schemas.microsoft.com/office/powerpoint/2010/main" val="1069410040"/>
       </p:ext>
     </p:extLst>
   </p:cSld>
@@ -8915,21 +13886,19 @@
           <a:bodyPr/>
           <a:lstStyle/>
           <a:p>
-            <a:pPr marL="285750" indent="-285750">
+            <a:pPr>
               <a:lnSpc>
                 <a:spcPct val="115000"/>
               </a:lnSpc>
               <a:spcAft>
                 <a:spcPts val="1000"/>
               </a:spcAft>
-              <a:buFont typeface="Arial" panose="020B0604020202020204" pitchFamily="34" charset="0"/>
-              <a:buChar char="•"/>
             </a:pPr>
             <a:r>
               <a:rPr lang="en-US" sz="2800" dirty="0">
                 <a:effectLst/>
               </a:rPr>
-              <a:t>Results</a:t>
+              <a:t>Implementation Status</a:t>
             </a:r>
             <a:endParaRPr lang="en-IN" sz="2800" dirty="0">
               <a:effectLst/>
@@ -8949,7 +13918,12 @@
             <p:ph idx="1"/>
           </p:nvPr>
         </p:nvSpPr>
-        <p:spPr/>
+        <p:spPr>
+          <a:xfrm>
+            <a:off x="1103382" y="2288220"/>
+            <a:ext cx="9982200" cy="4572000"/>
+          </a:xfrm>
+        </p:spPr>
         <p:txBody>
           <a:bodyPr>
             <a:normAutofit/>
@@ -8968,7 +13942,7 @@
             </a:pPr>
             <a:r>
               <a:rPr lang="en-US" dirty="0"/>
-              <a:t> A proper testing pipeline has yet to be set up that will compare the output images with the ground truth</a:t>
+              <a:t>We try different models to find the most efficient methodology to colorize the images</a:t>
             </a:r>
           </a:p>
           <a:p>
@@ -8984,7 +13958,7 @@
             </a:pPr>
             <a:r>
               <a:rPr lang="en-US" dirty="0"/>
-              <a:t>The images will be evaluated over L2 loss</a:t>
+              <a:t>Different U-net architectures have been trained over the COCO dataset so as to generalize the model to a greater extent.</a:t>
             </a:r>
           </a:p>
           <a:p>
@@ -9000,8 +13974,37 @@
             </a:pPr>
             <a:r>
               <a:rPr lang="en-US" dirty="0"/>
-              <a:t>GANs are particularly hard to evaluate quantitatively. Having said that, we have achieved visually appealing results which, evaluated qualitatively, are quite convincing </a:t>
-            </a:r>
+              <a:t>We explore the model performance in RGB as well as L*a*b color space</a:t>
+            </a:r>
+          </a:p>
+          <a:p>
+            <a:pPr marL="228600" indent="-228600">
+              <a:lnSpc>
+                <a:spcPct val="90000"/>
+              </a:lnSpc>
+              <a:spcBef>
+                <a:spcPts val="1800"/>
+              </a:spcBef>
+              <a:buFont typeface="Wingdings" panose="05000000000000000000" pitchFamily="2" charset="2"/>
+              <a:buChar char="§"/>
+            </a:pPr>
+            <a:r>
+              <a:rPr lang="en-US" dirty="0"/>
+              <a:t>A study of different architectures namely basic U-net, ResNet18 U-net has been implemented and tested </a:t>
+            </a:r>
+          </a:p>
+          <a:p>
+            <a:pPr marL="228600" indent="-228600">
+              <a:lnSpc>
+                <a:spcPct val="90000"/>
+              </a:lnSpc>
+              <a:spcBef>
+                <a:spcPts val="1800"/>
+              </a:spcBef>
+              <a:buFont typeface="Wingdings" panose="05000000000000000000" pitchFamily="2" charset="2"/>
+              <a:buChar char="§"/>
+            </a:pPr>
+            <a:endParaRPr lang="en-US" dirty="0"/>
           </a:p>
         </p:txBody>
       </p:sp>
@@ -9067,10 +14070,78 @@
           </a:ln>
         </p:spPr>
       </p:pic>
+      <p:sp>
+        <p:nvSpPr>
+          <p:cNvPr id="2" name="TextBox 1">
+            <a:extLst>
+              <a:ext uri="{FF2B5EF4-FFF2-40B4-BE49-F238E27FC236}">
+                <a16:creationId xmlns:a16="http://schemas.microsoft.com/office/drawing/2014/main" id="{DE96EF12-1ABD-4FF4-9C9B-FDBC0CD4E1FD}"/>
+              </a:ext>
+            </a:extLst>
+          </p:cNvPr>
+          <p:cNvSpPr txBox="1"/>
+          <p:nvPr/>
+        </p:nvSpPr>
+        <p:spPr>
+          <a:xfrm>
+            <a:off x="1225118" y="6187736"/>
+            <a:ext cx="184731" cy="369332"/>
+          </a:xfrm>
+          <a:prstGeom prst="rect">
+            <a:avLst/>
+          </a:prstGeom>
+          <a:noFill/>
+        </p:spPr>
+        <p:txBody>
+          <a:bodyPr wrap="none" rtlCol="0">
+            <a:spAutoFit/>
+          </a:bodyPr>
+          <a:lstStyle/>
+          <a:p>
+            <a:endParaRPr lang="en-IN" dirty="0"/>
+          </a:p>
+        </p:txBody>
+      </p:sp>
+      <p:sp>
+        <p:nvSpPr>
+          <p:cNvPr id="3" name="TextBox 2">
+            <a:extLst>
+              <a:ext uri="{FF2B5EF4-FFF2-40B4-BE49-F238E27FC236}">
+                <a16:creationId xmlns:a16="http://schemas.microsoft.com/office/drawing/2014/main" id="{EC30AA51-2C4D-4BAB-8AF1-6A247A6FCD41}"/>
+              </a:ext>
+            </a:extLst>
+          </p:cNvPr>
+          <p:cNvSpPr txBox="1"/>
+          <p:nvPr/>
+        </p:nvSpPr>
+        <p:spPr>
+          <a:xfrm>
+            <a:off x="4663328" y="1546025"/>
+            <a:ext cx="4070782" cy="369332"/>
+          </a:xfrm>
+          <a:prstGeom prst="rect">
+            <a:avLst/>
+          </a:prstGeom>
+          <a:noFill/>
+        </p:spPr>
+        <p:txBody>
+          <a:bodyPr wrap="square" rtlCol="0">
+            <a:spAutoFit/>
+          </a:bodyPr>
+          <a:lstStyle/>
+          <a:p>
+            <a:r>
+              <a:rPr lang="en-US" b="1" dirty="0"/>
+              <a:t>Image Colorization</a:t>
+            </a:r>
+            <a:endParaRPr lang="en-IN" b="1" dirty="0"/>
+          </a:p>
+        </p:txBody>
+      </p:sp>
     </p:spTree>
     <p:extLst>
       <p:ext uri="{BB962C8B-B14F-4D97-AF65-F5344CB8AC3E}">
-        <p14:creationId xmlns:p14="http://schemas.microsoft.com/office/powerpoint/2010/main" val="3140287691"/>
+        <p14:creationId xmlns:p14="http://schemas.microsoft.com/office/powerpoint/2010/main" val="1069410040"/>
       </p:ext>
     </p:extLst>
   </p:cSld>
@@ -9840,132 +14911,6 @@
 </file>
 
 <file path=customXml/item1.xml><?xml version="1.0" encoding="utf-8"?>
-<p:properties xmlns:p="http://schemas.microsoft.com/office/2006/metadata/properties" xmlns:xsi="http://www.w3.org/2001/XMLSchema-instance" xmlns:pc="http://schemas.microsoft.com/office/infopath/2007/PartnerControls">
-  <documentManagement>
-    <APDescription xmlns="4873beb7-5857-4685-be1f-d57550cc96cc" xsi:nil="true"/>
-    <AssetExpire xmlns="4873beb7-5857-4685-be1f-d57550cc96cc">2029-01-01T08:00:00+00:00</AssetExpire>
-    <CampaignTagsTaxHTField0 xmlns="4873beb7-5857-4685-be1f-d57550cc96cc">
-      <Terms xmlns="http://schemas.microsoft.com/office/infopath/2007/PartnerControls"/>
-    </CampaignTagsTaxHTField0>
-    <IntlLangReviewDate xmlns="4873beb7-5857-4685-be1f-d57550cc96cc" xsi:nil="true"/>
-    <TPFriendlyName xmlns="4873beb7-5857-4685-be1f-d57550cc96cc" xsi:nil="true"/>
-    <IntlLangReview xmlns="4873beb7-5857-4685-be1f-d57550cc96cc">false</IntlLangReview>
-    <LocLastLocAttemptVersionLookup xmlns="4873beb7-5857-4685-be1f-d57550cc96cc">855024</LocLastLocAttemptVersionLookup>
-    <PolicheckWords xmlns="4873beb7-5857-4685-be1f-d57550cc96cc" xsi:nil="true"/>
-    <SubmitterId xmlns="4873beb7-5857-4685-be1f-d57550cc96cc" xsi:nil="true"/>
-    <AcquiredFrom xmlns="4873beb7-5857-4685-be1f-d57550cc96cc">Internal MS</AcquiredFrom>
-    <EditorialStatus xmlns="4873beb7-5857-4685-be1f-d57550cc96cc">Complete</EditorialStatus>
-    <Markets xmlns="4873beb7-5857-4685-be1f-d57550cc96cc"/>
-    <OriginAsset xmlns="4873beb7-5857-4685-be1f-d57550cc96cc" xsi:nil="true"/>
-    <AssetStart xmlns="4873beb7-5857-4685-be1f-d57550cc96cc">2012-08-31T08:50:00+00:00</AssetStart>
-    <FriendlyTitle xmlns="4873beb7-5857-4685-be1f-d57550cc96cc" xsi:nil="true"/>
-    <MarketSpecific xmlns="4873beb7-5857-4685-be1f-d57550cc96cc">false</MarketSpecific>
-    <TPNamespace xmlns="4873beb7-5857-4685-be1f-d57550cc96cc" xsi:nil="true"/>
-    <PublishStatusLookup xmlns="4873beb7-5857-4685-be1f-d57550cc96cc">
-      <Value>1616423</Value>
-    </PublishStatusLookup>
-    <APAuthor xmlns="4873beb7-5857-4685-be1f-d57550cc96cc">
-      <UserInfo>
-        <DisplayName>REDMOND\kristaa</DisplayName>
-        <AccountId>136</AccountId>
-        <AccountType/>
-      </UserInfo>
-    </APAuthor>
-    <TPCommandLine xmlns="4873beb7-5857-4685-be1f-d57550cc96cc" xsi:nil="true"/>
-    <IntlLangReviewer xmlns="4873beb7-5857-4685-be1f-d57550cc96cc" xsi:nil="true"/>
-    <OpenTemplate xmlns="4873beb7-5857-4685-be1f-d57550cc96cc">true</OpenTemplate>
-    <CSXSubmissionDate xmlns="4873beb7-5857-4685-be1f-d57550cc96cc" xsi:nil="true"/>
-    <TaxCatchAll xmlns="4873beb7-5857-4685-be1f-d57550cc96cc"/>
-    <Manager xmlns="4873beb7-5857-4685-be1f-d57550cc96cc" xsi:nil="true"/>
-    <NumericId xmlns="4873beb7-5857-4685-be1f-d57550cc96cc" xsi:nil="true"/>
-    <ParentAssetId xmlns="4873beb7-5857-4685-be1f-d57550cc96cc" xsi:nil="true"/>
-    <OriginalSourceMarket xmlns="4873beb7-5857-4685-be1f-d57550cc96cc" xsi:nil="true"/>
-    <ApprovalStatus xmlns="4873beb7-5857-4685-be1f-d57550cc96cc">InProgress</ApprovalStatus>
-    <TPComponent xmlns="4873beb7-5857-4685-be1f-d57550cc96cc" xsi:nil="true"/>
-    <EditorialTags xmlns="4873beb7-5857-4685-be1f-d57550cc96cc" xsi:nil="true"/>
-    <TPExecutable xmlns="4873beb7-5857-4685-be1f-d57550cc96cc" xsi:nil="true"/>
-    <TPLaunchHelpLink xmlns="4873beb7-5857-4685-be1f-d57550cc96cc" xsi:nil="true"/>
-    <LocComments xmlns="4873beb7-5857-4685-be1f-d57550cc96cc" xsi:nil="true"/>
-    <LocRecommendedHandoff xmlns="4873beb7-5857-4685-be1f-d57550cc96cc" xsi:nil="true"/>
-    <SourceTitle xmlns="4873beb7-5857-4685-be1f-d57550cc96cc" xsi:nil="true"/>
-    <CSXUpdate xmlns="4873beb7-5857-4685-be1f-d57550cc96cc">false</CSXUpdate>
-    <IntlLocPriority xmlns="4873beb7-5857-4685-be1f-d57550cc96cc" xsi:nil="true"/>
-    <UAProjectedTotalWords xmlns="4873beb7-5857-4685-be1f-d57550cc96cc" xsi:nil="true"/>
-    <AssetType xmlns="4873beb7-5857-4685-be1f-d57550cc96cc">TP</AssetType>
-    <MachineTranslated xmlns="4873beb7-5857-4685-be1f-d57550cc96cc">false</MachineTranslated>
-    <OutputCachingOn xmlns="4873beb7-5857-4685-be1f-d57550cc96cc">false</OutputCachingOn>
-    <TemplateStatus xmlns="4873beb7-5857-4685-be1f-d57550cc96cc">Complete</TemplateStatus>
-    <IsSearchable xmlns="4873beb7-5857-4685-be1f-d57550cc96cc">true</IsSearchable>
-    <ContentItem xmlns="4873beb7-5857-4685-be1f-d57550cc96cc" xsi:nil="true"/>
-    <HandoffToMSDN xmlns="4873beb7-5857-4685-be1f-d57550cc96cc" xsi:nil="true"/>
-    <ShowIn xmlns="4873beb7-5857-4685-be1f-d57550cc96cc">Show everywhere</ShowIn>
-    <ThumbnailAssetId xmlns="4873beb7-5857-4685-be1f-d57550cc96cc" xsi:nil="true"/>
-    <UALocComments xmlns="4873beb7-5857-4685-be1f-d57550cc96cc" xsi:nil="true"/>
-    <UALocRecommendation xmlns="4873beb7-5857-4685-be1f-d57550cc96cc">Localize</UALocRecommendation>
-    <LastModifiedDateTime xmlns="4873beb7-5857-4685-be1f-d57550cc96cc" xsi:nil="true"/>
-    <LegacyData xmlns="4873beb7-5857-4685-be1f-d57550cc96cc" xsi:nil="true"/>
-    <LocManualTestRequired xmlns="4873beb7-5857-4685-be1f-d57550cc96cc">false</LocManualTestRequired>
-    <LocMarketGroupTiers2 xmlns="4873beb7-5857-4685-be1f-d57550cc96cc" xsi:nil="true"/>
-    <ClipArtFilename xmlns="4873beb7-5857-4685-be1f-d57550cc96cc" xsi:nil="true"/>
-    <TPApplication xmlns="4873beb7-5857-4685-be1f-d57550cc96cc" xsi:nil="true"/>
-    <CSXHash xmlns="4873beb7-5857-4685-be1f-d57550cc96cc" xsi:nil="true"/>
-    <DirectSourceMarket xmlns="4873beb7-5857-4685-be1f-d57550cc96cc" xsi:nil="true"/>
-    <PrimaryImageGen xmlns="4873beb7-5857-4685-be1f-d57550cc96cc">true</PrimaryImageGen>
-    <PlannedPubDate xmlns="4873beb7-5857-4685-be1f-d57550cc96cc" xsi:nil="true"/>
-    <CSXSubmissionMarket xmlns="4873beb7-5857-4685-be1f-d57550cc96cc" xsi:nil="true"/>
-    <Downloads xmlns="4873beb7-5857-4685-be1f-d57550cc96cc">0</Downloads>
-    <ArtSampleDocs xmlns="4873beb7-5857-4685-be1f-d57550cc96cc" xsi:nil="true"/>
-    <TrustLevel xmlns="4873beb7-5857-4685-be1f-d57550cc96cc">1 Microsoft Managed Content</TrustLevel>
-    <BlockPublish xmlns="4873beb7-5857-4685-be1f-d57550cc96cc">false</BlockPublish>
-    <TPLaunchHelpLinkType xmlns="4873beb7-5857-4685-be1f-d57550cc96cc">Template</TPLaunchHelpLinkType>
-    <LocalizationTagsTaxHTField0 xmlns="4873beb7-5857-4685-be1f-d57550cc96cc">
-      <Terms xmlns="http://schemas.microsoft.com/office/infopath/2007/PartnerControls"/>
-    </LocalizationTagsTaxHTField0>
-    <BusinessGroup xmlns="4873beb7-5857-4685-be1f-d57550cc96cc" xsi:nil="true"/>
-    <Providers xmlns="4873beb7-5857-4685-be1f-d57550cc96cc" xsi:nil="true"/>
-    <TemplateTemplateType xmlns="4873beb7-5857-4685-be1f-d57550cc96cc">PowerPoint Presentation Template</TemplateTemplateType>
-    <TimesCloned xmlns="4873beb7-5857-4685-be1f-d57550cc96cc" xsi:nil="true"/>
-    <TPAppVersion xmlns="4873beb7-5857-4685-be1f-d57550cc96cc" xsi:nil="true"/>
-    <VoteCount xmlns="4873beb7-5857-4685-be1f-d57550cc96cc" xsi:nil="true"/>
-    <AverageRating xmlns="4873beb7-5857-4685-be1f-d57550cc96cc" xsi:nil="true"/>
-    <FeatureTagsTaxHTField0 xmlns="4873beb7-5857-4685-be1f-d57550cc96cc">
-      <Terms xmlns="http://schemas.microsoft.com/office/infopath/2007/PartnerControls"/>
-    </FeatureTagsTaxHTField0>
-    <Provider xmlns="4873beb7-5857-4685-be1f-d57550cc96cc" xsi:nil="true"/>
-    <UACurrentWords xmlns="4873beb7-5857-4685-be1f-d57550cc96cc" xsi:nil="true"/>
-    <AssetId xmlns="4873beb7-5857-4685-be1f-d57550cc96cc">TP103431361</AssetId>
-    <TPClientViewer xmlns="4873beb7-5857-4685-be1f-d57550cc96cc" xsi:nil="true"/>
-    <DSATActionTaken xmlns="4873beb7-5857-4685-be1f-d57550cc96cc" xsi:nil="true"/>
-    <APEditor xmlns="4873beb7-5857-4685-be1f-d57550cc96cc">
-      <UserInfo>
-        <DisplayName/>
-        <AccountId xsi:nil="true"/>
-        <AccountType/>
-      </UserInfo>
-    </APEditor>
-    <TPInstallLocation xmlns="4873beb7-5857-4685-be1f-d57550cc96cc" xsi:nil="true"/>
-    <OOCacheId xmlns="4873beb7-5857-4685-be1f-d57550cc96cc" xsi:nil="true"/>
-    <IsDeleted xmlns="4873beb7-5857-4685-be1f-d57550cc96cc">false</IsDeleted>
-    <PublishTargets xmlns="4873beb7-5857-4685-be1f-d57550cc96cc">OfficeOnlineVNext</PublishTargets>
-    <ApprovalLog xmlns="4873beb7-5857-4685-be1f-d57550cc96cc" xsi:nil="true"/>
-    <BugNumber xmlns="4873beb7-5857-4685-be1f-d57550cc96cc" xsi:nil="true"/>
-    <CrawlForDependencies xmlns="4873beb7-5857-4685-be1f-d57550cc96cc">false</CrawlForDependencies>
-    <InternalTagsTaxHTField0 xmlns="4873beb7-5857-4685-be1f-d57550cc96cc">
-      <Terms xmlns="http://schemas.microsoft.com/office/infopath/2007/PartnerControls"/>
-    </InternalTagsTaxHTField0>
-    <LastHandOff xmlns="4873beb7-5857-4685-be1f-d57550cc96cc" xsi:nil="true"/>
-    <Milestone xmlns="4873beb7-5857-4685-be1f-d57550cc96cc" xsi:nil="true"/>
-    <OriginalRelease xmlns="4873beb7-5857-4685-be1f-d57550cc96cc">15</OriginalRelease>
-    <RecommendationsModifier xmlns="4873beb7-5857-4685-be1f-d57550cc96cc" xsi:nil="true"/>
-    <ScenarioTagsTaxHTField0 xmlns="4873beb7-5857-4685-be1f-d57550cc96cc">
-      <Terms xmlns="http://schemas.microsoft.com/office/infopath/2007/PartnerControls"/>
-    </ScenarioTagsTaxHTField0>
-    <UANotes xmlns="4873beb7-5857-4685-be1f-d57550cc96cc" xsi:nil="true"/>
-  </documentManagement>
-</p:properties>
-</file>
-
-<file path=customXml/item2.xml><?xml version="1.0" encoding="utf-8"?>
 <?mso-contentType ?>
 <FormTemplates xmlns="http://schemas.microsoft.com/sharepoint/v3/contenttype/forms">
   <Display>DocumentLibraryForm</Display>
@@ -9974,7 +14919,7 @@
 </FormTemplates>
 </file>
 
-<file path=customXml/item3.xml><?xml version="1.0" encoding="utf-8"?>
+<file path=customXml/item2.xml><?xml version="1.0" encoding="utf-8"?>
 <ct:contentTypeSchema xmlns:ct="http://schemas.microsoft.com/office/2006/metadata/contentType" xmlns:ma="http://schemas.microsoft.com/office/2006/metadata/properties/metaAttributes" ct:_="" ma:_="" ma:contentTypeName="TemplateFile" ma:contentTypeID="0x0101006EDDDB5EE6D98C44930B742096920B300400F5B6D36B3EF94B4E9A635CDF2A18F5B8" ma:contentTypeVersion="72" ma:contentTypeDescription="Create a new document." ma:contentTypeScope="" ma:versionID="a23e56308344d904b51738559c3d67c9">
   <xsd:schema xmlns:xsd="http://www.w3.org/2001/XMLSchema" xmlns:xs="http://www.w3.org/2001/XMLSchema" xmlns:p="http://schemas.microsoft.com/office/2006/metadata/properties" xmlns:ns2="4873beb7-5857-4685-be1f-d57550cc96cc" targetNamespace="http://schemas.microsoft.com/office/2006/metadata/properties" ma:root="true" ma:fieldsID="cd0908cc4600e77bf5da051303e00c8d" ns2:_="">
     <xsd:import namespace="4873beb7-5857-4685-be1f-d57550cc96cc"/>
@@ -11014,23 +15959,133 @@
 </ct:contentTypeSchema>
 </file>
 
-<file path=customXml/itemProps1.xml><?xml version="1.0" encoding="utf-8"?>
-<ds:datastoreItem xmlns:ds="http://schemas.openxmlformats.org/officeDocument/2006/customXml" ds:itemID="{8CDDBB83-77C1-4099-A0AA-289882E745E2}">
-  <ds:schemaRefs>
-    <ds:schemaRef ds:uri="http://purl.org/dc/elements/1.1/"/>
-    <ds:schemaRef ds:uri="http://schemas.microsoft.com/office/2006/metadata/properties"/>
-    <ds:schemaRef ds:uri="4873beb7-5857-4685-be1f-d57550cc96cc"/>
-    <ds:schemaRef ds:uri="http://schemas.openxmlformats.org/package/2006/metadata/core-properties"/>
-    <ds:schemaRef ds:uri="http://purl.org/dc/terms/"/>
-    <ds:schemaRef ds:uri="http://schemas.microsoft.com/office/2006/documentManagement/types"/>
-    <ds:schemaRef ds:uri="http://schemas.microsoft.com/office/infopath/2007/PartnerControls"/>
-    <ds:schemaRef ds:uri="http://www.w3.org/XML/1998/namespace"/>
-    <ds:schemaRef ds:uri="http://purl.org/dc/dcmitype/"/>
-  </ds:schemaRefs>
-</ds:datastoreItem>
+<file path=customXml/item3.xml><?xml version="1.0" encoding="utf-8"?>
+<p:properties xmlns:p="http://schemas.microsoft.com/office/2006/metadata/properties" xmlns:xsi="http://www.w3.org/2001/XMLSchema-instance" xmlns:pc="http://schemas.microsoft.com/office/infopath/2007/PartnerControls">
+  <documentManagement>
+    <APDescription xmlns="4873beb7-5857-4685-be1f-d57550cc96cc" xsi:nil="true"/>
+    <AssetExpire xmlns="4873beb7-5857-4685-be1f-d57550cc96cc">2029-01-01T08:00:00+00:00</AssetExpire>
+    <CampaignTagsTaxHTField0 xmlns="4873beb7-5857-4685-be1f-d57550cc96cc">
+      <Terms xmlns="http://schemas.microsoft.com/office/infopath/2007/PartnerControls"/>
+    </CampaignTagsTaxHTField0>
+    <IntlLangReviewDate xmlns="4873beb7-5857-4685-be1f-d57550cc96cc" xsi:nil="true"/>
+    <TPFriendlyName xmlns="4873beb7-5857-4685-be1f-d57550cc96cc" xsi:nil="true"/>
+    <IntlLangReview xmlns="4873beb7-5857-4685-be1f-d57550cc96cc">false</IntlLangReview>
+    <LocLastLocAttemptVersionLookup xmlns="4873beb7-5857-4685-be1f-d57550cc96cc">855024</LocLastLocAttemptVersionLookup>
+    <PolicheckWords xmlns="4873beb7-5857-4685-be1f-d57550cc96cc" xsi:nil="true"/>
+    <SubmitterId xmlns="4873beb7-5857-4685-be1f-d57550cc96cc" xsi:nil="true"/>
+    <AcquiredFrom xmlns="4873beb7-5857-4685-be1f-d57550cc96cc">Internal MS</AcquiredFrom>
+    <EditorialStatus xmlns="4873beb7-5857-4685-be1f-d57550cc96cc">Complete</EditorialStatus>
+    <Markets xmlns="4873beb7-5857-4685-be1f-d57550cc96cc"/>
+    <OriginAsset xmlns="4873beb7-5857-4685-be1f-d57550cc96cc" xsi:nil="true"/>
+    <AssetStart xmlns="4873beb7-5857-4685-be1f-d57550cc96cc">2012-08-31T08:50:00+00:00</AssetStart>
+    <FriendlyTitle xmlns="4873beb7-5857-4685-be1f-d57550cc96cc" xsi:nil="true"/>
+    <MarketSpecific xmlns="4873beb7-5857-4685-be1f-d57550cc96cc">false</MarketSpecific>
+    <TPNamespace xmlns="4873beb7-5857-4685-be1f-d57550cc96cc" xsi:nil="true"/>
+    <PublishStatusLookup xmlns="4873beb7-5857-4685-be1f-d57550cc96cc">
+      <Value>1616423</Value>
+    </PublishStatusLookup>
+    <APAuthor xmlns="4873beb7-5857-4685-be1f-d57550cc96cc">
+      <UserInfo>
+        <DisplayName>REDMOND\kristaa</DisplayName>
+        <AccountId>136</AccountId>
+        <AccountType/>
+      </UserInfo>
+    </APAuthor>
+    <TPCommandLine xmlns="4873beb7-5857-4685-be1f-d57550cc96cc" xsi:nil="true"/>
+    <IntlLangReviewer xmlns="4873beb7-5857-4685-be1f-d57550cc96cc" xsi:nil="true"/>
+    <OpenTemplate xmlns="4873beb7-5857-4685-be1f-d57550cc96cc">true</OpenTemplate>
+    <CSXSubmissionDate xmlns="4873beb7-5857-4685-be1f-d57550cc96cc" xsi:nil="true"/>
+    <TaxCatchAll xmlns="4873beb7-5857-4685-be1f-d57550cc96cc"/>
+    <Manager xmlns="4873beb7-5857-4685-be1f-d57550cc96cc" xsi:nil="true"/>
+    <NumericId xmlns="4873beb7-5857-4685-be1f-d57550cc96cc" xsi:nil="true"/>
+    <ParentAssetId xmlns="4873beb7-5857-4685-be1f-d57550cc96cc" xsi:nil="true"/>
+    <OriginalSourceMarket xmlns="4873beb7-5857-4685-be1f-d57550cc96cc" xsi:nil="true"/>
+    <ApprovalStatus xmlns="4873beb7-5857-4685-be1f-d57550cc96cc">InProgress</ApprovalStatus>
+    <TPComponent xmlns="4873beb7-5857-4685-be1f-d57550cc96cc" xsi:nil="true"/>
+    <EditorialTags xmlns="4873beb7-5857-4685-be1f-d57550cc96cc" xsi:nil="true"/>
+    <TPExecutable xmlns="4873beb7-5857-4685-be1f-d57550cc96cc" xsi:nil="true"/>
+    <TPLaunchHelpLink xmlns="4873beb7-5857-4685-be1f-d57550cc96cc" xsi:nil="true"/>
+    <LocComments xmlns="4873beb7-5857-4685-be1f-d57550cc96cc" xsi:nil="true"/>
+    <LocRecommendedHandoff xmlns="4873beb7-5857-4685-be1f-d57550cc96cc" xsi:nil="true"/>
+    <SourceTitle xmlns="4873beb7-5857-4685-be1f-d57550cc96cc" xsi:nil="true"/>
+    <CSXUpdate xmlns="4873beb7-5857-4685-be1f-d57550cc96cc">false</CSXUpdate>
+    <IntlLocPriority xmlns="4873beb7-5857-4685-be1f-d57550cc96cc" xsi:nil="true"/>
+    <UAProjectedTotalWords xmlns="4873beb7-5857-4685-be1f-d57550cc96cc" xsi:nil="true"/>
+    <AssetType xmlns="4873beb7-5857-4685-be1f-d57550cc96cc">TP</AssetType>
+    <MachineTranslated xmlns="4873beb7-5857-4685-be1f-d57550cc96cc">false</MachineTranslated>
+    <OutputCachingOn xmlns="4873beb7-5857-4685-be1f-d57550cc96cc">false</OutputCachingOn>
+    <TemplateStatus xmlns="4873beb7-5857-4685-be1f-d57550cc96cc">Complete</TemplateStatus>
+    <IsSearchable xmlns="4873beb7-5857-4685-be1f-d57550cc96cc">true</IsSearchable>
+    <ContentItem xmlns="4873beb7-5857-4685-be1f-d57550cc96cc" xsi:nil="true"/>
+    <HandoffToMSDN xmlns="4873beb7-5857-4685-be1f-d57550cc96cc" xsi:nil="true"/>
+    <ShowIn xmlns="4873beb7-5857-4685-be1f-d57550cc96cc">Show everywhere</ShowIn>
+    <ThumbnailAssetId xmlns="4873beb7-5857-4685-be1f-d57550cc96cc" xsi:nil="true"/>
+    <UALocComments xmlns="4873beb7-5857-4685-be1f-d57550cc96cc" xsi:nil="true"/>
+    <UALocRecommendation xmlns="4873beb7-5857-4685-be1f-d57550cc96cc">Localize</UALocRecommendation>
+    <LastModifiedDateTime xmlns="4873beb7-5857-4685-be1f-d57550cc96cc" xsi:nil="true"/>
+    <LegacyData xmlns="4873beb7-5857-4685-be1f-d57550cc96cc" xsi:nil="true"/>
+    <LocManualTestRequired xmlns="4873beb7-5857-4685-be1f-d57550cc96cc">false</LocManualTestRequired>
+    <LocMarketGroupTiers2 xmlns="4873beb7-5857-4685-be1f-d57550cc96cc" xsi:nil="true"/>
+    <ClipArtFilename xmlns="4873beb7-5857-4685-be1f-d57550cc96cc" xsi:nil="true"/>
+    <TPApplication xmlns="4873beb7-5857-4685-be1f-d57550cc96cc" xsi:nil="true"/>
+    <CSXHash xmlns="4873beb7-5857-4685-be1f-d57550cc96cc" xsi:nil="true"/>
+    <DirectSourceMarket xmlns="4873beb7-5857-4685-be1f-d57550cc96cc" xsi:nil="true"/>
+    <PrimaryImageGen xmlns="4873beb7-5857-4685-be1f-d57550cc96cc">true</PrimaryImageGen>
+    <PlannedPubDate xmlns="4873beb7-5857-4685-be1f-d57550cc96cc" xsi:nil="true"/>
+    <CSXSubmissionMarket xmlns="4873beb7-5857-4685-be1f-d57550cc96cc" xsi:nil="true"/>
+    <Downloads xmlns="4873beb7-5857-4685-be1f-d57550cc96cc">0</Downloads>
+    <ArtSampleDocs xmlns="4873beb7-5857-4685-be1f-d57550cc96cc" xsi:nil="true"/>
+    <TrustLevel xmlns="4873beb7-5857-4685-be1f-d57550cc96cc">1 Microsoft Managed Content</TrustLevel>
+    <BlockPublish xmlns="4873beb7-5857-4685-be1f-d57550cc96cc">false</BlockPublish>
+    <TPLaunchHelpLinkType xmlns="4873beb7-5857-4685-be1f-d57550cc96cc">Template</TPLaunchHelpLinkType>
+    <LocalizationTagsTaxHTField0 xmlns="4873beb7-5857-4685-be1f-d57550cc96cc">
+      <Terms xmlns="http://schemas.microsoft.com/office/infopath/2007/PartnerControls"/>
+    </LocalizationTagsTaxHTField0>
+    <BusinessGroup xmlns="4873beb7-5857-4685-be1f-d57550cc96cc" xsi:nil="true"/>
+    <Providers xmlns="4873beb7-5857-4685-be1f-d57550cc96cc" xsi:nil="true"/>
+    <TemplateTemplateType xmlns="4873beb7-5857-4685-be1f-d57550cc96cc">PowerPoint Presentation Template</TemplateTemplateType>
+    <TimesCloned xmlns="4873beb7-5857-4685-be1f-d57550cc96cc" xsi:nil="true"/>
+    <TPAppVersion xmlns="4873beb7-5857-4685-be1f-d57550cc96cc" xsi:nil="true"/>
+    <VoteCount xmlns="4873beb7-5857-4685-be1f-d57550cc96cc" xsi:nil="true"/>
+    <AverageRating xmlns="4873beb7-5857-4685-be1f-d57550cc96cc" xsi:nil="true"/>
+    <FeatureTagsTaxHTField0 xmlns="4873beb7-5857-4685-be1f-d57550cc96cc">
+      <Terms xmlns="http://schemas.microsoft.com/office/infopath/2007/PartnerControls"/>
+    </FeatureTagsTaxHTField0>
+    <Provider xmlns="4873beb7-5857-4685-be1f-d57550cc96cc" xsi:nil="true"/>
+    <UACurrentWords xmlns="4873beb7-5857-4685-be1f-d57550cc96cc" xsi:nil="true"/>
+    <AssetId xmlns="4873beb7-5857-4685-be1f-d57550cc96cc">TP103431361</AssetId>
+    <TPClientViewer xmlns="4873beb7-5857-4685-be1f-d57550cc96cc" xsi:nil="true"/>
+    <DSATActionTaken xmlns="4873beb7-5857-4685-be1f-d57550cc96cc" xsi:nil="true"/>
+    <APEditor xmlns="4873beb7-5857-4685-be1f-d57550cc96cc">
+      <UserInfo>
+        <DisplayName/>
+        <AccountId xsi:nil="true"/>
+        <AccountType/>
+      </UserInfo>
+    </APEditor>
+    <TPInstallLocation xmlns="4873beb7-5857-4685-be1f-d57550cc96cc" xsi:nil="true"/>
+    <OOCacheId xmlns="4873beb7-5857-4685-be1f-d57550cc96cc" xsi:nil="true"/>
+    <IsDeleted xmlns="4873beb7-5857-4685-be1f-d57550cc96cc">false</IsDeleted>
+    <PublishTargets xmlns="4873beb7-5857-4685-be1f-d57550cc96cc">OfficeOnlineVNext</PublishTargets>
+    <ApprovalLog xmlns="4873beb7-5857-4685-be1f-d57550cc96cc" xsi:nil="true"/>
+    <BugNumber xmlns="4873beb7-5857-4685-be1f-d57550cc96cc" xsi:nil="true"/>
+    <CrawlForDependencies xmlns="4873beb7-5857-4685-be1f-d57550cc96cc">false</CrawlForDependencies>
+    <InternalTagsTaxHTField0 xmlns="4873beb7-5857-4685-be1f-d57550cc96cc">
+      <Terms xmlns="http://schemas.microsoft.com/office/infopath/2007/PartnerControls"/>
+    </InternalTagsTaxHTField0>
+    <LastHandOff xmlns="4873beb7-5857-4685-be1f-d57550cc96cc" xsi:nil="true"/>
+    <Milestone xmlns="4873beb7-5857-4685-be1f-d57550cc96cc" xsi:nil="true"/>
+    <OriginalRelease xmlns="4873beb7-5857-4685-be1f-d57550cc96cc">15</OriginalRelease>
+    <RecommendationsModifier xmlns="4873beb7-5857-4685-be1f-d57550cc96cc" xsi:nil="true"/>
+    <ScenarioTagsTaxHTField0 xmlns="4873beb7-5857-4685-be1f-d57550cc96cc">
+      <Terms xmlns="http://schemas.microsoft.com/office/infopath/2007/PartnerControls"/>
+    </ScenarioTagsTaxHTField0>
+    <UANotes xmlns="4873beb7-5857-4685-be1f-d57550cc96cc" xsi:nil="true"/>
+  </documentManagement>
+</p:properties>
 </file>
 
-<file path=customXml/itemProps2.xml><?xml version="1.0" encoding="utf-8"?>
+<file path=customXml/itemProps1.xml><?xml version="1.0" encoding="utf-8"?>
 <ds:datastoreItem xmlns:ds="http://schemas.openxmlformats.org/officeDocument/2006/customXml" ds:itemID="{561E720F-F05D-4536-9C34-0CFCED65D3B7}">
   <ds:schemaRefs>
     <ds:schemaRef ds:uri="http://schemas.microsoft.com/sharepoint/v3/contenttype/forms"/>
@@ -11038,7 +16093,7 @@
 </ds:datastoreItem>
 </file>
 
-<file path=customXml/itemProps3.xml><?xml version="1.0" encoding="utf-8"?>
+<file path=customXml/itemProps2.xml><?xml version="1.0" encoding="utf-8"?>
 <ds:datastoreItem xmlns:ds="http://schemas.openxmlformats.org/officeDocument/2006/customXml" ds:itemID="{28C8B9CA-0273-4370-889A-FC05DA5C2FA5}">
   <ds:schemaRefs>
     <ds:schemaRef ds:uri="http://schemas.microsoft.com/office/2006/metadata/contentType"/>
@@ -11054,4 +16109,20 @@
     <ds:schemaRef ds:uri="http://schemas.microsoft.com/internal/obd"/>
   </ds:schemaRefs>
 </ds:datastoreItem>
+</file>
+
+<file path=customXml/itemProps3.xml><?xml version="1.0" encoding="utf-8"?>
+<ds:datastoreItem xmlns:ds="http://schemas.openxmlformats.org/officeDocument/2006/customXml" ds:itemID="{8CDDBB83-77C1-4099-A0AA-289882E745E2}">
+  <ds:schemaRefs>
+    <ds:schemaRef ds:uri="http://purl.org/dc/terms/"/>
+    <ds:schemaRef ds:uri="http://schemas.microsoft.com/office/2006/documentManagement/types"/>
+    <ds:schemaRef ds:uri="http://purl.org/dc/dcmitype/"/>
+    <ds:schemaRef ds:uri="http://schemas.openxmlformats.org/package/2006/metadata/core-properties"/>
+    <ds:schemaRef ds:uri="http://purl.org/dc/elements/1.1/"/>
+    <ds:schemaRef ds:uri="http://schemas.microsoft.com/office/2006/metadata/properties"/>
+    <ds:schemaRef ds:uri="http://schemas.microsoft.com/office/infopath/2007/PartnerControls"/>
+    <ds:schemaRef ds:uri="4873beb7-5857-4685-be1f-d57550cc96cc"/>
+    <ds:schemaRef ds:uri="http://www.w3.org/XML/1998/namespace"/>
+  </ds:schemaRefs>
+</ds:datastoreItem>
 </file>